--- a/Vendor_Boards/Microchip_PICDEM 2 plus_board_2010/tutorials/GCBASIC_Part15_Interrupt.pptx
+++ b/Vendor_Boards/Microchip_PICDEM 2 plus_board_2010/tutorials/GCBASIC_Part15_Interrupt.pptx
@@ -5,30 +5,33 @@
     <p:sldMasterId id="2147483660" r:id="rId1"/>
   </p:sldMasterIdLst>
   <p:notesMasterIdLst>
-    <p:notesMasterId r:id="rId20"/>
+    <p:notesMasterId r:id="rId23"/>
   </p:notesMasterIdLst>
   <p:handoutMasterIdLst>
-    <p:handoutMasterId r:id="rId21"/>
+    <p:handoutMasterId r:id="rId24"/>
   </p:handoutMasterIdLst>
   <p:sldIdLst>
-    <p:sldId id="294" r:id="rId2"/>
-    <p:sldId id="256" r:id="rId3"/>
-    <p:sldId id="295" r:id="rId4"/>
-    <p:sldId id="283" r:id="rId5"/>
-    <p:sldId id="296" r:id="rId6"/>
-    <p:sldId id="282" r:id="rId7"/>
-    <p:sldId id="291" r:id="rId8"/>
-    <p:sldId id="350" r:id="rId9"/>
-    <p:sldId id="348" r:id="rId10"/>
-    <p:sldId id="354" r:id="rId11"/>
-    <p:sldId id="355" r:id="rId12"/>
-    <p:sldId id="356" r:id="rId13"/>
-    <p:sldId id="357" r:id="rId14"/>
-    <p:sldId id="358" r:id="rId15"/>
-    <p:sldId id="359" r:id="rId16"/>
-    <p:sldId id="288" r:id="rId17"/>
-    <p:sldId id="353" r:id="rId18"/>
-    <p:sldId id="352" r:id="rId19"/>
+    <p:sldId id="360" r:id="rId2"/>
+    <p:sldId id="362" r:id="rId3"/>
+    <p:sldId id="363" r:id="rId4"/>
+    <p:sldId id="364" r:id="rId5"/>
+    <p:sldId id="365" r:id="rId6"/>
+    <p:sldId id="366" r:id="rId7"/>
+    <p:sldId id="367" r:id="rId8"/>
+    <p:sldId id="368" r:id="rId9"/>
+    <p:sldId id="373" r:id="rId10"/>
+    <p:sldId id="374" r:id="rId11"/>
+    <p:sldId id="369" r:id="rId12"/>
+    <p:sldId id="354" r:id="rId13"/>
+    <p:sldId id="370" r:id="rId14"/>
+    <p:sldId id="355" r:id="rId15"/>
+    <p:sldId id="356" r:id="rId16"/>
+    <p:sldId id="357" r:id="rId17"/>
+    <p:sldId id="358" r:id="rId18"/>
+    <p:sldId id="359" r:id="rId19"/>
+    <p:sldId id="288" r:id="rId20"/>
+    <p:sldId id="372" r:id="rId21"/>
+    <p:sldId id="371" r:id="rId22"/>
   </p:sldIdLst>
   <p:sldSz cx="9144000" cy="5143500" type="screen16x9"/>
   <p:notesSz cx="6858000" cy="9144000"/>
@@ -213,7 +216,7 @@
             <a:fld id="{742E545A-AB39-44F0-B5A6-04A90C6C9399}" type="datetimeFigureOut">
               <a:rPr lang="en-GB" smtClean="0"/>
               <a:pPr/>
-              <a:t>12/12/2024</a:t>
+              <a:t>28/01/2025</a:t>
             </a:fld>
             <a:endParaRPr lang="en-GB" dirty="0"/>
           </a:p>
@@ -380,7 +383,7 @@
             <a:fld id="{FF100B3C-2E11-428B-8555-A77018253716}" type="datetimeFigureOut">
               <a:rPr lang="en-GB" smtClean="0"/>
               <a:pPr/>
-              <a:t>12/12/2024</a:t>
+              <a:t>28/01/2025</a:t>
             </a:fld>
             <a:endParaRPr lang="en-GB" dirty="0"/>
           </a:p>
@@ -651,91 +654,6 @@
 </p:notesMaster>
 </file>
 
-<file path=ppt/notesSlides/notesSlide1.xml><?xml version="1.0" encoding="utf-8"?>
-<p:notes xmlns:a="http://schemas.openxmlformats.org/drawingml/2006/main" xmlns:r="http://schemas.openxmlformats.org/officeDocument/2006/relationships" xmlns:p="http://schemas.openxmlformats.org/presentationml/2006/main">
-  <p:cSld>
-    <p:spTree>
-      <p:nvGrpSpPr>
-        <p:cNvPr id="1" name=""/>
-        <p:cNvGrpSpPr/>
-        <p:nvPr/>
-      </p:nvGrpSpPr>
-      <p:grpSpPr>
-        <a:xfrm>
-          <a:off x="0" y="0"/>
-          <a:ext cx="0" cy="0"/>
-          <a:chOff x="0" y="0"/>
-          <a:chExt cx="0" cy="0"/>
-        </a:xfrm>
-      </p:grpSpPr>
-      <p:sp>
-        <p:nvSpPr>
-          <p:cNvPr id="2" name="Slide Image Placeholder 1"/>
-          <p:cNvSpPr>
-            <a:spLocks noGrp="1" noRot="1" noChangeAspect="1"/>
-          </p:cNvSpPr>
-          <p:nvPr>
-            <p:ph type="sldImg"/>
-          </p:nvPr>
-        </p:nvSpPr>
-        <p:spPr/>
-      </p:sp>
-      <p:sp>
-        <p:nvSpPr>
-          <p:cNvPr id="3" name="Notes Placeholder 2"/>
-          <p:cNvSpPr>
-            <a:spLocks noGrp="1"/>
-          </p:cNvSpPr>
-          <p:nvPr>
-            <p:ph type="body" idx="1"/>
-          </p:nvPr>
-        </p:nvSpPr>
-        <p:spPr/>
-        <p:txBody>
-          <a:bodyPr/>
-          <a:lstStyle/>
-          <a:p>
-            <a:endParaRPr lang="en-GB" dirty="0"/>
-          </a:p>
-        </p:txBody>
-      </p:sp>
-      <p:sp>
-        <p:nvSpPr>
-          <p:cNvPr id="4" name="Slide Number Placeholder 3"/>
-          <p:cNvSpPr>
-            <a:spLocks noGrp="1"/>
-          </p:cNvSpPr>
-          <p:nvPr>
-            <p:ph type="sldNum" sz="quarter" idx="10"/>
-          </p:nvPr>
-        </p:nvSpPr>
-        <p:spPr/>
-        <p:txBody>
-          <a:bodyPr/>
-          <a:lstStyle/>
-          <a:p>
-            <a:fld id="{8733471A-AA0F-4CD3-BA89-C1C7FB68C6DB}" type="slidenum">
-              <a:rPr lang="en-GB" smtClean="0"/>
-              <a:pPr/>
-              <a:t>1</a:t>
-            </a:fld>
-            <a:endParaRPr lang="en-GB" dirty="0"/>
-          </a:p>
-        </p:txBody>
-      </p:sp>
-    </p:spTree>
-    <p:extLst>
-      <p:ext uri="{BB962C8B-B14F-4D97-AF65-F5344CB8AC3E}">
-        <p14:creationId xmlns:p14="http://schemas.microsoft.com/office/powerpoint/2010/main" val="3016735464"/>
-      </p:ext>
-    </p:extLst>
-  </p:cSld>
-  <p:clrMapOvr>
-    <a:masterClrMapping/>
-  </p:clrMapOvr>
-</p:notes>
-</file>
-
 <file path=ppt/slideLayouts/slideLayout1.xml><?xml version="1.0" encoding="utf-8"?>
 <p:sldLayout xmlns:a="http://schemas.openxmlformats.org/drawingml/2006/main" xmlns:r="http://schemas.openxmlformats.org/officeDocument/2006/relationships" xmlns:p="http://schemas.openxmlformats.org/presentationml/2006/main" preserve="1">
   <p:cSld name="Main Title">
@@ -758,7 +676,7 @@
           <p:cNvPr id="7" name="Rectangle 6">
             <a:extLst>
               <a:ext uri="{FF2B5EF4-FFF2-40B4-BE49-F238E27FC236}">
-                <a16:creationId xmlns="" xmlns:a16="http://schemas.microsoft.com/office/drawing/2014/main" id="{9C757326-0232-4CDF-81FF-302CA676961B}"/>
+                <a16:creationId xmlns:a16="http://schemas.microsoft.com/office/drawing/2014/main" xmlns="" id="{9C757326-0232-4CDF-81FF-302CA676961B}"/>
               </a:ext>
             </a:extLst>
           </p:cNvPr>
@@ -810,7 +728,7 @@
           <p:cNvPr id="8" name="Picture 7">
             <a:extLst>
               <a:ext uri="{FF2B5EF4-FFF2-40B4-BE49-F238E27FC236}">
-                <a16:creationId xmlns="" xmlns:a16="http://schemas.microsoft.com/office/drawing/2014/main" id="{4987E008-68E6-4A43-85BC-1A6ACDF91DE1}"/>
+                <a16:creationId xmlns:a16="http://schemas.microsoft.com/office/drawing/2014/main" xmlns="" id="{4987E008-68E6-4A43-85BC-1A6ACDF91DE1}"/>
               </a:ext>
             </a:extLst>
           </p:cNvPr>
@@ -839,7 +757,7 @@
           <p:cNvPr id="11" name="Picture 10">
             <a:extLst>
               <a:ext uri="{FF2B5EF4-FFF2-40B4-BE49-F238E27FC236}">
-                <a16:creationId xmlns="" xmlns:a16="http://schemas.microsoft.com/office/drawing/2014/main" id="{A1F8C892-C868-4DF6-91AB-B18CE632B10F}"/>
+                <a16:creationId xmlns:a16="http://schemas.microsoft.com/office/drawing/2014/main" xmlns="" id="{A1F8C892-C868-4DF6-91AB-B18CE632B10F}"/>
               </a:ext>
             </a:extLst>
           </p:cNvPr>
@@ -1025,7 +943,7 @@
           <p:cNvPr id="12" name="Text Placeholder 2">
             <a:extLst>
               <a:ext uri="{FF2B5EF4-FFF2-40B4-BE49-F238E27FC236}">
-                <a16:creationId xmlns="" xmlns:a16="http://schemas.microsoft.com/office/drawing/2014/main" id="{D547E580-E6D6-4D97-BB04-05795A830147}"/>
+                <a16:creationId xmlns:a16="http://schemas.microsoft.com/office/drawing/2014/main" xmlns="" id="{D547E580-E6D6-4D97-BB04-05795A830147}"/>
               </a:ext>
             </a:extLst>
           </p:cNvPr>
@@ -1178,7 +1096,7 @@
           <p:cNvPr id="9" name="Picture 8">
             <a:extLst>
               <a:ext uri="{FF2B5EF4-FFF2-40B4-BE49-F238E27FC236}">
-                <a16:creationId xmlns="" xmlns:a16="http://schemas.microsoft.com/office/drawing/2014/main" id="{7CE2C968-D10A-4226-8FDC-CBC4C7EDD0B7}"/>
+                <a16:creationId xmlns:a16="http://schemas.microsoft.com/office/drawing/2014/main" xmlns="" id="{7CE2C968-D10A-4226-8FDC-CBC4C7EDD0B7}"/>
               </a:ext>
             </a:extLst>
           </p:cNvPr>
@@ -1380,7 +1298,7 @@
             <a:fld id="{C473AACB-D821-4991-9D88-46EB8D29E619}" type="datetimeFigureOut">
               <a:rPr lang="en-GB" smtClean="0"/>
               <a:pPr/>
-              <a:t>12/12/2024</a:t>
+              <a:t>28/01/2025</a:t>
             </a:fld>
             <a:endParaRPr lang="en-GB" dirty="0"/>
           </a:p>
@@ -1464,7 +1382,7 @@
           <p:cNvPr id="9" name="Picture 8">
             <a:extLst>
               <a:ext uri="{FF2B5EF4-FFF2-40B4-BE49-F238E27FC236}">
-                <a16:creationId xmlns="" xmlns:a16="http://schemas.microsoft.com/office/drawing/2014/main" id="{6AB5D66D-00C1-40EA-BFC8-305566F10369}"/>
+                <a16:creationId xmlns:a16="http://schemas.microsoft.com/office/drawing/2014/main" xmlns="" id="{6AB5D66D-00C1-40EA-BFC8-305566F10369}"/>
               </a:ext>
             </a:extLst>
           </p:cNvPr>
@@ -1674,7 +1592,7 @@
             <a:fld id="{C473AACB-D821-4991-9D88-46EB8D29E619}" type="datetimeFigureOut">
               <a:rPr lang="en-GB" smtClean="0"/>
               <a:pPr/>
-              <a:t>12/12/2024</a:t>
+              <a:t>28/01/2025</a:t>
             </a:fld>
             <a:endParaRPr lang="en-GB" dirty="0"/>
           </a:p>
@@ -1927,7 +1845,7 @@
             <a:fld id="{C473AACB-D821-4991-9D88-46EB8D29E619}" type="datetimeFigureOut">
               <a:rPr lang="en-GB" smtClean="0"/>
               <a:pPr/>
-              <a:t>12/12/2024</a:t>
+              <a:t>28/01/2025</a:t>
             </a:fld>
             <a:endParaRPr lang="en-GB" dirty="0"/>
           </a:p>
@@ -1981,7 +1899,7 @@
           <p:cNvPr id="8" name="Picture 7">
             <a:extLst>
               <a:ext uri="{FF2B5EF4-FFF2-40B4-BE49-F238E27FC236}">
-                <a16:creationId xmlns="" xmlns:a16="http://schemas.microsoft.com/office/drawing/2014/main" id="{AD4D4CB4-D965-4BB6-B218-086244C13BAE}"/>
+                <a16:creationId xmlns:a16="http://schemas.microsoft.com/office/drawing/2014/main" xmlns="" id="{AD4D4CB4-D965-4BB6-B218-086244C13BAE}"/>
               </a:ext>
             </a:extLst>
           </p:cNvPr>
@@ -2272,7 +2190,7 @@
             <a:fld id="{C473AACB-D821-4991-9D88-46EB8D29E619}" type="datetimeFigureOut">
               <a:rPr lang="en-GB" smtClean="0"/>
               <a:pPr/>
-              <a:t>12/12/2024</a:t>
+              <a:t>28/01/2025</a:t>
             </a:fld>
             <a:endParaRPr lang="en-GB" dirty="0"/>
           </a:p>
@@ -2416,7 +2334,7 @@
           <p:cNvPr id="11" name="Picture 10">
             <a:extLst>
               <a:ext uri="{FF2B5EF4-FFF2-40B4-BE49-F238E27FC236}">
-                <a16:creationId xmlns="" xmlns:a16="http://schemas.microsoft.com/office/drawing/2014/main" id="{A3B58C4E-0EF0-466C-9740-EC9F485CBD03}"/>
+                <a16:creationId xmlns:a16="http://schemas.microsoft.com/office/drawing/2014/main" xmlns="" id="{A3B58C4E-0EF0-466C-9740-EC9F485CBD03}"/>
               </a:ext>
             </a:extLst>
           </p:cNvPr>
@@ -2644,7 +2562,7 @@
             <a:fld id="{C473AACB-D821-4991-9D88-46EB8D29E619}" type="datetimeFigureOut">
               <a:rPr lang="en-GB" smtClean="0"/>
               <a:pPr/>
-              <a:t>12/12/2024</a:t>
+              <a:t>28/01/2025</a:t>
             </a:fld>
             <a:endParaRPr lang="en-GB" dirty="0"/>
           </a:p>
@@ -2698,7 +2616,7 @@
           <p:cNvPr id="7" name="Picture 6">
             <a:extLst>
               <a:ext uri="{FF2B5EF4-FFF2-40B4-BE49-F238E27FC236}">
-                <a16:creationId xmlns="" xmlns:a16="http://schemas.microsoft.com/office/drawing/2014/main" id="{2D0B9223-1250-44AA-A6C3-F2013B85AEF3}"/>
+                <a16:creationId xmlns:a16="http://schemas.microsoft.com/office/drawing/2014/main" xmlns="" id="{2D0B9223-1250-44AA-A6C3-F2013B85AEF3}"/>
               </a:ext>
             </a:extLst>
           </p:cNvPr>
@@ -2990,7 +2908,7 @@
             <a:fld id="{C473AACB-D821-4991-9D88-46EB8D29E619}" type="datetimeFigureOut">
               <a:rPr lang="en-GB" smtClean="0"/>
               <a:pPr/>
-              <a:t>12/12/2024</a:t>
+              <a:t>28/01/2025</a:t>
             </a:fld>
             <a:endParaRPr lang="en-GB" dirty="0"/>
           </a:p>
@@ -3126,7 +3044,7 @@
           <p:cNvPr id="11" name="Picture 10">
             <a:extLst>
               <a:ext uri="{FF2B5EF4-FFF2-40B4-BE49-F238E27FC236}">
-                <a16:creationId xmlns="" xmlns:a16="http://schemas.microsoft.com/office/drawing/2014/main" id="{D49E1C7C-7E53-49A2-B2C9-52307876DB7E}"/>
+                <a16:creationId xmlns:a16="http://schemas.microsoft.com/office/drawing/2014/main" xmlns="" id="{D49E1C7C-7E53-49A2-B2C9-52307876DB7E}"/>
               </a:ext>
             </a:extLst>
           </p:cNvPr>
@@ -3414,7 +3332,7 @@
             <a:fld id="{C473AACB-D821-4991-9D88-46EB8D29E619}" type="datetimeFigureOut">
               <a:rPr lang="en-GB" smtClean="0"/>
               <a:pPr/>
-              <a:t>12/12/2024</a:t>
+              <a:t>28/01/2025</a:t>
             </a:fld>
             <a:endParaRPr lang="en-GB" dirty="0"/>
           </a:p>
@@ -3468,7 +3386,7 @@
           <p:cNvPr id="9" name="Picture 8">
             <a:extLst>
               <a:ext uri="{FF2B5EF4-FFF2-40B4-BE49-F238E27FC236}">
-                <a16:creationId xmlns="" xmlns:a16="http://schemas.microsoft.com/office/drawing/2014/main" id="{23082AB0-2BB5-46FE-9A17-15E1ACC06965}"/>
+                <a16:creationId xmlns:a16="http://schemas.microsoft.com/office/drawing/2014/main" xmlns="" id="{23082AB0-2BB5-46FE-9A17-15E1ACC06965}"/>
               </a:ext>
             </a:extLst>
           </p:cNvPr>
@@ -3527,7 +3445,7 @@
           <p:cNvPr id="8" name="Picture 7">
             <a:extLst>
               <a:ext uri="{FF2B5EF4-FFF2-40B4-BE49-F238E27FC236}">
-                <a16:creationId xmlns="" xmlns:a16="http://schemas.microsoft.com/office/drawing/2014/main" id="{1862E859-E5AF-4D76-9FC9-2355B24FF141}"/>
+                <a16:creationId xmlns:a16="http://schemas.microsoft.com/office/drawing/2014/main" xmlns="" id="{1862E859-E5AF-4D76-9FC9-2355B24FF141}"/>
               </a:ext>
             </a:extLst>
           </p:cNvPr>
@@ -3649,7 +3567,7 @@
             <a:fld id="{C473AACB-D821-4991-9D88-46EB8D29E619}" type="datetimeFigureOut">
               <a:rPr lang="en-GB" smtClean="0"/>
               <a:pPr/>
-              <a:t>12/12/2024</a:t>
+              <a:t>28/01/2025</a:t>
             </a:fld>
             <a:endParaRPr lang="en-GB" dirty="0"/>
           </a:p>
@@ -3733,7 +3651,7 @@
           <p:cNvPr id="8" name="Picture 7">
             <a:extLst>
               <a:ext uri="{FF2B5EF4-FFF2-40B4-BE49-F238E27FC236}">
-                <a16:creationId xmlns="" xmlns:a16="http://schemas.microsoft.com/office/drawing/2014/main" id="{91908D0E-7544-4687-965B-72EF64AA4C54}"/>
+                <a16:creationId xmlns:a16="http://schemas.microsoft.com/office/drawing/2014/main" xmlns="" id="{91908D0E-7544-4687-965B-72EF64AA4C54}"/>
               </a:ext>
             </a:extLst>
           </p:cNvPr>
@@ -3860,7 +3778,7 @@
             <a:fld id="{C473AACB-D821-4991-9D88-46EB8D29E619}" type="datetimeFigureOut">
               <a:rPr lang="en-GB" smtClean="0"/>
               <a:pPr/>
-              <a:t>12/12/2024</a:t>
+              <a:t>28/01/2025</a:t>
             </a:fld>
             <a:endParaRPr lang="en-GB" dirty="0"/>
           </a:p>
@@ -3944,7 +3862,7 @@
           <p:cNvPr id="8" name="Picture 7">
             <a:extLst>
               <a:ext uri="{FF2B5EF4-FFF2-40B4-BE49-F238E27FC236}">
-                <a16:creationId xmlns="" xmlns:a16="http://schemas.microsoft.com/office/drawing/2014/main" id="{5B5B8CA2-02D4-408C-B548-182D4F5F54B2}"/>
+                <a16:creationId xmlns:a16="http://schemas.microsoft.com/office/drawing/2014/main" xmlns="" id="{5B5B8CA2-02D4-408C-B548-182D4F5F54B2}"/>
               </a:ext>
             </a:extLst>
           </p:cNvPr>
@@ -4078,7 +3996,7 @@
             <a:fld id="{C473AACB-D821-4991-9D88-46EB8D29E619}" type="datetimeFigureOut">
               <a:rPr lang="en-GB" smtClean="0"/>
               <a:pPr/>
-              <a:t>12/12/2024</a:t>
+              <a:t>28/01/2025</a:t>
             </a:fld>
             <a:endParaRPr lang="en-GB" dirty="0"/>
           </a:p>
@@ -4162,7 +4080,7 @@
           <p:cNvPr id="11" name="Picture 10">
             <a:extLst>
               <a:ext uri="{FF2B5EF4-FFF2-40B4-BE49-F238E27FC236}">
-                <a16:creationId xmlns="" xmlns:a16="http://schemas.microsoft.com/office/drawing/2014/main" id="{EA8DB33B-8BF9-4C99-B31C-55246227EFDE}"/>
+                <a16:creationId xmlns:a16="http://schemas.microsoft.com/office/drawing/2014/main" xmlns="" id="{EA8DB33B-8BF9-4C99-B31C-55246227EFDE}"/>
               </a:ext>
             </a:extLst>
           </p:cNvPr>
@@ -4893,7 +4811,7 @@
             <a:fld id="{C473AACB-D821-4991-9D88-46EB8D29E619}" type="datetimeFigureOut">
               <a:rPr lang="en-GB" smtClean="0"/>
               <a:pPr/>
-              <a:t>12/12/2024</a:t>
+              <a:t>28/01/2025</a:t>
             </a:fld>
             <a:endParaRPr lang="en-GB" dirty="0"/>
           </a:p>
@@ -4977,7 +4895,7 @@
           <p:cNvPr id="11" name="Picture 10">
             <a:extLst>
               <a:ext uri="{FF2B5EF4-FFF2-40B4-BE49-F238E27FC236}">
-                <a16:creationId xmlns="" xmlns:a16="http://schemas.microsoft.com/office/drawing/2014/main" id="{EA8DB33B-8BF9-4C99-B31C-55246227EFDE}"/>
+                <a16:creationId xmlns:a16="http://schemas.microsoft.com/office/drawing/2014/main" xmlns="" id="{EA8DB33B-8BF9-4C99-B31C-55246227EFDE}"/>
               </a:ext>
             </a:extLst>
           </p:cNvPr>
@@ -5707,7 +5625,7 @@
             <a:fld id="{C473AACB-D821-4991-9D88-46EB8D29E619}" type="datetimeFigureOut">
               <a:rPr lang="en-GB" smtClean="0"/>
               <a:pPr/>
-              <a:t>12/12/2024</a:t>
+              <a:t>28/01/2025</a:t>
             </a:fld>
             <a:endParaRPr lang="en-GB" dirty="0"/>
           </a:p>
@@ -5956,7 +5874,7 @@
             <a:fld id="{C473AACB-D821-4991-9D88-46EB8D29E619}" type="datetimeFigureOut">
               <a:rPr lang="en-GB" smtClean="0"/>
               <a:pPr/>
-              <a:t>12/12/2024</a:t>
+              <a:t>28/01/2025</a:t>
             </a:fld>
             <a:endParaRPr lang="en-GB" dirty="0"/>
           </a:p>
@@ -6010,7 +5928,7 @@
           <p:cNvPr id="7" name="Picture 6">
             <a:extLst>
               <a:ext uri="{FF2B5EF4-FFF2-40B4-BE49-F238E27FC236}">
-                <a16:creationId xmlns="" xmlns:a16="http://schemas.microsoft.com/office/drawing/2014/main" id="{6331EFED-43C1-4CBA-8BE3-308E3AA13B9B}"/>
+                <a16:creationId xmlns:a16="http://schemas.microsoft.com/office/drawing/2014/main" xmlns="" id="{6331EFED-43C1-4CBA-8BE3-308E3AA13B9B}"/>
               </a:ext>
             </a:extLst>
           </p:cNvPr>
@@ -6220,7 +6138,7 @@
             <a:fld id="{C473AACB-D821-4991-9D88-46EB8D29E619}" type="datetimeFigureOut">
               <a:rPr lang="en-GB" smtClean="0"/>
               <a:pPr/>
-              <a:t>12/12/2024</a:t>
+              <a:t>28/01/2025</a:t>
             </a:fld>
             <a:endParaRPr lang="en-GB" dirty="0"/>
           </a:p>
@@ -6274,7 +6192,7 @@
           <p:cNvPr id="9" name="Picture 8">
             <a:extLst>
               <a:ext uri="{FF2B5EF4-FFF2-40B4-BE49-F238E27FC236}">
-                <a16:creationId xmlns="" xmlns:a16="http://schemas.microsoft.com/office/drawing/2014/main" id="{1034EA63-4BE3-4A73-A7E6-4A75BE4C1D48}"/>
+                <a16:creationId xmlns:a16="http://schemas.microsoft.com/office/drawing/2014/main" xmlns="" id="{1034EA63-4BE3-4A73-A7E6-4A75BE4C1D48}"/>
               </a:ext>
             </a:extLst>
           </p:cNvPr>
@@ -6333,7 +6251,7 @@
           <p:cNvPr id="10" name="Picture 9">
             <a:extLst>
               <a:ext uri="{FF2B5EF4-FFF2-40B4-BE49-F238E27FC236}">
-                <a16:creationId xmlns="" xmlns:a16="http://schemas.microsoft.com/office/drawing/2014/main" id="{204DC1E6-B5F4-4160-90F3-351FB3242E92}"/>
+                <a16:creationId xmlns:a16="http://schemas.microsoft.com/office/drawing/2014/main" xmlns="" id="{204DC1E6-B5F4-4160-90F3-351FB3242E92}"/>
               </a:ext>
             </a:extLst>
           </p:cNvPr>
@@ -6660,7 +6578,7 @@
             <a:fld id="{C473AACB-D821-4991-9D88-46EB8D29E619}" type="datetimeFigureOut">
               <a:rPr lang="en-GB" smtClean="0"/>
               <a:pPr/>
-              <a:t>12/12/2024</a:t>
+              <a:t>28/01/2025</a:t>
             </a:fld>
             <a:endParaRPr lang="en-GB" dirty="0"/>
           </a:p>
@@ -6744,7 +6662,7 @@
           <p:cNvPr id="6" name="Picture 5">
             <a:extLst>
               <a:ext uri="{FF2B5EF4-FFF2-40B4-BE49-F238E27FC236}">
-                <a16:creationId xmlns="" xmlns:a16="http://schemas.microsoft.com/office/drawing/2014/main" id="{E7897C67-3827-4595-8E3A-71E9F2EAB3AF}"/>
+                <a16:creationId xmlns:a16="http://schemas.microsoft.com/office/drawing/2014/main" xmlns="" id="{E7897C67-3827-4595-8E3A-71E9F2EAB3AF}"/>
               </a:ext>
             </a:extLst>
           </p:cNvPr>
@@ -6815,7 +6733,7 @@
             <a:fld id="{C473AACB-D821-4991-9D88-46EB8D29E619}" type="datetimeFigureOut">
               <a:rPr lang="en-GB" smtClean="0"/>
               <a:pPr/>
-              <a:t>12/12/2024</a:t>
+              <a:t>28/01/2025</a:t>
             </a:fld>
             <a:endParaRPr lang="en-GB" dirty="0"/>
           </a:p>
@@ -6912,7 +6830,7 @@
             <a:fld id="{C473AACB-D821-4991-9D88-46EB8D29E619}" type="datetimeFigureOut">
               <a:rPr lang="en-GB" smtClean="0"/>
               <a:pPr/>
-              <a:t>12/12/2024</a:t>
+              <a:t>28/01/2025</a:t>
             </a:fld>
             <a:endParaRPr lang="en-GB" dirty="0"/>
           </a:p>
@@ -6966,7 +6884,7 @@
           <p:cNvPr id="6" name="Picture 5">
             <a:extLst>
               <a:ext uri="{FF2B5EF4-FFF2-40B4-BE49-F238E27FC236}">
-                <a16:creationId xmlns="" xmlns:a16="http://schemas.microsoft.com/office/drawing/2014/main" id="{F1825398-026A-4668-BB48-C16AD1C9062B}"/>
+                <a16:creationId xmlns:a16="http://schemas.microsoft.com/office/drawing/2014/main" xmlns="" id="{F1825398-026A-4668-BB48-C16AD1C9062B}"/>
               </a:ext>
             </a:extLst>
           </p:cNvPr>
@@ -7689,7 +7607,7 @@
             <a:fld id="{C473AACB-D821-4991-9D88-46EB8D29E619}" type="datetimeFigureOut">
               <a:rPr lang="en-GB" smtClean="0"/>
               <a:pPr/>
-              <a:t>12/12/2024</a:t>
+              <a:t>28/01/2025</a:t>
             </a:fld>
             <a:endParaRPr lang="en-GB" dirty="0"/>
           </a:p>
@@ -8249,12 +8167,7 @@
             <p:ph type="body" idx="1"/>
           </p:nvPr>
         </p:nvSpPr>
-        <p:spPr>
-          <a:xfrm>
-            <a:off x="4144617" y="2776047"/>
-            <a:ext cx="3523727" cy="645300"/>
-          </a:xfrm>
-        </p:spPr>
+        <p:spPr/>
         <p:txBody>
           <a:bodyPr>
             <a:normAutofit/>
@@ -8263,25 +8176,22 @@
           <a:p>
             <a:r>
               <a:rPr lang="en-GB" dirty="0" smtClean="0"/>
-              <a:t>PIC18FxxQ24</a:t>
-            </a:r>
-          </a:p>
-          <a:p>
-            <a:r>
-              <a:rPr lang="en-GB" dirty="0" smtClean="0"/>
+              <a:t>PIC16Fxxxx chip Family ( Legacy )</a:t>
+            </a:r>
+          </a:p>
+          <a:p>
+            <a:r>
+              <a:rPr lang="en-GB" dirty="0"/>
               <a:t>Part 15 – External interrupt</a:t>
             </a:r>
             <a:endParaRPr lang="en-GB" sz="1600" dirty="0"/>
-          </a:p>
-          <a:p>
-            <a:endParaRPr lang="en-GB" dirty="0"/>
           </a:p>
         </p:txBody>
       </p:sp>
     </p:spTree>
     <p:extLst>
       <p:ext uri="{BB962C8B-B14F-4D97-AF65-F5344CB8AC3E}">
-        <p14:creationId xmlns:p14="http://schemas.microsoft.com/office/powerpoint/2010/main" val="1934043723"/>
+        <p14:creationId xmlns:p14="http://schemas.microsoft.com/office/powerpoint/2010/main" val="3314918879"/>
       </p:ext>
     </p:extLst>
   </p:cSld>
@@ -8330,332 +8240,139 @@
           <a:bodyPr/>
           <a:lstStyle/>
           <a:p>
-            <a:pPr algn="l"/>
-            <a:r>
-              <a:rPr lang="en-GB" dirty="0" smtClean="0"/>
-              <a:t>Principles of Interrupts</a:t>
-            </a:r>
-            <a:endParaRPr lang="en-GB" dirty="0"/>
-          </a:p>
-        </p:txBody>
-      </p:sp>
-      <p:sp>
-        <p:nvSpPr>
-          <p:cNvPr id="6" name="Content Placeholder 5"/>
+            <a:endParaRPr lang="en-GB"/>
+          </a:p>
+        </p:txBody>
+      </p:sp>
+      <p:sp>
+        <p:nvSpPr>
+          <p:cNvPr id="4" name="AutoShape 2" descr="https://photos.fife.usercontent.google.com/pw/AP1GczP6HfZuj1PStNyt5bTyNeG2lt0yLwYzryZ9p5aUX8pkwNf0-NbZR0hUqQ=w1920-h864-s-no-gm?authuser=0"/>
           <p:cNvSpPr>
-            <a:spLocks noGrp="1"/>
+            <a:spLocks noChangeAspect="1" noChangeArrowheads="1"/>
           </p:cNvSpPr>
-          <p:nvPr>
-            <p:ph idx="1"/>
-          </p:nvPr>
-        </p:nvSpPr>
-        <p:spPr>
+          <p:nvPr/>
+        </p:nvSpPr>
+        <p:spPr bwMode="auto">
           <a:xfrm>
-            <a:off x="539552" y="1563638"/>
-            <a:ext cx="7416824" cy="3456384"/>
+            <a:off x="155575" y="-144463"/>
+            <a:ext cx="304800" cy="304801"/>
           </a:xfrm>
-          <a:solidFill>
-            <a:schemeClr val="bg1"/>
-          </a:solidFill>
+          <a:prstGeom prst="rect">
+            <a:avLst/>
+          </a:prstGeom>
+          <a:noFill/>
+          <a:extLst>
+            <a:ext uri="{909E8E84-426E-40DD-AFC4-6F175D3DCCD1}">
+              <a14:hiddenFill xmlns:a14="http://schemas.microsoft.com/office/drawing/2010/main">
+                <a:solidFill>
+                  <a:srgbClr val="FFFFFF"/>
+                </a:solidFill>
+              </a14:hiddenFill>
+            </a:ext>
+          </a:extLst>
         </p:spPr>
         <p:txBody>
-          <a:bodyPr vert="horz" lIns="85064" tIns="42531" rIns="85064" bIns="42531" rtlCol="0">
-            <a:noAutofit/>
+          <a:bodyPr vert="horz" wrap="square" lIns="91440" tIns="45720" rIns="91440" bIns="45720" numCol="1" anchor="t" anchorCtr="0" compatLnSpc="1">
+            <a:prstTxWarp prst="textNoShape">
+              <a:avLst/>
+            </a:prstTxWarp>
           </a:bodyPr>
           <a:lstStyle/>
           <a:p>
-            <a:pPr marL="266700" indent="-174625" defTabSz="898525">
-              <a:spcBef>
-                <a:spcPts val="0"/>
-              </a:spcBef>
-            </a:pPr>
-            <a:r>
-              <a:rPr lang="en-GB" sz="1100" b="1" dirty="0"/>
-              <a:t>Interrupts are events that alter the normal execution flow of a program to respond to external or internal events</a:t>
-            </a:r>
-            <a:r>
-              <a:rPr lang="en-GB" sz="1100" b="1" dirty="0" smtClean="0"/>
-              <a:t>.</a:t>
-            </a:r>
-            <a:endParaRPr lang="en-GB" sz="1100" b="1" dirty="0"/>
-          </a:p>
-          <a:p>
-            <a:pPr marL="266700" indent="-174625" defTabSz="898525">
-              <a:spcBef>
-                <a:spcPts val="0"/>
-              </a:spcBef>
-            </a:pPr>
-            <a:endParaRPr lang="en-GB" sz="1100" b="1" dirty="0" smtClean="0"/>
-          </a:p>
-          <a:p>
-            <a:pPr marL="266700" indent="-174625" defTabSz="898525">
-              <a:spcBef>
-                <a:spcPts val="0"/>
-              </a:spcBef>
-            </a:pPr>
-            <a:r>
-              <a:rPr lang="en-GB" sz="1100" b="1" dirty="0" smtClean="0"/>
-              <a:t>Advantages</a:t>
-            </a:r>
-            <a:endParaRPr lang="en-GB" sz="1100" b="1" dirty="0"/>
-          </a:p>
-          <a:p>
-            <a:pPr marL="566737" lvl="2" indent="-174625" defTabSz="898525">
-              <a:spcBef>
-                <a:spcPts val="0"/>
-              </a:spcBef>
-            </a:pPr>
-            <a:r>
-              <a:rPr lang="en-GB" dirty="0"/>
-              <a:t>Immediate response to critical events</a:t>
-            </a:r>
-          </a:p>
-          <a:p>
-            <a:pPr marL="566737" lvl="2" indent="-174625" defTabSz="898525">
-              <a:spcBef>
-                <a:spcPts val="0"/>
-              </a:spcBef>
-            </a:pPr>
-            <a:r>
-              <a:rPr lang="en-GB" dirty="0"/>
-              <a:t>Efficient use of the microcontroller's </a:t>
-            </a:r>
-            <a:r>
-              <a:rPr lang="en-GB" dirty="0" smtClean="0"/>
-              <a:t>resources</a:t>
-            </a:r>
-            <a:endParaRPr lang="en-GB" b="1" dirty="0"/>
-          </a:p>
-          <a:p>
-            <a:pPr marL="266700" indent="-174625" defTabSz="898525">
-              <a:spcBef>
-                <a:spcPts val="0"/>
-              </a:spcBef>
-            </a:pPr>
-            <a:endParaRPr lang="en-GB" sz="1100" b="1" dirty="0" smtClean="0"/>
-          </a:p>
-          <a:p>
-            <a:pPr marL="266700" indent="-174625" defTabSz="898525">
-              <a:spcBef>
-                <a:spcPts val="0"/>
-              </a:spcBef>
-            </a:pPr>
-            <a:r>
-              <a:rPr lang="en-GB" sz="1100" b="1" dirty="0" smtClean="0"/>
-              <a:t>Types </a:t>
-            </a:r>
-            <a:r>
-              <a:rPr lang="en-GB" sz="1100" b="1" dirty="0"/>
-              <a:t>of </a:t>
-            </a:r>
-            <a:r>
-              <a:rPr lang="en-GB" sz="1100" b="1" dirty="0" smtClean="0"/>
-              <a:t>Interrupts</a:t>
-            </a:r>
-            <a:endParaRPr lang="en-GB" sz="1100" b="1" dirty="0"/>
-          </a:p>
-          <a:p>
-            <a:pPr marL="566737" lvl="2" indent="-174625" defTabSz="898525">
-              <a:spcBef>
-                <a:spcPts val="0"/>
-              </a:spcBef>
-            </a:pPr>
-            <a:r>
-              <a:rPr lang="en-GB" dirty="0"/>
-              <a:t>External Interrupts: Triggered by events on external pins (RB0/INT0, RB1/INT1, etc.)</a:t>
-            </a:r>
-          </a:p>
-          <a:p>
-            <a:pPr marL="566737" lvl="2" indent="-174625" defTabSz="898525">
-              <a:spcBef>
-                <a:spcPts val="0"/>
-              </a:spcBef>
-            </a:pPr>
-            <a:r>
-              <a:rPr lang="en-GB" dirty="0"/>
-              <a:t>Timer Interrupts: Triggered by timer overflows or matches</a:t>
-            </a:r>
-          </a:p>
-          <a:p>
-            <a:pPr marL="566737" lvl="2" indent="-174625" defTabSz="898525">
-              <a:spcBef>
-                <a:spcPts val="0"/>
-              </a:spcBef>
-            </a:pPr>
-            <a:r>
-              <a:rPr lang="en-GB" dirty="0"/>
-              <a:t>Peripheral Interrupts: Triggered by events from peripherals (</a:t>
-            </a:r>
-            <a:r>
-              <a:rPr lang="en-GB" dirty="0" smtClean="0"/>
-              <a:t>USART</a:t>
-            </a:r>
-            <a:r>
-              <a:rPr lang="en-GB" dirty="0"/>
-              <a:t>, ADC, etc.)</a:t>
-            </a:r>
-          </a:p>
-          <a:p>
-            <a:pPr marL="566737" lvl="2" indent="-174625" defTabSz="898525">
-              <a:spcBef>
-                <a:spcPts val="0"/>
-              </a:spcBef>
-            </a:pPr>
-            <a:r>
-              <a:rPr lang="en-GB" dirty="0"/>
-              <a:t>Software Interrupts: Triggered by software </a:t>
-            </a:r>
-            <a:r>
-              <a:rPr lang="en-GB" dirty="0" smtClean="0"/>
-              <a:t>instructions</a:t>
-            </a:r>
-            <a:endParaRPr lang="en-GB" b="1" dirty="0"/>
-          </a:p>
-          <a:p>
-            <a:pPr marL="266700" indent="-174625" defTabSz="898525">
-              <a:spcBef>
-                <a:spcPts val="0"/>
-              </a:spcBef>
-            </a:pPr>
-            <a:endParaRPr lang="en-GB" sz="1100" b="1" dirty="0" smtClean="0"/>
-          </a:p>
-          <a:p>
-            <a:pPr marL="266700" indent="-174625" defTabSz="898525">
-              <a:spcBef>
-                <a:spcPts val="0"/>
-              </a:spcBef>
-            </a:pPr>
-            <a:r>
-              <a:rPr lang="en-GB" sz="1100" b="1" dirty="0" smtClean="0"/>
-              <a:t>Key </a:t>
-            </a:r>
-            <a:r>
-              <a:rPr lang="en-GB" sz="1100" b="1" dirty="0" smtClean="0"/>
-              <a:t>Registers</a:t>
-            </a:r>
-            <a:endParaRPr lang="en-GB" sz="1100" b="1" dirty="0"/>
-          </a:p>
-          <a:p>
-            <a:pPr marL="566737" lvl="2" indent="-174625" defTabSz="898525">
-              <a:spcBef>
-                <a:spcPts val="0"/>
-              </a:spcBef>
-            </a:pPr>
-            <a:r>
-              <a:rPr lang="en-GB" dirty="0" smtClean="0"/>
-              <a:t>INTCON</a:t>
-            </a:r>
-            <a:r>
-              <a:rPr lang="en-GB" dirty="0"/>
-              <a:t>: Controls global interrupt enable and individual interrupt flags</a:t>
-            </a:r>
-          </a:p>
-          <a:p>
-            <a:pPr marL="566737" lvl="2" indent="-174625" defTabSz="898525">
-              <a:spcBef>
-                <a:spcPts val="0"/>
-              </a:spcBef>
-            </a:pPr>
-            <a:r>
-              <a:rPr lang="en-GB" dirty="0"/>
-              <a:t>PIE1, PIE2: Peripheral Interrupt Enable registers</a:t>
-            </a:r>
-          </a:p>
-          <a:p>
-            <a:pPr marL="566737" lvl="2" indent="-174625" defTabSz="898525">
-              <a:spcBef>
-                <a:spcPts val="0"/>
-              </a:spcBef>
-            </a:pPr>
-            <a:r>
-              <a:rPr lang="en-GB" dirty="0"/>
-              <a:t>PIR1, PIR2: Peripheral Interrupt Request (flag) </a:t>
-            </a:r>
-            <a:r>
-              <a:rPr lang="en-GB" dirty="0" smtClean="0"/>
-              <a:t>registers</a:t>
-            </a:r>
-            <a:endParaRPr lang="en-GB" b="1" dirty="0"/>
-          </a:p>
-          <a:p>
-            <a:pPr marL="266700" indent="-174625" defTabSz="898525">
-              <a:spcBef>
-                <a:spcPts val="0"/>
-              </a:spcBef>
-            </a:pPr>
-            <a:endParaRPr lang="en-GB" sz="1100" b="1" dirty="0" smtClean="0"/>
-          </a:p>
-          <a:p>
-            <a:pPr marL="266700" indent="-174625" defTabSz="898525">
-              <a:spcBef>
-                <a:spcPts val="0"/>
-              </a:spcBef>
-            </a:pPr>
-            <a:r>
-              <a:rPr lang="en-GB" sz="1100" b="1" dirty="0" smtClean="0"/>
-              <a:t>Interrupt </a:t>
-            </a:r>
-            <a:r>
-              <a:rPr lang="en-GB" sz="1100" b="1" dirty="0"/>
-              <a:t>Service Routine (ISR</a:t>
-            </a:r>
-            <a:r>
-              <a:rPr lang="en-GB" sz="1100" b="1" dirty="0" smtClean="0"/>
-              <a:t>)</a:t>
-            </a:r>
-            <a:endParaRPr lang="en-GB" sz="1100" b="1" dirty="0"/>
-          </a:p>
-          <a:p>
-            <a:pPr marL="566737" lvl="2" indent="-174625" defTabSz="898525">
-              <a:spcBef>
-                <a:spcPts val="0"/>
-              </a:spcBef>
-            </a:pPr>
-            <a:r>
-              <a:rPr lang="en-GB" dirty="0"/>
-              <a:t>Special function that executes when an interrupt occurs</a:t>
-            </a:r>
-          </a:p>
-          <a:p>
-            <a:pPr marL="566737" lvl="2" indent="-174625" defTabSz="898525">
-              <a:spcBef>
-                <a:spcPts val="0"/>
-              </a:spcBef>
-            </a:pPr>
-            <a:r>
-              <a:rPr lang="en-GB" dirty="0"/>
-              <a:t>Must be as short and efficient as possible to avoid delaying other operations</a:t>
-            </a:r>
-          </a:p>
-          <a:p>
-            <a:pPr marL="92075" indent="0" defTabSz="898525">
-              <a:spcBef>
-                <a:spcPts val="0"/>
-              </a:spcBef>
-              <a:buNone/>
-            </a:pPr>
-            <a:endParaRPr lang="en-GB" sz="1100" b="1" dirty="0"/>
-          </a:p>
-        </p:txBody>
-      </p:sp>
+            <a:endParaRPr lang="en-GB"/>
+          </a:p>
+        </p:txBody>
+      </p:sp>
+      <p:sp>
+        <p:nvSpPr>
+          <p:cNvPr id="5" name="AutoShape 4" descr="https://photos.fife.usercontent.google.com/pw/AP1GczP6HfZuj1PStNyt5bTyNeG2lt0yLwYzryZ9p5aUX8pkwNf0-NbZR0hUqQ=w1920-h864-s-no-gm?authuser=0"/>
+          <p:cNvSpPr>
+            <a:spLocks noChangeAspect="1" noChangeArrowheads="1"/>
+          </p:cNvSpPr>
+          <p:nvPr/>
+        </p:nvSpPr>
+        <p:spPr bwMode="auto">
+          <a:xfrm>
+            <a:off x="307975" y="7937"/>
+            <a:ext cx="304800" cy="304801"/>
+          </a:xfrm>
+          <a:prstGeom prst="rect">
+            <a:avLst/>
+          </a:prstGeom>
+          <a:noFill/>
+          <a:extLst>
+            <a:ext uri="{909E8E84-426E-40DD-AFC4-6F175D3DCCD1}">
+              <a14:hiddenFill xmlns:a14="http://schemas.microsoft.com/office/drawing/2010/main">
+                <a:solidFill>
+                  <a:srgbClr val="FFFFFF"/>
+                </a:solidFill>
+              </a14:hiddenFill>
+            </a:ext>
+          </a:extLst>
+        </p:spPr>
+        <p:txBody>
+          <a:bodyPr vert="horz" wrap="square" lIns="91440" tIns="45720" rIns="91440" bIns="45720" numCol="1" anchor="t" anchorCtr="0" compatLnSpc="1">
+            <a:prstTxWarp prst="textNoShape">
+              <a:avLst/>
+            </a:prstTxWarp>
+          </a:bodyPr>
+          <a:lstStyle/>
+          <a:p>
+            <a:endParaRPr lang="en-GB"/>
+          </a:p>
+        </p:txBody>
+      </p:sp>
+      <p:pic>
+        <p:nvPicPr>
+          <p:cNvPr id="2053" name="Picture 5" descr="C:\Users\admin\Downloads\20250128_123832.jpg"/>
+          <p:cNvPicPr>
+            <a:picLocks noChangeAspect="1" noChangeArrowheads="1"/>
+          </p:cNvPicPr>
+          <p:nvPr/>
+        </p:nvPicPr>
+        <p:blipFill>
+          <a:blip r:embed="rId2" cstate="print">
+            <a:extLst>
+              <a:ext uri="{28A0092B-C50C-407E-A947-70E740481C1C}">
+                <a14:useLocalDpi xmlns:a14="http://schemas.microsoft.com/office/drawing/2010/main" val="0"/>
+              </a:ext>
+            </a:extLst>
+          </a:blip>
+          <a:srcRect/>
+          <a:stretch>
+            <a:fillRect/>
+          </a:stretch>
+        </p:blipFill>
+        <p:spPr bwMode="auto">
+          <a:xfrm>
+            <a:off x="-180528" y="7937"/>
+            <a:ext cx="9453938" cy="5135563"/>
+          </a:xfrm>
+          <a:prstGeom prst="rect">
+            <a:avLst/>
+          </a:prstGeom>
+          <a:noFill/>
+          <a:extLst>
+            <a:ext uri="{909E8E84-426E-40DD-AFC4-6F175D3DCCD1}">
+              <a14:hiddenFill xmlns:a14="http://schemas.microsoft.com/office/drawing/2010/main">
+                <a:solidFill>
+                  <a:srgbClr val="FFFFFF"/>
+                </a:solidFill>
+              </a14:hiddenFill>
+            </a:ext>
+          </a:extLst>
+        </p:spPr>
+      </p:pic>
     </p:spTree>
     <p:extLst>
       <p:ext uri="{BB962C8B-B14F-4D97-AF65-F5344CB8AC3E}">
-        <p14:creationId xmlns:p14="http://schemas.microsoft.com/office/powerpoint/2010/main" val="3780033866"/>
+        <p14:creationId xmlns:p14="http://schemas.microsoft.com/office/powerpoint/2010/main" val="2361218130"/>
       </p:ext>
     </p:extLst>
   </p:cSld>
   <p:clrMapOvr>
     <a:masterClrMapping/>
   </p:clrMapOvr>
-  <mc:AlternateContent xmlns:mc="http://schemas.openxmlformats.org/markup-compatibility/2006">
-    <mc:Choice xmlns:p14="http://schemas.microsoft.com/office/powerpoint/2010/main" Requires="p14">
-      <p:transition spd="slow" p14:dur="2000" advClick="0"/>
-    </mc:Choice>
-    <mc:Fallback>
-      <p:transition spd="slow" advClick="0"/>
-    </mc:Fallback>
-  </mc:AlternateContent>
   <p:timing>
     <p:tnLst>
       <p:par>
@@ -8701,7 +8418,7 @@
             <a:pPr algn="l"/>
             <a:r>
               <a:rPr lang="en-GB" dirty="0" smtClean="0"/>
-              <a:t>Interrupts…</a:t>
+              <a:t>Hardware</a:t>
             </a:r>
             <a:endParaRPr lang="en-GB" dirty="0"/>
           </a:p>
@@ -8709,7 +8426,7 @@
       </p:sp>
       <p:sp>
         <p:nvSpPr>
-          <p:cNvPr id="6" name="Content Placeholder 5"/>
+          <p:cNvPr id="3" name="Content Placeholder 2"/>
           <p:cNvSpPr>
             <a:spLocks noGrp="1"/>
           </p:cNvSpPr>
@@ -8719,652 +8436,71 @@
         </p:nvSpPr>
         <p:spPr>
           <a:xfrm>
-            <a:off x="467544" y="915566"/>
-            <a:ext cx="3754757" cy="3960440"/>
+            <a:off x="251520" y="1779662"/>
+            <a:ext cx="6447501" cy="2744167"/>
           </a:xfrm>
-          <a:solidFill>
-            <a:schemeClr val="bg1"/>
-          </a:solidFill>
         </p:spPr>
         <p:txBody>
-          <a:bodyPr>
-            <a:noAutofit/>
-          </a:bodyPr>
+          <a:bodyPr/>
           <a:lstStyle/>
           <a:p>
+            <a:r>
+              <a:rPr lang="en-GB" dirty="0" smtClean="0"/>
+              <a:t>Prototype Board</a:t>
+            </a:r>
+            <a:endParaRPr lang="en-GB" dirty="0"/>
+          </a:p>
+          <a:p>
+            <a:r>
+              <a:rPr lang="en-GB" dirty="0" smtClean="0"/>
+              <a:t>Power 5v0</a:t>
+            </a:r>
+          </a:p>
+          <a:p>
+            <a:r>
+              <a:rPr lang="en-GB" dirty="0" smtClean="0"/>
+              <a:t>Programmer</a:t>
+            </a:r>
+          </a:p>
+          <a:p>
+            <a:r>
+              <a:rPr lang="en-GB" dirty="0" smtClean="0"/>
+              <a:t>LEDs &amp; resistors</a:t>
+            </a:r>
+          </a:p>
+          <a:p>
+            <a:r>
+              <a:rPr lang="en-GB" dirty="0" smtClean="0"/>
+              <a:t>Switches</a:t>
+            </a:r>
+          </a:p>
+          <a:p>
+            <a:r>
+              <a:rPr lang="en-GB" dirty="0" smtClean="0"/>
+              <a:t>TTL/USB</a:t>
+            </a:r>
+          </a:p>
+          <a:p>
             <a:pPr marL="0" indent="0">
               <a:buNone/>
             </a:pPr>
-            <a:r>
-              <a:rPr lang="en-GB" sz="800" dirty="0"/>
-              <a:t>F</a:t>
-            </a:r>
-            <a:r>
-              <a:rPr lang="en-GB" sz="800" dirty="0" smtClean="0"/>
-              <a:t>or </a:t>
-            </a:r>
-            <a:r>
-              <a:rPr lang="en-GB" sz="800" dirty="0"/>
-              <a:t>specific details of the interrupts see the microcontroller datasheet</a:t>
-            </a:r>
-          </a:p>
-          <a:p>
-            <a:pPr marL="0" indent="0">
-              <a:buNone/>
-            </a:pPr>
-            <a:r>
-              <a:rPr lang="en-GB" sz="800" dirty="0" smtClean="0"/>
-              <a:t>The </a:t>
-            </a:r>
-            <a:r>
-              <a:rPr lang="en-GB" sz="800" dirty="0"/>
-              <a:t>first parameter is the GCBASIC identifier used in user code to expose the specific interrupt</a:t>
-            </a:r>
-          </a:p>
-          <a:p>
-            <a:pPr marL="514350" indent="-514350" defTabSz="850636">
-              <a:lnSpc>
-                <a:spcPct val="80000"/>
-              </a:lnSpc>
-              <a:spcBef>
-                <a:spcPct val="20000"/>
-              </a:spcBef>
-              <a:buFont typeface="+mj-lt"/>
-              <a:buAutoNum type="arabicPeriod"/>
-            </a:pPr>
-            <a:r>
-              <a:rPr lang="en-GB" sz="800" dirty="0">
-                <a:solidFill>
-                  <a:schemeClr val="tx1"/>
-                </a:solidFill>
-              </a:rPr>
-              <a:t>16bitUniversalTimerAInterrupt:TU16AIE,TU16AIF</a:t>
-            </a:r>
-          </a:p>
-          <a:p>
-            <a:pPr marL="514350" indent="-514350" defTabSz="850636">
-              <a:lnSpc>
-                <a:spcPct val="80000"/>
-              </a:lnSpc>
-              <a:spcBef>
-                <a:spcPct val="20000"/>
-              </a:spcBef>
-              <a:buFont typeface="+mj-lt"/>
-              <a:buAutoNum type="arabicPeriod"/>
-            </a:pPr>
-            <a:r>
-              <a:rPr lang="en-GB" sz="800" dirty="0">
-                <a:solidFill>
-                  <a:schemeClr val="tx1"/>
-                </a:solidFill>
-              </a:rPr>
-              <a:t>16bitUniversalTimerBInterrupt:TU16BIE,TU16BIF</a:t>
-            </a:r>
-          </a:p>
-          <a:p>
-            <a:pPr marL="514350" indent="-514350" defTabSz="850636">
-              <a:lnSpc>
-                <a:spcPct val="80000"/>
-              </a:lnSpc>
-              <a:spcBef>
-                <a:spcPct val="20000"/>
-              </a:spcBef>
-              <a:buFont typeface="+mj-lt"/>
-              <a:buAutoNum type="arabicPeriod"/>
-            </a:pPr>
-            <a:r>
-              <a:rPr lang="en-GB" sz="800" dirty="0" err="1">
-                <a:solidFill>
-                  <a:schemeClr val="tx1"/>
-                </a:solidFill>
-              </a:rPr>
-              <a:t>ADCReady:ADIE,ADIF</a:t>
-            </a:r>
-            <a:endParaRPr lang="en-GB" sz="800" dirty="0">
-              <a:solidFill>
-                <a:schemeClr val="tx1"/>
-              </a:solidFill>
-            </a:endParaRPr>
-          </a:p>
-          <a:p>
-            <a:pPr marL="514350" indent="-514350" defTabSz="850636">
-              <a:lnSpc>
-                <a:spcPct val="80000"/>
-              </a:lnSpc>
-              <a:spcBef>
-                <a:spcPct val="20000"/>
-              </a:spcBef>
-              <a:buFont typeface="+mj-lt"/>
-              <a:buAutoNum type="arabicPeriod"/>
-            </a:pPr>
-            <a:r>
-              <a:rPr lang="en-GB" sz="800" dirty="0" err="1">
-                <a:solidFill>
-                  <a:schemeClr val="tx1"/>
-                </a:solidFill>
-              </a:rPr>
-              <a:t>ADThreshold:ADTIE,ADTIF</a:t>
-            </a:r>
-            <a:endParaRPr lang="en-GB" sz="800" dirty="0">
-              <a:solidFill>
-                <a:schemeClr val="tx1"/>
-              </a:solidFill>
-            </a:endParaRPr>
-          </a:p>
-          <a:p>
-            <a:pPr marL="514350" indent="-514350" defTabSz="850636">
-              <a:lnSpc>
-                <a:spcPct val="80000"/>
-              </a:lnSpc>
-              <a:spcBef>
-                <a:spcPct val="20000"/>
-              </a:spcBef>
-              <a:buFont typeface="+mj-lt"/>
-              <a:buAutoNum type="arabicPeriod"/>
-            </a:pPr>
-            <a:r>
-              <a:rPr lang="en-GB" sz="800" dirty="0" err="1">
-                <a:solidFill>
-                  <a:schemeClr val="tx1"/>
-                </a:solidFill>
-              </a:rPr>
-              <a:t>ActiveClockTuning:ACTIE,ACTIF</a:t>
-            </a:r>
-            <a:endParaRPr lang="en-GB" sz="800" dirty="0">
-              <a:solidFill>
-                <a:schemeClr val="tx1"/>
-              </a:solidFill>
-            </a:endParaRPr>
-          </a:p>
-          <a:p>
-            <a:pPr marL="514350" indent="-514350" defTabSz="850636">
-              <a:lnSpc>
-                <a:spcPct val="80000"/>
-              </a:lnSpc>
-              <a:spcBef>
-                <a:spcPct val="20000"/>
-              </a:spcBef>
-              <a:buFont typeface="+mj-lt"/>
-              <a:buAutoNum type="arabicPeriod"/>
-            </a:pPr>
-            <a:r>
-              <a:rPr lang="en-GB" sz="800" dirty="0">
-                <a:solidFill>
-                  <a:schemeClr val="tx1"/>
-                </a:solidFill>
-              </a:rPr>
-              <a:t>CCP1:CCP1IE,CCP1IF</a:t>
-            </a:r>
-          </a:p>
-          <a:p>
-            <a:pPr marL="514350" indent="-514350" defTabSz="850636">
-              <a:lnSpc>
-                <a:spcPct val="80000"/>
-              </a:lnSpc>
-              <a:spcBef>
-                <a:spcPct val="20000"/>
-              </a:spcBef>
-              <a:buFont typeface="+mj-lt"/>
-              <a:buAutoNum type="arabicPeriod"/>
-            </a:pPr>
-            <a:r>
-              <a:rPr lang="en-GB" sz="800" dirty="0">
-                <a:solidFill>
-                  <a:schemeClr val="tx1"/>
-                </a:solidFill>
-              </a:rPr>
-              <a:t>CCP2:CCP2IE,CCP2IF</a:t>
-            </a:r>
-          </a:p>
-          <a:p>
-            <a:pPr marL="514350" indent="-514350" defTabSz="850636">
-              <a:lnSpc>
-                <a:spcPct val="80000"/>
-              </a:lnSpc>
-              <a:spcBef>
-                <a:spcPct val="20000"/>
-              </a:spcBef>
-              <a:buFont typeface="+mj-lt"/>
-              <a:buAutoNum type="arabicPeriod"/>
-            </a:pPr>
-            <a:r>
-              <a:rPr lang="en-GB" sz="800" dirty="0" err="1">
-                <a:solidFill>
-                  <a:schemeClr val="tx1"/>
-                </a:solidFill>
-              </a:rPr>
-              <a:t>CRCComplete:CRCIE,CRCIF</a:t>
-            </a:r>
-            <a:endParaRPr lang="en-GB" sz="800" dirty="0">
-              <a:solidFill>
-                <a:schemeClr val="tx1"/>
-              </a:solidFill>
-            </a:endParaRPr>
-          </a:p>
-          <a:p>
-            <a:pPr marL="514350" indent="-514350" defTabSz="850636">
-              <a:lnSpc>
-                <a:spcPct val="80000"/>
-              </a:lnSpc>
-              <a:spcBef>
-                <a:spcPct val="20000"/>
-              </a:spcBef>
-              <a:buFont typeface="+mj-lt"/>
-              <a:buAutoNum type="arabicPeriod"/>
-            </a:pPr>
-            <a:r>
-              <a:rPr lang="en-GB" sz="800" dirty="0">
-                <a:solidFill>
-                  <a:schemeClr val="tx1"/>
-                </a:solidFill>
-              </a:rPr>
-              <a:t>CWG1ShutDown:CWG1IE,CWG1IF</a:t>
-            </a:r>
-          </a:p>
-          <a:p>
-            <a:pPr marL="514350" indent="-514350" defTabSz="850636">
-              <a:lnSpc>
-                <a:spcPct val="80000"/>
-              </a:lnSpc>
-              <a:spcBef>
-                <a:spcPct val="20000"/>
-              </a:spcBef>
-              <a:buFont typeface="+mj-lt"/>
-              <a:buAutoNum type="arabicPeriod"/>
-            </a:pPr>
-            <a:r>
-              <a:rPr lang="en-GB" sz="800" dirty="0" err="1">
-                <a:solidFill>
-                  <a:schemeClr val="tx1"/>
-                </a:solidFill>
-              </a:rPr>
-              <a:t>ClockSwitchComplete:CSWIE,CSWIF</a:t>
-            </a:r>
-            <a:endParaRPr lang="en-GB" sz="800" dirty="0">
-              <a:solidFill>
-                <a:schemeClr val="tx1"/>
-              </a:solidFill>
-            </a:endParaRPr>
-          </a:p>
-          <a:p>
-            <a:pPr marL="514350" indent="-514350" defTabSz="850636">
-              <a:lnSpc>
-                <a:spcPct val="80000"/>
-              </a:lnSpc>
-              <a:spcBef>
-                <a:spcPct val="20000"/>
-              </a:spcBef>
-              <a:buFont typeface="+mj-lt"/>
-              <a:buAutoNum type="arabicPeriod"/>
-            </a:pPr>
-            <a:r>
-              <a:rPr lang="en-GB" sz="800" dirty="0">
-                <a:solidFill>
-                  <a:schemeClr val="tx1"/>
-                </a:solidFill>
-              </a:rPr>
-              <a:t>DMA1AbortInterrupt:DMA1AIE,DMA1AIF</a:t>
-            </a:r>
-          </a:p>
-          <a:p>
-            <a:pPr marL="514350" indent="-514350" defTabSz="850636">
-              <a:lnSpc>
-                <a:spcPct val="80000"/>
-              </a:lnSpc>
-              <a:spcBef>
-                <a:spcPct val="20000"/>
-              </a:spcBef>
-              <a:buFont typeface="+mj-lt"/>
-              <a:buAutoNum type="arabicPeriod"/>
-            </a:pPr>
-            <a:r>
-              <a:rPr lang="en-GB" sz="800" dirty="0">
-                <a:solidFill>
-                  <a:schemeClr val="tx1"/>
-                </a:solidFill>
-              </a:rPr>
-              <a:t>DMA1DestinationCountInterrupt:DMA1DCNTIE,DMA1DCNTIF</a:t>
-            </a:r>
-          </a:p>
-          <a:p>
-            <a:pPr marL="514350" indent="-514350" defTabSz="850636">
-              <a:lnSpc>
-                <a:spcPct val="80000"/>
-              </a:lnSpc>
-              <a:spcBef>
-                <a:spcPct val="20000"/>
-              </a:spcBef>
-              <a:buFont typeface="+mj-lt"/>
-              <a:buAutoNum type="arabicPeriod"/>
-            </a:pPr>
-            <a:r>
-              <a:rPr lang="en-GB" sz="800" dirty="0">
-                <a:solidFill>
-                  <a:schemeClr val="tx1"/>
-                </a:solidFill>
-              </a:rPr>
-              <a:t>DMA1OverrunInterrupt:DMA1ORIE,DMA1ORIF</a:t>
-            </a:r>
-          </a:p>
-          <a:p>
-            <a:pPr marL="514350" indent="-514350" defTabSz="850636">
-              <a:lnSpc>
-                <a:spcPct val="80000"/>
-              </a:lnSpc>
-              <a:spcBef>
-                <a:spcPct val="20000"/>
-              </a:spcBef>
-              <a:buFont typeface="+mj-lt"/>
-              <a:buAutoNum type="arabicPeriod"/>
-            </a:pPr>
-            <a:r>
-              <a:rPr lang="en-GB" sz="800" dirty="0">
-                <a:solidFill>
-                  <a:schemeClr val="tx1"/>
-                </a:solidFill>
-              </a:rPr>
-              <a:t>DMA1SourceCountInterrupt:DMA1SCNTIE,DMA1SCNTIF</a:t>
-            </a:r>
-          </a:p>
-          <a:p>
-            <a:pPr marL="514350" indent="-514350" defTabSz="850636">
-              <a:lnSpc>
-                <a:spcPct val="80000"/>
-              </a:lnSpc>
-              <a:spcBef>
-                <a:spcPct val="20000"/>
-              </a:spcBef>
-              <a:buFont typeface="+mj-lt"/>
-              <a:buAutoNum type="arabicPeriod"/>
-            </a:pPr>
-            <a:r>
-              <a:rPr lang="en-GB" sz="800" dirty="0">
-                <a:solidFill>
-                  <a:schemeClr val="tx1"/>
-                </a:solidFill>
-              </a:rPr>
-              <a:t>DMA2AbortInterrupt:DMA2AIE,DMA2AIF</a:t>
-            </a:r>
-          </a:p>
-          <a:p>
-            <a:pPr marL="514350" indent="-514350" defTabSz="850636">
-              <a:lnSpc>
-                <a:spcPct val="80000"/>
-              </a:lnSpc>
-              <a:spcBef>
-                <a:spcPct val="20000"/>
-              </a:spcBef>
-              <a:buFont typeface="+mj-lt"/>
-              <a:buAutoNum type="arabicPeriod"/>
-            </a:pPr>
-            <a:r>
-              <a:rPr lang="en-GB" sz="800" dirty="0">
-                <a:solidFill>
-                  <a:schemeClr val="tx1"/>
-                </a:solidFill>
-              </a:rPr>
-              <a:t>DMA2DestinationCountInterrupt:DMA2DCNTIE,DMA2DCNTIF</a:t>
-            </a:r>
-          </a:p>
-          <a:p>
-            <a:pPr marL="514350" indent="-514350" defTabSz="850636">
-              <a:lnSpc>
-                <a:spcPct val="80000"/>
-              </a:lnSpc>
-              <a:spcBef>
-                <a:spcPct val="20000"/>
-              </a:spcBef>
-              <a:buFont typeface="+mj-lt"/>
-              <a:buAutoNum type="arabicPeriod"/>
-            </a:pPr>
-            <a:r>
-              <a:rPr lang="en-GB" sz="800" dirty="0">
-                <a:solidFill>
-                  <a:schemeClr val="tx1"/>
-                </a:solidFill>
-              </a:rPr>
-              <a:t>DMA2OverrunInterrupt:DMA2ORIE,DMA2ORIF</a:t>
-            </a:r>
-          </a:p>
-          <a:p>
-            <a:pPr marL="514350" indent="-514350" defTabSz="850636">
-              <a:lnSpc>
-                <a:spcPct val="80000"/>
-              </a:lnSpc>
-              <a:spcBef>
-                <a:spcPct val="20000"/>
-              </a:spcBef>
-              <a:buFont typeface="+mj-lt"/>
-              <a:buAutoNum type="arabicPeriod"/>
-            </a:pPr>
-            <a:r>
-              <a:rPr lang="en-GB" sz="800" dirty="0">
-                <a:solidFill>
-                  <a:schemeClr val="tx1"/>
-                </a:solidFill>
-              </a:rPr>
-              <a:t>DMA2SourceCountInterrupt:DMA2SCNTIE,DMA2SCNTIF</a:t>
-            </a:r>
-          </a:p>
-          <a:p>
-            <a:pPr marL="514350" indent="-514350" defTabSz="850636">
-              <a:lnSpc>
-                <a:spcPct val="80000"/>
-              </a:lnSpc>
-              <a:spcBef>
-                <a:spcPct val="20000"/>
-              </a:spcBef>
-              <a:buFont typeface="+mj-lt"/>
-              <a:buAutoNum type="arabicPeriod"/>
-            </a:pPr>
-            <a:r>
-              <a:rPr lang="en-GB" sz="800" dirty="0">
-                <a:solidFill>
-                  <a:schemeClr val="tx1"/>
-                </a:solidFill>
-              </a:rPr>
-              <a:t>DMA3AbortInterrupt:DMA3AIE,DMA3AIF</a:t>
-            </a:r>
-          </a:p>
-          <a:p>
-            <a:pPr marL="514350" indent="-514350" defTabSz="850636">
-              <a:lnSpc>
-                <a:spcPct val="80000"/>
-              </a:lnSpc>
-              <a:spcBef>
-                <a:spcPct val="20000"/>
-              </a:spcBef>
-              <a:buFont typeface="+mj-lt"/>
-              <a:buAutoNum type="arabicPeriod"/>
-            </a:pPr>
-            <a:r>
-              <a:rPr lang="en-GB" sz="800" dirty="0">
-                <a:solidFill>
-                  <a:schemeClr val="tx1"/>
-                </a:solidFill>
-              </a:rPr>
-              <a:t>DMA3DestinationCountInterrupt:DMA3DCNTIE,DMA3DCNTIF</a:t>
-            </a:r>
-          </a:p>
-          <a:p>
-            <a:pPr marL="514350" indent="-514350" defTabSz="850636">
-              <a:lnSpc>
-                <a:spcPct val="80000"/>
-              </a:lnSpc>
-              <a:spcBef>
-                <a:spcPct val="20000"/>
-              </a:spcBef>
-              <a:buFont typeface="+mj-lt"/>
-              <a:buAutoNum type="arabicPeriod"/>
-            </a:pPr>
-            <a:r>
-              <a:rPr lang="en-GB" sz="800" dirty="0">
-                <a:solidFill>
-                  <a:schemeClr val="tx1"/>
-                </a:solidFill>
-              </a:rPr>
-              <a:t>DMA3OverrunInterrupt:DMA3ORIE,DMA3ORIF</a:t>
-            </a:r>
-          </a:p>
-          <a:p>
-            <a:pPr marL="514350" indent="-514350" defTabSz="850636">
-              <a:lnSpc>
-                <a:spcPct val="80000"/>
-              </a:lnSpc>
-              <a:spcBef>
-                <a:spcPct val="20000"/>
-              </a:spcBef>
-              <a:buFont typeface="+mj-lt"/>
-              <a:buAutoNum type="arabicPeriod"/>
-            </a:pPr>
-            <a:r>
-              <a:rPr lang="en-GB" sz="800" dirty="0">
-                <a:solidFill>
-                  <a:schemeClr val="tx1"/>
-                </a:solidFill>
-              </a:rPr>
-              <a:t>DMA3SourceCountInterrupt:DMA3SCNTIE,DMA3SCNTIF</a:t>
-            </a:r>
-          </a:p>
-          <a:p>
-            <a:pPr marL="514350" indent="-514350" defTabSz="850636">
-              <a:lnSpc>
-                <a:spcPct val="80000"/>
-              </a:lnSpc>
-              <a:spcBef>
-                <a:spcPct val="20000"/>
-              </a:spcBef>
-              <a:buFont typeface="+mj-lt"/>
-              <a:buAutoNum type="arabicPeriod"/>
-            </a:pPr>
-            <a:r>
-              <a:rPr lang="en-GB" sz="800" dirty="0">
-                <a:solidFill>
-                  <a:schemeClr val="tx1"/>
-                </a:solidFill>
-              </a:rPr>
-              <a:t>DMA4AbortInterrupt:DMA4AIE,DMA4AIF</a:t>
-            </a:r>
-          </a:p>
-          <a:p>
-            <a:pPr marL="514350" indent="-514350" defTabSz="850636">
-              <a:lnSpc>
-                <a:spcPct val="80000"/>
-              </a:lnSpc>
-              <a:spcBef>
-                <a:spcPct val="20000"/>
-              </a:spcBef>
-              <a:buFont typeface="+mj-lt"/>
-              <a:buAutoNum type="arabicPeriod"/>
-            </a:pPr>
-            <a:r>
-              <a:rPr lang="en-GB" sz="800" dirty="0">
-                <a:solidFill>
-                  <a:schemeClr val="tx1"/>
-                </a:solidFill>
-              </a:rPr>
-              <a:t>DMA4DestinationCountInterrupt:DMA4DCNTIE,DMA4DCNTIF</a:t>
-            </a:r>
-          </a:p>
-          <a:p>
-            <a:pPr marL="514350" indent="-514350" defTabSz="850636">
-              <a:lnSpc>
-                <a:spcPct val="80000"/>
-              </a:lnSpc>
-              <a:spcBef>
-                <a:spcPct val="20000"/>
-              </a:spcBef>
-              <a:buFont typeface="+mj-lt"/>
-              <a:buAutoNum type="arabicPeriod"/>
-            </a:pPr>
-            <a:r>
-              <a:rPr lang="en-GB" sz="800" dirty="0">
-                <a:solidFill>
-                  <a:schemeClr val="tx1"/>
-                </a:solidFill>
-              </a:rPr>
-              <a:t>DMA4OverrunInterrupt:DMA4ORIE,DMA4ORIF</a:t>
-            </a:r>
-          </a:p>
-          <a:p>
-            <a:pPr marL="514350" indent="-514350" defTabSz="850636">
-              <a:lnSpc>
-                <a:spcPct val="80000"/>
-              </a:lnSpc>
-              <a:spcBef>
-                <a:spcPct val="20000"/>
-              </a:spcBef>
-              <a:buFont typeface="+mj-lt"/>
-              <a:buAutoNum type="arabicPeriod"/>
-            </a:pPr>
-            <a:r>
-              <a:rPr lang="en-GB" sz="800" dirty="0">
-                <a:solidFill>
-                  <a:schemeClr val="tx1"/>
-                </a:solidFill>
-              </a:rPr>
-              <a:t>DMA4SourceCountInterrupt:DMA4SCNTIE,DMA4SCNTIF</a:t>
-            </a:r>
-          </a:p>
-          <a:p>
-            <a:pPr marL="514350" indent="-514350" defTabSz="850636">
-              <a:lnSpc>
-                <a:spcPct val="80000"/>
-              </a:lnSpc>
-              <a:spcBef>
-                <a:spcPct val="20000"/>
-              </a:spcBef>
-              <a:buFont typeface="+mj-lt"/>
-              <a:buAutoNum type="arabicPeriod"/>
-            </a:pPr>
-            <a:r>
-              <a:rPr lang="en-GB" sz="800" dirty="0">
-                <a:solidFill>
-                  <a:schemeClr val="tx1"/>
-                </a:solidFill>
-              </a:rPr>
-              <a:t>ExtInt0:INT0IE,INT0IF</a:t>
-            </a:r>
-          </a:p>
-          <a:p>
-            <a:pPr marL="514350" indent="-514350" defTabSz="850636">
-              <a:lnSpc>
-                <a:spcPct val="80000"/>
-              </a:lnSpc>
-              <a:spcBef>
-                <a:spcPct val="20000"/>
-              </a:spcBef>
-              <a:buFont typeface="+mj-lt"/>
-              <a:buAutoNum type="arabicPeriod"/>
-            </a:pPr>
-            <a:r>
-              <a:rPr lang="en-GB" sz="800" dirty="0">
-                <a:solidFill>
-                  <a:schemeClr val="tx1"/>
-                </a:solidFill>
-              </a:rPr>
-              <a:t>ExtInt1:INT1I</a:t>
-            </a:r>
-            <a:r>
-              <a:rPr lang="en-GB" sz="800" dirty="0" smtClean="0"/>
-              <a:t>E,INT1IF</a:t>
-            </a:r>
-            <a:endParaRPr lang="en-GB" sz="800" dirty="0"/>
-          </a:p>
-        </p:txBody>
-      </p:sp>
-      <p:sp>
-        <p:nvSpPr>
-          <p:cNvPr id="4" name="Content Placeholder 5"/>
-          <p:cNvSpPr txBox="1">
-            <a:spLocks/>
-          </p:cNvSpPr>
+            <a:endParaRPr lang="en-GB" dirty="0" smtClean="0"/>
+          </a:p>
+          <a:p>
+            <a:endParaRPr lang="en-GB" dirty="0"/>
+          </a:p>
+        </p:txBody>
+      </p:sp>
+      <p:sp>
+        <p:nvSpPr>
+          <p:cNvPr id="5" name="TextBox 4"/>
+          <p:cNvSpPr txBox="1"/>
           <p:nvPr/>
         </p:nvSpPr>
         <p:spPr>
           <a:xfrm>
-            <a:off x="4283968" y="545430"/>
-            <a:ext cx="3250702" cy="3394472"/>
+            <a:off x="2206278" y="168176"/>
+            <a:ext cx="5328592" cy="4893647"/>
           </a:xfrm>
           <a:prstGeom prst="rect">
             <a:avLst/>
@@ -9374,544 +8510,350 @@
           </a:solidFill>
         </p:spPr>
         <p:txBody>
-          <a:bodyPr vert="horz" lIns="85064" tIns="42531" rIns="85064" bIns="42531" rtlCol="0">
-            <a:normAutofit fontScale="25000" lnSpcReduction="20000"/>
+          <a:bodyPr wrap="square" rtlCol="0">
+            <a:spAutoFit/>
           </a:bodyPr>
-          <a:lstStyle>
-            <a:lvl1pPr marL="318988" indent="-318988" algn="l" defTabSz="850636" rtl="0" eaLnBrk="1" latinLnBrk="0" hangingPunct="1">
-              <a:spcBef>
-                <a:spcPct val="20000"/>
-              </a:spcBef>
-              <a:buFont typeface="Arial" pitchFamily="34" charset="0"/>
-              <a:buChar char="•"/>
-              <a:defRPr sz="3000" kern="1200">
-                <a:solidFill>
-                  <a:schemeClr val="tx1"/>
-                </a:solidFill>
-                <a:latin typeface="+mn-lt"/>
-                <a:ea typeface="+mn-ea"/>
-                <a:cs typeface="+mn-cs"/>
-              </a:defRPr>
-            </a:lvl1pPr>
-            <a:lvl2pPr marL="691142" indent="-265824" algn="l" defTabSz="850636" rtl="0" eaLnBrk="1" latinLnBrk="0" hangingPunct="1">
-              <a:spcBef>
-                <a:spcPct val="20000"/>
-              </a:spcBef>
-              <a:buFont typeface="Arial" pitchFamily="34" charset="0"/>
-              <a:buChar char="–"/>
-              <a:defRPr sz="2600" kern="1200">
-                <a:solidFill>
-                  <a:schemeClr val="tx1"/>
-                </a:solidFill>
-                <a:latin typeface="+mn-lt"/>
-                <a:ea typeface="+mn-ea"/>
-                <a:cs typeface="+mn-cs"/>
-              </a:defRPr>
-            </a:lvl2pPr>
-            <a:lvl3pPr marL="1063295" indent="-212659" algn="l" defTabSz="850636" rtl="0" eaLnBrk="1" latinLnBrk="0" hangingPunct="1">
-              <a:spcBef>
-                <a:spcPct val="20000"/>
-              </a:spcBef>
-              <a:buFont typeface="Arial" pitchFamily="34" charset="0"/>
-              <a:buChar char="•"/>
-              <a:defRPr sz="2200" kern="1200">
-                <a:solidFill>
-                  <a:schemeClr val="tx1"/>
-                </a:solidFill>
-                <a:latin typeface="+mn-lt"/>
-                <a:ea typeface="+mn-ea"/>
-                <a:cs typeface="+mn-cs"/>
-              </a:defRPr>
-            </a:lvl3pPr>
-            <a:lvl4pPr marL="1488614" indent="-212659" algn="l" defTabSz="850636" rtl="0" eaLnBrk="1" latinLnBrk="0" hangingPunct="1">
-              <a:spcBef>
-                <a:spcPct val="20000"/>
-              </a:spcBef>
-              <a:buFont typeface="Arial" pitchFamily="34" charset="0"/>
-              <a:buChar char="–"/>
-              <a:defRPr sz="1900" kern="1200">
-                <a:solidFill>
-                  <a:schemeClr val="tx1"/>
-                </a:solidFill>
-                <a:latin typeface="+mn-lt"/>
-                <a:ea typeface="+mn-ea"/>
-                <a:cs typeface="+mn-cs"/>
-              </a:defRPr>
-            </a:lvl4pPr>
-            <a:lvl5pPr marL="1913932" indent="-212659" algn="l" defTabSz="850636" rtl="0" eaLnBrk="1" latinLnBrk="0" hangingPunct="1">
-              <a:spcBef>
-                <a:spcPct val="20000"/>
-              </a:spcBef>
-              <a:buFont typeface="Arial" pitchFamily="34" charset="0"/>
-              <a:buChar char="»"/>
-              <a:defRPr sz="1900" kern="1200">
-                <a:solidFill>
-                  <a:schemeClr val="tx1"/>
-                </a:solidFill>
-                <a:latin typeface="+mn-lt"/>
-                <a:ea typeface="+mn-ea"/>
-                <a:cs typeface="+mn-cs"/>
-              </a:defRPr>
-            </a:lvl5pPr>
-            <a:lvl6pPr marL="2339250" indent="-212659" algn="l" defTabSz="850636" rtl="0" eaLnBrk="1" latinLnBrk="0" hangingPunct="1">
-              <a:spcBef>
-                <a:spcPct val="20000"/>
-              </a:spcBef>
-              <a:buFont typeface="Arial" pitchFamily="34" charset="0"/>
-              <a:buChar char="•"/>
-              <a:defRPr sz="1900" kern="1200">
-                <a:solidFill>
-                  <a:schemeClr val="tx1"/>
-                </a:solidFill>
-                <a:latin typeface="+mn-lt"/>
-                <a:ea typeface="+mn-ea"/>
-                <a:cs typeface="+mn-cs"/>
-              </a:defRPr>
-            </a:lvl6pPr>
-            <a:lvl7pPr marL="2764568" indent="-212659" algn="l" defTabSz="850636" rtl="0" eaLnBrk="1" latinLnBrk="0" hangingPunct="1">
-              <a:spcBef>
-                <a:spcPct val="20000"/>
-              </a:spcBef>
-              <a:buFont typeface="Arial" pitchFamily="34" charset="0"/>
-              <a:buChar char="•"/>
-              <a:defRPr sz="1900" kern="1200">
-                <a:solidFill>
-                  <a:schemeClr val="tx1"/>
-                </a:solidFill>
-                <a:latin typeface="+mn-lt"/>
-                <a:ea typeface="+mn-ea"/>
-                <a:cs typeface="+mn-cs"/>
-              </a:defRPr>
-            </a:lvl7pPr>
-            <a:lvl8pPr marL="3189887" indent="-212659" algn="l" defTabSz="850636" rtl="0" eaLnBrk="1" latinLnBrk="0" hangingPunct="1">
-              <a:spcBef>
-                <a:spcPct val="20000"/>
-              </a:spcBef>
-              <a:buFont typeface="Arial" pitchFamily="34" charset="0"/>
-              <a:buChar char="•"/>
-              <a:defRPr sz="1900" kern="1200">
-                <a:solidFill>
-                  <a:schemeClr val="tx1"/>
-                </a:solidFill>
-                <a:latin typeface="+mn-lt"/>
-                <a:ea typeface="+mn-ea"/>
-                <a:cs typeface="+mn-cs"/>
-              </a:defRPr>
-            </a:lvl8pPr>
-            <a:lvl9pPr marL="3615205" indent="-212659" algn="l" defTabSz="850636" rtl="0" eaLnBrk="1" latinLnBrk="0" hangingPunct="1">
-              <a:spcBef>
-                <a:spcPct val="20000"/>
-              </a:spcBef>
-              <a:buFont typeface="Arial" pitchFamily="34" charset="0"/>
-              <a:buChar char="•"/>
-              <a:defRPr sz="1900" kern="1200">
-                <a:solidFill>
-                  <a:schemeClr val="tx1"/>
-                </a:solidFill>
-                <a:latin typeface="+mn-lt"/>
-                <a:ea typeface="+mn-ea"/>
-                <a:cs typeface="+mn-cs"/>
-              </a:defRPr>
-            </a:lvl9pPr>
-          </a:lstStyle>
-          <a:p>
-            <a:pPr marL="514350" indent="-514350">
-              <a:buFont typeface="+mj-lt"/>
-              <a:buAutoNum type="arabicPeriod" startAt="29"/>
-            </a:pPr>
-            <a:r>
-              <a:rPr lang="en-GB" dirty="0" smtClean="0"/>
-              <a:t>ExtInt1:INT1IE,INT1IF</a:t>
-            </a:r>
-          </a:p>
-          <a:p>
-            <a:pPr marL="514350" indent="-514350">
-              <a:buFont typeface="+mj-lt"/>
-              <a:buAutoNum type="arabicPeriod" startAt="29"/>
-            </a:pPr>
-            <a:r>
-              <a:rPr lang="en-GB" dirty="0" smtClean="0"/>
-              <a:t>ExtInt2:INT2IE,INT2IF</a:t>
-            </a:r>
-          </a:p>
-          <a:p>
-            <a:pPr marL="514350" indent="-514350">
-              <a:buFont typeface="+mj-lt"/>
-              <a:buAutoNum type="arabicPeriod" startAt="29"/>
-            </a:pPr>
-            <a:r>
-              <a:rPr lang="en-GB" dirty="0" smtClean="0"/>
-              <a:t>I2C1ErrorInterrupt:I2C1EIE,I2C1EIF</a:t>
-            </a:r>
-          </a:p>
-          <a:p>
-            <a:pPr marL="514350" indent="-514350">
-              <a:buFont typeface="+mj-lt"/>
-              <a:buAutoNum type="arabicPeriod" startAt="29"/>
-            </a:pPr>
-            <a:r>
-              <a:rPr lang="en-GB" dirty="0" smtClean="0"/>
-              <a:t>I2C1Interrupt:I2C1IE,I2C1IF</a:t>
-            </a:r>
-          </a:p>
-          <a:p>
-            <a:pPr marL="514350" indent="-514350">
-              <a:buFont typeface="+mj-lt"/>
-              <a:buAutoNum type="arabicPeriod" startAt="29"/>
-            </a:pPr>
-            <a:r>
-              <a:rPr lang="en-GB" dirty="0" smtClean="0"/>
-              <a:t>I2C1ReceiveInterrupt:I2C1RXIE,I2C1RXIF</a:t>
-            </a:r>
-          </a:p>
-          <a:p>
-            <a:pPr marL="514350" indent="-514350">
-              <a:buFont typeface="+mj-lt"/>
-              <a:buAutoNum type="arabicPeriod" startAt="29"/>
-            </a:pPr>
-            <a:r>
-              <a:rPr lang="en-GB" dirty="0" smtClean="0"/>
-              <a:t>I2C1TransmitInterrupt:I2C1TXIE,I2C1TXIF</a:t>
-            </a:r>
-          </a:p>
-          <a:p>
-            <a:pPr marL="514350" indent="-514350">
-              <a:buFont typeface="+mj-lt"/>
-              <a:buAutoNum type="arabicPeriod" startAt="29"/>
-            </a:pPr>
-            <a:r>
-              <a:rPr lang="en-GB" dirty="0" smtClean="0"/>
-              <a:t>LogicCell1Event:CLC1IE,CLC1IF</a:t>
-            </a:r>
-          </a:p>
-          <a:p>
-            <a:pPr marL="514350" indent="-514350">
-              <a:buFont typeface="+mj-lt"/>
-              <a:buAutoNum type="arabicPeriod" startAt="29"/>
-            </a:pPr>
-            <a:r>
-              <a:rPr lang="en-GB" dirty="0" smtClean="0"/>
-              <a:t>LogicCell2Event:CLC2IE,CLC2IF</a:t>
-            </a:r>
-          </a:p>
-          <a:p>
-            <a:pPr marL="514350" indent="-514350">
-              <a:buFont typeface="+mj-lt"/>
-              <a:buAutoNum type="arabicPeriod" startAt="29"/>
-            </a:pPr>
-            <a:r>
-              <a:rPr lang="en-GB" dirty="0" smtClean="0"/>
-              <a:t>LogicCell3Event:CLC3IE,CLC3IF</a:t>
-            </a:r>
-          </a:p>
-          <a:p>
-            <a:pPr marL="514350" indent="-514350">
-              <a:buFont typeface="+mj-lt"/>
-              <a:buAutoNum type="arabicPeriod" startAt="29"/>
-            </a:pPr>
-            <a:r>
-              <a:rPr lang="en-GB" dirty="0" smtClean="0"/>
-              <a:t>LogicCell4Event:CLC4IE,CLC4IF</a:t>
-            </a:r>
-          </a:p>
-          <a:p>
-            <a:pPr marL="514350" indent="-514350">
-              <a:buFont typeface="+mj-lt"/>
-              <a:buAutoNum type="arabicPeriod" startAt="29"/>
-            </a:pPr>
-            <a:r>
-              <a:rPr lang="en-GB" dirty="0" err="1" smtClean="0"/>
-              <a:t>NVMComplete:NVMIE,NVMIF</a:t>
-            </a:r>
-            <a:endParaRPr lang="en-GB" dirty="0" smtClean="0"/>
-          </a:p>
-          <a:p>
-            <a:pPr marL="514350" indent="-514350">
-              <a:buFont typeface="+mj-lt"/>
-              <a:buAutoNum type="arabicPeriod" startAt="29"/>
-            </a:pPr>
-            <a:r>
-              <a:rPr lang="en-GB" dirty="0" err="1" smtClean="0"/>
-              <a:t>OscillatorFail:OSFIE,OSFIF</a:t>
-            </a:r>
-            <a:endParaRPr lang="en-GB" dirty="0" smtClean="0"/>
-          </a:p>
-          <a:p>
-            <a:pPr marL="514350" indent="-514350">
-              <a:buFont typeface="+mj-lt"/>
-              <a:buAutoNum type="arabicPeriod" startAt="29"/>
-            </a:pPr>
-            <a:r>
-              <a:rPr lang="en-GB" b="1" dirty="0" err="1" smtClean="0"/>
-              <a:t>PORTABChange:IOCIE,IOCIF</a:t>
-            </a:r>
-            <a:endParaRPr lang="en-GB" b="1" dirty="0" smtClean="0"/>
-          </a:p>
-          <a:p>
-            <a:pPr marL="514350" indent="-514350">
-              <a:buFont typeface="+mj-lt"/>
-              <a:buAutoNum type="arabicPeriod" startAt="29"/>
-            </a:pPr>
-            <a:r>
-              <a:rPr lang="en-GB" dirty="0" smtClean="0"/>
-              <a:t>PWM1MatchEvent:PWM1IE,PWM1IF</a:t>
-            </a:r>
-          </a:p>
-          <a:p>
-            <a:pPr marL="514350" indent="-514350">
-              <a:buFont typeface="+mj-lt"/>
-              <a:buAutoNum type="arabicPeriod" startAt="29"/>
-            </a:pPr>
-            <a:r>
-              <a:rPr lang="en-GB" dirty="0" smtClean="0"/>
-              <a:t>PWM2MatchEvent:PWM2IE,PWM2IF</a:t>
-            </a:r>
-          </a:p>
-          <a:p>
-            <a:pPr marL="514350" indent="-514350">
-              <a:buFont typeface="+mj-lt"/>
-              <a:buAutoNum type="arabicPeriod" startAt="29"/>
-            </a:pPr>
-            <a:r>
-              <a:rPr lang="en-GB" dirty="0" smtClean="0"/>
-              <a:t>PWM2PeriodEvent:PWM2PIE,PWM2PIF</a:t>
-            </a:r>
-          </a:p>
-          <a:p>
-            <a:pPr marL="514350" indent="-514350">
-              <a:buFont typeface="+mj-lt"/>
-              <a:buAutoNum type="arabicPeriod" startAt="29"/>
-            </a:pPr>
-            <a:r>
-              <a:rPr lang="en-GB" dirty="0" smtClean="0"/>
-              <a:t>PWMPeriodEvent:PWM1PIE,PWM1PIF</a:t>
-            </a:r>
-          </a:p>
-          <a:p>
-            <a:pPr marL="514350" indent="-514350">
-              <a:buFont typeface="+mj-lt"/>
-              <a:buAutoNum type="arabicPeriod" startAt="29"/>
-            </a:pPr>
-            <a:r>
-              <a:rPr lang="en-GB" dirty="0" err="1" smtClean="0"/>
-              <a:t>PortChange:IOCIE,IOCIF</a:t>
-            </a:r>
-            <a:endParaRPr lang="en-GB" dirty="0" smtClean="0"/>
-          </a:p>
-          <a:p>
-            <a:pPr marL="514350" indent="-514350">
-              <a:buFont typeface="+mj-lt"/>
-              <a:buAutoNum type="arabicPeriod" startAt="29"/>
-            </a:pPr>
-            <a:r>
-              <a:rPr lang="en-GB" dirty="0" smtClean="0"/>
-              <a:t>SPIInterrupt:SPI1IE,SPI1IF</a:t>
-            </a:r>
-          </a:p>
-          <a:p>
-            <a:pPr marL="514350" indent="-514350">
-              <a:buFont typeface="+mj-lt"/>
-              <a:buAutoNum type="arabicPeriod" startAt="29"/>
-            </a:pPr>
-            <a:r>
-              <a:rPr lang="en-GB" dirty="0" smtClean="0"/>
-              <a:t>SPIReceiveInterrupt:SPI1RXIE,SPI1RXIF</a:t>
-            </a:r>
-          </a:p>
-          <a:p>
-            <a:pPr marL="514350" indent="-514350">
-              <a:buFont typeface="+mj-lt"/>
-              <a:buAutoNum type="arabicPeriod" startAt="29"/>
-            </a:pPr>
-            <a:r>
-              <a:rPr lang="en-GB" dirty="0" smtClean="0"/>
-              <a:t>SPITransmitInterrupt:SPI1TXIE,SPI1TXIF</a:t>
-            </a:r>
-          </a:p>
-          <a:p>
-            <a:pPr marL="514350" indent="-514350">
-              <a:buFont typeface="+mj-lt"/>
-              <a:buAutoNum type="arabicPeriod" startAt="29"/>
-            </a:pPr>
-            <a:r>
-              <a:rPr lang="en-GB" dirty="0" err="1" smtClean="0"/>
-              <a:t>ScanComplete:SCANIE,SCANIF</a:t>
-            </a:r>
-            <a:endParaRPr lang="en-GB" dirty="0" smtClean="0"/>
-          </a:p>
-          <a:p>
-            <a:pPr marL="514350" indent="-514350">
-              <a:buFont typeface="+mj-lt"/>
-              <a:buAutoNum type="arabicPeriod" startAt="29"/>
-            </a:pPr>
-            <a:r>
-              <a:rPr lang="en-GB" dirty="0" err="1" smtClean="0"/>
-              <a:t>SoftwareInterrupt:SWIE,SWIF</a:t>
-            </a:r>
-            <a:endParaRPr lang="en-GB" dirty="0" smtClean="0"/>
-          </a:p>
-          <a:p>
-            <a:pPr marL="514350" indent="-514350">
-              <a:buFont typeface="+mj-lt"/>
-              <a:buAutoNum type="arabicPeriod" startAt="29"/>
-            </a:pPr>
-            <a:r>
-              <a:rPr lang="en-GB" dirty="0" smtClean="0"/>
-              <a:t>Timer0Overflow:TMR0IE,TMR0IF</a:t>
-            </a:r>
-          </a:p>
-          <a:p>
-            <a:pPr marL="514350" indent="-514350">
-              <a:buFont typeface="+mj-lt"/>
-              <a:buAutoNum type="arabicPeriod" startAt="29"/>
-            </a:pPr>
-            <a:r>
-              <a:rPr lang="en-GB" dirty="0" smtClean="0"/>
-              <a:t>Timer1Gate:TMR1GIE,TMR1GIF</a:t>
-            </a:r>
-          </a:p>
-          <a:p>
-            <a:pPr marL="514350" indent="-514350">
-              <a:buFont typeface="+mj-lt"/>
-              <a:buAutoNum type="arabicPeriod" startAt="29"/>
-            </a:pPr>
-            <a:r>
-              <a:rPr lang="en-GB" dirty="0" smtClean="0"/>
-              <a:t>Timer1Overflow:TMR1IE,TMR1IF</a:t>
-            </a:r>
-          </a:p>
-          <a:p>
-            <a:pPr marL="514350" indent="-514350">
-              <a:buFont typeface="+mj-lt"/>
-              <a:buAutoNum type="arabicPeriod" startAt="29"/>
-            </a:pPr>
-            <a:r>
-              <a:rPr lang="en-GB" dirty="0" smtClean="0"/>
-              <a:t>Timer2Match:TMR2IE,TMR2IF</a:t>
-            </a:r>
-          </a:p>
-          <a:p>
-            <a:pPr marL="514350" indent="-514350">
-              <a:buFont typeface="+mj-lt"/>
-              <a:buAutoNum type="arabicPeriod" startAt="29"/>
-            </a:pPr>
-            <a:r>
-              <a:rPr lang="en-GB" dirty="0" smtClean="0"/>
-              <a:t>Timer4Match:TMR4IE,TMR4IF</a:t>
-            </a:r>
-          </a:p>
-          <a:p>
-            <a:pPr marL="514350" indent="-514350">
-              <a:buFont typeface="+mj-lt"/>
-              <a:buAutoNum type="arabicPeriod" startAt="29"/>
-            </a:pPr>
-            <a:r>
-              <a:rPr lang="en-GB" dirty="0" smtClean="0"/>
-              <a:t>UART1FramingErrorInterrupt:U1EIE,U1EIF</a:t>
-            </a:r>
-          </a:p>
-          <a:p>
-            <a:pPr marL="514350" indent="-514350">
-              <a:buFont typeface="+mj-lt"/>
-              <a:buAutoNum type="arabicPeriod" startAt="29"/>
-            </a:pPr>
-            <a:r>
-              <a:rPr lang="en-GB" dirty="0" smtClean="0"/>
-              <a:t>UART1Interrupt:U1IE,U1IF</a:t>
-            </a:r>
-          </a:p>
-          <a:p>
-            <a:pPr marL="514350" indent="-514350">
-              <a:buFont typeface="+mj-lt"/>
-              <a:buAutoNum type="arabicPeriod" startAt="29"/>
-            </a:pPr>
-            <a:r>
-              <a:rPr lang="en-GB" dirty="0" smtClean="0"/>
-              <a:t>UART1ReceiveInterrupt:U1RXIE,U1RXIF</a:t>
-            </a:r>
-          </a:p>
-          <a:p>
-            <a:pPr marL="514350" indent="-514350">
-              <a:buFont typeface="+mj-lt"/>
-              <a:buAutoNum type="arabicPeriod" startAt="29"/>
-            </a:pPr>
-            <a:r>
-              <a:rPr lang="en-GB" dirty="0" smtClean="0"/>
-              <a:t>UART1TransmitInterrupt:U1TXIE,U1TXIF</a:t>
-            </a:r>
-          </a:p>
-          <a:p>
-            <a:pPr marL="514350" indent="-514350">
-              <a:buFont typeface="+mj-lt"/>
-              <a:buAutoNum type="arabicPeriod" startAt="29"/>
-            </a:pPr>
-            <a:r>
-              <a:rPr lang="en-GB" dirty="0" smtClean="0"/>
-              <a:t>UART2FramingErrorInterrupt:U2EIE,U2EIF</a:t>
-            </a:r>
-          </a:p>
-          <a:p>
-            <a:pPr marL="514350" indent="-514350">
-              <a:buFont typeface="+mj-lt"/>
-              <a:buAutoNum type="arabicPeriod" startAt="29"/>
-            </a:pPr>
-            <a:r>
-              <a:rPr lang="en-GB" dirty="0" smtClean="0"/>
-              <a:t>UART2Interrupt:U2IE,U2IF</a:t>
-            </a:r>
-          </a:p>
-          <a:p>
-            <a:pPr marL="514350" indent="-514350">
-              <a:buFont typeface="+mj-lt"/>
-              <a:buAutoNum type="arabicPeriod" startAt="29"/>
-            </a:pPr>
-            <a:r>
-              <a:rPr lang="en-GB" dirty="0" smtClean="0"/>
-              <a:t>UART2ReceiveInterrupt:U2RXIE,U2RXIF</a:t>
-            </a:r>
-          </a:p>
-          <a:p>
-            <a:pPr marL="514350" indent="-514350">
-              <a:buFont typeface="+mj-lt"/>
-              <a:buAutoNum type="arabicPeriod" startAt="29"/>
-            </a:pPr>
-            <a:r>
-              <a:rPr lang="en-GB" dirty="0" smtClean="0"/>
-              <a:t>UART2TransmitInterrupt:U2TXIE,U2TXIF</a:t>
-            </a:r>
-          </a:p>
-          <a:p>
-            <a:pPr marL="514350" indent="-514350">
-              <a:buFont typeface="+mj-lt"/>
-              <a:buAutoNum type="arabicPeriod" startAt="29"/>
-            </a:pPr>
-            <a:r>
-              <a:rPr lang="en-GB" dirty="0" err="1" smtClean="0"/>
-              <a:t>VoltageFail:HLVDIE,HLVDIF</a:t>
-            </a:r>
-            <a:endParaRPr lang="en-GB" dirty="0" smtClean="0"/>
-          </a:p>
-          <a:p>
-            <a:endParaRPr lang="en-GB" dirty="0"/>
+          <a:lstStyle/>
+          <a:p>
+            <a:r>
+              <a:rPr lang="en-GB" sz="1200" b="1" dirty="0">
+                <a:latin typeface="Courier New" panose="02070309020205020404" pitchFamily="49" charset="0"/>
+                <a:cs typeface="Courier New" panose="02070309020205020404" pitchFamily="49" charset="0"/>
+              </a:rPr>
+              <a:t>    Hardware</a:t>
+            </a:r>
+          </a:p>
+          <a:p>
+            <a:r>
+              <a:rPr lang="en-GB" sz="1200" b="1" dirty="0">
+                <a:latin typeface="Courier New" panose="02070309020205020404" pitchFamily="49" charset="0"/>
+                <a:cs typeface="Courier New" panose="02070309020205020404" pitchFamily="49" charset="0"/>
+              </a:rPr>
+              <a:t> </a:t>
+            </a:r>
+            <a:r>
+              <a:rPr lang="en-GB" sz="1200" b="1" dirty="0" smtClean="0">
+                <a:latin typeface="Courier New" panose="02070309020205020404" pitchFamily="49" charset="0"/>
+                <a:cs typeface="Courier New" panose="02070309020205020404" pitchFamily="49" charset="0"/>
+              </a:rPr>
+              <a:t>           ------------</a:t>
+            </a:r>
+            <a:r>
+              <a:rPr lang="en-GB" sz="1200" b="1" dirty="0">
+                <a:latin typeface="Courier New" panose="02070309020205020404" pitchFamily="49" charset="0"/>
+                <a:cs typeface="Courier New" panose="02070309020205020404" pitchFamily="49" charset="0"/>
+              </a:rPr>
+              <a:t>PORTA---------------</a:t>
+            </a:r>
+          </a:p>
+          <a:p>
+            <a:r>
+              <a:rPr lang="en-GB" sz="1200" b="1" dirty="0">
+                <a:latin typeface="Courier New" panose="02070309020205020404" pitchFamily="49" charset="0"/>
+                <a:cs typeface="Courier New" panose="02070309020205020404" pitchFamily="49" charset="0"/>
+              </a:rPr>
+              <a:t>    Bit#:  -7---6---5---4---3---2---1---0---</a:t>
+            </a:r>
+          </a:p>
+          <a:p>
+            <a:r>
+              <a:rPr lang="en-GB" sz="1200" b="1" dirty="0">
+                <a:latin typeface="Courier New" panose="02070309020205020404" pitchFamily="49" charset="0"/>
+                <a:cs typeface="Courier New" panose="02070309020205020404" pitchFamily="49" charset="0"/>
+              </a:rPr>
+              <a:t>    IO:    </a:t>
+            </a:r>
+            <a:r>
+              <a:rPr lang="en-GB" sz="1200" b="1" dirty="0" smtClean="0">
+                <a:latin typeface="Courier New" panose="02070309020205020404" pitchFamily="49" charset="0"/>
+                <a:cs typeface="Courier New" panose="02070309020205020404" pitchFamily="49" charset="0"/>
+              </a:rPr>
+              <a:t>------------SW2-------------</a:t>
+            </a:r>
+            <a:r>
+              <a:rPr lang="en-GB" sz="1200" b="1" dirty="0">
+                <a:latin typeface="Courier New" panose="02070309020205020404" pitchFamily="49" charset="0"/>
+                <a:cs typeface="Courier New" panose="02070309020205020404" pitchFamily="49" charset="0"/>
+              </a:rPr>
+              <a:t>ADC--</a:t>
+            </a:r>
+          </a:p>
+          <a:p>
+            <a:r>
+              <a:rPr lang="en-GB" sz="1200" b="1" dirty="0">
+                <a:latin typeface="Courier New" panose="02070309020205020404" pitchFamily="49" charset="0"/>
+                <a:cs typeface="Courier New" panose="02070309020205020404" pitchFamily="49" charset="0"/>
+              </a:rPr>
+              <a:t>    IO:    ---------------------------------</a:t>
+            </a:r>
+          </a:p>
+          <a:p>
+            <a:endParaRPr lang="en-GB" sz="1200" b="1" dirty="0">
+              <a:latin typeface="Courier New" panose="02070309020205020404" pitchFamily="49" charset="0"/>
+              <a:cs typeface="Courier New" panose="02070309020205020404" pitchFamily="49" charset="0"/>
+            </a:endParaRPr>
+          </a:p>
+          <a:p>
+            <a:r>
+              <a:rPr lang="en-GB" sz="1200" b="1" dirty="0">
+                <a:latin typeface="Courier New" panose="02070309020205020404" pitchFamily="49" charset="0"/>
+                <a:cs typeface="Courier New" panose="02070309020205020404" pitchFamily="49" charset="0"/>
+              </a:rPr>
+              <a:t>            ------------PORTB----------------</a:t>
+            </a:r>
+          </a:p>
+          <a:p>
+            <a:r>
+              <a:rPr lang="en-GB" sz="1200" b="1" dirty="0">
+                <a:latin typeface="Courier New" panose="02070309020205020404" pitchFamily="49" charset="0"/>
+                <a:cs typeface="Courier New" panose="02070309020205020404" pitchFamily="49" charset="0"/>
+              </a:rPr>
+              <a:t>    Bit#:  -7---6---5---4---3---2---1---0---</a:t>
+            </a:r>
+          </a:p>
+          <a:p>
+            <a:r>
+              <a:rPr lang="en-GB" sz="1200" b="1" dirty="0">
+                <a:latin typeface="Courier New" panose="02070309020205020404" pitchFamily="49" charset="0"/>
+                <a:cs typeface="Courier New" panose="02070309020205020404" pitchFamily="49" charset="0"/>
+              </a:rPr>
+              <a:t>    IO:    </a:t>
+            </a:r>
+            <a:r>
+              <a:rPr lang="en-GB" sz="1200" b="1">
+                <a:latin typeface="Courier New" panose="02070309020205020404" pitchFamily="49" charset="0"/>
+                <a:cs typeface="Courier New" panose="02070309020205020404" pitchFamily="49" charset="0"/>
+              </a:rPr>
+              <a:t>----------------</a:t>
+            </a:r>
+            <a:r>
+              <a:rPr lang="en-GB" sz="1200" b="1" smtClean="0">
+                <a:latin typeface="Courier New" panose="02070309020205020404" pitchFamily="49" charset="0"/>
+                <a:cs typeface="Courier New" panose="02070309020205020404" pitchFamily="49" charset="0"/>
+              </a:rPr>
+              <a:t>LED-LED-LED-INT--</a:t>
+            </a:r>
+            <a:endParaRPr lang="en-GB" sz="1200" b="1" dirty="0">
+              <a:latin typeface="Courier New" panose="02070309020205020404" pitchFamily="49" charset="0"/>
+              <a:cs typeface="Courier New" panose="02070309020205020404" pitchFamily="49" charset="0"/>
+            </a:endParaRPr>
+          </a:p>
+          <a:p>
+            <a:r>
+              <a:rPr lang="en-GB" sz="1200" b="1" dirty="0">
+                <a:latin typeface="Courier New" panose="02070309020205020404" pitchFamily="49" charset="0"/>
+                <a:cs typeface="Courier New" panose="02070309020205020404" pitchFamily="49" charset="0"/>
+              </a:rPr>
+              <a:t>    IO:    ---------------------------------</a:t>
+            </a:r>
+          </a:p>
+          <a:p>
+            <a:endParaRPr lang="en-GB" sz="1200" b="1" dirty="0">
+              <a:latin typeface="Courier New" panose="02070309020205020404" pitchFamily="49" charset="0"/>
+              <a:cs typeface="Courier New" panose="02070309020205020404" pitchFamily="49" charset="0"/>
+            </a:endParaRPr>
+          </a:p>
+          <a:p>
+            <a:r>
+              <a:rPr lang="en-GB" sz="1200" b="1" dirty="0">
+                <a:latin typeface="Courier New" panose="02070309020205020404" pitchFamily="49" charset="0"/>
+                <a:cs typeface="Courier New" panose="02070309020205020404" pitchFamily="49" charset="0"/>
+              </a:rPr>
+              <a:t>            ------------PORTC----------------</a:t>
+            </a:r>
+          </a:p>
+          <a:p>
+            <a:r>
+              <a:rPr lang="en-GB" sz="1200" b="1" dirty="0">
+                <a:latin typeface="Courier New" panose="02070309020205020404" pitchFamily="49" charset="0"/>
+                <a:cs typeface="Courier New" panose="02070309020205020404" pitchFamily="49" charset="0"/>
+              </a:rPr>
+              <a:t>    Bit#:  -7---6---5---4---3---2---1---0---</a:t>
+            </a:r>
+          </a:p>
+          <a:p>
+            <a:r>
+              <a:rPr lang="en-GB" sz="1200" b="1" dirty="0">
+                <a:latin typeface="Courier New" panose="02070309020205020404" pitchFamily="49" charset="0"/>
+                <a:cs typeface="Courier New" panose="02070309020205020404" pitchFamily="49" charset="0"/>
+              </a:rPr>
+              <a:t> </a:t>
+            </a:r>
+            <a:r>
+              <a:rPr lang="en-GB" sz="1200" b="1" dirty="0" smtClean="0">
+                <a:latin typeface="Courier New" panose="02070309020205020404" pitchFamily="49" charset="0"/>
+                <a:cs typeface="Courier New" panose="02070309020205020404" pitchFamily="49" charset="0"/>
+              </a:rPr>
+              <a:t>   IO</a:t>
+            </a:r>
+            <a:r>
+              <a:rPr lang="en-GB" sz="1200" b="1" dirty="0">
+                <a:latin typeface="Courier New" panose="02070309020205020404" pitchFamily="49" charset="0"/>
+                <a:cs typeface="Courier New" panose="02070309020205020404" pitchFamily="49" charset="0"/>
+              </a:rPr>
+              <a:t>:    -----TX-</a:t>
+            </a:r>
+            <a:r>
+              <a:rPr lang="en-GB" sz="1200" b="1" dirty="0" smtClean="0">
+                <a:latin typeface="Courier New" panose="02070309020205020404" pitchFamily="49" charset="0"/>
+                <a:cs typeface="Courier New" panose="02070309020205020404" pitchFamily="49" charset="0"/>
+              </a:rPr>
+              <a:t>-------------------------    </a:t>
+            </a:r>
+          </a:p>
+          <a:p>
+            <a:r>
+              <a:rPr lang="en-GB" sz="1200" b="1" dirty="0">
+                <a:latin typeface="Courier New" panose="02070309020205020404" pitchFamily="49" charset="0"/>
+                <a:cs typeface="Courier New" panose="02070309020205020404" pitchFamily="49" charset="0"/>
+              </a:rPr>
+              <a:t> </a:t>
+            </a:r>
+            <a:r>
+              <a:rPr lang="en-GB" sz="1200" b="1" dirty="0" smtClean="0">
+                <a:latin typeface="Courier New" panose="02070309020205020404" pitchFamily="49" charset="0"/>
+                <a:cs typeface="Courier New" panose="02070309020205020404" pitchFamily="49" charset="0"/>
+              </a:rPr>
+              <a:t>   IO</a:t>
+            </a:r>
+            <a:r>
+              <a:rPr lang="en-GB" sz="1200" b="1" dirty="0">
+                <a:latin typeface="Courier New" panose="02070309020205020404" pitchFamily="49" charset="0"/>
+                <a:cs typeface="Courier New" panose="02070309020205020404" pitchFamily="49" charset="0"/>
+              </a:rPr>
+              <a:t>:    ---------------------------------</a:t>
+            </a:r>
+          </a:p>
+          <a:p>
+            <a:endParaRPr lang="en-GB" sz="1200" b="1" dirty="0">
+              <a:latin typeface="Courier New" panose="02070309020205020404" pitchFamily="49" charset="0"/>
+              <a:cs typeface="Courier New" panose="02070309020205020404" pitchFamily="49" charset="0"/>
+            </a:endParaRPr>
+          </a:p>
+          <a:p>
+            <a:r>
+              <a:rPr lang="en-GB" sz="1200" b="1" dirty="0">
+                <a:latin typeface="Courier New" panose="02070309020205020404" pitchFamily="49" charset="0"/>
+                <a:cs typeface="Courier New" panose="02070309020205020404" pitchFamily="49" charset="0"/>
+              </a:rPr>
+              <a:t>            ------------PORTD----------------</a:t>
+            </a:r>
+          </a:p>
+          <a:p>
+            <a:r>
+              <a:rPr lang="en-GB" sz="1200" b="1" dirty="0">
+                <a:latin typeface="Courier New" panose="02070309020205020404" pitchFamily="49" charset="0"/>
+                <a:cs typeface="Courier New" panose="02070309020205020404" pitchFamily="49" charset="0"/>
+              </a:rPr>
+              <a:t>    Bit#:  -7---6---5---4---3---2---1---0---</a:t>
+            </a:r>
+          </a:p>
+          <a:p>
+            <a:r>
+              <a:rPr lang="en-GB" sz="1200" b="1" dirty="0">
+                <a:latin typeface="Courier New" panose="02070309020205020404" pitchFamily="49" charset="0"/>
+                <a:cs typeface="Courier New" panose="02070309020205020404" pitchFamily="49" charset="0"/>
+              </a:rPr>
+              <a:t>    IO:    ---------------------------------</a:t>
+            </a:r>
+          </a:p>
+          <a:p>
+            <a:r>
+              <a:rPr lang="en-GB" sz="1200" b="1" dirty="0" smtClean="0">
+                <a:latin typeface="Courier New" panose="02070309020205020404" pitchFamily="49" charset="0"/>
+                <a:cs typeface="Courier New" panose="02070309020205020404" pitchFamily="49" charset="0"/>
+              </a:rPr>
+              <a:t>    </a:t>
+            </a:r>
+            <a:r>
+              <a:rPr lang="en-GB" sz="1200" b="1" dirty="0">
+                <a:latin typeface="Courier New" panose="02070309020205020404" pitchFamily="49" charset="0"/>
+                <a:cs typeface="Courier New" panose="02070309020205020404" pitchFamily="49" charset="0"/>
+              </a:rPr>
+              <a:t>IO:    ---------------------------------</a:t>
+            </a:r>
+          </a:p>
+          <a:p>
+            <a:endParaRPr lang="en-GB" sz="1200" b="1" dirty="0">
+              <a:latin typeface="Courier New" panose="02070309020205020404" pitchFamily="49" charset="0"/>
+              <a:cs typeface="Courier New" panose="02070309020205020404" pitchFamily="49" charset="0"/>
+            </a:endParaRPr>
+          </a:p>
+          <a:p>
+            <a:r>
+              <a:rPr lang="en-GB" sz="1200" b="1" dirty="0">
+                <a:latin typeface="Courier New" panose="02070309020205020404" pitchFamily="49" charset="0"/>
+                <a:cs typeface="Courier New" panose="02070309020205020404" pitchFamily="49" charset="0"/>
+              </a:rPr>
+              <a:t>            ------------PORTE----------------</a:t>
+            </a:r>
+          </a:p>
+          <a:p>
+            <a:r>
+              <a:rPr lang="en-GB" sz="1200" b="1" dirty="0">
+                <a:latin typeface="Courier New" panose="02070309020205020404" pitchFamily="49" charset="0"/>
+                <a:cs typeface="Courier New" panose="02070309020205020404" pitchFamily="49" charset="0"/>
+              </a:rPr>
+              <a:t>    Bit#:  -7---6---5---4---3---2---1---0---</a:t>
+            </a:r>
+          </a:p>
+          <a:p>
+            <a:r>
+              <a:rPr lang="en-GB" sz="1200" b="1" dirty="0">
+                <a:latin typeface="Courier New" panose="02070309020205020404" pitchFamily="49" charset="0"/>
+                <a:cs typeface="Courier New" panose="02070309020205020404" pitchFamily="49" charset="0"/>
+              </a:rPr>
+              <a:t>    IO:    </a:t>
+            </a:r>
+            <a:r>
+              <a:rPr lang="en-GB" sz="1200" b="1" dirty="0" smtClean="0">
+                <a:latin typeface="Courier New" panose="02070309020205020404" pitchFamily="49" charset="0"/>
+                <a:cs typeface="Courier New" panose="02070309020205020404" pitchFamily="49" charset="0"/>
+              </a:rPr>
+              <a:t>----------------RST---------------</a:t>
+            </a:r>
+            <a:endParaRPr lang="en-GB" sz="1200" b="1" dirty="0">
+              <a:latin typeface="Courier New" panose="02070309020205020404" pitchFamily="49" charset="0"/>
+              <a:cs typeface="Courier New" panose="02070309020205020404" pitchFamily="49" charset="0"/>
+            </a:endParaRPr>
+          </a:p>
+          <a:p>
+            <a:r>
+              <a:rPr lang="en-GB" sz="1200" b="1" dirty="0">
+                <a:latin typeface="Courier New" panose="02070309020205020404" pitchFamily="49" charset="0"/>
+                <a:cs typeface="Courier New" panose="02070309020205020404" pitchFamily="49" charset="0"/>
+              </a:rPr>
+              <a:t>    IO:    ---------------------------------</a:t>
+            </a:r>
+            <a:br>
+              <a:rPr lang="en-GB" sz="1200" b="1" dirty="0">
+                <a:latin typeface="Courier New" panose="02070309020205020404" pitchFamily="49" charset="0"/>
+                <a:cs typeface="Courier New" panose="02070309020205020404" pitchFamily="49" charset="0"/>
+              </a:rPr>
+            </a:br>
+            <a:endParaRPr lang="en-GB" sz="1200" b="1" dirty="0">
+              <a:latin typeface="Courier New" panose="02070309020205020404" pitchFamily="49" charset="0"/>
+              <a:cs typeface="Courier New" panose="02070309020205020404" pitchFamily="49" charset="0"/>
+            </a:endParaRPr>
           </a:p>
         </p:txBody>
       </p:sp>
     </p:spTree>
     <p:extLst>
       <p:ext uri="{BB962C8B-B14F-4D97-AF65-F5344CB8AC3E}">
-        <p14:creationId xmlns:p14="http://schemas.microsoft.com/office/powerpoint/2010/main" val="1291147938"/>
+        <p14:creationId xmlns:p14="http://schemas.microsoft.com/office/powerpoint/2010/main" val="3871150433"/>
       </p:ext>
     </p:extLst>
   </p:cSld>
   <p:clrMapOvr>
     <a:masterClrMapping/>
   </p:clrMapOvr>
-  <mc:AlternateContent xmlns:mc="http://schemas.openxmlformats.org/markup-compatibility/2006">
-    <mc:Choice xmlns:p14="http://schemas.microsoft.com/office/powerpoint/2010/main" Requires="p14">
-      <p:transition spd="slow" p14:dur="2000" advClick="0"/>
+  <mc:AlternateContent xmlns:mc="http://schemas.openxmlformats.org/markup-compatibility/2006" xmlns:p14="http://schemas.microsoft.com/office/powerpoint/2010/main">
+    <mc:Choice Requires="p14">
+      <p:transition spd="slow" p14:dur="2000"/>
     </mc:Choice>
-    <mc:Fallback>
-      <p:transition spd="slow" advClick="0"/>
+    <mc:Fallback xmlns="">
+      <p:transition spd="slow"/>
     </mc:Fallback>
   </mc:AlternateContent>
   <p:timing>
@@ -9951,23 +8893,17 @@
             <p:ph type="title"/>
           </p:nvPr>
         </p:nvSpPr>
-        <p:spPr>
-          <a:xfrm>
-            <a:off x="179512" y="411510"/>
-            <a:ext cx="5400600" cy="558552"/>
-          </a:xfrm>
-        </p:spPr>
-        <p:txBody>
-          <a:bodyPr vert="horz" lIns="85064" tIns="42531" rIns="85064" bIns="42531" rtlCol="0" anchor="ctr">
-            <a:normAutofit/>
-          </a:bodyPr>
+        <p:spPr/>
+        <p:txBody>
+          <a:bodyPr/>
           <a:lstStyle/>
           <a:p>
             <a:pPr algn="l"/>
             <a:r>
-              <a:rPr lang="en-GB" dirty="0"/>
-              <a:t>Interrupt on Change (IOC)</a:t>
-            </a:r>
+              <a:rPr lang="en-GB" dirty="0" smtClean="0"/>
+              <a:t>Principles of Interrupts</a:t>
+            </a:r>
+            <a:endParaRPr lang="en-GB" dirty="0"/>
           </a:p>
         </p:txBody>
       </p:sp>
@@ -9981,137 +8917,306 @@
             <p:ph idx="1"/>
           </p:nvPr>
         </p:nvSpPr>
-        <p:spPr/>
+        <p:spPr>
+          <a:xfrm>
+            <a:off x="539552" y="1563638"/>
+            <a:ext cx="7416824" cy="3456384"/>
+          </a:xfrm>
+          <a:solidFill>
+            <a:schemeClr val="bg1"/>
+          </a:solidFill>
+        </p:spPr>
         <p:txBody>
           <a:bodyPr vert="horz" lIns="85064" tIns="42531" rIns="85064" bIns="42531" rtlCol="0">
             <a:noAutofit/>
           </a:bodyPr>
           <a:lstStyle/>
           <a:p>
-            <a:pPr marL="266700" indent="-174625" defTabSz="898525"/>
-            <a:r>
-              <a:rPr lang="en-GB" sz="1400" b="1" dirty="0" smtClean="0"/>
-              <a:t>Detects </a:t>
-            </a:r>
-            <a:r>
-              <a:rPr lang="en-GB" sz="1400" b="1" dirty="0"/>
-              <a:t>changes in the state of selected </a:t>
-            </a:r>
-            <a:r>
-              <a:rPr lang="en-GB" sz="1400" b="1" dirty="0" smtClean="0"/>
-              <a:t>pins</a:t>
-            </a:r>
-          </a:p>
-          <a:p>
-            <a:pPr marL="266700" indent="-174625" defTabSz="898525"/>
-            <a:endParaRPr lang="en-GB" sz="1400" b="1" dirty="0" smtClean="0"/>
-          </a:p>
-          <a:p>
-            <a:pPr marL="266700" indent="-174625" defTabSz="898525"/>
-            <a:r>
-              <a:rPr lang="en-GB" sz="1400" b="1" dirty="0" smtClean="0"/>
-              <a:t>Key Points</a:t>
-            </a:r>
-            <a:endParaRPr lang="en-GB" sz="1400" b="1" dirty="0"/>
-          </a:p>
-          <a:p>
-            <a:pPr marL="638854" lvl="1" indent="-174625" defTabSz="898525"/>
-            <a:r>
-              <a:rPr lang="en-GB" sz="1200" b="1" dirty="0"/>
-              <a:t>Configuration: Set </a:t>
-            </a:r>
-            <a:r>
-              <a:rPr lang="en-GB" sz="1200" b="1" dirty="0" smtClean="0"/>
-              <a:t>IO </a:t>
-            </a:r>
-            <a:r>
-              <a:rPr lang="en-GB" sz="1200" b="1" dirty="0" err="1" smtClean="0"/>
-              <a:t>port.pin</a:t>
-            </a:r>
-            <a:r>
-              <a:rPr lang="en-GB" sz="1200" b="1" dirty="0" smtClean="0"/>
-              <a:t> </a:t>
-            </a:r>
-            <a:r>
-              <a:rPr lang="en-GB" sz="1200" b="1" dirty="0"/>
-              <a:t>as inputs and configure the </a:t>
-            </a:r>
-            <a:r>
-              <a:rPr lang="en-GB" sz="1200" b="1" dirty="0" smtClean="0"/>
-              <a:t>correct register </a:t>
-            </a:r>
-            <a:r>
-              <a:rPr lang="en-GB" sz="1200" b="1" dirty="0"/>
-              <a:t>for edge detection (rising or falling edge).</a:t>
-            </a:r>
-          </a:p>
-          <a:p>
-            <a:pPr marL="266700" indent="-174625" defTabSz="898525"/>
-            <a:r>
-              <a:rPr lang="en-GB" sz="1400" b="1" dirty="0"/>
-              <a:t>Interrupt Service Routine (</a:t>
-            </a:r>
-            <a:r>
-              <a:rPr lang="en-GB" sz="1400" b="1" dirty="0" smtClean="0"/>
-              <a:t>ISR)</a:t>
-            </a:r>
-          </a:p>
-          <a:p>
-            <a:pPr marL="638854" lvl="1" indent="-174625" defTabSz="898525"/>
-            <a:r>
-              <a:rPr lang="en-GB" sz="1200" b="1" dirty="0" smtClean="0"/>
-              <a:t>Handles </a:t>
-            </a:r>
-            <a:r>
-              <a:rPr lang="en-GB" sz="1200" b="1" dirty="0"/>
-              <a:t>the interrupt </a:t>
-            </a:r>
-            <a:r>
-              <a:rPr lang="en-GB" sz="1200" b="1" dirty="0" smtClean="0"/>
-              <a:t>event</a:t>
-            </a:r>
-            <a:endParaRPr lang="en-GB" sz="1200" b="1" dirty="0"/>
-          </a:p>
-          <a:p>
-            <a:pPr marL="266700" indent="-174625" defTabSz="898525"/>
-            <a:r>
-              <a:rPr lang="en-GB" sz="1400" b="1" dirty="0"/>
-              <a:t>Global Interrupt Enable (GIE): </a:t>
-            </a:r>
-            <a:endParaRPr lang="en-GB" sz="1400" b="1" dirty="0" smtClean="0"/>
-          </a:p>
-          <a:p>
-            <a:pPr marL="638854" lvl="1" indent="-174625" defTabSz="898525"/>
-            <a:r>
-              <a:rPr lang="en-GB" sz="1200" b="1" dirty="0" smtClean="0"/>
-              <a:t>Enables </a:t>
-            </a:r>
-            <a:r>
-              <a:rPr lang="en-GB" sz="1200" b="1" dirty="0"/>
-              <a:t>the microcontroller to respond to interrupts</a:t>
-            </a:r>
-          </a:p>
-          <a:p>
-            <a:pPr marL="266700" indent="-174625" defTabSz="898525"/>
-            <a:endParaRPr lang="en-GB" sz="1400" b="1" dirty="0"/>
+            <a:pPr marL="266700" indent="-174625" defTabSz="898525">
+              <a:spcBef>
+                <a:spcPts val="0"/>
+              </a:spcBef>
+            </a:pPr>
+            <a:r>
+              <a:rPr lang="en-GB" sz="1100" b="1" dirty="0"/>
+              <a:t>Interrupts are events that alter the normal execution flow of a program to respond to external or internal events</a:t>
+            </a:r>
+            <a:r>
+              <a:rPr lang="en-GB" sz="1100" b="1" dirty="0" smtClean="0"/>
+              <a:t>.</a:t>
+            </a:r>
+            <a:endParaRPr lang="en-GB" sz="1100" b="1" dirty="0"/>
+          </a:p>
+          <a:p>
+            <a:pPr marL="266700" indent="-174625" defTabSz="898525">
+              <a:spcBef>
+                <a:spcPts val="0"/>
+              </a:spcBef>
+            </a:pPr>
+            <a:endParaRPr lang="en-GB" sz="1100" b="1" dirty="0" smtClean="0"/>
+          </a:p>
+          <a:p>
+            <a:pPr marL="266700" indent="-174625" defTabSz="898525">
+              <a:spcBef>
+                <a:spcPts val="0"/>
+              </a:spcBef>
+            </a:pPr>
+            <a:r>
+              <a:rPr lang="en-GB" sz="1100" b="1" dirty="0" smtClean="0"/>
+              <a:t>Advantages</a:t>
+            </a:r>
+            <a:endParaRPr lang="en-GB" sz="1100" b="1" dirty="0"/>
+          </a:p>
+          <a:p>
+            <a:pPr marL="566737" lvl="2" indent="-174625" defTabSz="898525">
+              <a:spcBef>
+                <a:spcPts val="0"/>
+              </a:spcBef>
+            </a:pPr>
+            <a:r>
+              <a:rPr lang="en-GB" dirty="0"/>
+              <a:t>Immediate response to critical events</a:t>
+            </a:r>
+          </a:p>
+          <a:p>
+            <a:pPr marL="566737" lvl="2" indent="-174625" defTabSz="898525">
+              <a:spcBef>
+                <a:spcPts val="0"/>
+              </a:spcBef>
+            </a:pPr>
+            <a:r>
+              <a:rPr lang="en-GB" dirty="0"/>
+              <a:t>Efficient use of the microcontroller's </a:t>
+            </a:r>
+            <a:r>
+              <a:rPr lang="en-GB" dirty="0" smtClean="0"/>
+              <a:t>resources</a:t>
+            </a:r>
+            <a:endParaRPr lang="en-GB" b="1" dirty="0"/>
+          </a:p>
+          <a:p>
+            <a:pPr marL="266700" indent="-174625" defTabSz="898525">
+              <a:spcBef>
+                <a:spcPts val="0"/>
+              </a:spcBef>
+            </a:pPr>
+            <a:endParaRPr lang="en-GB" sz="1100" b="1" dirty="0" smtClean="0"/>
+          </a:p>
+          <a:p>
+            <a:pPr marL="266700" indent="-174625" defTabSz="898525">
+              <a:spcBef>
+                <a:spcPts val="0"/>
+              </a:spcBef>
+            </a:pPr>
+            <a:r>
+              <a:rPr lang="en-GB" sz="1100" b="1" dirty="0" smtClean="0"/>
+              <a:t>Types </a:t>
+            </a:r>
+            <a:r>
+              <a:rPr lang="en-GB" sz="1100" b="1" dirty="0"/>
+              <a:t>of </a:t>
+            </a:r>
+            <a:r>
+              <a:rPr lang="en-GB" sz="1100" b="1" dirty="0" smtClean="0"/>
+              <a:t>Interrupts</a:t>
+            </a:r>
+            <a:endParaRPr lang="en-GB" sz="1100" b="1" dirty="0"/>
+          </a:p>
+          <a:p>
+            <a:pPr marL="566737" lvl="2" indent="-174625" defTabSz="898525">
+              <a:spcBef>
+                <a:spcPts val="0"/>
+              </a:spcBef>
+            </a:pPr>
+            <a:r>
+              <a:rPr lang="en-GB" dirty="0"/>
+              <a:t>External Interrupts: Triggered by events on external pins (RB0/INT0, RB1/INT1, etc.)</a:t>
+            </a:r>
+          </a:p>
+          <a:p>
+            <a:pPr marL="566737" lvl="2" indent="-174625" defTabSz="898525">
+              <a:spcBef>
+                <a:spcPts val="0"/>
+              </a:spcBef>
+            </a:pPr>
+            <a:r>
+              <a:rPr lang="en-GB" dirty="0"/>
+              <a:t>Timer Interrupts: Triggered by timer overflows or matches</a:t>
+            </a:r>
+          </a:p>
+          <a:p>
+            <a:pPr marL="566737" lvl="2" indent="-174625" defTabSz="898525">
+              <a:spcBef>
+                <a:spcPts val="0"/>
+              </a:spcBef>
+            </a:pPr>
+            <a:r>
+              <a:rPr lang="en-GB" dirty="0"/>
+              <a:t>Peripheral Interrupts: Triggered by events from peripherals (</a:t>
+            </a:r>
+            <a:r>
+              <a:rPr lang="en-GB" dirty="0" smtClean="0"/>
+              <a:t>USART</a:t>
+            </a:r>
+            <a:r>
+              <a:rPr lang="en-GB" dirty="0"/>
+              <a:t>, ADC, etc.)</a:t>
+            </a:r>
+          </a:p>
+          <a:p>
+            <a:pPr marL="566737" lvl="2" indent="-174625" defTabSz="898525">
+              <a:spcBef>
+                <a:spcPts val="0"/>
+              </a:spcBef>
+            </a:pPr>
+            <a:r>
+              <a:rPr lang="en-GB" dirty="0"/>
+              <a:t>Software Interrupts: Triggered by software </a:t>
+            </a:r>
+            <a:r>
+              <a:rPr lang="en-GB" dirty="0" smtClean="0"/>
+              <a:t>instructions</a:t>
+            </a:r>
+            <a:endParaRPr lang="en-GB" b="1" dirty="0"/>
+          </a:p>
+          <a:p>
+            <a:pPr marL="266700" indent="-174625" defTabSz="898525">
+              <a:spcBef>
+                <a:spcPts val="0"/>
+              </a:spcBef>
+            </a:pPr>
+            <a:endParaRPr lang="en-GB" sz="1100" b="1" dirty="0" smtClean="0"/>
+          </a:p>
+          <a:p>
+            <a:pPr marL="266700" indent="-174625" defTabSz="898525">
+              <a:spcBef>
+                <a:spcPts val="0"/>
+              </a:spcBef>
+            </a:pPr>
+            <a:r>
+              <a:rPr lang="en-GB" sz="1100" b="1" dirty="0" smtClean="0"/>
+              <a:t>Key Registers</a:t>
+            </a:r>
+            <a:endParaRPr lang="en-GB" sz="1100" b="1" dirty="0"/>
+          </a:p>
+          <a:p>
+            <a:pPr marL="566737" lvl="2" indent="-174625" defTabSz="898525">
+              <a:spcBef>
+                <a:spcPts val="0"/>
+              </a:spcBef>
+            </a:pPr>
+            <a:r>
+              <a:rPr lang="en-GB" dirty="0" smtClean="0"/>
+              <a:t>INTCON</a:t>
+            </a:r>
+            <a:r>
+              <a:rPr lang="en-GB" dirty="0"/>
+              <a:t>: Controls global interrupt enable and individual interrupt flags</a:t>
+            </a:r>
+          </a:p>
+          <a:p>
+            <a:pPr marL="566737" lvl="2" indent="-174625" defTabSz="898525">
+              <a:spcBef>
+                <a:spcPts val="0"/>
+              </a:spcBef>
+            </a:pPr>
+            <a:r>
+              <a:rPr lang="en-GB" dirty="0"/>
+              <a:t>PIE1, PIE2: Peripheral Interrupt Enable registers</a:t>
+            </a:r>
+          </a:p>
+          <a:p>
+            <a:pPr marL="566737" lvl="2" indent="-174625" defTabSz="898525">
+              <a:spcBef>
+                <a:spcPts val="0"/>
+              </a:spcBef>
+            </a:pPr>
+            <a:r>
+              <a:rPr lang="en-GB" dirty="0"/>
+              <a:t>PIR1, PIR2: Peripheral Interrupt Request (flag) </a:t>
+            </a:r>
+            <a:r>
+              <a:rPr lang="en-GB" dirty="0" smtClean="0"/>
+              <a:t>registers</a:t>
+            </a:r>
+            <a:endParaRPr lang="en-GB" b="1" dirty="0"/>
+          </a:p>
+          <a:p>
+            <a:pPr marL="266700" indent="-174625" defTabSz="898525">
+              <a:spcBef>
+                <a:spcPts val="0"/>
+              </a:spcBef>
+            </a:pPr>
+            <a:endParaRPr lang="en-GB" sz="1100" b="1" dirty="0" smtClean="0"/>
+          </a:p>
+          <a:p>
+            <a:pPr marL="266700" indent="-174625" defTabSz="898525">
+              <a:spcBef>
+                <a:spcPts val="0"/>
+              </a:spcBef>
+            </a:pPr>
+            <a:r>
+              <a:rPr lang="en-GB" sz="1100" b="1" dirty="0" smtClean="0"/>
+              <a:t>Interrupt </a:t>
+            </a:r>
+            <a:r>
+              <a:rPr lang="en-GB" sz="1100" b="1" dirty="0"/>
+              <a:t>Service Routine (ISR</a:t>
+            </a:r>
+            <a:r>
+              <a:rPr lang="en-GB" sz="1100" b="1" dirty="0" smtClean="0"/>
+              <a:t>)</a:t>
+            </a:r>
+            <a:endParaRPr lang="en-GB" sz="1100" b="1" dirty="0"/>
+          </a:p>
+          <a:p>
+            <a:pPr marL="566737" lvl="2" indent="-174625" defTabSz="898525">
+              <a:spcBef>
+                <a:spcPts val="0"/>
+              </a:spcBef>
+            </a:pPr>
+            <a:r>
+              <a:rPr lang="en-GB" dirty="0"/>
+              <a:t>Special function that executes when an interrupt occurs</a:t>
+            </a:r>
+          </a:p>
+          <a:p>
+            <a:pPr marL="566737" lvl="2" indent="-174625" defTabSz="898525">
+              <a:spcBef>
+                <a:spcPts val="0"/>
+              </a:spcBef>
+            </a:pPr>
+            <a:r>
+              <a:rPr lang="en-GB" dirty="0"/>
+              <a:t>Must be as short and efficient as possible to avoid delaying other operations</a:t>
+            </a:r>
+          </a:p>
+          <a:p>
+            <a:pPr marL="92075" indent="0" defTabSz="898525">
+              <a:spcBef>
+                <a:spcPts val="0"/>
+              </a:spcBef>
+              <a:buNone/>
+            </a:pPr>
+            <a:endParaRPr lang="en-GB" sz="1100" b="1" dirty="0"/>
           </a:p>
         </p:txBody>
       </p:sp>
     </p:spTree>
     <p:extLst>
       <p:ext uri="{BB962C8B-B14F-4D97-AF65-F5344CB8AC3E}">
-        <p14:creationId xmlns:p14="http://schemas.microsoft.com/office/powerpoint/2010/main" val="2782854785"/>
+        <p14:creationId xmlns:p14="http://schemas.microsoft.com/office/powerpoint/2010/main" val="3780033866"/>
       </p:ext>
     </p:extLst>
   </p:cSld>
   <p:clrMapOvr>
     <a:masterClrMapping/>
   </p:clrMapOvr>
-  <mc:AlternateContent xmlns:mc="http://schemas.openxmlformats.org/markup-compatibility/2006">
-    <mc:Choice xmlns:p14="http://schemas.microsoft.com/office/powerpoint/2010/main" Requires="p14">
+  <mc:AlternateContent xmlns:mc="http://schemas.openxmlformats.org/markup-compatibility/2006" xmlns:p14="http://schemas.microsoft.com/office/powerpoint/2010/main">
+    <mc:Choice Requires="p14">
       <p:transition spd="slow" p14:dur="2000" advClick="0"/>
     </mc:Choice>
-    <mc:Fallback>
+    <mc:Fallback xmlns="">
       <p:transition spd="slow" advClick="0"/>
     </mc:Fallback>
   </mc:AlternateContent>
@@ -10142,70 +9247,6 @@
           <a:chExt cx="0" cy="0"/>
         </a:xfrm>
       </p:grpSpPr>
-      <p:pic>
-        <p:nvPicPr>
-          <p:cNvPr id="3" name="Picture 2"/>
-          <p:cNvPicPr>
-            <a:picLocks noChangeAspect="1" noChangeArrowheads="1"/>
-          </p:cNvPicPr>
-          <p:nvPr/>
-        </p:nvPicPr>
-        <p:blipFill>
-          <a:blip r:embed="rId2">
-            <a:extLst>
-              <a:ext uri="{28A0092B-C50C-407E-A947-70E740481C1C}">
-                <a14:useLocalDpi xmlns:a14="http://schemas.microsoft.com/office/drawing/2010/main" val="0"/>
-              </a:ext>
-            </a:extLst>
-          </a:blip>
-          <a:srcRect/>
-          <a:stretch>
-            <a:fillRect/>
-          </a:stretch>
-        </p:blipFill>
-        <p:spPr bwMode="auto">
-          <a:xfrm>
-            <a:off x="323528" y="1494379"/>
-            <a:ext cx="8568952" cy="2558941"/>
-          </a:xfrm>
-          <a:prstGeom prst="rect">
-            <a:avLst/>
-          </a:prstGeom>
-          <a:noFill/>
-          <a:ln>
-            <a:noFill/>
-          </a:ln>
-          <a:effectLst/>
-          <a:extLst>
-            <a:ext uri="{909E8E84-426E-40DD-AFC4-6F175D3DCCD1}">
-              <a14:hiddenFill xmlns:a14="http://schemas.microsoft.com/office/drawing/2010/main">
-                <a:solidFill>
-                  <a:schemeClr val="accent1"/>
-                </a:solidFill>
-              </a14:hiddenFill>
-            </a:ext>
-            <a:ext uri="{91240B29-F687-4F45-9708-019B960494DF}">
-              <a14:hiddenLine xmlns:a14="http://schemas.microsoft.com/office/drawing/2010/main" w="9525">
-                <a:solidFill>
-                  <a:schemeClr val="tx1"/>
-                </a:solidFill>
-                <a:miter lim="800000"/>
-                <a:headEnd/>
-                <a:tailEnd/>
-              </a14:hiddenLine>
-            </a:ext>
-            <a:ext uri="{AF507438-7753-43E0-B8FC-AC1667EBCBE1}">
-              <a14:hiddenEffects xmlns:a14="http://schemas.microsoft.com/office/drawing/2010/main">
-                <a:effectLst>
-                  <a:outerShdw dist="35921" dir="2700000" algn="ctr" rotWithShape="0">
-                    <a:schemeClr val="bg2"/>
-                  </a:outerShdw>
-                </a:effectLst>
-              </a14:hiddenEffects>
-            </a:ext>
-          </a:extLst>
-        </p:spPr>
-      </p:pic>
       <p:sp>
         <p:nvSpPr>
           <p:cNvPr id="2" name="Title 1"/>
@@ -10224,7 +9265,7 @@
             <a:pPr algn="l"/>
             <a:r>
               <a:rPr lang="en-GB" dirty="0" smtClean="0"/>
-              <a:t>Interrupt - IOC</a:t>
+              <a:t>Interrupts…</a:t>
             </a:r>
             <a:endParaRPr lang="en-GB" dirty="0"/>
           </a:p>
@@ -10232,111 +9273,660 @@
       </p:sp>
       <p:sp>
         <p:nvSpPr>
-          <p:cNvPr id="4" name="Rectangle 3"/>
+          <p:cNvPr id="6" name="Content Placeholder 5"/>
+          <p:cNvSpPr>
+            <a:spLocks noGrp="1"/>
+          </p:cNvSpPr>
+          <p:nvPr>
+            <p:ph idx="1"/>
+          </p:nvPr>
+        </p:nvSpPr>
+        <p:spPr>
+          <a:xfrm>
+            <a:off x="467544" y="915566"/>
+            <a:ext cx="5040560" cy="3960440"/>
+          </a:xfrm>
+          <a:solidFill>
+            <a:schemeClr val="bg1"/>
+          </a:solidFill>
+        </p:spPr>
+        <p:txBody>
+          <a:bodyPr>
+            <a:noAutofit/>
+          </a:bodyPr>
+          <a:lstStyle/>
+          <a:p>
+            <a:pPr marL="0" indent="0">
+              <a:buNone/>
+            </a:pPr>
+            <a:r>
+              <a:rPr lang="en-GB" sz="800" dirty="0"/>
+              <a:t>F</a:t>
+            </a:r>
+            <a:r>
+              <a:rPr lang="en-GB" sz="800" dirty="0" smtClean="0"/>
+              <a:t>or </a:t>
+            </a:r>
+            <a:r>
+              <a:rPr lang="en-GB" sz="800" dirty="0"/>
+              <a:t>specific details of the interrupts see the microcontroller datasheet</a:t>
+            </a:r>
+          </a:p>
+          <a:p>
+            <a:pPr marL="0" indent="0">
+              <a:buNone/>
+            </a:pPr>
+            <a:r>
+              <a:rPr lang="en-GB" sz="800" dirty="0" smtClean="0"/>
+              <a:t>The </a:t>
+            </a:r>
+            <a:r>
+              <a:rPr lang="en-GB" sz="800" dirty="0"/>
+              <a:t>first parameter is the GCBASIC identifier used in user code to expose the specific interrupt</a:t>
+            </a:r>
+          </a:p>
+          <a:p>
+            <a:pPr marL="514350" indent="-514350" defTabSz="850636">
+              <a:lnSpc>
+                <a:spcPct val="80000"/>
+              </a:lnSpc>
+              <a:spcBef>
+                <a:spcPct val="20000"/>
+              </a:spcBef>
+              <a:buFont typeface="+mj-lt"/>
+              <a:buAutoNum type="arabicPeriod"/>
+            </a:pPr>
+            <a:r>
+              <a:rPr lang="en-GB" sz="800" dirty="0" err="1">
+                <a:solidFill>
+                  <a:schemeClr val="tx1"/>
+                </a:solidFill>
+              </a:rPr>
+              <a:t>ADCReady:ADIE,ADIF</a:t>
+            </a:r>
+            <a:endParaRPr lang="en-GB" sz="800" dirty="0">
+              <a:solidFill>
+                <a:schemeClr val="tx1"/>
+              </a:solidFill>
+            </a:endParaRPr>
+          </a:p>
+          <a:p>
+            <a:pPr marL="514350" indent="-514350" defTabSz="850636">
+              <a:lnSpc>
+                <a:spcPct val="80000"/>
+              </a:lnSpc>
+              <a:spcBef>
+                <a:spcPct val="20000"/>
+              </a:spcBef>
+              <a:buFont typeface="+mj-lt"/>
+              <a:buAutoNum type="arabicPeriod"/>
+            </a:pPr>
+            <a:r>
+              <a:rPr lang="en-GB" sz="800" dirty="0">
+                <a:solidFill>
+                  <a:schemeClr val="tx1"/>
+                </a:solidFill>
+              </a:rPr>
+              <a:t>CCP1:CCP1IE,CCP1IF</a:t>
+            </a:r>
+          </a:p>
+          <a:p>
+            <a:pPr marL="514350" indent="-514350" defTabSz="850636">
+              <a:lnSpc>
+                <a:spcPct val="80000"/>
+              </a:lnSpc>
+              <a:spcBef>
+                <a:spcPct val="20000"/>
+              </a:spcBef>
+              <a:buFont typeface="+mj-lt"/>
+              <a:buAutoNum type="arabicPeriod"/>
+            </a:pPr>
+            <a:r>
+              <a:rPr lang="en-GB" sz="800" dirty="0">
+                <a:solidFill>
+                  <a:schemeClr val="tx1"/>
+                </a:solidFill>
+              </a:rPr>
+              <a:t>CCP2:CCP2IE,CCP2IF</a:t>
+            </a:r>
+          </a:p>
+          <a:p>
+            <a:pPr marL="514350" indent="-514350" defTabSz="850636">
+              <a:lnSpc>
+                <a:spcPct val="80000"/>
+              </a:lnSpc>
+              <a:spcBef>
+                <a:spcPct val="20000"/>
+              </a:spcBef>
+              <a:buFont typeface="+mj-lt"/>
+              <a:buAutoNum type="arabicPeriod"/>
+            </a:pPr>
+            <a:r>
+              <a:rPr lang="en-GB" sz="800" dirty="0">
+                <a:solidFill>
+                  <a:schemeClr val="tx1"/>
+                </a:solidFill>
+              </a:rPr>
+              <a:t>CCP3:CCP3IE,CCP3IF</a:t>
+            </a:r>
+          </a:p>
+          <a:p>
+            <a:pPr marL="514350" indent="-514350" defTabSz="850636">
+              <a:lnSpc>
+                <a:spcPct val="80000"/>
+              </a:lnSpc>
+              <a:spcBef>
+                <a:spcPct val="20000"/>
+              </a:spcBef>
+              <a:buFont typeface="+mj-lt"/>
+              <a:buAutoNum type="arabicPeriod"/>
+            </a:pPr>
+            <a:r>
+              <a:rPr lang="en-GB" sz="800" dirty="0">
+                <a:solidFill>
+                  <a:schemeClr val="tx1"/>
+                </a:solidFill>
+              </a:rPr>
+              <a:t>CCP4:CCP4IE,CCP4IF</a:t>
+            </a:r>
+          </a:p>
+          <a:p>
+            <a:pPr marL="514350" indent="-514350" defTabSz="850636">
+              <a:lnSpc>
+                <a:spcPct val="80000"/>
+              </a:lnSpc>
+              <a:spcBef>
+                <a:spcPct val="20000"/>
+              </a:spcBef>
+              <a:buFont typeface="+mj-lt"/>
+              <a:buAutoNum type="arabicPeriod"/>
+            </a:pPr>
+            <a:r>
+              <a:rPr lang="en-GB" sz="800" dirty="0">
+                <a:solidFill>
+                  <a:schemeClr val="tx1"/>
+                </a:solidFill>
+              </a:rPr>
+              <a:t>CCP5:CCP5IE,CCP5IF</a:t>
+            </a:r>
+          </a:p>
+          <a:p>
+            <a:pPr marL="514350" indent="-514350" defTabSz="850636">
+              <a:lnSpc>
+                <a:spcPct val="80000"/>
+              </a:lnSpc>
+              <a:spcBef>
+                <a:spcPct val="20000"/>
+              </a:spcBef>
+              <a:buFont typeface="+mj-lt"/>
+              <a:buAutoNum type="arabicPeriod"/>
+            </a:pPr>
+            <a:r>
+              <a:rPr lang="en-GB" sz="800" dirty="0">
+                <a:solidFill>
+                  <a:schemeClr val="tx1"/>
+                </a:solidFill>
+              </a:rPr>
+              <a:t>Comp1Change:C1IE,C1IF</a:t>
+            </a:r>
+          </a:p>
+          <a:p>
+            <a:pPr marL="514350" indent="-514350" defTabSz="850636">
+              <a:lnSpc>
+                <a:spcPct val="80000"/>
+              </a:lnSpc>
+              <a:spcBef>
+                <a:spcPct val="20000"/>
+              </a:spcBef>
+              <a:buFont typeface="+mj-lt"/>
+              <a:buAutoNum type="arabicPeriod"/>
+            </a:pPr>
+            <a:r>
+              <a:rPr lang="en-GB" sz="800" dirty="0">
+                <a:solidFill>
+                  <a:schemeClr val="tx1"/>
+                </a:solidFill>
+              </a:rPr>
+              <a:t>Comp2Change:C2IE,C2IF</a:t>
+            </a:r>
+          </a:p>
+          <a:p>
+            <a:pPr marL="514350" indent="-514350" defTabSz="850636">
+              <a:lnSpc>
+                <a:spcPct val="80000"/>
+              </a:lnSpc>
+              <a:spcBef>
+                <a:spcPct val="20000"/>
+              </a:spcBef>
+              <a:buFont typeface="+mj-lt"/>
+              <a:buAutoNum type="arabicPeriod"/>
+            </a:pPr>
+            <a:r>
+              <a:rPr lang="en-GB" sz="800" dirty="0" err="1">
+                <a:solidFill>
+                  <a:schemeClr val="tx1"/>
+                </a:solidFill>
+              </a:rPr>
+              <a:t>EEPROMReady:EEIE,EEIF</a:t>
+            </a:r>
+            <a:endParaRPr lang="en-GB" sz="800" dirty="0">
+              <a:solidFill>
+                <a:schemeClr val="tx1"/>
+              </a:solidFill>
+            </a:endParaRPr>
+          </a:p>
+          <a:p>
+            <a:pPr marL="514350" indent="-514350" defTabSz="850636">
+              <a:lnSpc>
+                <a:spcPct val="80000"/>
+              </a:lnSpc>
+              <a:spcBef>
+                <a:spcPct val="20000"/>
+              </a:spcBef>
+              <a:buFont typeface="+mj-lt"/>
+              <a:buAutoNum type="arabicPeriod"/>
+            </a:pPr>
+            <a:r>
+              <a:rPr lang="en-GB" sz="800" dirty="0">
+                <a:solidFill>
+                  <a:schemeClr val="tx1"/>
+                </a:solidFill>
+              </a:rPr>
+              <a:t>ExtInt0:INTE,INTF</a:t>
+            </a:r>
+          </a:p>
+          <a:p>
+            <a:pPr marL="514350" indent="-514350" defTabSz="850636">
+              <a:lnSpc>
+                <a:spcPct val="80000"/>
+              </a:lnSpc>
+              <a:spcBef>
+                <a:spcPct val="20000"/>
+              </a:spcBef>
+              <a:buFont typeface="+mj-lt"/>
+              <a:buAutoNum type="arabicPeriod"/>
+            </a:pPr>
+            <a:r>
+              <a:rPr lang="en-GB" sz="800" dirty="0" err="1">
+                <a:solidFill>
+                  <a:schemeClr val="tx1"/>
+                </a:solidFill>
+              </a:rPr>
+              <a:t>LCDReady:LCDIE,LCDIF</a:t>
+            </a:r>
+            <a:endParaRPr lang="en-GB" sz="800" dirty="0">
+              <a:solidFill>
+                <a:schemeClr val="tx1"/>
+              </a:solidFill>
+            </a:endParaRPr>
+          </a:p>
+          <a:p>
+            <a:pPr marL="514350" indent="-514350" defTabSz="850636">
+              <a:lnSpc>
+                <a:spcPct val="80000"/>
+              </a:lnSpc>
+              <a:spcBef>
+                <a:spcPct val="20000"/>
+              </a:spcBef>
+              <a:buFont typeface="+mj-lt"/>
+              <a:buAutoNum type="arabicPeriod"/>
+            </a:pPr>
+            <a:r>
+              <a:rPr lang="en-GB" sz="800" dirty="0" err="1">
+                <a:solidFill>
+                  <a:schemeClr val="tx1"/>
+                </a:solidFill>
+              </a:rPr>
+              <a:t>OscillatorFail:OSFIE,OSFIF</a:t>
+            </a:r>
+            <a:endParaRPr lang="en-GB" sz="800" dirty="0">
+              <a:solidFill>
+                <a:schemeClr val="tx1"/>
+              </a:solidFill>
+            </a:endParaRPr>
+          </a:p>
+          <a:p>
+            <a:pPr marL="514350" indent="-514350" defTabSz="850636">
+              <a:lnSpc>
+                <a:spcPct val="80000"/>
+              </a:lnSpc>
+              <a:spcBef>
+                <a:spcPct val="20000"/>
+              </a:spcBef>
+              <a:buFont typeface="+mj-lt"/>
+              <a:buAutoNum type="arabicPeriod"/>
+            </a:pPr>
+            <a:r>
+              <a:rPr lang="en-GB" sz="800" dirty="0" err="1">
+                <a:solidFill>
+                  <a:schemeClr val="tx1"/>
+                </a:solidFill>
+              </a:rPr>
+              <a:t>PORTBChange:IOCIE,IOCIF</a:t>
+            </a:r>
+            <a:endParaRPr lang="en-GB" sz="800" dirty="0">
+              <a:solidFill>
+                <a:schemeClr val="tx1"/>
+              </a:solidFill>
+            </a:endParaRPr>
+          </a:p>
+          <a:p>
+            <a:pPr marL="514350" indent="-514350" defTabSz="850636">
+              <a:lnSpc>
+                <a:spcPct val="80000"/>
+              </a:lnSpc>
+              <a:spcBef>
+                <a:spcPct val="20000"/>
+              </a:spcBef>
+              <a:buFont typeface="+mj-lt"/>
+              <a:buAutoNum type="arabicPeriod"/>
+            </a:pPr>
+            <a:r>
+              <a:rPr lang="en-GB" sz="800" dirty="0" err="1">
+                <a:solidFill>
+                  <a:schemeClr val="tx1"/>
+                </a:solidFill>
+              </a:rPr>
+              <a:t>PortChange:IOCIE,IOCIF</a:t>
+            </a:r>
+            <a:endParaRPr lang="en-GB" sz="800" dirty="0">
+              <a:solidFill>
+                <a:schemeClr val="tx1"/>
+              </a:solidFill>
+            </a:endParaRPr>
+          </a:p>
+          <a:p>
+            <a:pPr marL="514350" indent="-514350" defTabSz="850636">
+              <a:lnSpc>
+                <a:spcPct val="80000"/>
+              </a:lnSpc>
+              <a:spcBef>
+                <a:spcPct val="20000"/>
+              </a:spcBef>
+              <a:buFont typeface="+mj-lt"/>
+              <a:buAutoNum type="arabicPeriod"/>
+            </a:pPr>
+            <a:r>
+              <a:rPr lang="en-GB" sz="800" dirty="0">
+                <a:solidFill>
+                  <a:schemeClr val="tx1"/>
+                </a:solidFill>
+              </a:rPr>
+              <a:t>SSP1Collision:BCLIE,BCLIF</a:t>
+            </a:r>
+          </a:p>
+          <a:p>
+            <a:pPr marL="514350" indent="-514350" defTabSz="850636">
+              <a:lnSpc>
+                <a:spcPct val="80000"/>
+              </a:lnSpc>
+              <a:spcBef>
+                <a:spcPct val="20000"/>
+              </a:spcBef>
+              <a:buFont typeface="+mj-lt"/>
+              <a:buAutoNum type="arabicPeriod"/>
+            </a:pPr>
+            <a:r>
+              <a:rPr lang="en-GB" sz="800" dirty="0">
+                <a:solidFill>
+                  <a:schemeClr val="tx1"/>
+                </a:solidFill>
+              </a:rPr>
+              <a:t>SSP1Ready:SSPIE,SSPIF</a:t>
+            </a:r>
+          </a:p>
+          <a:p>
+            <a:pPr marL="514350" indent="-514350" defTabSz="850636">
+              <a:lnSpc>
+                <a:spcPct val="80000"/>
+              </a:lnSpc>
+              <a:spcBef>
+                <a:spcPct val="20000"/>
+              </a:spcBef>
+              <a:buFont typeface="+mj-lt"/>
+              <a:buAutoNum type="arabicPeriod"/>
+            </a:pPr>
+            <a:r>
+              <a:rPr lang="en-GB" sz="800" dirty="0">
+                <a:solidFill>
+                  <a:schemeClr val="tx1"/>
+                </a:solidFill>
+              </a:rPr>
+              <a:t>Timer0Overflow:TMR0IE,TMR0IF</a:t>
+            </a:r>
+          </a:p>
+          <a:p>
+            <a:pPr marL="514350" indent="-514350" defTabSz="850636">
+              <a:lnSpc>
+                <a:spcPct val="80000"/>
+              </a:lnSpc>
+              <a:spcBef>
+                <a:spcPct val="20000"/>
+              </a:spcBef>
+              <a:buFont typeface="+mj-lt"/>
+              <a:buAutoNum type="arabicPeriod"/>
+            </a:pPr>
+            <a:r>
+              <a:rPr lang="en-GB" sz="800" dirty="0">
+                <a:solidFill>
+                  <a:schemeClr val="tx1"/>
+                </a:solidFill>
+              </a:rPr>
+              <a:t>Timer1Gate:TMR1GIE,TMR1GIF</a:t>
+            </a:r>
+          </a:p>
+          <a:p>
+            <a:pPr marL="514350" indent="-514350" defTabSz="850636">
+              <a:lnSpc>
+                <a:spcPct val="80000"/>
+              </a:lnSpc>
+              <a:spcBef>
+                <a:spcPct val="20000"/>
+              </a:spcBef>
+              <a:buFont typeface="+mj-lt"/>
+              <a:buAutoNum type="arabicPeriod"/>
+            </a:pPr>
+            <a:r>
+              <a:rPr lang="en-GB" sz="800" dirty="0">
+                <a:solidFill>
+                  <a:schemeClr val="tx1"/>
+                </a:solidFill>
+              </a:rPr>
+              <a:t>Timer1Overflow:TMR1IE,TMR1IF</a:t>
+            </a:r>
+          </a:p>
+          <a:p>
+            <a:pPr marL="514350" indent="-514350" defTabSz="850636">
+              <a:lnSpc>
+                <a:spcPct val="80000"/>
+              </a:lnSpc>
+              <a:spcBef>
+                <a:spcPct val="20000"/>
+              </a:spcBef>
+              <a:buFont typeface="+mj-lt"/>
+              <a:buAutoNum type="arabicPeriod"/>
+            </a:pPr>
+            <a:r>
+              <a:rPr lang="en-GB" sz="800" dirty="0">
+                <a:solidFill>
+                  <a:schemeClr val="tx1"/>
+                </a:solidFill>
+              </a:rPr>
+              <a:t>Timer2Match:TMR2IE,TMR2IF</a:t>
+            </a:r>
+          </a:p>
+          <a:p>
+            <a:pPr marL="514350" indent="-514350" defTabSz="850636">
+              <a:lnSpc>
+                <a:spcPct val="80000"/>
+              </a:lnSpc>
+              <a:spcBef>
+                <a:spcPct val="20000"/>
+              </a:spcBef>
+              <a:buFont typeface="+mj-lt"/>
+              <a:buAutoNum type="arabicPeriod"/>
+            </a:pPr>
+            <a:r>
+              <a:rPr lang="en-GB" sz="800" dirty="0">
+                <a:solidFill>
+                  <a:schemeClr val="tx1"/>
+                </a:solidFill>
+              </a:rPr>
+              <a:t>Timer4Match:TMR4IE,TMR4IF</a:t>
+            </a:r>
+          </a:p>
+          <a:p>
+            <a:pPr marL="514350" indent="-514350" defTabSz="850636">
+              <a:lnSpc>
+                <a:spcPct val="80000"/>
+              </a:lnSpc>
+              <a:spcBef>
+                <a:spcPct val="20000"/>
+              </a:spcBef>
+              <a:buFont typeface="+mj-lt"/>
+              <a:buAutoNum type="arabicPeriod"/>
+            </a:pPr>
+            <a:r>
+              <a:rPr lang="en-GB" sz="800" dirty="0">
+                <a:solidFill>
+                  <a:schemeClr val="tx1"/>
+                </a:solidFill>
+              </a:rPr>
+              <a:t>Timer6Match:TMR6IE,TMR6IF</a:t>
+            </a:r>
+          </a:p>
+          <a:p>
+            <a:pPr marL="514350" indent="-514350" defTabSz="850636">
+              <a:lnSpc>
+                <a:spcPct val="80000"/>
+              </a:lnSpc>
+              <a:spcBef>
+                <a:spcPct val="20000"/>
+              </a:spcBef>
+              <a:buFont typeface="+mj-lt"/>
+              <a:buAutoNum type="arabicPeriod"/>
+            </a:pPr>
+            <a:r>
+              <a:rPr lang="en-GB" sz="800" dirty="0">
+                <a:solidFill>
+                  <a:schemeClr val="tx1"/>
+                </a:solidFill>
+              </a:rPr>
+              <a:t>UsartRX1Ready:RCIE,RCIF</a:t>
+            </a:r>
+          </a:p>
+          <a:p>
+            <a:pPr marL="514350" indent="-514350" defTabSz="850636">
+              <a:lnSpc>
+                <a:spcPct val="80000"/>
+              </a:lnSpc>
+              <a:spcBef>
+                <a:spcPct val="20000"/>
+              </a:spcBef>
+              <a:buFont typeface="+mj-lt"/>
+              <a:buAutoNum type="arabicPeriod"/>
+            </a:pPr>
+            <a:r>
+              <a:rPr lang="en-GB" sz="800" dirty="0">
+                <a:solidFill>
+                  <a:schemeClr val="tx1"/>
+                </a:solidFill>
+              </a:rPr>
+              <a:t>UsartTX1Ready:TXIE,TXIF</a:t>
+            </a:r>
+          </a:p>
+        </p:txBody>
+      </p:sp>
+      <p:sp>
+        <p:nvSpPr>
+          <p:cNvPr id="5" name="Rectangle 4"/>
           <p:cNvSpPr/>
           <p:nvPr/>
         </p:nvSpPr>
         <p:spPr>
           <a:xfrm>
-            <a:off x="7372372" y="1733069"/>
-            <a:ext cx="432048" cy="2448710"/>
+            <a:off x="2379492" y="4161233"/>
+            <a:ext cx="3680816" cy="923330"/>
           </a:xfrm>
           <a:prstGeom prst="rect">
             <a:avLst/>
           </a:prstGeom>
           <a:noFill/>
-          <a:ln w="38100">
-            <a:solidFill>
-              <a:srgbClr val="FF0000"/>
-            </a:solidFill>
-          </a:ln>
         </p:spPr>
-        <p:style>
-          <a:lnRef idx="2">
-            <a:schemeClr val="accent1">
-              <a:shade val="50000"/>
-            </a:schemeClr>
-          </a:lnRef>
-          <a:fillRef idx="1">
-            <a:schemeClr val="accent1"/>
-          </a:fillRef>
-          <a:effectRef idx="0">
-            <a:schemeClr val="accent1"/>
-          </a:effectRef>
-          <a:fontRef idx="minor">
-            <a:schemeClr val="lt1"/>
-          </a:fontRef>
-        </p:style>
-        <p:txBody>
-          <a:bodyPr rtlCol="0" anchor="ctr"/>
+        <p:txBody>
+          <a:bodyPr wrap="none" lIns="91440" tIns="45720" rIns="91440" bIns="45720">
+            <a:spAutoFit/>
+          </a:bodyPr>
           <a:lstStyle/>
           <a:p>
             <a:pPr algn="ctr"/>
-            <a:endParaRPr lang="en-GB"/>
-          </a:p>
-        </p:txBody>
-      </p:sp>
-      <p:sp>
-        <p:nvSpPr>
-          <p:cNvPr id="8" name="Rectangle 7"/>
-          <p:cNvSpPr/>
-          <p:nvPr/>
-        </p:nvSpPr>
-        <p:spPr>
-          <a:xfrm>
-            <a:off x="393418" y="3632305"/>
-            <a:ext cx="8418601" cy="351449"/>
-          </a:xfrm>
-          <a:prstGeom prst="rect">
-            <a:avLst/>
-          </a:prstGeom>
-          <a:noFill/>
-          <a:ln w="38100">
-            <a:solidFill>
-              <a:srgbClr val="FF0000"/>
-            </a:solidFill>
-          </a:ln>
-        </p:spPr>
-        <p:style>
-          <a:lnRef idx="2">
-            <a:schemeClr val="accent1">
-              <a:shade val="50000"/>
-            </a:schemeClr>
-          </a:lnRef>
-          <a:fillRef idx="1">
-            <a:schemeClr val="accent1"/>
-          </a:fillRef>
-          <a:effectRef idx="0">
-            <a:schemeClr val="accent1"/>
-          </a:effectRef>
-          <a:fontRef idx="minor">
-            <a:schemeClr val="lt1"/>
-          </a:fontRef>
-        </p:style>
-        <p:txBody>
-          <a:bodyPr rtlCol="0" anchor="ctr"/>
-          <a:lstStyle/>
-          <a:p>
-            <a:pPr algn="ctr"/>
-            <a:endParaRPr lang="en-GB"/>
+            <a:r>
+              <a:rPr lang="en-US" sz="5400" b="1" dirty="0" smtClean="0">
+                <a:ln w="12700">
+                  <a:solidFill>
+                    <a:schemeClr val="tx2">
+                      <a:satMod val="155000"/>
+                    </a:schemeClr>
+                  </a:solidFill>
+                  <a:prstDash val="solid"/>
+                </a:ln>
+                <a:solidFill>
+                  <a:schemeClr val="bg2">
+                    <a:tint val="85000"/>
+                    <a:satMod val="155000"/>
+                  </a:schemeClr>
+                </a:solidFill>
+                <a:effectLst>
+                  <a:outerShdw blurRad="41275" dist="20320" dir="1800000" algn="tl" rotWithShape="0">
+                    <a:srgbClr val="000000">
+                      <a:alpha val="40000"/>
+                    </a:srgbClr>
+                  </a:outerShdw>
+                </a:effectLst>
+              </a:rPr>
+              <a:t>PIC16F1937</a:t>
+            </a:r>
+            <a:endParaRPr lang="en-US" sz="5400" b="1" cap="none" spc="0" dirty="0">
+              <a:ln w="12700">
+                <a:solidFill>
+                  <a:schemeClr val="tx2">
+                    <a:satMod val="155000"/>
+                  </a:schemeClr>
+                </a:solidFill>
+                <a:prstDash val="solid"/>
+              </a:ln>
+              <a:solidFill>
+                <a:schemeClr val="bg2">
+                  <a:tint val="85000"/>
+                  <a:satMod val="155000"/>
+                </a:schemeClr>
+              </a:solidFill>
+              <a:effectLst>
+                <a:outerShdw blurRad="41275" dist="20320" dir="1800000" algn="tl" rotWithShape="0">
+                  <a:srgbClr val="000000">
+                    <a:alpha val="40000"/>
+                  </a:srgbClr>
+                </a:outerShdw>
+              </a:effectLst>
+            </a:endParaRPr>
           </a:p>
         </p:txBody>
       </p:sp>
     </p:spTree>
     <p:extLst>
       <p:ext uri="{BB962C8B-B14F-4D97-AF65-F5344CB8AC3E}">
-        <p14:creationId xmlns:p14="http://schemas.microsoft.com/office/powerpoint/2010/main" val="3746709007"/>
+        <p14:creationId xmlns:p14="http://schemas.microsoft.com/office/powerpoint/2010/main" val="1286640404"/>
       </p:ext>
     </p:extLst>
   </p:cSld>
   <p:clrMapOvr>
     <a:masterClrMapping/>
   </p:clrMapOvr>
-  <mc:AlternateContent xmlns:mc="http://schemas.openxmlformats.org/markup-compatibility/2006">
-    <mc:Choice xmlns:p14="http://schemas.microsoft.com/office/powerpoint/2010/main" Requires="p14">
+  <mc:AlternateContent xmlns:mc="http://schemas.openxmlformats.org/markup-compatibility/2006" xmlns:p14="http://schemas.microsoft.com/office/powerpoint/2010/main">
+    <mc:Choice Requires="p14">
       <p:transition spd="slow" p14:dur="2000" advClick="0"/>
     </mc:Choice>
-    <mc:Fallback>
+    <mc:Fallback xmlns="">
       <p:transition spd="slow" advClick="0"/>
     </mc:Fallback>
   </mc:AlternateContent>
@@ -10385,7 +9975,7 @@
             <a:pPr algn="l"/>
             <a:r>
               <a:rPr lang="en-GB" dirty="0" smtClean="0"/>
-              <a:t>Interrupt Code</a:t>
+              <a:t>Interrupts…</a:t>
             </a:r>
             <a:endParaRPr lang="en-GB" dirty="0"/>
           </a:p>
@@ -10393,7 +9983,7 @@
       </p:sp>
       <p:sp>
         <p:nvSpPr>
-          <p:cNvPr id="3" name="Content Placeholder 2"/>
+          <p:cNvPr id="6" name="Content Placeholder 5"/>
           <p:cNvSpPr>
             <a:spLocks noGrp="1"/>
           </p:cNvSpPr>
@@ -10403,8 +9993,8 @@
         </p:nvSpPr>
         <p:spPr>
           <a:xfrm>
-            <a:off x="502176" y="1472348"/>
-            <a:ext cx="7598216" cy="3547674"/>
+            <a:off x="467544" y="915566"/>
+            <a:ext cx="3754757" cy="3960440"/>
           </a:xfrm>
           <a:solidFill>
             <a:schemeClr val="bg1"/>
@@ -10417,628 +10007,1259 @@
           <a:lstStyle/>
           <a:p>
             <a:pPr marL="0" indent="0">
+              <a:buNone/>
+            </a:pPr>
+            <a:r>
+              <a:rPr lang="en-GB" sz="800" dirty="0"/>
+              <a:t>F</a:t>
+            </a:r>
+            <a:r>
+              <a:rPr lang="en-GB" sz="800" dirty="0" smtClean="0"/>
+              <a:t>or </a:t>
+            </a:r>
+            <a:r>
+              <a:rPr lang="en-GB" sz="800" dirty="0"/>
+              <a:t>specific details of the interrupts see the microcontroller datasheet</a:t>
+            </a:r>
+          </a:p>
+          <a:p>
+            <a:pPr marL="0" indent="0">
+              <a:buNone/>
+            </a:pPr>
+            <a:r>
+              <a:rPr lang="en-GB" sz="800" dirty="0" smtClean="0"/>
+              <a:t>The </a:t>
+            </a:r>
+            <a:r>
+              <a:rPr lang="en-GB" sz="800" dirty="0"/>
+              <a:t>first parameter is the GCBASIC identifier used in user code to expose the specific interrupt</a:t>
+            </a:r>
+          </a:p>
+          <a:p>
+            <a:pPr marL="514350" indent="-514350" defTabSz="850636">
+              <a:lnSpc>
+                <a:spcPct val="80000"/>
+              </a:lnSpc>
               <a:spcBef>
-                <a:spcPts val="0"/>
+                <a:spcPct val="20000"/>
               </a:spcBef>
-              <a:buNone/>
-            </a:pPr>
+              <a:buFont typeface="+mj-lt"/>
+              <a:buAutoNum type="arabicPeriod"/>
+            </a:pPr>
+            <a:r>
+              <a:rPr lang="en-GB" sz="800" dirty="0">
+                <a:solidFill>
+                  <a:schemeClr val="tx1"/>
+                </a:solidFill>
+              </a:rPr>
+              <a:t>16bitUniversalTimerAInterrupt:TU16AIE,TU16AIF</a:t>
+            </a:r>
+          </a:p>
+          <a:p>
+            <a:pPr marL="514350" indent="-514350" defTabSz="850636">
+              <a:lnSpc>
+                <a:spcPct val="80000"/>
+              </a:lnSpc>
+              <a:spcBef>
+                <a:spcPct val="20000"/>
+              </a:spcBef>
+              <a:buFont typeface="+mj-lt"/>
+              <a:buAutoNum type="arabicPeriod"/>
+            </a:pPr>
+            <a:r>
+              <a:rPr lang="en-GB" sz="800" dirty="0">
+                <a:solidFill>
+                  <a:schemeClr val="tx1"/>
+                </a:solidFill>
+              </a:rPr>
+              <a:t>16bitUniversalTimerBInterrupt:TU16BIE,TU16BIF</a:t>
+            </a:r>
+          </a:p>
+          <a:p>
+            <a:pPr marL="514350" indent="-514350" defTabSz="850636">
+              <a:lnSpc>
+                <a:spcPct val="80000"/>
+              </a:lnSpc>
+              <a:spcBef>
+                <a:spcPct val="20000"/>
+              </a:spcBef>
+              <a:buFont typeface="+mj-lt"/>
+              <a:buAutoNum type="arabicPeriod"/>
+            </a:pPr>
+            <a:r>
+              <a:rPr lang="en-GB" sz="800" dirty="0" err="1">
+                <a:solidFill>
+                  <a:schemeClr val="tx1"/>
+                </a:solidFill>
+              </a:rPr>
+              <a:t>ADCReady:ADIE,ADIF</a:t>
+            </a:r>
+            <a:endParaRPr lang="en-GB" sz="800" dirty="0">
+              <a:solidFill>
+                <a:schemeClr val="tx1"/>
+              </a:solidFill>
+            </a:endParaRPr>
+          </a:p>
+          <a:p>
+            <a:pPr marL="514350" indent="-514350" defTabSz="850636">
+              <a:lnSpc>
+                <a:spcPct val="80000"/>
+              </a:lnSpc>
+              <a:spcBef>
+                <a:spcPct val="20000"/>
+              </a:spcBef>
+              <a:buFont typeface="+mj-lt"/>
+              <a:buAutoNum type="arabicPeriod"/>
+            </a:pPr>
+            <a:r>
+              <a:rPr lang="en-GB" sz="800" dirty="0" err="1">
+                <a:solidFill>
+                  <a:schemeClr val="tx1"/>
+                </a:solidFill>
+              </a:rPr>
+              <a:t>ADThreshold:ADTIE,ADTIF</a:t>
+            </a:r>
+            <a:endParaRPr lang="en-GB" sz="800" dirty="0">
+              <a:solidFill>
+                <a:schemeClr val="tx1"/>
+              </a:solidFill>
+            </a:endParaRPr>
+          </a:p>
+          <a:p>
+            <a:pPr marL="514350" indent="-514350" defTabSz="850636">
+              <a:lnSpc>
+                <a:spcPct val="80000"/>
+              </a:lnSpc>
+              <a:spcBef>
+                <a:spcPct val="20000"/>
+              </a:spcBef>
+              <a:buFont typeface="+mj-lt"/>
+              <a:buAutoNum type="arabicPeriod"/>
+            </a:pPr>
+            <a:r>
+              <a:rPr lang="en-GB" sz="800" dirty="0" err="1">
+                <a:solidFill>
+                  <a:schemeClr val="tx1"/>
+                </a:solidFill>
+              </a:rPr>
+              <a:t>ActiveClockTuning:ACTIE,ACTIF</a:t>
+            </a:r>
+            <a:endParaRPr lang="en-GB" sz="800" dirty="0">
+              <a:solidFill>
+                <a:schemeClr val="tx1"/>
+              </a:solidFill>
+            </a:endParaRPr>
+          </a:p>
+          <a:p>
+            <a:pPr marL="514350" indent="-514350" defTabSz="850636">
+              <a:lnSpc>
+                <a:spcPct val="80000"/>
+              </a:lnSpc>
+              <a:spcBef>
+                <a:spcPct val="20000"/>
+              </a:spcBef>
+              <a:buFont typeface="+mj-lt"/>
+              <a:buAutoNum type="arabicPeriod"/>
+            </a:pPr>
+            <a:r>
+              <a:rPr lang="en-GB" sz="800" dirty="0">
+                <a:solidFill>
+                  <a:schemeClr val="tx1"/>
+                </a:solidFill>
+              </a:rPr>
+              <a:t>CCP1:CCP1IE,CCP1IF</a:t>
+            </a:r>
+          </a:p>
+          <a:p>
+            <a:pPr marL="514350" indent="-514350" defTabSz="850636">
+              <a:lnSpc>
+                <a:spcPct val="80000"/>
+              </a:lnSpc>
+              <a:spcBef>
+                <a:spcPct val="20000"/>
+              </a:spcBef>
+              <a:buFont typeface="+mj-lt"/>
+              <a:buAutoNum type="arabicPeriod"/>
+            </a:pPr>
+            <a:r>
+              <a:rPr lang="en-GB" sz="800" dirty="0">
+                <a:solidFill>
+                  <a:schemeClr val="tx1"/>
+                </a:solidFill>
+              </a:rPr>
+              <a:t>CCP2:CCP2IE,CCP2IF</a:t>
+            </a:r>
+          </a:p>
+          <a:p>
+            <a:pPr marL="514350" indent="-514350" defTabSz="850636">
+              <a:lnSpc>
+                <a:spcPct val="80000"/>
+              </a:lnSpc>
+              <a:spcBef>
+                <a:spcPct val="20000"/>
+              </a:spcBef>
+              <a:buFont typeface="+mj-lt"/>
+              <a:buAutoNum type="arabicPeriod"/>
+            </a:pPr>
+            <a:r>
+              <a:rPr lang="en-GB" sz="800" dirty="0" err="1">
+                <a:solidFill>
+                  <a:schemeClr val="tx1"/>
+                </a:solidFill>
+              </a:rPr>
+              <a:t>CRCComplete:CRCIE,CRCIF</a:t>
+            </a:r>
+            <a:endParaRPr lang="en-GB" sz="800" dirty="0">
+              <a:solidFill>
+                <a:schemeClr val="tx1"/>
+              </a:solidFill>
+            </a:endParaRPr>
+          </a:p>
+          <a:p>
+            <a:pPr marL="514350" indent="-514350" defTabSz="850636">
+              <a:lnSpc>
+                <a:spcPct val="80000"/>
+              </a:lnSpc>
+              <a:spcBef>
+                <a:spcPct val="20000"/>
+              </a:spcBef>
+              <a:buFont typeface="+mj-lt"/>
+              <a:buAutoNum type="arabicPeriod"/>
+            </a:pPr>
+            <a:r>
+              <a:rPr lang="en-GB" sz="800" dirty="0">
+                <a:solidFill>
+                  <a:schemeClr val="tx1"/>
+                </a:solidFill>
+              </a:rPr>
+              <a:t>CWG1ShutDown:CWG1IE,CWG1IF</a:t>
+            </a:r>
+          </a:p>
+          <a:p>
+            <a:pPr marL="514350" indent="-514350" defTabSz="850636">
+              <a:lnSpc>
+                <a:spcPct val="80000"/>
+              </a:lnSpc>
+              <a:spcBef>
+                <a:spcPct val="20000"/>
+              </a:spcBef>
+              <a:buFont typeface="+mj-lt"/>
+              <a:buAutoNum type="arabicPeriod"/>
+            </a:pPr>
+            <a:r>
+              <a:rPr lang="en-GB" sz="800" dirty="0" err="1">
+                <a:solidFill>
+                  <a:schemeClr val="tx1"/>
+                </a:solidFill>
+              </a:rPr>
+              <a:t>ClockSwitchComplete:CSWIE,CSWIF</a:t>
+            </a:r>
+            <a:endParaRPr lang="en-GB" sz="800" dirty="0">
+              <a:solidFill>
+                <a:schemeClr val="tx1"/>
+              </a:solidFill>
+            </a:endParaRPr>
+          </a:p>
+          <a:p>
+            <a:pPr marL="514350" indent="-514350" defTabSz="850636">
+              <a:lnSpc>
+                <a:spcPct val="80000"/>
+              </a:lnSpc>
+              <a:spcBef>
+                <a:spcPct val="20000"/>
+              </a:spcBef>
+              <a:buFont typeface="+mj-lt"/>
+              <a:buAutoNum type="arabicPeriod"/>
+            </a:pPr>
+            <a:r>
+              <a:rPr lang="en-GB" sz="800" dirty="0">
+                <a:solidFill>
+                  <a:schemeClr val="tx1"/>
+                </a:solidFill>
+              </a:rPr>
+              <a:t>DMA1AbortInterrupt:DMA1AIE,DMA1AIF</a:t>
+            </a:r>
+          </a:p>
+          <a:p>
+            <a:pPr marL="514350" indent="-514350" defTabSz="850636">
+              <a:lnSpc>
+                <a:spcPct val="80000"/>
+              </a:lnSpc>
+              <a:spcBef>
+                <a:spcPct val="20000"/>
+              </a:spcBef>
+              <a:buFont typeface="+mj-lt"/>
+              <a:buAutoNum type="arabicPeriod"/>
+            </a:pPr>
+            <a:r>
+              <a:rPr lang="en-GB" sz="800" dirty="0">
+                <a:solidFill>
+                  <a:schemeClr val="tx1"/>
+                </a:solidFill>
+              </a:rPr>
+              <a:t>DMA1DestinationCountInterrupt:DMA1DCNTIE,DMA1DCNTIF</a:t>
+            </a:r>
+          </a:p>
+          <a:p>
+            <a:pPr marL="514350" indent="-514350" defTabSz="850636">
+              <a:lnSpc>
+                <a:spcPct val="80000"/>
+              </a:lnSpc>
+              <a:spcBef>
+                <a:spcPct val="20000"/>
+              </a:spcBef>
+              <a:buFont typeface="+mj-lt"/>
+              <a:buAutoNum type="arabicPeriod"/>
+            </a:pPr>
+            <a:r>
+              <a:rPr lang="en-GB" sz="800" dirty="0">
+                <a:solidFill>
+                  <a:schemeClr val="tx1"/>
+                </a:solidFill>
+              </a:rPr>
+              <a:t>DMA1OverrunInterrupt:DMA1ORIE,DMA1ORIF</a:t>
+            </a:r>
+          </a:p>
+          <a:p>
+            <a:pPr marL="514350" indent="-514350" defTabSz="850636">
+              <a:lnSpc>
+                <a:spcPct val="80000"/>
+              </a:lnSpc>
+              <a:spcBef>
+                <a:spcPct val="20000"/>
+              </a:spcBef>
+              <a:buFont typeface="+mj-lt"/>
+              <a:buAutoNum type="arabicPeriod"/>
+            </a:pPr>
+            <a:r>
+              <a:rPr lang="en-GB" sz="800" dirty="0">
+                <a:solidFill>
+                  <a:schemeClr val="tx1"/>
+                </a:solidFill>
+              </a:rPr>
+              <a:t>DMA1SourceCountInterrupt:DMA1SCNTIE,DMA1SCNTIF</a:t>
+            </a:r>
+          </a:p>
+          <a:p>
+            <a:pPr marL="514350" indent="-514350" defTabSz="850636">
+              <a:lnSpc>
+                <a:spcPct val="80000"/>
+              </a:lnSpc>
+              <a:spcBef>
+                <a:spcPct val="20000"/>
+              </a:spcBef>
+              <a:buFont typeface="+mj-lt"/>
+              <a:buAutoNum type="arabicPeriod"/>
+            </a:pPr>
+            <a:r>
+              <a:rPr lang="en-GB" sz="800" dirty="0">
+                <a:solidFill>
+                  <a:schemeClr val="tx1"/>
+                </a:solidFill>
+              </a:rPr>
+              <a:t>DMA2AbortInterrupt:DMA2AIE,DMA2AIF</a:t>
+            </a:r>
+          </a:p>
+          <a:p>
+            <a:pPr marL="514350" indent="-514350" defTabSz="850636">
+              <a:lnSpc>
+                <a:spcPct val="80000"/>
+              </a:lnSpc>
+              <a:spcBef>
+                <a:spcPct val="20000"/>
+              </a:spcBef>
+              <a:buFont typeface="+mj-lt"/>
+              <a:buAutoNum type="arabicPeriod"/>
+            </a:pPr>
+            <a:r>
+              <a:rPr lang="en-GB" sz="800" dirty="0">
+                <a:solidFill>
+                  <a:schemeClr val="tx1"/>
+                </a:solidFill>
+              </a:rPr>
+              <a:t>DMA2DestinationCountInterrupt:DMA2DCNTIE,DMA2DCNTIF</a:t>
+            </a:r>
+          </a:p>
+          <a:p>
+            <a:pPr marL="514350" indent="-514350" defTabSz="850636">
+              <a:lnSpc>
+                <a:spcPct val="80000"/>
+              </a:lnSpc>
+              <a:spcBef>
+                <a:spcPct val="20000"/>
+              </a:spcBef>
+              <a:buFont typeface="+mj-lt"/>
+              <a:buAutoNum type="arabicPeriod"/>
+            </a:pPr>
+            <a:r>
+              <a:rPr lang="en-GB" sz="800" dirty="0">
+                <a:solidFill>
+                  <a:schemeClr val="tx1"/>
+                </a:solidFill>
+              </a:rPr>
+              <a:t>DMA2OverrunInterrupt:DMA2ORIE,DMA2ORIF</a:t>
+            </a:r>
+          </a:p>
+          <a:p>
+            <a:pPr marL="514350" indent="-514350" defTabSz="850636">
+              <a:lnSpc>
+                <a:spcPct val="80000"/>
+              </a:lnSpc>
+              <a:spcBef>
+                <a:spcPct val="20000"/>
+              </a:spcBef>
+              <a:buFont typeface="+mj-lt"/>
+              <a:buAutoNum type="arabicPeriod"/>
+            </a:pPr>
+            <a:r>
+              <a:rPr lang="en-GB" sz="800" dirty="0">
+                <a:solidFill>
+                  <a:schemeClr val="tx1"/>
+                </a:solidFill>
+              </a:rPr>
+              <a:t>DMA2SourceCountInterrupt:DMA2SCNTIE,DMA2SCNTIF</a:t>
+            </a:r>
+          </a:p>
+          <a:p>
+            <a:pPr marL="514350" indent="-514350" defTabSz="850636">
+              <a:lnSpc>
+                <a:spcPct val="80000"/>
+              </a:lnSpc>
+              <a:spcBef>
+                <a:spcPct val="20000"/>
+              </a:spcBef>
+              <a:buFont typeface="+mj-lt"/>
+              <a:buAutoNum type="arabicPeriod"/>
+            </a:pPr>
+            <a:r>
+              <a:rPr lang="en-GB" sz="800" dirty="0">
+                <a:solidFill>
+                  <a:schemeClr val="tx1"/>
+                </a:solidFill>
+              </a:rPr>
+              <a:t>DMA3AbortInterrupt:DMA3AIE,DMA3AIF</a:t>
+            </a:r>
+          </a:p>
+          <a:p>
+            <a:pPr marL="514350" indent="-514350" defTabSz="850636">
+              <a:lnSpc>
+                <a:spcPct val="80000"/>
+              </a:lnSpc>
+              <a:spcBef>
+                <a:spcPct val="20000"/>
+              </a:spcBef>
+              <a:buFont typeface="+mj-lt"/>
+              <a:buAutoNum type="arabicPeriod"/>
+            </a:pPr>
+            <a:r>
+              <a:rPr lang="en-GB" sz="800" dirty="0">
+                <a:solidFill>
+                  <a:schemeClr val="tx1"/>
+                </a:solidFill>
+              </a:rPr>
+              <a:t>DMA3DestinationCountInterrupt:DMA3DCNTIE,DMA3DCNTIF</a:t>
+            </a:r>
+          </a:p>
+          <a:p>
+            <a:pPr marL="514350" indent="-514350" defTabSz="850636">
+              <a:lnSpc>
+                <a:spcPct val="80000"/>
+              </a:lnSpc>
+              <a:spcBef>
+                <a:spcPct val="20000"/>
+              </a:spcBef>
+              <a:buFont typeface="+mj-lt"/>
+              <a:buAutoNum type="arabicPeriod"/>
+            </a:pPr>
+            <a:r>
+              <a:rPr lang="en-GB" sz="800" dirty="0">
+                <a:solidFill>
+                  <a:schemeClr val="tx1"/>
+                </a:solidFill>
+              </a:rPr>
+              <a:t>DMA3OverrunInterrupt:DMA3ORIE,DMA3ORIF</a:t>
+            </a:r>
+          </a:p>
+          <a:p>
+            <a:pPr marL="514350" indent="-514350" defTabSz="850636">
+              <a:lnSpc>
+                <a:spcPct val="80000"/>
+              </a:lnSpc>
+              <a:spcBef>
+                <a:spcPct val="20000"/>
+              </a:spcBef>
+              <a:buFont typeface="+mj-lt"/>
+              <a:buAutoNum type="arabicPeriod"/>
+            </a:pPr>
+            <a:r>
+              <a:rPr lang="en-GB" sz="800" dirty="0">
+                <a:solidFill>
+                  <a:schemeClr val="tx1"/>
+                </a:solidFill>
+              </a:rPr>
+              <a:t>DMA3SourceCountInterrupt:DMA3SCNTIE,DMA3SCNTIF</a:t>
+            </a:r>
+          </a:p>
+          <a:p>
+            <a:pPr marL="514350" indent="-514350" defTabSz="850636">
+              <a:lnSpc>
+                <a:spcPct val="80000"/>
+              </a:lnSpc>
+              <a:spcBef>
+                <a:spcPct val="20000"/>
+              </a:spcBef>
+              <a:buFont typeface="+mj-lt"/>
+              <a:buAutoNum type="arabicPeriod"/>
+            </a:pPr>
+            <a:r>
+              <a:rPr lang="en-GB" sz="800" dirty="0">
+                <a:solidFill>
+                  <a:schemeClr val="tx1"/>
+                </a:solidFill>
+              </a:rPr>
+              <a:t>DMA4AbortInterrupt:DMA4AIE,DMA4AIF</a:t>
+            </a:r>
+          </a:p>
+          <a:p>
+            <a:pPr marL="514350" indent="-514350" defTabSz="850636">
+              <a:lnSpc>
+                <a:spcPct val="80000"/>
+              </a:lnSpc>
+              <a:spcBef>
+                <a:spcPct val="20000"/>
+              </a:spcBef>
+              <a:buFont typeface="+mj-lt"/>
+              <a:buAutoNum type="arabicPeriod"/>
+            </a:pPr>
+            <a:r>
+              <a:rPr lang="en-GB" sz="800" dirty="0">
+                <a:solidFill>
+                  <a:schemeClr val="tx1"/>
+                </a:solidFill>
+              </a:rPr>
+              <a:t>DMA4DestinationCountInterrupt:DMA4DCNTIE,DMA4DCNTIF</a:t>
+            </a:r>
+          </a:p>
+          <a:p>
+            <a:pPr marL="514350" indent="-514350" defTabSz="850636">
+              <a:lnSpc>
+                <a:spcPct val="80000"/>
+              </a:lnSpc>
+              <a:spcBef>
+                <a:spcPct val="20000"/>
+              </a:spcBef>
+              <a:buFont typeface="+mj-lt"/>
+              <a:buAutoNum type="arabicPeriod"/>
+            </a:pPr>
+            <a:r>
+              <a:rPr lang="en-GB" sz="800" dirty="0">
+                <a:solidFill>
+                  <a:schemeClr val="tx1"/>
+                </a:solidFill>
+              </a:rPr>
+              <a:t>DMA4OverrunInterrupt:DMA4ORIE,DMA4ORIF</a:t>
+            </a:r>
+          </a:p>
+          <a:p>
+            <a:pPr marL="514350" indent="-514350" defTabSz="850636">
+              <a:lnSpc>
+                <a:spcPct val="80000"/>
+              </a:lnSpc>
+              <a:spcBef>
+                <a:spcPct val="20000"/>
+              </a:spcBef>
+              <a:buFont typeface="+mj-lt"/>
+              <a:buAutoNum type="arabicPeriod"/>
+            </a:pPr>
+            <a:r>
+              <a:rPr lang="en-GB" sz="800" dirty="0">
+                <a:solidFill>
+                  <a:schemeClr val="tx1"/>
+                </a:solidFill>
+              </a:rPr>
+              <a:t>DMA4SourceCountInterrupt:DMA4SCNTIE,DMA4SCNTIF</a:t>
+            </a:r>
+          </a:p>
+          <a:p>
+            <a:pPr marL="514350" indent="-514350" defTabSz="850636">
+              <a:lnSpc>
+                <a:spcPct val="80000"/>
+              </a:lnSpc>
+              <a:spcBef>
+                <a:spcPct val="20000"/>
+              </a:spcBef>
+              <a:buFont typeface="+mj-lt"/>
+              <a:buAutoNum type="arabicPeriod"/>
+            </a:pPr>
+            <a:r>
+              <a:rPr lang="en-GB" sz="800" dirty="0">
+                <a:solidFill>
+                  <a:schemeClr val="tx1"/>
+                </a:solidFill>
+              </a:rPr>
+              <a:t>ExtInt0:INT0IE,INT0IF</a:t>
+            </a:r>
+          </a:p>
+          <a:p>
+            <a:pPr marL="514350" indent="-514350" defTabSz="850636">
+              <a:lnSpc>
+                <a:spcPct val="80000"/>
+              </a:lnSpc>
+              <a:spcBef>
+                <a:spcPct val="20000"/>
+              </a:spcBef>
+              <a:buFont typeface="+mj-lt"/>
+              <a:buAutoNum type="arabicPeriod"/>
+            </a:pPr>
+            <a:r>
+              <a:rPr lang="en-GB" sz="800" dirty="0">
+                <a:solidFill>
+                  <a:schemeClr val="tx1"/>
+                </a:solidFill>
+              </a:rPr>
+              <a:t>ExtInt1:INT1I</a:t>
+            </a:r>
             <a:r>
               <a:rPr lang="en-GB" sz="800" dirty="0" smtClean="0"/>
-              <a:t>……</a:t>
-            </a:r>
-          </a:p>
-          <a:p>
-            <a:pPr marL="0" indent="0">
+              <a:t>E,INT1IF</a:t>
+            </a:r>
+            <a:endParaRPr lang="en-GB" sz="800" dirty="0"/>
+          </a:p>
+        </p:txBody>
+      </p:sp>
+      <p:sp>
+        <p:nvSpPr>
+          <p:cNvPr id="4" name="Content Placeholder 5"/>
+          <p:cNvSpPr txBox="1">
+            <a:spLocks/>
+          </p:cNvSpPr>
+          <p:nvPr/>
+        </p:nvSpPr>
+        <p:spPr>
+          <a:xfrm>
+            <a:off x="4283968" y="545430"/>
+            <a:ext cx="3250702" cy="3394472"/>
+          </a:xfrm>
+          <a:prstGeom prst="rect">
+            <a:avLst/>
+          </a:prstGeom>
+          <a:solidFill>
+            <a:schemeClr val="bg1"/>
+          </a:solidFill>
+        </p:spPr>
+        <p:txBody>
+          <a:bodyPr vert="horz" lIns="85064" tIns="42531" rIns="85064" bIns="42531" rtlCol="0">
+            <a:normAutofit fontScale="25000" lnSpcReduction="20000"/>
+          </a:bodyPr>
+          <a:lstStyle>
+            <a:lvl1pPr marL="318988" indent="-318988" algn="l" defTabSz="850636" rtl="0" eaLnBrk="1" latinLnBrk="0" hangingPunct="1">
               <a:spcBef>
-                <a:spcPts val="0"/>
+                <a:spcPct val="20000"/>
               </a:spcBef>
-              <a:buNone/>
-            </a:pPr>
-            <a:r>
-              <a:rPr lang="en-GB" sz="800" dirty="0" smtClean="0">
-                <a:latin typeface="Courier New" pitchFamily="49" charset="0"/>
-                <a:cs typeface="Courier New" pitchFamily="49" charset="0"/>
-              </a:rPr>
-              <a:t>//IO ports setup</a:t>
-            </a:r>
-          </a:p>
-          <a:p>
-            <a:pPr marL="0" indent="0">
+              <a:buFont typeface="Arial" pitchFamily="34" charset="0"/>
+              <a:buChar char="•"/>
+              <a:defRPr sz="3000" kern="1200">
+                <a:solidFill>
+                  <a:schemeClr val="tx1"/>
+                </a:solidFill>
+                <a:latin typeface="+mn-lt"/>
+                <a:ea typeface="+mn-ea"/>
+                <a:cs typeface="+mn-cs"/>
+              </a:defRPr>
+            </a:lvl1pPr>
+            <a:lvl2pPr marL="691142" indent="-265824" algn="l" defTabSz="850636" rtl="0" eaLnBrk="1" latinLnBrk="0" hangingPunct="1">
               <a:spcBef>
-                <a:spcPts val="0"/>
+                <a:spcPct val="20000"/>
               </a:spcBef>
-              <a:buNone/>
-            </a:pPr>
-            <a:endParaRPr lang="en-GB" sz="800" dirty="0">
-              <a:latin typeface="Courier New" pitchFamily="49" charset="0"/>
-              <a:cs typeface="Courier New" pitchFamily="49" charset="0"/>
+              <a:buFont typeface="Arial" pitchFamily="34" charset="0"/>
+              <a:buChar char="–"/>
+              <a:defRPr sz="2600" kern="1200">
+                <a:solidFill>
+                  <a:schemeClr val="tx1"/>
+                </a:solidFill>
+                <a:latin typeface="+mn-lt"/>
+                <a:ea typeface="+mn-ea"/>
+                <a:cs typeface="+mn-cs"/>
+              </a:defRPr>
+            </a:lvl2pPr>
+            <a:lvl3pPr marL="1063295" indent="-212659" algn="l" defTabSz="850636" rtl="0" eaLnBrk="1" latinLnBrk="0" hangingPunct="1">
+              <a:spcBef>
+                <a:spcPct val="20000"/>
+              </a:spcBef>
+              <a:buFont typeface="Arial" pitchFamily="34" charset="0"/>
+              <a:buChar char="•"/>
+              <a:defRPr sz="2200" kern="1200">
+                <a:solidFill>
+                  <a:schemeClr val="tx1"/>
+                </a:solidFill>
+                <a:latin typeface="+mn-lt"/>
+                <a:ea typeface="+mn-ea"/>
+                <a:cs typeface="+mn-cs"/>
+              </a:defRPr>
+            </a:lvl3pPr>
+            <a:lvl4pPr marL="1488614" indent="-212659" algn="l" defTabSz="850636" rtl="0" eaLnBrk="1" latinLnBrk="0" hangingPunct="1">
+              <a:spcBef>
+                <a:spcPct val="20000"/>
+              </a:spcBef>
+              <a:buFont typeface="Arial" pitchFamily="34" charset="0"/>
+              <a:buChar char="–"/>
+              <a:defRPr sz="1900" kern="1200">
+                <a:solidFill>
+                  <a:schemeClr val="tx1"/>
+                </a:solidFill>
+                <a:latin typeface="+mn-lt"/>
+                <a:ea typeface="+mn-ea"/>
+                <a:cs typeface="+mn-cs"/>
+              </a:defRPr>
+            </a:lvl4pPr>
+            <a:lvl5pPr marL="1913932" indent="-212659" algn="l" defTabSz="850636" rtl="0" eaLnBrk="1" latinLnBrk="0" hangingPunct="1">
+              <a:spcBef>
+                <a:spcPct val="20000"/>
+              </a:spcBef>
+              <a:buFont typeface="Arial" pitchFamily="34" charset="0"/>
+              <a:buChar char="»"/>
+              <a:defRPr sz="1900" kern="1200">
+                <a:solidFill>
+                  <a:schemeClr val="tx1"/>
+                </a:solidFill>
+                <a:latin typeface="+mn-lt"/>
+                <a:ea typeface="+mn-ea"/>
+                <a:cs typeface="+mn-cs"/>
+              </a:defRPr>
+            </a:lvl5pPr>
+            <a:lvl6pPr marL="2339250" indent="-212659" algn="l" defTabSz="850636" rtl="0" eaLnBrk="1" latinLnBrk="0" hangingPunct="1">
+              <a:spcBef>
+                <a:spcPct val="20000"/>
+              </a:spcBef>
+              <a:buFont typeface="Arial" pitchFamily="34" charset="0"/>
+              <a:buChar char="•"/>
+              <a:defRPr sz="1900" kern="1200">
+                <a:solidFill>
+                  <a:schemeClr val="tx1"/>
+                </a:solidFill>
+                <a:latin typeface="+mn-lt"/>
+                <a:ea typeface="+mn-ea"/>
+                <a:cs typeface="+mn-cs"/>
+              </a:defRPr>
+            </a:lvl6pPr>
+            <a:lvl7pPr marL="2764568" indent="-212659" algn="l" defTabSz="850636" rtl="0" eaLnBrk="1" latinLnBrk="0" hangingPunct="1">
+              <a:spcBef>
+                <a:spcPct val="20000"/>
+              </a:spcBef>
+              <a:buFont typeface="Arial" pitchFamily="34" charset="0"/>
+              <a:buChar char="•"/>
+              <a:defRPr sz="1900" kern="1200">
+                <a:solidFill>
+                  <a:schemeClr val="tx1"/>
+                </a:solidFill>
+                <a:latin typeface="+mn-lt"/>
+                <a:ea typeface="+mn-ea"/>
+                <a:cs typeface="+mn-cs"/>
+              </a:defRPr>
+            </a:lvl7pPr>
+            <a:lvl8pPr marL="3189887" indent="-212659" algn="l" defTabSz="850636" rtl="0" eaLnBrk="1" latinLnBrk="0" hangingPunct="1">
+              <a:spcBef>
+                <a:spcPct val="20000"/>
+              </a:spcBef>
+              <a:buFont typeface="Arial" pitchFamily="34" charset="0"/>
+              <a:buChar char="•"/>
+              <a:defRPr sz="1900" kern="1200">
+                <a:solidFill>
+                  <a:schemeClr val="tx1"/>
+                </a:solidFill>
+                <a:latin typeface="+mn-lt"/>
+                <a:ea typeface="+mn-ea"/>
+                <a:cs typeface="+mn-cs"/>
+              </a:defRPr>
+            </a:lvl8pPr>
+            <a:lvl9pPr marL="3615205" indent="-212659" algn="l" defTabSz="850636" rtl="0" eaLnBrk="1" latinLnBrk="0" hangingPunct="1">
+              <a:spcBef>
+                <a:spcPct val="20000"/>
+              </a:spcBef>
+              <a:buFont typeface="Arial" pitchFamily="34" charset="0"/>
+              <a:buChar char="•"/>
+              <a:defRPr sz="1900" kern="1200">
+                <a:solidFill>
+                  <a:schemeClr val="tx1"/>
+                </a:solidFill>
+                <a:latin typeface="+mn-lt"/>
+                <a:ea typeface="+mn-ea"/>
+                <a:cs typeface="+mn-cs"/>
+              </a:defRPr>
+            </a:lvl9pPr>
+          </a:lstStyle>
+          <a:p>
+            <a:pPr marL="514350" indent="-514350">
+              <a:buFont typeface="+mj-lt"/>
+              <a:buAutoNum type="arabicPeriod" startAt="29"/>
+            </a:pPr>
+            <a:r>
+              <a:rPr lang="en-GB" dirty="0" smtClean="0"/>
+              <a:t>ExtInt1:INT1IE,INT1IF</a:t>
+            </a:r>
+          </a:p>
+          <a:p>
+            <a:pPr marL="514350" indent="-514350">
+              <a:buFont typeface="+mj-lt"/>
+              <a:buAutoNum type="arabicPeriod" startAt="29"/>
+            </a:pPr>
+            <a:r>
+              <a:rPr lang="en-GB" dirty="0" smtClean="0"/>
+              <a:t>ExtInt2:INT2IE,INT2IF</a:t>
+            </a:r>
+          </a:p>
+          <a:p>
+            <a:pPr marL="514350" indent="-514350">
+              <a:buFont typeface="+mj-lt"/>
+              <a:buAutoNum type="arabicPeriod" startAt="29"/>
+            </a:pPr>
+            <a:r>
+              <a:rPr lang="en-GB" dirty="0" smtClean="0"/>
+              <a:t>I2C1ErrorInterrupt:I2C1EIE,I2C1EIF</a:t>
+            </a:r>
+          </a:p>
+          <a:p>
+            <a:pPr marL="514350" indent="-514350">
+              <a:buFont typeface="+mj-lt"/>
+              <a:buAutoNum type="arabicPeriod" startAt="29"/>
+            </a:pPr>
+            <a:r>
+              <a:rPr lang="en-GB" dirty="0" smtClean="0"/>
+              <a:t>I2C1Interrupt:I2C1IE,I2C1IF</a:t>
+            </a:r>
+          </a:p>
+          <a:p>
+            <a:pPr marL="514350" indent="-514350">
+              <a:buFont typeface="+mj-lt"/>
+              <a:buAutoNum type="arabicPeriod" startAt="29"/>
+            </a:pPr>
+            <a:r>
+              <a:rPr lang="en-GB" dirty="0" smtClean="0"/>
+              <a:t>I2C1ReceiveInterrupt:I2C1RXIE,I2C1RXIF</a:t>
+            </a:r>
+          </a:p>
+          <a:p>
+            <a:pPr marL="514350" indent="-514350">
+              <a:buFont typeface="+mj-lt"/>
+              <a:buAutoNum type="arabicPeriod" startAt="29"/>
+            </a:pPr>
+            <a:r>
+              <a:rPr lang="en-GB" dirty="0" smtClean="0"/>
+              <a:t>I2C1TransmitInterrupt:I2C1TXIE,I2C1TXIF</a:t>
+            </a:r>
+          </a:p>
+          <a:p>
+            <a:pPr marL="514350" indent="-514350">
+              <a:buFont typeface="+mj-lt"/>
+              <a:buAutoNum type="arabicPeriod" startAt="29"/>
+            </a:pPr>
+            <a:r>
+              <a:rPr lang="en-GB" dirty="0" smtClean="0"/>
+              <a:t>LogicCell1Event:CLC1IE,CLC1IF</a:t>
+            </a:r>
+          </a:p>
+          <a:p>
+            <a:pPr marL="514350" indent="-514350">
+              <a:buFont typeface="+mj-lt"/>
+              <a:buAutoNum type="arabicPeriod" startAt="29"/>
+            </a:pPr>
+            <a:r>
+              <a:rPr lang="en-GB" dirty="0" smtClean="0"/>
+              <a:t>LogicCell2Event:CLC2IE,CLC2IF</a:t>
+            </a:r>
+          </a:p>
+          <a:p>
+            <a:pPr marL="514350" indent="-514350">
+              <a:buFont typeface="+mj-lt"/>
+              <a:buAutoNum type="arabicPeriod" startAt="29"/>
+            </a:pPr>
+            <a:r>
+              <a:rPr lang="en-GB" dirty="0" smtClean="0"/>
+              <a:t>LogicCell3Event:CLC3IE,CLC3IF</a:t>
+            </a:r>
+          </a:p>
+          <a:p>
+            <a:pPr marL="514350" indent="-514350">
+              <a:buFont typeface="+mj-lt"/>
+              <a:buAutoNum type="arabicPeriod" startAt="29"/>
+            </a:pPr>
+            <a:r>
+              <a:rPr lang="en-GB" dirty="0" smtClean="0"/>
+              <a:t>LogicCell4Event:CLC4IE,CLC4IF</a:t>
+            </a:r>
+          </a:p>
+          <a:p>
+            <a:pPr marL="514350" indent="-514350">
+              <a:buFont typeface="+mj-lt"/>
+              <a:buAutoNum type="arabicPeriod" startAt="29"/>
+            </a:pPr>
+            <a:r>
+              <a:rPr lang="en-GB" dirty="0" err="1" smtClean="0"/>
+              <a:t>NVMComplete:NVMIE,NVMIF</a:t>
+            </a:r>
+            <a:endParaRPr lang="en-GB" dirty="0" smtClean="0"/>
+          </a:p>
+          <a:p>
+            <a:pPr marL="514350" indent="-514350">
+              <a:buFont typeface="+mj-lt"/>
+              <a:buAutoNum type="arabicPeriod" startAt="29"/>
+            </a:pPr>
+            <a:r>
+              <a:rPr lang="en-GB" dirty="0" err="1" smtClean="0"/>
+              <a:t>OscillatorFail:OSFIE,OSFIF</a:t>
+            </a:r>
+            <a:endParaRPr lang="en-GB" dirty="0" smtClean="0"/>
+          </a:p>
+          <a:p>
+            <a:pPr marL="514350" indent="-514350">
+              <a:buFont typeface="+mj-lt"/>
+              <a:buAutoNum type="arabicPeriod" startAt="29"/>
+            </a:pPr>
+            <a:r>
+              <a:rPr lang="en-GB" b="1" dirty="0" err="1" smtClean="0"/>
+              <a:t>PORTABChange:IOCIE,IOCIF</a:t>
+            </a:r>
+            <a:endParaRPr lang="en-GB" b="1" dirty="0" smtClean="0"/>
+          </a:p>
+          <a:p>
+            <a:pPr marL="514350" indent="-514350">
+              <a:buFont typeface="+mj-lt"/>
+              <a:buAutoNum type="arabicPeriod" startAt="29"/>
+            </a:pPr>
+            <a:r>
+              <a:rPr lang="en-GB" dirty="0" smtClean="0"/>
+              <a:t>PWM1MatchEvent:PWM1IE,PWM1IF</a:t>
+            </a:r>
+          </a:p>
+          <a:p>
+            <a:pPr marL="514350" indent="-514350">
+              <a:buFont typeface="+mj-lt"/>
+              <a:buAutoNum type="arabicPeriod" startAt="29"/>
+            </a:pPr>
+            <a:r>
+              <a:rPr lang="en-GB" dirty="0" smtClean="0"/>
+              <a:t>PWM2MatchEvent:PWM2IE,PWM2IF</a:t>
+            </a:r>
+          </a:p>
+          <a:p>
+            <a:pPr marL="514350" indent="-514350">
+              <a:buFont typeface="+mj-lt"/>
+              <a:buAutoNum type="arabicPeriod" startAt="29"/>
+            </a:pPr>
+            <a:r>
+              <a:rPr lang="en-GB" dirty="0" smtClean="0"/>
+              <a:t>PWM2PeriodEvent:PWM2PIE,PWM2PIF</a:t>
+            </a:r>
+          </a:p>
+          <a:p>
+            <a:pPr marL="514350" indent="-514350">
+              <a:buFont typeface="+mj-lt"/>
+              <a:buAutoNum type="arabicPeriod" startAt="29"/>
+            </a:pPr>
+            <a:r>
+              <a:rPr lang="en-GB" dirty="0" smtClean="0"/>
+              <a:t>PWMPeriodEvent:PWM1PIE,PWM1PIF</a:t>
+            </a:r>
+          </a:p>
+          <a:p>
+            <a:pPr marL="514350" indent="-514350">
+              <a:buFont typeface="+mj-lt"/>
+              <a:buAutoNum type="arabicPeriod" startAt="29"/>
+            </a:pPr>
+            <a:r>
+              <a:rPr lang="en-GB" dirty="0" err="1" smtClean="0"/>
+              <a:t>PortChange:IOCIE,IOCIF</a:t>
+            </a:r>
+            <a:endParaRPr lang="en-GB" dirty="0" smtClean="0"/>
+          </a:p>
+          <a:p>
+            <a:pPr marL="514350" indent="-514350">
+              <a:buFont typeface="+mj-lt"/>
+              <a:buAutoNum type="arabicPeriod" startAt="29"/>
+            </a:pPr>
+            <a:r>
+              <a:rPr lang="en-GB" dirty="0" smtClean="0"/>
+              <a:t>SPIInterrupt:SPI1IE,SPI1IF</a:t>
+            </a:r>
+          </a:p>
+          <a:p>
+            <a:pPr marL="514350" indent="-514350">
+              <a:buFont typeface="+mj-lt"/>
+              <a:buAutoNum type="arabicPeriod" startAt="29"/>
+            </a:pPr>
+            <a:r>
+              <a:rPr lang="en-GB" dirty="0" smtClean="0"/>
+              <a:t>SPIReceiveInterrupt:SPI1RXIE,SPI1RXIF</a:t>
+            </a:r>
+          </a:p>
+          <a:p>
+            <a:pPr marL="514350" indent="-514350">
+              <a:buFont typeface="+mj-lt"/>
+              <a:buAutoNum type="arabicPeriod" startAt="29"/>
+            </a:pPr>
+            <a:r>
+              <a:rPr lang="en-GB" dirty="0" smtClean="0"/>
+              <a:t>SPITransmitInterrupt:SPI1TXIE,SPI1TXIF</a:t>
+            </a:r>
+          </a:p>
+          <a:p>
+            <a:pPr marL="514350" indent="-514350">
+              <a:buFont typeface="+mj-lt"/>
+              <a:buAutoNum type="arabicPeriod" startAt="29"/>
+            </a:pPr>
+            <a:r>
+              <a:rPr lang="en-GB" dirty="0" err="1" smtClean="0"/>
+              <a:t>ScanComplete:SCANIE,SCANIF</a:t>
+            </a:r>
+            <a:endParaRPr lang="en-GB" dirty="0" smtClean="0"/>
+          </a:p>
+          <a:p>
+            <a:pPr marL="514350" indent="-514350">
+              <a:buFont typeface="+mj-lt"/>
+              <a:buAutoNum type="arabicPeriod" startAt="29"/>
+            </a:pPr>
+            <a:r>
+              <a:rPr lang="en-GB" dirty="0" err="1" smtClean="0"/>
+              <a:t>SoftwareInterrupt:SWIE,SWIF</a:t>
+            </a:r>
+            <a:endParaRPr lang="en-GB" dirty="0" smtClean="0"/>
+          </a:p>
+          <a:p>
+            <a:pPr marL="514350" indent="-514350">
+              <a:buFont typeface="+mj-lt"/>
+              <a:buAutoNum type="arabicPeriod" startAt="29"/>
+            </a:pPr>
+            <a:r>
+              <a:rPr lang="en-GB" dirty="0" smtClean="0"/>
+              <a:t>Timer0Overflow:TMR0IE,TMR0IF</a:t>
+            </a:r>
+          </a:p>
+          <a:p>
+            <a:pPr marL="514350" indent="-514350">
+              <a:buFont typeface="+mj-lt"/>
+              <a:buAutoNum type="arabicPeriod" startAt="29"/>
+            </a:pPr>
+            <a:r>
+              <a:rPr lang="en-GB" dirty="0" smtClean="0"/>
+              <a:t>Timer1Gate:TMR1GIE,TMR1GIF</a:t>
+            </a:r>
+          </a:p>
+          <a:p>
+            <a:pPr marL="514350" indent="-514350">
+              <a:buFont typeface="+mj-lt"/>
+              <a:buAutoNum type="arabicPeriod" startAt="29"/>
+            </a:pPr>
+            <a:r>
+              <a:rPr lang="en-GB" dirty="0" smtClean="0"/>
+              <a:t>Timer1Overflow:TMR1IE,TMR1IF</a:t>
+            </a:r>
+          </a:p>
+          <a:p>
+            <a:pPr marL="514350" indent="-514350">
+              <a:buFont typeface="+mj-lt"/>
+              <a:buAutoNum type="arabicPeriod" startAt="29"/>
+            </a:pPr>
+            <a:r>
+              <a:rPr lang="en-GB" dirty="0" smtClean="0"/>
+              <a:t>Timer2Match:TMR2IE,TMR2IF</a:t>
+            </a:r>
+          </a:p>
+          <a:p>
+            <a:pPr marL="514350" indent="-514350">
+              <a:buFont typeface="+mj-lt"/>
+              <a:buAutoNum type="arabicPeriod" startAt="29"/>
+            </a:pPr>
+            <a:r>
+              <a:rPr lang="en-GB" dirty="0" smtClean="0"/>
+              <a:t>Timer4Match:TMR4IE,TMR4IF</a:t>
+            </a:r>
+          </a:p>
+          <a:p>
+            <a:pPr marL="514350" indent="-514350">
+              <a:buFont typeface="+mj-lt"/>
+              <a:buAutoNum type="arabicPeriod" startAt="29"/>
+            </a:pPr>
+            <a:r>
+              <a:rPr lang="en-GB" dirty="0" smtClean="0"/>
+              <a:t>UART1FramingErrorInterrupt:U1EIE,U1EIF</a:t>
+            </a:r>
+          </a:p>
+          <a:p>
+            <a:pPr marL="514350" indent="-514350">
+              <a:buFont typeface="+mj-lt"/>
+              <a:buAutoNum type="arabicPeriod" startAt="29"/>
+            </a:pPr>
+            <a:r>
+              <a:rPr lang="en-GB" dirty="0" smtClean="0"/>
+              <a:t>UART1Interrupt:U1IE,U1IF</a:t>
+            </a:r>
+          </a:p>
+          <a:p>
+            <a:pPr marL="514350" indent="-514350">
+              <a:buFont typeface="+mj-lt"/>
+              <a:buAutoNum type="arabicPeriod" startAt="29"/>
+            </a:pPr>
+            <a:r>
+              <a:rPr lang="en-GB" dirty="0" smtClean="0"/>
+              <a:t>UART1ReceiveInterrupt:U1RXIE,U1RXIF</a:t>
+            </a:r>
+          </a:p>
+          <a:p>
+            <a:pPr marL="514350" indent="-514350">
+              <a:buFont typeface="+mj-lt"/>
+              <a:buAutoNum type="arabicPeriod" startAt="29"/>
+            </a:pPr>
+            <a:r>
+              <a:rPr lang="en-GB" dirty="0" smtClean="0"/>
+              <a:t>UART1TransmitInterrupt:U1TXIE,U1TXIF</a:t>
+            </a:r>
+          </a:p>
+          <a:p>
+            <a:pPr marL="514350" indent="-514350">
+              <a:buFont typeface="+mj-lt"/>
+              <a:buAutoNum type="arabicPeriod" startAt="29"/>
+            </a:pPr>
+            <a:r>
+              <a:rPr lang="en-GB" dirty="0" smtClean="0"/>
+              <a:t>UART2FramingErrorInterrupt:U2EIE,U2EIF</a:t>
+            </a:r>
+          </a:p>
+          <a:p>
+            <a:pPr marL="514350" indent="-514350">
+              <a:buFont typeface="+mj-lt"/>
+              <a:buAutoNum type="arabicPeriod" startAt="29"/>
+            </a:pPr>
+            <a:r>
+              <a:rPr lang="en-GB" dirty="0" smtClean="0"/>
+              <a:t>UART2Interrupt:U2IE,U2IF</a:t>
+            </a:r>
+          </a:p>
+          <a:p>
+            <a:pPr marL="514350" indent="-514350">
+              <a:buFont typeface="+mj-lt"/>
+              <a:buAutoNum type="arabicPeriod" startAt="29"/>
+            </a:pPr>
+            <a:r>
+              <a:rPr lang="en-GB" dirty="0" smtClean="0"/>
+              <a:t>UART2ReceiveInterrupt:U2RXIE,U2RXIF</a:t>
+            </a:r>
+          </a:p>
+          <a:p>
+            <a:pPr marL="514350" indent="-514350">
+              <a:buFont typeface="+mj-lt"/>
+              <a:buAutoNum type="arabicPeriod" startAt="29"/>
+            </a:pPr>
+            <a:r>
+              <a:rPr lang="en-GB" dirty="0" smtClean="0"/>
+              <a:t>UART2TransmitInterrupt:U2TXIE,U2TXIF</a:t>
+            </a:r>
+          </a:p>
+          <a:p>
+            <a:pPr marL="514350" indent="-514350">
+              <a:buFont typeface="+mj-lt"/>
+              <a:buAutoNum type="arabicPeriod" startAt="29"/>
+            </a:pPr>
+            <a:r>
+              <a:rPr lang="en-GB" dirty="0" err="1" smtClean="0"/>
+              <a:t>VoltageFail:HLVDIE,HLVDIF</a:t>
+            </a:r>
+            <a:endParaRPr lang="en-GB" dirty="0" smtClean="0"/>
+          </a:p>
+          <a:p>
+            <a:endParaRPr lang="en-GB" dirty="0"/>
+          </a:p>
+        </p:txBody>
+      </p:sp>
+      <p:sp>
+        <p:nvSpPr>
+          <p:cNvPr id="3" name="Rectangle 2"/>
+          <p:cNvSpPr/>
+          <p:nvPr/>
+        </p:nvSpPr>
+        <p:spPr>
+          <a:xfrm>
+            <a:off x="2215452" y="4137936"/>
+            <a:ext cx="4241867" cy="923330"/>
+          </a:xfrm>
+          <a:prstGeom prst="rect">
+            <a:avLst/>
+          </a:prstGeom>
+          <a:noFill/>
+        </p:spPr>
+        <p:txBody>
+          <a:bodyPr wrap="none" lIns="91440" tIns="45720" rIns="91440" bIns="45720">
+            <a:spAutoFit/>
+          </a:bodyPr>
+          <a:lstStyle/>
+          <a:p>
+            <a:pPr algn="ctr"/>
+            <a:r>
+              <a:rPr lang="en-US" sz="5400" b="1" dirty="0" smtClean="0">
+                <a:ln w="12700">
+                  <a:solidFill>
+                    <a:schemeClr val="tx2">
+                      <a:satMod val="155000"/>
+                    </a:schemeClr>
+                  </a:solidFill>
+                  <a:prstDash val="solid"/>
+                </a:ln>
+                <a:solidFill>
+                  <a:schemeClr val="bg2">
+                    <a:tint val="85000"/>
+                    <a:satMod val="155000"/>
+                  </a:schemeClr>
+                </a:solidFill>
+                <a:effectLst>
+                  <a:outerShdw blurRad="41275" dist="20320" dir="1800000" algn="tl" rotWithShape="0">
+                    <a:srgbClr val="000000">
+                      <a:alpha val="40000"/>
+                    </a:srgbClr>
+                  </a:outerShdw>
+                </a:effectLst>
+              </a:rPr>
+              <a:t>PIC18FxxQ24</a:t>
+            </a:r>
+            <a:endParaRPr lang="en-US" sz="5400" b="1" cap="none" spc="0" dirty="0">
+              <a:ln w="12700">
+                <a:solidFill>
+                  <a:schemeClr val="tx2">
+                    <a:satMod val="155000"/>
+                  </a:schemeClr>
+                </a:solidFill>
+                <a:prstDash val="solid"/>
+              </a:ln>
+              <a:solidFill>
+                <a:schemeClr val="bg2">
+                  <a:tint val="85000"/>
+                  <a:satMod val="155000"/>
+                </a:schemeClr>
+              </a:solidFill>
+              <a:effectLst>
+                <a:outerShdw blurRad="41275" dist="20320" dir="1800000" algn="tl" rotWithShape="0">
+                  <a:srgbClr val="000000">
+                    <a:alpha val="40000"/>
+                  </a:srgbClr>
+                </a:outerShdw>
+              </a:effectLst>
             </a:endParaRPr>
-          </a:p>
-          <a:p>
-            <a:pPr marL="0" indent="0">
-              <a:spcBef>
-                <a:spcPts val="0"/>
-              </a:spcBef>
-              <a:buNone/>
-            </a:pPr>
-            <a:r>
-              <a:rPr lang="en-GB" sz="800" dirty="0">
-                <a:latin typeface="Courier New" pitchFamily="49" charset="0"/>
-                <a:cs typeface="Courier New" pitchFamily="49" charset="0"/>
-              </a:rPr>
-              <a:t>/* Interrupt-on-change enabled on the </a:t>
-            </a:r>
-            <a:r>
-              <a:rPr lang="en-GB" sz="800" dirty="0" err="1">
-                <a:latin typeface="Courier New" pitchFamily="49" charset="0"/>
-                <a:cs typeface="Courier New" pitchFamily="49" charset="0"/>
-              </a:rPr>
-              <a:t>IOCx</a:t>
-            </a:r>
-            <a:r>
-              <a:rPr lang="en-GB" sz="800" dirty="0">
-                <a:latin typeface="Courier New" pitchFamily="49" charset="0"/>
-                <a:cs typeface="Courier New" pitchFamily="49" charset="0"/>
-              </a:rPr>
-              <a:t> pin for a negative-going edge. Associated Status bit </a:t>
-            </a:r>
-          </a:p>
-          <a:p>
-            <a:pPr marL="0" indent="0">
-              <a:spcBef>
-                <a:spcPts val="0"/>
-              </a:spcBef>
-              <a:buNone/>
-            </a:pPr>
-            <a:r>
-              <a:rPr lang="en-GB" sz="800" dirty="0">
-                <a:latin typeface="Courier New" pitchFamily="49" charset="0"/>
-                <a:cs typeface="Courier New" pitchFamily="49" charset="0"/>
-              </a:rPr>
-              <a:t>    and interrupt flag will be set upon detecting an edge. </a:t>
-            </a:r>
-            <a:r>
-              <a:rPr lang="en-GB" sz="800" dirty="0" smtClean="0">
-                <a:latin typeface="Courier New" pitchFamily="49" charset="0"/>
-                <a:cs typeface="Courier New" pitchFamily="49" charset="0"/>
-              </a:rPr>
-              <a:t>*/</a:t>
-            </a:r>
-          </a:p>
-          <a:p>
-            <a:pPr marL="0" indent="0">
-              <a:spcBef>
-                <a:spcPts val="0"/>
-              </a:spcBef>
-              <a:buNone/>
-            </a:pPr>
-            <a:r>
-              <a:rPr lang="en-GB" sz="800" b="1" dirty="0" smtClean="0">
-                <a:latin typeface="Courier New" pitchFamily="49" charset="0"/>
-                <a:cs typeface="Courier New" pitchFamily="49" charset="0"/>
-              </a:rPr>
-              <a:t>IOCAN3</a:t>
-            </a:r>
-            <a:r>
-              <a:rPr lang="en-GB" sz="800" dirty="0" smtClean="0">
-                <a:latin typeface="Courier New" pitchFamily="49" charset="0"/>
-                <a:cs typeface="Courier New" pitchFamily="49" charset="0"/>
-              </a:rPr>
-              <a:t> </a:t>
-            </a:r>
-            <a:r>
-              <a:rPr lang="en-GB" sz="800" dirty="0">
-                <a:latin typeface="Courier New" pitchFamily="49" charset="0"/>
-                <a:cs typeface="Courier New" pitchFamily="49" charset="0"/>
-              </a:rPr>
-              <a:t>= </a:t>
-            </a:r>
-            <a:r>
-              <a:rPr lang="en-GB" sz="800" dirty="0" smtClean="0">
-                <a:latin typeface="Courier New" pitchFamily="49" charset="0"/>
-                <a:cs typeface="Courier New" pitchFamily="49" charset="0"/>
-              </a:rPr>
-              <a:t>1</a:t>
-            </a:r>
-          </a:p>
-          <a:p>
-            <a:pPr marL="0" indent="0">
-              <a:spcBef>
-                <a:spcPts val="0"/>
-              </a:spcBef>
-              <a:buNone/>
-            </a:pPr>
-            <a:endParaRPr lang="en-GB" sz="800" dirty="0">
-              <a:latin typeface="Courier New" pitchFamily="49" charset="0"/>
-              <a:cs typeface="Courier New" pitchFamily="49" charset="0"/>
-            </a:endParaRPr>
-          </a:p>
-          <a:p>
-            <a:pPr marL="0" indent="0">
-              <a:spcBef>
-                <a:spcPts val="0"/>
-              </a:spcBef>
-              <a:buNone/>
-            </a:pPr>
-            <a:r>
-              <a:rPr lang="en-GB" sz="800" dirty="0" smtClean="0">
-                <a:latin typeface="Courier New" pitchFamily="49" charset="0"/>
-                <a:cs typeface="Courier New" pitchFamily="49" charset="0"/>
-              </a:rPr>
-              <a:t>//Sets up GIE, create handler for interrupt</a:t>
-            </a:r>
-          </a:p>
-          <a:p>
-            <a:pPr marL="0" indent="0">
-              <a:spcBef>
-                <a:spcPts val="0"/>
-              </a:spcBef>
-              <a:buNone/>
-            </a:pPr>
-            <a:r>
-              <a:rPr lang="en-GB" sz="800" dirty="0" smtClean="0">
-                <a:latin typeface="Courier New" pitchFamily="49" charset="0"/>
-                <a:cs typeface="Courier New" pitchFamily="49" charset="0"/>
-              </a:rPr>
-              <a:t>On </a:t>
-            </a:r>
-            <a:r>
-              <a:rPr lang="en-GB" sz="800" dirty="0">
-                <a:latin typeface="Courier New" pitchFamily="49" charset="0"/>
-                <a:cs typeface="Courier New" pitchFamily="49" charset="0"/>
-              </a:rPr>
-              <a:t>Interrupt </a:t>
-            </a:r>
-            <a:r>
-              <a:rPr lang="en-GB" sz="800" b="1" dirty="0" err="1">
-                <a:latin typeface="Courier New" pitchFamily="49" charset="0"/>
-                <a:cs typeface="Courier New" pitchFamily="49" charset="0"/>
-              </a:rPr>
-              <a:t>PORTChange</a:t>
-            </a:r>
-            <a:r>
-              <a:rPr lang="en-GB" sz="800" dirty="0">
-                <a:latin typeface="Courier New" pitchFamily="49" charset="0"/>
-                <a:cs typeface="Courier New" pitchFamily="49" charset="0"/>
-              </a:rPr>
-              <a:t>  Call </a:t>
-            </a:r>
-            <a:r>
-              <a:rPr lang="en-GB" sz="800" b="1" dirty="0" err="1">
-                <a:latin typeface="Courier New" pitchFamily="49" charset="0"/>
-                <a:cs typeface="Courier New" pitchFamily="49" charset="0"/>
-              </a:rPr>
-              <a:t>InterruptHandler</a:t>
-            </a:r>
-            <a:endParaRPr lang="en-GB" sz="800" b="1" dirty="0">
-              <a:latin typeface="Courier New" pitchFamily="49" charset="0"/>
-              <a:cs typeface="Courier New" pitchFamily="49" charset="0"/>
-            </a:endParaRPr>
-          </a:p>
-          <a:p>
-            <a:pPr marL="0" indent="0">
-              <a:spcBef>
-                <a:spcPts val="0"/>
-              </a:spcBef>
-              <a:buNone/>
-            </a:pPr>
-            <a:endParaRPr lang="en-GB" sz="800" dirty="0" smtClean="0">
-              <a:latin typeface="Courier New" pitchFamily="49" charset="0"/>
-              <a:cs typeface="Courier New" pitchFamily="49" charset="0"/>
-            </a:endParaRPr>
-          </a:p>
-          <a:p>
-            <a:pPr marL="0" indent="0">
-              <a:spcBef>
-                <a:spcPts val="0"/>
-              </a:spcBef>
-              <a:buNone/>
-            </a:pPr>
-            <a:r>
-              <a:rPr lang="en-GB" sz="800" dirty="0" smtClean="0">
-                <a:latin typeface="Courier New" pitchFamily="49" charset="0"/>
-                <a:cs typeface="Courier New" pitchFamily="49" charset="0"/>
-              </a:rPr>
-              <a:t>Do</a:t>
-            </a:r>
-            <a:r>
-              <a:rPr lang="en-GB" sz="800" dirty="0">
-                <a:latin typeface="Courier New" pitchFamily="49" charset="0"/>
-                <a:cs typeface="Courier New" pitchFamily="49" charset="0"/>
-              </a:rPr>
-              <a:t/>
-            </a:r>
-            <a:br>
-              <a:rPr lang="en-GB" sz="800" dirty="0">
-                <a:latin typeface="Courier New" pitchFamily="49" charset="0"/>
-                <a:cs typeface="Courier New" pitchFamily="49" charset="0"/>
-              </a:rPr>
-            </a:br>
-            <a:r>
-              <a:rPr lang="en-GB" sz="800" dirty="0" smtClean="0">
-                <a:latin typeface="Courier New" pitchFamily="49" charset="0"/>
-                <a:cs typeface="Courier New" pitchFamily="49" charset="0"/>
-              </a:rPr>
-              <a:t>   lots of code</a:t>
-            </a:r>
-          </a:p>
-          <a:p>
-            <a:pPr marL="0" indent="0">
-              <a:spcBef>
-                <a:spcPts val="0"/>
-              </a:spcBef>
-              <a:buNone/>
-            </a:pPr>
-            <a:r>
-              <a:rPr lang="en-GB" sz="800" dirty="0" smtClean="0">
-                <a:latin typeface="Courier New" pitchFamily="49" charset="0"/>
-                <a:cs typeface="Courier New" pitchFamily="49" charset="0"/>
-              </a:rPr>
-              <a:t>Loop</a:t>
-            </a:r>
-            <a:br>
-              <a:rPr lang="en-GB" sz="800" dirty="0" smtClean="0">
-                <a:latin typeface="Courier New" pitchFamily="49" charset="0"/>
-                <a:cs typeface="Courier New" pitchFamily="49" charset="0"/>
-              </a:rPr>
-            </a:br>
-            <a:endParaRPr lang="en-GB" sz="800" dirty="0">
-              <a:latin typeface="Courier New" pitchFamily="49" charset="0"/>
-              <a:cs typeface="Courier New" pitchFamily="49" charset="0"/>
-            </a:endParaRPr>
-          </a:p>
-          <a:p>
-            <a:pPr marL="0" indent="0">
-              <a:spcBef>
-                <a:spcPts val="0"/>
-              </a:spcBef>
-              <a:buNone/>
-            </a:pPr>
-            <a:r>
-              <a:rPr lang="en-GB" sz="800" dirty="0">
-                <a:latin typeface="Courier New" pitchFamily="49" charset="0"/>
-                <a:cs typeface="Courier New" pitchFamily="49" charset="0"/>
-              </a:rPr>
-              <a:t>Sub </a:t>
-            </a:r>
-            <a:r>
-              <a:rPr lang="en-GB" sz="800" b="1" dirty="0" err="1" smtClean="0">
-                <a:latin typeface="Courier New" pitchFamily="49" charset="0"/>
-                <a:cs typeface="Courier New" pitchFamily="49" charset="0"/>
-              </a:rPr>
-              <a:t>InterruptHandler</a:t>
-            </a:r>
-            <a:endParaRPr lang="en-GB" sz="800" b="1" dirty="0">
-              <a:latin typeface="Courier New" pitchFamily="49" charset="0"/>
-              <a:cs typeface="Courier New" pitchFamily="49" charset="0"/>
-            </a:endParaRPr>
-          </a:p>
-          <a:p>
-            <a:pPr marL="0" indent="0">
-              <a:spcBef>
-                <a:spcPts val="0"/>
-              </a:spcBef>
-              <a:buNone/>
-            </a:pPr>
-            <a:r>
-              <a:rPr lang="en-GB" sz="800" dirty="0">
-                <a:latin typeface="Courier New" pitchFamily="49" charset="0"/>
-                <a:cs typeface="Courier New" pitchFamily="49" charset="0"/>
-              </a:rPr>
-              <a:t>    Dim </a:t>
-            </a:r>
-            <a:r>
-              <a:rPr lang="en-GB" sz="800" dirty="0" err="1">
-                <a:latin typeface="Courier New" pitchFamily="49" charset="0"/>
-                <a:cs typeface="Courier New" pitchFamily="49" charset="0"/>
-              </a:rPr>
-              <a:t>SWState</a:t>
-            </a:r>
-            <a:r>
-              <a:rPr lang="en-GB" sz="800" dirty="0">
-                <a:latin typeface="Courier New" pitchFamily="49" charset="0"/>
-                <a:cs typeface="Courier New" pitchFamily="49" charset="0"/>
-              </a:rPr>
-              <a:t> as BIT</a:t>
-            </a:r>
-          </a:p>
-          <a:p>
-            <a:pPr marL="0" indent="0">
-              <a:spcBef>
-                <a:spcPts val="0"/>
-              </a:spcBef>
-              <a:buNone/>
-            </a:pPr>
-            <a:endParaRPr lang="en-GB" sz="800" dirty="0">
-              <a:latin typeface="Courier New" pitchFamily="49" charset="0"/>
-              <a:cs typeface="Courier New" pitchFamily="49" charset="0"/>
-            </a:endParaRPr>
-          </a:p>
-          <a:p>
-            <a:pPr marL="0" indent="0">
-              <a:spcBef>
-                <a:spcPts val="0"/>
-              </a:spcBef>
-              <a:buNone/>
-            </a:pPr>
-            <a:r>
-              <a:rPr lang="en-GB" sz="800" dirty="0">
-                <a:latin typeface="Courier New" pitchFamily="49" charset="0"/>
-                <a:cs typeface="Courier New" pitchFamily="49" charset="0"/>
-              </a:rPr>
-              <a:t>    'Save the switch state</a:t>
-            </a:r>
-          </a:p>
-          <a:p>
-            <a:pPr marL="0" indent="0">
-              <a:spcBef>
-                <a:spcPts val="0"/>
-              </a:spcBef>
-              <a:buNone/>
-            </a:pPr>
-            <a:r>
-              <a:rPr lang="en-GB" sz="800" dirty="0">
-                <a:latin typeface="Courier New" pitchFamily="49" charset="0"/>
-                <a:cs typeface="Courier New" pitchFamily="49" charset="0"/>
-              </a:rPr>
-              <a:t>    </a:t>
-            </a:r>
-            <a:r>
-              <a:rPr lang="en-GB" sz="800" dirty="0" err="1">
-                <a:latin typeface="Courier New" pitchFamily="49" charset="0"/>
-                <a:cs typeface="Courier New" pitchFamily="49" charset="0"/>
-              </a:rPr>
-              <a:t>SWState</a:t>
-            </a:r>
-            <a:r>
-              <a:rPr lang="en-GB" sz="800" dirty="0">
-                <a:latin typeface="Courier New" pitchFamily="49" charset="0"/>
-                <a:cs typeface="Courier New" pitchFamily="49" charset="0"/>
-              </a:rPr>
-              <a:t> = SWITCHIN</a:t>
-            </a:r>
-          </a:p>
-          <a:p>
-            <a:pPr marL="0" indent="0">
-              <a:spcBef>
-                <a:spcPts val="0"/>
-              </a:spcBef>
-              <a:buNone/>
-            </a:pPr>
-            <a:r>
-              <a:rPr lang="en-GB" sz="800" dirty="0" smtClean="0">
-                <a:latin typeface="Courier New" pitchFamily="49" charset="0"/>
-                <a:cs typeface="Courier New" pitchFamily="49" charset="0"/>
-              </a:rPr>
-              <a:t>    </a:t>
-            </a:r>
-            <a:r>
-              <a:rPr lang="en-GB" sz="800" dirty="0">
-                <a:latin typeface="Courier New" pitchFamily="49" charset="0"/>
-                <a:cs typeface="Courier New" pitchFamily="49" charset="0"/>
-              </a:rPr>
-              <a:t>'Toggle the LED</a:t>
-            </a:r>
-          </a:p>
-          <a:p>
-            <a:pPr marL="0" indent="0">
-              <a:spcBef>
-                <a:spcPts val="0"/>
-              </a:spcBef>
-              <a:buNone/>
-            </a:pPr>
-            <a:r>
-              <a:rPr lang="en-GB" sz="800" dirty="0">
-                <a:latin typeface="Courier New" pitchFamily="49" charset="0"/>
-                <a:cs typeface="Courier New" pitchFamily="49" charset="0"/>
-              </a:rPr>
-              <a:t>    LEDD7 = !LEDD7</a:t>
-            </a:r>
-          </a:p>
-          <a:p>
-            <a:pPr marL="0" indent="0">
-              <a:spcBef>
-                <a:spcPts val="0"/>
-              </a:spcBef>
-              <a:buNone/>
-            </a:pPr>
-            <a:r>
-              <a:rPr lang="en-GB" sz="800" dirty="0" smtClean="0">
-                <a:latin typeface="Courier New" pitchFamily="49" charset="0"/>
-                <a:cs typeface="Courier New" pitchFamily="49" charset="0"/>
-              </a:rPr>
-              <a:t>    'a </a:t>
-            </a:r>
-            <a:r>
-              <a:rPr lang="en-GB" sz="800" dirty="0">
-                <a:latin typeface="Courier New" pitchFamily="49" charset="0"/>
-                <a:cs typeface="Courier New" pitchFamily="49" charset="0"/>
-              </a:rPr>
-              <a:t>little delay to see if the switch has changed state</a:t>
-            </a:r>
-          </a:p>
-          <a:p>
-            <a:pPr marL="0" indent="0">
-              <a:spcBef>
-                <a:spcPts val="0"/>
-              </a:spcBef>
-              <a:buNone/>
-            </a:pPr>
-            <a:r>
-              <a:rPr lang="en-GB" sz="800" dirty="0">
-                <a:latin typeface="Courier New" pitchFamily="49" charset="0"/>
-                <a:cs typeface="Courier New" pitchFamily="49" charset="0"/>
-              </a:rPr>
-              <a:t>    Do while SWITCHIN = </a:t>
-            </a:r>
-            <a:r>
-              <a:rPr lang="en-GB" sz="800" dirty="0" err="1">
-                <a:latin typeface="Courier New" pitchFamily="49" charset="0"/>
-                <a:cs typeface="Courier New" pitchFamily="49" charset="0"/>
-              </a:rPr>
-              <a:t>SWState</a:t>
-            </a:r>
-            <a:endParaRPr lang="en-GB" sz="800" dirty="0">
-              <a:latin typeface="Courier New" pitchFamily="49" charset="0"/>
-              <a:cs typeface="Courier New" pitchFamily="49" charset="0"/>
-            </a:endParaRPr>
-          </a:p>
-          <a:p>
-            <a:pPr marL="0" indent="0">
-              <a:spcBef>
-                <a:spcPts val="0"/>
-              </a:spcBef>
-              <a:buNone/>
-            </a:pPr>
-            <a:r>
-              <a:rPr lang="en-GB" sz="800" dirty="0">
-                <a:latin typeface="Courier New" pitchFamily="49" charset="0"/>
-                <a:cs typeface="Courier New" pitchFamily="49" charset="0"/>
-              </a:rPr>
-              <a:t>        wait 10 us</a:t>
-            </a:r>
-          </a:p>
-          <a:p>
-            <a:pPr marL="0" indent="0">
-              <a:spcBef>
-                <a:spcPts val="0"/>
-              </a:spcBef>
-              <a:buNone/>
-            </a:pPr>
-            <a:r>
-              <a:rPr lang="en-GB" sz="800" dirty="0">
-                <a:latin typeface="Courier New" pitchFamily="49" charset="0"/>
-                <a:cs typeface="Courier New" pitchFamily="49" charset="0"/>
-              </a:rPr>
-              <a:t>    Loop </a:t>
-            </a:r>
-          </a:p>
-          <a:p>
-            <a:pPr marL="0" indent="0">
-              <a:spcBef>
-                <a:spcPts val="0"/>
-              </a:spcBef>
-              <a:buNone/>
-            </a:pPr>
-            <a:r>
-              <a:rPr lang="en-GB" sz="800" dirty="0">
-                <a:latin typeface="Courier New" pitchFamily="49" charset="0"/>
-                <a:cs typeface="Courier New" pitchFamily="49" charset="0"/>
-              </a:rPr>
-              <a:t>    'We must clear this specific bit flag in software, the main IOC is </a:t>
-            </a:r>
-            <a:r>
-              <a:rPr lang="en-GB" sz="800" dirty="0" err="1">
-                <a:latin typeface="Courier New" pitchFamily="49" charset="0"/>
-                <a:cs typeface="Courier New" pitchFamily="49" charset="0"/>
-              </a:rPr>
-              <a:t>cleare</a:t>
-            </a:r>
-            <a:r>
-              <a:rPr lang="en-GB" sz="800" dirty="0">
-                <a:latin typeface="Courier New" pitchFamily="49" charset="0"/>
-                <a:cs typeface="Courier New" pitchFamily="49" charset="0"/>
-              </a:rPr>
-              <a:t> by the GCBASIC interrupt handler</a:t>
-            </a:r>
-          </a:p>
-          <a:p>
-            <a:pPr marL="0" indent="0">
-              <a:spcBef>
-                <a:spcPts val="0"/>
-              </a:spcBef>
-              <a:buNone/>
-            </a:pPr>
-            <a:r>
-              <a:rPr lang="en-GB" sz="800" dirty="0">
-                <a:latin typeface="Courier New" pitchFamily="49" charset="0"/>
-                <a:cs typeface="Courier New" pitchFamily="49" charset="0"/>
-              </a:rPr>
-              <a:t>    </a:t>
-            </a:r>
-            <a:r>
-              <a:rPr lang="en-GB" sz="800" b="1" dirty="0">
-                <a:latin typeface="Courier New" pitchFamily="49" charset="0"/>
-                <a:cs typeface="Courier New" pitchFamily="49" charset="0"/>
-              </a:rPr>
-              <a:t>IOCAF3</a:t>
-            </a:r>
-            <a:r>
-              <a:rPr lang="en-GB" sz="800" dirty="0">
-                <a:latin typeface="Courier New" pitchFamily="49" charset="0"/>
-                <a:cs typeface="Courier New" pitchFamily="49" charset="0"/>
-              </a:rPr>
-              <a:t>  = </a:t>
-            </a:r>
-            <a:r>
-              <a:rPr lang="en-GB" sz="800" dirty="0" smtClean="0">
-                <a:latin typeface="Courier New" pitchFamily="49" charset="0"/>
-                <a:cs typeface="Courier New" pitchFamily="49" charset="0"/>
-              </a:rPr>
-              <a:t>0</a:t>
-            </a:r>
-            <a:endParaRPr lang="en-GB" sz="800" dirty="0">
-              <a:latin typeface="Courier New" pitchFamily="49" charset="0"/>
-              <a:cs typeface="Courier New" pitchFamily="49" charset="0"/>
-            </a:endParaRPr>
-          </a:p>
-          <a:p>
-            <a:pPr marL="0" indent="0">
-              <a:spcBef>
-                <a:spcPts val="0"/>
-              </a:spcBef>
-              <a:buNone/>
-            </a:pPr>
-            <a:r>
-              <a:rPr lang="en-GB" sz="800" dirty="0">
-                <a:latin typeface="Courier New" pitchFamily="49" charset="0"/>
-                <a:cs typeface="Courier New" pitchFamily="49" charset="0"/>
-              </a:rPr>
-              <a:t>End Sub</a:t>
-            </a:r>
-          </a:p>
-          <a:p>
-            <a:pPr marL="0" indent="0">
-              <a:spcBef>
-                <a:spcPts val="0"/>
-              </a:spcBef>
-              <a:buNone/>
-            </a:pPr>
-            <a:r>
-              <a:rPr lang="en-GB" sz="800" dirty="0"/>
-              <a:t/>
-            </a:r>
-            <a:br>
-              <a:rPr lang="en-GB" sz="800" dirty="0"/>
-            </a:br>
-            <a:endParaRPr lang="en-GB" sz="800" dirty="0"/>
-          </a:p>
-          <a:p>
-            <a:pPr marL="0" indent="0">
-              <a:spcBef>
-                <a:spcPts val="0"/>
-              </a:spcBef>
-              <a:buNone/>
-            </a:pPr>
-            <a:endParaRPr lang="en-GB" sz="800" dirty="0"/>
           </a:p>
         </p:txBody>
       </p:sp>
     </p:spTree>
     <p:extLst>
       <p:ext uri="{BB962C8B-B14F-4D97-AF65-F5344CB8AC3E}">
-        <p14:creationId xmlns:p14="http://schemas.microsoft.com/office/powerpoint/2010/main" val="3171796957"/>
+        <p14:creationId xmlns:p14="http://schemas.microsoft.com/office/powerpoint/2010/main" val="1291147938"/>
       </p:ext>
     </p:extLst>
   </p:cSld>
   <p:clrMapOvr>
     <a:masterClrMapping/>
   </p:clrMapOvr>
-  <mc:AlternateContent xmlns:mc="http://schemas.openxmlformats.org/markup-compatibility/2006">
-    <mc:Choice xmlns:p14="http://schemas.microsoft.com/office/powerpoint/2010/main" Requires="p14">
+  <mc:AlternateContent xmlns:mc="http://schemas.openxmlformats.org/markup-compatibility/2006" xmlns:p14="http://schemas.microsoft.com/office/powerpoint/2010/main">
+    <mc:Choice Requires="p14">
       <p:transition spd="slow" p14:dur="2000" advClick="0"/>
     </mc:Choice>
-    <mc:Fallback>
+    <mc:Fallback xmlns="">
       <p:transition spd="slow" advClick="0"/>
     </mc:Fallback>
   </mc:AlternateContent>
@@ -11079,7 +11300,12 @@
             <p:ph type="title"/>
           </p:nvPr>
         </p:nvSpPr>
-        <p:spPr/>
+        <p:spPr>
+          <a:xfrm>
+            <a:off x="179512" y="411510"/>
+            <a:ext cx="5400600" cy="558552"/>
+          </a:xfrm>
+        </p:spPr>
         <p:txBody>
           <a:bodyPr vert="horz" lIns="85064" tIns="42531" rIns="85064" bIns="42531" rtlCol="0" anchor="ctr">
             <a:normAutofit/>
@@ -11088,15 +11314,15 @@
           <a:p>
             <a:pPr algn="l"/>
             <a:r>
-              <a:rPr lang="en-GB" dirty="0" smtClean="0"/>
-              <a:t>Lab</a:t>
-            </a:r>
-          </a:p>
-        </p:txBody>
-      </p:sp>
-      <p:sp>
-        <p:nvSpPr>
-          <p:cNvPr id="3" name="Content Placeholder 2"/>
+              <a:rPr lang="en-GB" dirty="0"/>
+              <a:t>Interrupt on Change (IOC)</a:t>
+            </a:r>
+          </a:p>
+        </p:txBody>
+      </p:sp>
+      <p:sp>
+        <p:nvSpPr>
+          <p:cNvPr id="6" name="Content Placeholder 5"/>
           <p:cNvSpPr>
             <a:spLocks noGrp="1"/>
           </p:cNvSpPr>
@@ -11106,39 +11332,135 @@
         </p:nvSpPr>
         <p:spPr/>
         <p:txBody>
-          <a:bodyPr>
-            <a:normAutofit/>
+          <a:bodyPr vert="horz" lIns="85064" tIns="42531" rIns="85064" bIns="42531" rtlCol="0">
+            <a:noAutofit/>
           </a:bodyPr>
           <a:lstStyle/>
           <a:p>
-            <a:r>
-              <a:rPr lang="en-GB" sz="2000" dirty="0" smtClean="0"/>
-              <a:t>Walk the examples </a:t>
-            </a:r>
-          </a:p>
-          <a:p>
-            <a:r>
-              <a:rPr lang="en-GB" sz="2000" dirty="0" smtClean="0"/>
-              <a:t>View the scope</a:t>
-            </a:r>
+            <a:pPr marL="266700" indent="-174625" defTabSz="898525"/>
+            <a:r>
+              <a:rPr lang="en-GB" sz="1400" b="1" dirty="0" smtClean="0"/>
+              <a:t>Detects </a:t>
+            </a:r>
+            <a:r>
+              <a:rPr lang="en-GB" sz="1400" b="1" dirty="0"/>
+              <a:t>changes in the state of selected </a:t>
+            </a:r>
+            <a:r>
+              <a:rPr lang="en-GB" sz="1400" b="1" dirty="0" smtClean="0"/>
+              <a:t>pins</a:t>
+            </a:r>
+          </a:p>
+          <a:p>
+            <a:pPr marL="266700" indent="-174625" defTabSz="898525"/>
+            <a:endParaRPr lang="en-GB" sz="1400" b="1" dirty="0" smtClean="0"/>
+          </a:p>
+          <a:p>
+            <a:pPr marL="266700" indent="-174625" defTabSz="898525"/>
+            <a:r>
+              <a:rPr lang="en-GB" sz="1400" b="1" dirty="0" smtClean="0"/>
+              <a:t>Key Points</a:t>
+            </a:r>
+            <a:endParaRPr lang="en-GB" sz="1400" b="1" dirty="0"/>
+          </a:p>
+          <a:p>
+            <a:pPr marL="638854" lvl="1" indent="-174625" defTabSz="898525"/>
+            <a:r>
+              <a:rPr lang="en-GB" sz="1200" b="1" dirty="0"/>
+              <a:t>Configuration: Set </a:t>
+            </a:r>
+            <a:r>
+              <a:rPr lang="en-GB" sz="1200" b="1" dirty="0" smtClean="0"/>
+              <a:t>IO </a:t>
+            </a:r>
+            <a:r>
+              <a:rPr lang="en-GB" sz="1200" b="1" dirty="0" err="1" smtClean="0"/>
+              <a:t>port.pin</a:t>
+            </a:r>
+            <a:r>
+              <a:rPr lang="en-GB" sz="1200" b="1" dirty="0" smtClean="0"/>
+              <a:t> </a:t>
+            </a:r>
+            <a:r>
+              <a:rPr lang="en-GB" sz="1200" b="1" dirty="0"/>
+              <a:t>as inputs and configure the </a:t>
+            </a:r>
+            <a:r>
+              <a:rPr lang="en-GB" sz="1200" b="1" dirty="0" smtClean="0"/>
+              <a:t>correct register </a:t>
+            </a:r>
+            <a:r>
+              <a:rPr lang="en-GB" sz="1200" b="1" dirty="0"/>
+              <a:t>for edge detection (rising or falling edge).</a:t>
+            </a:r>
+          </a:p>
+          <a:p>
+            <a:pPr marL="266700" indent="-174625" defTabSz="898525"/>
+            <a:r>
+              <a:rPr lang="en-GB" sz="1400" b="1" dirty="0"/>
+              <a:t>Interrupt Service Routine (</a:t>
+            </a:r>
+            <a:r>
+              <a:rPr lang="en-GB" sz="1400" b="1" dirty="0" smtClean="0"/>
+              <a:t>ISR)</a:t>
+            </a:r>
+          </a:p>
+          <a:p>
+            <a:pPr marL="638854" lvl="1" indent="-174625" defTabSz="898525"/>
+            <a:r>
+              <a:rPr lang="en-GB" sz="1200" b="1" dirty="0" smtClean="0"/>
+              <a:t>Handles </a:t>
+            </a:r>
+            <a:r>
+              <a:rPr lang="en-GB" sz="1200" b="1" dirty="0"/>
+              <a:t>the interrupt </a:t>
+            </a:r>
+            <a:r>
+              <a:rPr lang="en-GB" sz="1200" b="1" dirty="0" smtClean="0"/>
+              <a:t>event</a:t>
+            </a:r>
+            <a:endParaRPr lang="en-GB" sz="1200" b="1" dirty="0"/>
+          </a:p>
+          <a:p>
+            <a:pPr marL="266700" indent="-174625" defTabSz="898525"/>
+            <a:r>
+              <a:rPr lang="en-GB" sz="1400" b="1" dirty="0"/>
+              <a:t>Global Interrupt Enable (GIE): </a:t>
+            </a:r>
+            <a:endParaRPr lang="en-GB" sz="1400" b="1" dirty="0" smtClean="0"/>
+          </a:p>
+          <a:p>
+            <a:pPr marL="638854" lvl="1" indent="-174625" defTabSz="898525"/>
+            <a:r>
+              <a:rPr lang="en-GB" sz="1200" b="1" dirty="0" smtClean="0"/>
+              <a:t>Enables </a:t>
+            </a:r>
+            <a:r>
+              <a:rPr lang="en-GB" sz="1200" b="1" dirty="0"/>
+              <a:t>the microcontroller to respond to interrupts</a:t>
+            </a:r>
+          </a:p>
+          <a:p>
+            <a:pPr marL="266700" indent="-174625" defTabSz="898525"/>
+            <a:endParaRPr lang="en-GB" sz="1400" b="1" dirty="0"/>
           </a:p>
         </p:txBody>
       </p:sp>
     </p:spTree>
     <p:extLst>
       <p:ext uri="{BB962C8B-B14F-4D97-AF65-F5344CB8AC3E}">
-        <p14:creationId xmlns:p14="http://schemas.microsoft.com/office/powerpoint/2010/main" val="2319042739"/>
+        <p14:creationId xmlns:p14="http://schemas.microsoft.com/office/powerpoint/2010/main" val="2782854785"/>
       </p:ext>
     </p:extLst>
   </p:cSld>
   <p:clrMapOvr>
     <a:masterClrMapping/>
   </p:clrMapOvr>
-  <mc:AlternateContent xmlns:mc="http://schemas.openxmlformats.org/markup-compatibility/2006">
-    <mc:Choice xmlns:p14="http://schemas.microsoft.com/office/powerpoint/2010/main" Requires="p14">
+  <mc:AlternateContent xmlns:mc="http://schemas.openxmlformats.org/markup-compatibility/2006" xmlns:p14="http://schemas.microsoft.com/office/powerpoint/2010/main">
+    <mc:Choice Requires="p14">
       <p:transition spd="slow" p14:dur="2000" advClick="0"/>
     </mc:Choice>
-    <mc:Fallback>
+    <mc:Fallback xmlns="">
       <p:transition spd="slow" advClick="0"/>
     </mc:Fallback>
   </mc:AlternateContent>
@@ -11169,6 +11491,70 @@
           <a:chExt cx="0" cy="0"/>
         </a:xfrm>
       </p:grpSpPr>
+      <p:pic>
+        <p:nvPicPr>
+          <p:cNvPr id="1026" name="Picture 2"/>
+          <p:cNvPicPr>
+            <a:picLocks noChangeAspect="1" noChangeArrowheads="1"/>
+          </p:cNvPicPr>
+          <p:nvPr/>
+        </p:nvPicPr>
+        <p:blipFill>
+          <a:blip r:embed="rId2">
+            <a:extLst>
+              <a:ext uri="{28A0092B-C50C-407E-A947-70E740481C1C}">
+                <a14:useLocalDpi xmlns:a14="http://schemas.microsoft.com/office/drawing/2010/main" val="0"/>
+              </a:ext>
+            </a:extLst>
+          </a:blip>
+          <a:srcRect/>
+          <a:stretch>
+            <a:fillRect/>
+          </a:stretch>
+        </p:blipFill>
+        <p:spPr bwMode="auto">
+          <a:xfrm>
+            <a:off x="179512" y="933164"/>
+            <a:ext cx="9018962" cy="4014850"/>
+          </a:xfrm>
+          <a:prstGeom prst="rect">
+            <a:avLst/>
+          </a:prstGeom>
+          <a:noFill/>
+          <a:ln>
+            <a:noFill/>
+          </a:ln>
+          <a:effectLst/>
+          <a:extLst>
+            <a:ext uri="{909E8E84-426E-40DD-AFC4-6F175D3DCCD1}">
+              <a14:hiddenFill xmlns:a14="http://schemas.microsoft.com/office/drawing/2010/main">
+                <a:solidFill>
+                  <a:schemeClr val="accent1"/>
+                </a:solidFill>
+              </a14:hiddenFill>
+            </a:ext>
+            <a:ext uri="{91240B29-F687-4F45-9708-019B960494DF}">
+              <a14:hiddenLine xmlns:a14="http://schemas.microsoft.com/office/drawing/2010/main" w="9525">
+                <a:solidFill>
+                  <a:schemeClr val="tx1"/>
+                </a:solidFill>
+                <a:miter lim="800000"/>
+                <a:headEnd/>
+                <a:tailEnd/>
+              </a14:hiddenLine>
+            </a:ext>
+            <a:ext uri="{AF507438-7753-43E0-B8FC-AC1667EBCBE1}">
+              <a14:hiddenEffects xmlns:a14="http://schemas.microsoft.com/office/drawing/2010/main">
+                <a:effectLst>
+                  <a:outerShdw dist="35921" dir="2700000" algn="ctr" rotWithShape="0">
+                    <a:schemeClr val="bg2"/>
+                  </a:outerShdw>
+                </a:effectLst>
+              </a14:hiddenEffects>
+            </a:ext>
+          </a:extLst>
+        </p:spPr>
+      </p:pic>
       <p:sp>
         <p:nvSpPr>
           <p:cNvPr id="2" name="Title 1"/>
@@ -11184,40 +11570,123 @@
           <a:bodyPr/>
           <a:lstStyle/>
           <a:p>
+            <a:pPr algn="l"/>
+            <a:r>
+              <a:rPr lang="en-GB" dirty="0" smtClean="0"/>
+              <a:t>Interrupt - IOC</a:t>
+            </a:r>
             <a:endParaRPr lang="en-GB" dirty="0"/>
           </a:p>
         </p:txBody>
       </p:sp>
       <p:sp>
         <p:nvSpPr>
-          <p:cNvPr id="3" name="Content Placeholder 2"/>
-          <p:cNvSpPr>
-            <a:spLocks noGrp="1"/>
-          </p:cNvSpPr>
-          <p:nvPr>
-            <p:ph idx="1"/>
-          </p:nvPr>
-        </p:nvSpPr>
-        <p:spPr/>
-        <p:txBody>
-          <a:bodyPr/>
+          <p:cNvPr id="4" name="Rectangle 3"/>
+          <p:cNvSpPr/>
+          <p:nvPr/>
+        </p:nvSpPr>
+        <p:spPr>
+          <a:xfrm>
+            <a:off x="7236296" y="1131590"/>
+            <a:ext cx="360040" cy="3733281"/>
+          </a:xfrm>
+          <a:prstGeom prst="rect">
+            <a:avLst/>
+          </a:prstGeom>
+          <a:noFill/>
+          <a:ln w="38100">
+            <a:solidFill>
+              <a:srgbClr val="FF0000"/>
+            </a:solidFill>
+          </a:ln>
+        </p:spPr>
+        <p:style>
+          <a:lnRef idx="2">
+            <a:schemeClr val="accent1">
+              <a:shade val="50000"/>
+            </a:schemeClr>
+          </a:lnRef>
+          <a:fillRef idx="1">
+            <a:schemeClr val="accent1"/>
+          </a:fillRef>
+          <a:effectRef idx="0">
+            <a:schemeClr val="accent1"/>
+          </a:effectRef>
+          <a:fontRef idx="minor">
+            <a:schemeClr val="lt1"/>
+          </a:fontRef>
+        </p:style>
+        <p:txBody>
+          <a:bodyPr rtlCol="0" anchor="ctr"/>
           <a:lstStyle/>
           <a:p>
-            <a:endParaRPr lang="en-GB" dirty="0"/>
+            <a:pPr algn="ctr"/>
+            <a:endParaRPr lang="en-GB"/>
+          </a:p>
+        </p:txBody>
+      </p:sp>
+      <p:sp>
+        <p:nvSpPr>
+          <p:cNvPr id="8" name="Rectangle 7"/>
+          <p:cNvSpPr/>
+          <p:nvPr/>
+        </p:nvSpPr>
+        <p:spPr>
+          <a:xfrm>
+            <a:off x="179512" y="4515966"/>
+            <a:ext cx="8568952" cy="351449"/>
+          </a:xfrm>
+          <a:prstGeom prst="rect">
+            <a:avLst/>
+          </a:prstGeom>
+          <a:noFill/>
+          <a:ln w="38100">
+            <a:solidFill>
+              <a:srgbClr val="FF0000"/>
+            </a:solidFill>
+          </a:ln>
+        </p:spPr>
+        <p:style>
+          <a:lnRef idx="2">
+            <a:schemeClr val="accent1">
+              <a:shade val="50000"/>
+            </a:schemeClr>
+          </a:lnRef>
+          <a:fillRef idx="1">
+            <a:schemeClr val="accent1"/>
+          </a:fillRef>
+          <a:effectRef idx="0">
+            <a:schemeClr val="accent1"/>
+          </a:effectRef>
+          <a:fontRef idx="minor">
+            <a:schemeClr val="lt1"/>
+          </a:fontRef>
+        </p:style>
+        <p:txBody>
+          <a:bodyPr rtlCol="0" anchor="ctr"/>
+          <a:lstStyle/>
+          <a:p>
+            <a:pPr algn="ctr"/>
+            <a:endParaRPr lang="en-GB"/>
           </a:p>
         </p:txBody>
       </p:sp>
     </p:spTree>
+    <p:extLst>
+      <p:ext uri="{BB962C8B-B14F-4D97-AF65-F5344CB8AC3E}">
+        <p14:creationId xmlns:p14="http://schemas.microsoft.com/office/powerpoint/2010/main" val="3746709007"/>
+      </p:ext>
+    </p:extLst>
   </p:cSld>
   <p:clrMapOvr>
     <a:masterClrMapping/>
   </p:clrMapOvr>
   <mc:AlternateContent xmlns:mc="http://schemas.openxmlformats.org/markup-compatibility/2006" xmlns:p14="http://schemas.microsoft.com/office/powerpoint/2010/main">
     <mc:Choice Requires="p14">
-      <p:transition spd="slow" p14:dur="2000"/>
+      <p:transition spd="slow" p14:dur="2000" advClick="0"/>
     </mc:Choice>
     <mc:Fallback xmlns="">
-      <p:transition spd="slow"/>
+      <p:transition spd="slow" advClick="0"/>
     </mc:Fallback>
   </mc:AlternateContent>
   <p:timing>
@@ -11259,14 +11728,13 @@
         </p:nvSpPr>
         <p:spPr/>
         <p:txBody>
-          <a:bodyPr>
-            <a:normAutofit/>
-          </a:bodyPr>
+          <a:bodyPr/>
           <a:lstStyle/>
           <a:p>
+            <a:pPr algn="l"/>
             <a:r>
               <a:rPr lang="en-GB" dirty="0" smtClean="0"/>
-              <a:t>Videos...</a:t>
+              <a:t>Interrupt Code</a:t>
             </a:r>
             <a:endParaRPr lang="en-GB" dirty="0"/>
           </a:p>
@@ -11274,403 +11742,397 @@
       </p:sp>
       <p:sp>
         <p:nvSpPr>
-          <p:cNvPr id="3" name="Content Placeholder 2"/>
-          <p:cNvSpPr>
-            <a:spLocks noGrp="1"/>
-          </p:cNvSpPr>
-          <p:nvPr>
-            <p:ph idx="1"/>
-          </p:nvPr>
+          <p:cNvPr id="5" name="Rectangle 4"/>
+          <p:cNvSpPr/>
+          <p:nvPr/>
         </p:nvSpPr>
         <p:spPr>
           <a:xfrm>
-            <a:off x="467544" y="987574"/>
-            <a:ext cx="6447501" cy="4111476"/>
+            <a:off x="599330" y="915566"/>
+            <a:ext cx="8345364" cy="4401205"/>
           </a:xfrm>
+          <a:prstGeom prst="rect">
+            <a:avLst/>
+          </a:prstGeom>
           <a:solidFill>
             <a:schemeClr val="bg1"/>
           </a:solidFill>
         </p:spPr>
         <p:txBody>
-          <a:bodyPr>
-            <a:noAutofit/>
+          <a:bodyPr wrap="square">
+            <a:spAutoFit/>
           </a:bodyPr>
           <a:lstStyle/>
           <a:p>
-            <a:pPr marL="180000" indent="-478483">
-              <a:spcBef>
-                <a:spcPts val="300"/>
-              </a:spcBef>
-              <a:buFont typeface="+mj-lt"/>
-              <a:buAutoNum type="arabicPeriod"/>
-            </a:pPr>
-            <a:r>
-              <a:rPr lang="en-GB" sz="1100" dirty="0"/>
-              <a:t>Install the hardware and make the board work – three LED programs</a:t>
-            </a:r>
-          </a:p>
-          <a:p>
-            <a:pPr marL="180000" indent="-478483">
-              <a:spcBef>
-                <a:spcPts val="300"/>
-              </a:spcBef>
-              <a:buFont typeface="+mj-lt"/>
-              <a:buAutoNum type="arabicPeriod"/>
-            </a:pPr>
-            <a:r>
-              <a:rPr lang="en-GB" sz="1100" dirty="0"/>
-              <a:t>Make  four LEDs flash in a sequence</a:t>
-            </a:r>
-          </a:p>
-          <a:p>
-            <a:pPr marL="180000" indent="-478483">
-              <a:spcBef>
-                <a:spcPts val="300"/>
-              </a:spcBef>
-              <a:buFont typeface="+mj-lt"/>
-              <a:buAutoNum type="arabicPeriod"/>
-            </a:pPr>
-            <a:r>
-              <a:rPr lang="en-GB" sz="1100" dirty="0"/>
-              <a:t>Set the LEDs to represent the value of ADC</a:t>
-            </a:r>
-          </a:p>
-          <a:p>
-            <a:pPr marL="180000" indent="-478483">
-              <a:spcBef>
-                <a:spcPts val="300"/>
-              </a:spcBef>
-              <a:buFont typeface="+mj-lt"/>
-              <a:buAutoNum type="arabicPeriod"/>
-            </a:pPr>
-            <a:r>
-              <a:rPr lang="en-GB" sz="1100" dirty="0"/>
-              <a:t>Sequence the LEDs with a delay using the value of ADC</a:t>
-            </a:r>
-          </a:p>
-          <a:p>
-            <a:pPr marL="180000" indent="-478483">
-              <a:spcBef>
-                <a:spcPts val="300"/>
-              </a:spcBef>
-              <a:buFont typeface="+mj-lt"/>
-              <a:buAutoNum type="arabicPeriod"/>
-            </a:pPr>
-            <a:r>
-              <a:rPr lang="en-GB" sz="1100" dirty="0"/>
-              <a:t>Using an input to set the state of the LEDs</a:t>
-            </a:r>
-          </a:p>
-          <a:p>
-            <a:pPr marL="180000" indent="-478483">
-              <a:spcBef>
-                <a:spcPts val="300"/>
-              </a:spcBef>
-              <a:buFont typeface="+mj-lt"/>
-              <a:buAutoNum type="arabicPeriod"/>
-            </a:pPr>
-            <a:r>
-              <a:rPr lang="en-GB" sz="1100" dirty="0"/>
-              <a:t>Using the reset switch</a:t>
-            </a:r>
-          </a:p>
-          <a:p>
-            <a:pPr marL="180000" indent="-478483">
-              <a:spcBef>
-                <a:spcPts val="300"/>
-              </a:spcBef>
-              <a:buFont typeface="+mj-lt"/>
-              <a:buAutoNum type="arabicPeriod"/>
-            </a:pPr>
-            <a:r>
-              <a:rPr lang="en-GB" sz="1100" dirty="0"/>
-              <a:t>Using the switch, ADC – make the LEDs flash in a sequence with reverse</a:t>
-            </a:r>
-          </a:p>
-          <a:p>
-            <a:pPr marL="180000" indent="-478483">
-              <a:spcBef>
-                <a:spcPts val="300"/>
-              </a:spcBef>
-              <a:buFont typeface="+mj-lt"/>
-              <a:buAutoNum type="arabicPeriod"/>
-            </a:pPr>
-            <a:r>
-              <a:rPr lang="en-GB" sz="1100" dirty="0"/>
-              <a:t>Using the serial to display values</a:t>
-            </a:r>
-          </a:p>
-          <a:p>
-            <a:pPr marL="180000" indent="-478483">
-              <a:spcBef>
-                <a:spcPts val="300"/>
-              </a:spcBef>
-              <a:buFont typeface="+mj-lt"/>
-              <a:buAutoNum type="arabicPeriod"/>
-            </a:pPr>
-            <a:r>
-              <a:rPr lang="en-GB" sz="1100" dirty="0"/>
-              <a:t>Using the </a:t>
-            </a:r>
-            <a:r>
-              <a:rPr lang="en-GB" sz="1100" dirty="0" smtClean="0"/>
-              <a:t>timer0 </a:t>
-            </a:r>
-            <a:r>
-              <a:rPr lang="en-GB" sz="1100" dirty="0"/>
-              <a:t>overflow, 8bit timer, 16bit timer to flash the LEDs</a:t>
-            </a:r>
-          </a:p>
-          <a:p>
-            <a:pPr marL="180000" indent="-478483">
-              <a:spcBef>
-                <a:spcPts val="300"/>
-              </a:spcBef>
-              <a:buFont typeface="+mj-lt"/>
-              <a:buAutoNum type="arabicPeriod"/>
-            </a:pPr>
-            <a:r>
-              <a:rPr lang="en-GB" sz="1100" dirty="0"/>
-              <a:t>Using EEProm – showing values on the serial terminal, and more constants insights</a:t>
-            </a:r>
-          </a:p>
-          <a:p>
-            <a:pPr marL="180000" indent="-478483">
-              <a:spcBef>
-                <a:spcPts val="300"/>
-              </a:spcBef>
-              <a:buFont typeface="+mj-lt"/>
-              <a:buAutoNum type="arabicPeriod"/>
-            </a:pPr>
-            <a:r>
-              <a:rPr lang="en-GB" sz="1100" dirty="0"/>
-              <a:t>Using I2C with serial to discover I2C devices</a:t>
-            </a:r>
-          </a:p>
-          <a:p>
-            <a:pPr marL="180000" indent="-478483">
-              <a:spcBef>
-                <a:spcPts val="300"/>
-              </a:spcBef>
-              <a:buFont typeface="+mj-lt"/>
-              <a:buAutoNum type="arabicPeriod"/>
-            </a:pPr>
-            <a:r>
-              <a:rPr lang="en-GB" sz="1100" dirty="0"/>
-              <a:t>Using </a:t>
-            </a:r>
-            <a:r>
-              <a:rPr lang="en-GB" sz="1100" dirty="0" smtClean="0"/>
-              <a:t>I2C </a:t>
-            </a:r>
-            <a:r>
-              <a:rPr lang="en-GB" sz="1100" dirty="0"/>
-              <a:t>GCLD </a:t>
-            </a:r>
-            <a:r>
-              <a:rPr lang="en-GB" sz="1100" dirty="0" smtClean="0"/>
-              <a:t>display solutions</a:t>
-            </a:r>
-            <a:endParaRPr lang="en-GB" sz="1100" dirty="0"/>
-          </a:p>
-          <a:p>
-            <a:pPr marL="180000" indent="-478483">
-              <a:spcBef>
-                <a:spcPts val="300"/>
-              </a:spcBef>
-              <a:buFont typeface="+mj-lt"/>
-              <a:buAutoNum type="arabicPeriod"/>
-            </a:pPr>
-            <a:r>
-              <a:rPr lang="en-GB" sz="1100" dirty="0"/>
-              <a:t>Using a </a:t>
-            </a:r>
-            <a:r>
-              <a:rPr lang="en-GB" sz="1100" dirty="0" smtClean="0"/>
-              <a:t>SPI GLCD  display solutions</a:t>
-            </a:r>
-            <a:endParaRPr lang="en-GB" sz="1100" dirty="0"/>
-          </a:p>
-          <a:p>
-            <a:pPr marL="180000" indent="-478483">
-              <a:spcBef>
-                <a:spcPts val="300"/>
-              </a:spcBef>
-              <a:buFont typeface="+mj-lt"/>
-              <a:buAutoNum type="arabicPeriod"/>
-            </a:pPr>
-            <a:r>
-              <a:rPr lang="en-GB" sz="1100" dirty="0"/>
-              <a:t>Using PWM, </a:t>
-            </a:r>
-            <a:r>
-              <a:rPr lang="en-GB" sz="1100" dirty="0" smtClean="0"/>
-              <a:t>6  </a:t>
-            </a:r>
-            <a:r>
-              <a:rPr lang="en-GB" sz="1100" dirty="0"/>
-              <a:t>ways,  to dim the LEDS</a:t>
-            </a:r>
-          </a:p>
-          <a:p>
-            <a:pPr marL="180000" indent="-478483">
-              <a:spcBef>
-                <a:spcPts val="300"/>
-              </a:spcBef>
-              <a:buFont typeface="+mj-lt"/>
-              <a:buAutoNum type="arabicPeriod"/>
-            </a:pPr>
-            <a:r>
-              <a:rPr lang="en-GB" sz="1100" dirty="0"/>
-              <a:t>Using an external interrupt to control an LED</a:t>
-            </a:r>
-          </a:p>
-          <a:p>
-            <a:pPr marL="180000" indent="-478483">
-              <a:spcBef>
-                <a:spcPts val="300"/>
-              </a:spcBef>
-              <a:buFont typeface="+mj-lt"/>
-              <a:buAutoNum type="arabicPeriod"/>
-            </a:pPr>
-            <a:r>
-              <a:rPr lang="en-GB" sz="1100" b="1" dirty="0"/>
-              <a:t>Using storage within the chip – Progmem, SAF memory, EEPROM and DATA blocks</a:t>
-            </a:r>
-          </a:p>
-          <a:p>
-            <a:pPr marL="180000" indent="-478483">
-              <a:spcBef>
-                <a:spcPts val="300"/>
-              </a:spcBef>
-              <a:buFont typeface="+mj-lt"/>
-              <a:buAutoNum type="arabicPeriod"/>
-            </a:pPr>
-            <a:r>
-              <a:rPr lang="en-GB" sz="1100" dirty="0"/>
-              <a:t>Using CLC</a:t>
-            </a:r>
-          </a:p>
-          <a:p>
-            <a:pPr marL="180000" indent="-478483">
-              <a:spcBef>
-                <a:spcPts val="300"/>
-              </a:spcBef>
-              <a:buFont typeface="+mj-lt"/>
-              <a:buAutoNum type="arabicPeriod"/>
-            </a:pPr>
-            <a:r>
-              <a:rPr lang="en-GB" sz="1100" dirty="0"/>
-              <a:t>The GCBASIC tool chain</a:t>
-            </a:r>
-          </a:p>
-          <a:p>
-            <a:pPr marL="180000" indent="-478483">
-              <a:spcBef>
-                <a:spcPts val="300"/>
-              </a:spcBef>
-              <a:buFont typeface="+mj-lt"/>
-              <a:buAutoNum type="arabicPeriod"/>
-            </a:pPr>
-            <a:r>
-              <a:rPr lang="en-GB" sz="1100" dirty="0"/>
-              <a:t>Assembly , alternatives assemblers and MPLAB-X</a:t>
-            </a:r>
-          </a:p>
-          <a:p>
-            <a:pPr marL="180000" indent="-478483">
-              <a:spcBef>
-                <a:spcPts val="300"/>
-              </a:spcBef>
-              <a:buFont typeface="+mj-lt"/>
-              <a:buAutoNum type="arabicPeriod"/>
-            </a:pPr>
-            <a:r>
-              <a:rPr lang="en-GB" sz="1100" dirty="0"/>
-              <a:t>Summary</a:t>
-            </a:r>
-          </a:p>
-          <a:p>
-            <a:pPr marL="180000" indent="-478483">
-              <a:spcBef>
-                <a:spcPts val="300"/>
-              </a:spcBef>
-              <a:buFont typeface="+mj-lt"/>
-              <a:buAutoNum type="arabicPeriod"/>
-            </a:pPr>
-            <a:endParaRPr lang="en-GB" sz="400" dirty="0" smtClean="0">
-              <a:solidFill>
-                <a:schemeClr val="bg1">
-                  <a:lumMod val="75000"/>
-                </a:schemeClr>
-              </a:solidFill>
+            <a:r>
+              <a:rPr lang="en-GB" sz="1000" dirty="0">
+                <a:latin typeface="Courier New" panose="02070309020205020404" pitchFamily="49" charset="0"/>
+                <a:cs typeface="Courier New" panose="02070309020205020404" pitchFamily="49" charset="0"/>
+              </a:rPr>
+              <a:t>/* Interrupt-on-change enabled on the </a:t>
+            </a:r>
+            <a:r>
+              <a:rPr lang="en-GB" sz="1000" dirty="0" err="1">
+                <a:latin typeface="Courier New" panose="02070309020205020404" pitchFamily="49" charset="0"/>
+                <a:cs typeface="Courier New" panose="02070309020205020404" pitchFamily="49" charset="0"/>
+              </a:rPr>
+              <a:t>IOCx</a:t>
+            </a:r>
+            <a:r>
+              <a:rPr lang="en-GB" sz="1000" dirty="0">
+                <a:latin typeface="Courier New" panose="02070309020205020404" pitchFamily="49" charset="0"/>
+                <a:cs typeface="Courier New" panose="02070309020205020404" pitchFamily="49" charset="0"/>
+              </a:rPr>
+              <a:t> pin for a negative-going edge. </a:t>
+            </a:r>
+            <a:endParaRPr lang="en-GB" sz="1000" dirty="0" smtClean="0">
+              <a:latin typeface="Courier New" panose="02070309020205020404" pitchFamily="49" charset="0"/>
+              <a:cs typeface="Courier New" panose="02070309020205020404" pitchFamily="49" charset="0"/>
             </a:endParaRPr>
           </a:p>
           <a:p>
-            <a:pPr marL="180000" indent="-478483">
-              <a:spcBef>
-                <a:spcPts val="300"/>
-              </a:spcBef>
-              <a:buNone/>
-            </a:pPr>
-            <a:endParaRPr lang="en-GB" sz="700" dirty="0" smtClean="0"/>
-          </a:p>
-          <a:p>
-            <a:pPr marL="180000" indent="-478483">
-              <a:spcBef>
-                <a:spcPts val="300"/>
-              </a:spcBef>
-              <a:buFont typeface="+mj-lt"/>
-              <a:buAutoNum type="arabicPeriod"/>
-            </a:pPr>
-            <a:endParaRPr lang="en-GB" sz="700" dirty="0" smtClean="0"/>
-          </a:p>
-          <a:p>
-            <a:pPr marL="180000" indent="-478483">
-              <a:spcBef>
-                <a:spcPts val="300"/>
-              </a:spcBef>
-              <a:buFont typeface="+mj-lt"/>
-              <a:buAutoNum type="arabicPeriod"/>
-            </a:pPr>
-            <a:endParaRPr lang="en-GB" sz="500" dirty="0" smtClean="0"/>
-          </a:p>
-          <a:p>
-            <a:pPr marL="180000" indent="-478483">
-              <a:spcBef>
-                <a:spcPts val="300"/>
-              </a:spcBef>
-              <a:buFont typeface="+mj-lt"/>
-              <a:buAutoNum type="arabicPeriod"/>
-            </a:pPr>
-            <a:endParaRPr lang="en-GB" sz="500" dirty="0" smtClean="0"/>
-          </a:p>
-          <a:p>
-            <a:pPr marL="180000" indent="-478483">
-              <a:spcBef>
-                <a:spcPts val="300"/>
-              </a:spcBef>
-              <a:buFont typeface="+mj-lt"/>
-              <a:buAutoNum type="arabicPeriod"/>
-            </a:pPr>
-            <a:endParaRPr lang="en-GB" sz="500" dirty="0" smtClean="0"/>
-          </a:p>
-          <a:p>
-            <a:pPr marL="180000" indent="-478483">
-              <a:spcBef>
-                <a:spcPts val="300"/>
-              </a:spcBef>
-              <a:buFont typeface="+mj-lt"/>
-              <a:buAutoNum type="arabicPeriod"/>
-            </a:pPr>
-            <a:endParaRPr lang="en-GB" sz="500" dirty="0"/>
+            <a:r>
+              <a:rPr lang="en-GB" sz="1000" dirty="0">
+                <a:latin typeface="Courier New" panose="02070309020205020404" pitchFamily="49" charset="0"/>
+                <a:cs typeface="Courier New" panose="02070309020205020404" pitchFamily="49" charset="0"/>
+              </a:rPr>
+              <a:t>	</a:t>
+            </a:r>
+            <a:r>
+              <a:rPr lang="en-GB" sz="1000" dirty="0" smtClean="0">
+                <a:latin typeface="Courier New" panose="02070309020205020404" pitchFamily="49" charset="0"/>
+                <a:cs typeface="Courier New" panose="02070309020205020404" pitchFamily="49" charset="0"/>
+              </a:rPr>
+              <a:t>Associated </a:t>
+            </a:r>
+            <a:r>
+              <a:rPr lang="en-GB" sz="1000" dirty="0">
+                <a:latin typeface="Courier New" panose="02070309020205020404" pitchFamily="49" charset="0"/>
+                <a:cs typeface="Courier New" panose="02070309020205020404" pitchFamily="49" charset="0"/>
+              </a:rPr>
+              <a:t>Status bit </a:t>
+            </a:r>
+            <a:r>
+              <a:rPr lang="en-GB" sz="1000" dirty="0" smtClean="0">
+                <a:latin typeface="Courier New" panose="02070309020205020404" pitchFamily="49" charset="0"/>
+                <a:cs typeface="Courier New" panose="02070309020205020404" pitchFamily="49" charset="0"/>
+              </a:rPr>
+              <a:t>and </a:t>
+            </a:r>
+            <a:r>
+              <a:rPr lang="en-GB" sz="1000" dirty="0">
+                <a:latin typeface="Courier New" panose="02070309020205020404" pitchFamily="49" charset="0"/>
+                <a:cs typeface="Courier New" panose="02070309020205020404" pitchFamily="49" charset="0"/>
+              </a:rPr>
+              <a:t>interrupt flag will be set upon detecting an edge. */</a:t>
+            </a:r>
+          </a:p>
+          <a:p>
+            <a:r>
+              <a:rPr lang="en-GB" sz="1000" b="1" dirty="0">
+                <a:latin typeface="Courier New" panose="02070309020205020404" pitchFamily="49" charset="0"/>
+                <a:cs typeface="Courier New" panose="02070309020205020404" pitchFamily="49" charset="0"/>
+              </a:rPr>
+              <a:t>    IOCBP = 0x01</a:t>
+            </a:r>
+          </a:p>
+          <a:p>
+            <a:r>
+              <a:rPr lang="en-GB" sz="1000" b="1" dirty="0">
+                <a:latin typeface="Courier New" panose="02070309020205020404" pitchFamily="49" charset="0"/>
+                <a:cs typeface="Courier New" panose="02070309020205020404" pitchFamily="49" charset="0"/>
+              </a:rPr>
+              <a:t>    IOCBN = 0x00</a:t>
+            </a:r>
+          </a:p>
+          <a:p>
+            <a:r>
+              <a:rPr lang="en-GB" sz="1000" b="1" dirty="0">
+                <a:latin typeface="Courier New" panose="02070309020205020404" pitchFamily="49" charset="0"/>
+                <a:cs typeface="Courier New" panose="02070309020205020404" pitchFamily="49" charset="0"/>
+              </a:rPr>
+              <a:t>    IOCBF = 0x00</a:t>
+            </a:r>
+          </a:p>
+          <a:p>
+            <a:r>
+              <a:rPr lang="en-GB" sz="1000" b="1" dirty="0">
+                <a:latin typeface="Courier New" panose="02070309020205020404" pitchFamily="49" charset="0"/>
+                <a:cs typeface="Courier New" panose="02070309020205020404" pitchFamily="49" charset="0"/>
+              </a:rPr>
+              <a:t/>
+            </a:r>
+            <a:br>
+              <a:rPr lang="en-GB" sz="1000" b="1" dirty="0">
+                <a:latin typeface="Courier New" panose="02070309020205020404" pitchFamily="49" charset="0"/>
+                <a:cs typeface="Courier New" panose="02070309020205020404" pitchFamily="49" charset="0"/>
+              </a:rPr>
+            </a:br>
+            <a:r>
+              <a:rPr lang="en-GB" sz="1000" b="1" dirty="0">
+                <a:latin typeface="Courier New" panose="02070309020205020404" pitchFamily="49" charset="0"/>
+                <a:cs typeface="Courier New" panose="02070309020205020404" pitchFamily="49" charset="0"/>
+              </a:rPr>
+              <a:t>    DIR INT0 IN</a:t>
+            </a:r>
+          </a:p>
+          <a:p>
+            <a:r>
+              <a:rPr lang="en-GB" sz="1000" b="1" dirty="0">
+                <a:latin typeface="Courier New" panose="02070309020205020404" pitchFamily="49" charset="0"/>
+                <a:cs typeface="Courier New" panose="02070309020205020404" pitchFamily="49" charset="0"/>
+              </a:rPr>
+              <a:t>    INT0 = 1</a:t>
+            </a:r>
+          </a:p>
+          <a:p>
+            <a:r>
+              <a:rPr lang="en-GB" sz="1000" dirty="0">
+                <a:latin typeface="Courier New" panose="02070309020205020404" pitchFamily="49" charset="0"/>
+                <a:cs typeface="Courier New" panose="02070309020205020404" pitchFamily="49" charset="0"/>
+              </a:rPr>
+              <a:t/>
+            </a:r>
+            <a:br>
+              <a:rPr lang="en-GB" sz="1000" dirty="0">
+                <a:latin typeface="Courier New" panose="02070309020205020404" pitchFamily="49" charset="0"/>
+                <a:cs typeface="Courier New" panose="02070309020205020404" pitchFamily="49" charset="0"/>
+              </a:rPr>
+            </a:br>
+            <a:r>
+              <a:rPr lang="en-GB" sz="1000" dirty="0">
+                <a:latin typeface="Courier New" panose="02070309020205020404" pitchFamily="49" charset="0"/>
+                <a:cs typeface="Courier New" panose="02070309020205020404" pitchFamily="49" charset="0"/>
+              </a:rPr>
+              <a:t>// Setup the handler</a:t>
+            </a:r>
+          </a:p>
+          <a:p>
+            <a:r>
+              <a:rPr lang="en-GB" sz="1000" b="1" dirty="0">
+                <a:latin typeface="Courier New" panose="02070309020205020404" pitchFamily="49" charset="0"/>
+                <a:cs typeface="Courier New" panose="02070309020205020404" pitchFamily="49" charset="0"/>
+              </a:rPr>
+              <a:t>On Interrupt </a:t>
+            </a:r>
+            <a:r>
+              <a:rPr lang="en-GB" sz="1000" b="1" dirty="0" err="1">
+                <a:latin typeface="Courier New" panose="02070309020205020404" pitchFamily="49" charset="0"/>
+                <a:cs typeface="Courier New" panose="02070309020205020404" pitchFamily="49" charset="0"/>
+              </a:rPr>
+              <a:t>PORTBChange</a:t>
+            </a:r>
+            <a:r>
+              <a:rPr lang="en-GB" sz="1000" b="1" dirty="0">
+                <a:latin typeface="Courier New" panose="02070309020205020404" pitchFamily="49" charset="0"/>
+                <a:cs typeface="Courier New" panose="02070309020205020404" pitchFamily="49" charset="0"/>
+              </a:rPr>
+              <a:t>  Call </a:t>
+            </a:r>
+            <a:r>
+              <a:rPr lang="en-GB" sz="1000" b="1" dirty="0" err="1">
+                <a:latin typeface="Courier New" panose="02070309020205020404" pitchFamily="49" charset="0"/>
+                <a:cs typeface="Courier New" panose="02070309020205020404" pitchFamily="49" charset="0"/>
+              </a:rPr>
+              <a:t>InterruptHandler</a:t>
+            </a:r>
+            <a:endParaRPr lang="en-GB" sz="1000" b="1" dirty="0">
+              <a:latin typeface="Courier New" panose="02070309020205020404" pitchFamily="49" charset="0"/>
+              <a:cs typeface="Courier New" panose="02070309020205020404" pitchFamily="49" charset="0"/>
+            </a:endParaRPr>
+          </a:p>
+          <a:p>
+            <a:r>
+              <a:rPr lang="en-GB" sz="1000" dirty="0">
+                <a:latin typeface="Courier New" panose="02070309020205020404" pitchFamily="49" charset="0"/>
+                <a:cs typeface="Courier New" panose="02070309020205020404" pitchFamily="49" charset="0"/>
+              </a:rPr>
+              <a:t/>
+            </a:r>
+            <a:br>
+              <a:rPr lang="en-GB" sz="1000" dirty="0">
+                <a:latin typeface="Courier New" panose="02070309020205020404" pitchFamily="49" charset="0"/>
+                <a:cs typeface="Courier New" panose="02070309020205020404" pitchFamily="49" charset="0"/>
+              </a:rPr>
+            </a:br>
+            <a:r>
+              <a:rPr lang="en-GB" sz="1000" dirty="0">
+                <a:latin typeface="Courier New" panose="02070309020205020404" pitchFamily="49" charset="0"/>
+                <a:cs typeface="Courier New" panose="02070309020205020404" pitchFamily="49" charset="0"/>
+              </a:rPr>
+              <a:t>'Loop forever</a:t>
+            </a:r>
+          </a:p>
+          <a:p>
+            <a:r>
+              <a:rPr lang="en-GB" sz="1000" dirty="0">
+                <a:latin typeface="Courier New" panose="02070309020205020404" pitchFamily="49" charset="0"/>
+                <a:cs typeface="Courier New" panose="02070309020205020404" pitchFamily="49" charset="0"/>
+              </a:rPr>
+              <a:t>Do</a:t>
+            </a:r>
+          </a:p>
+          <a:p>
+            <a:r>
+              <a:rPr lang="en-GB" sz="1000" dirty="0">
+                <a:latin typeface="Courier New" panose="02070309020205020404" pitchFamily="49" charset="0"/>
+                <a:cs typeface="Courier New" panose="02070309020205020404" pitchFamily="49" charset="0"/>
+              </a:rPr>
+              <a:t>    LEDD3 = !LEDD3</a:t>
+            </a:r>
+          </a:p>
+          <a:p>
+            <a:r>
+              <a:rPr lang="en-GB" sz="1000" dirty="0">
+                <a:latin typeface="Courier New" panose="02070309020205020404" pitchFamily="49" charset="0"/>
+                <a:cs typeface="Courier New" panose="02070309020205020404" pitchFamily="49" charset="0"/>
+              </a:rPr>
+              <a:t>    wait 100 </a:t>
+            </a:r>
+            <a:r>
+              <a:rPr lang="en-GB" sz="1000" dirty="0" err="1">
+                <a:latin typeface="Courier New" panose="02070309020205020404" pitchFamily="49" charset="0"/>
+                <a:cs typeface="Courier New" panose="02070309020205020404" pitchFamily="49" charset="0"/>
+              </a:rPr>
+              <a:t>ms</a:t>
+            </a:r>
+            <a:endParaRPr lang="en-GB" sz="1000" dirty="0">
+              <a:latin typeface="Courier New" panose="02070309020205020404" pitchFamily="49" charset="0"/>
+              <a:cs typeface="Courier New" panose="02070309020205020404" pitchFamily="49" charset="0"/>
+            </a:endParaRPr>
+          </a:p>
+          <a:p>
+            <a:r>
+              <a:rPr lang="en-GB" sz="1000" dirty="0">
+                <a:latin typeface="Courier New" panose="02070309020205020404" pitchFamily="49" charset="0"/>
+                <a:cs typeface="Courier New" panose="02070309020205020404" pitchFamily="49" charset="0"/>
+              </a:rPr>
+              <a:t>Loop</a:t>
+            </a:r>
+          </a:p>
+          <a:p>
+            <a:r>
+              <a:rPr lang="en-GB" sz="1000" dirty="0">
+                <a:latin typeface="Courier New" panose="02070309020205020404" pitchFamily="49" charset="0"/>
+                <a:cs typeface="Courier New" panose="02070309020205020404" pitchFamily="49" charset="0"/>
+              </a:rPr>
+              <a:t/>
+            </a:r>
+            <a:br>
+              <a:rPr lang="en-GB" sz="1000" dirty="0">
+                <a:latin typeface="Courier New" panose="02070309020205020404" pitchFamily="49" charset="0"/>
+                <a:cs typeface="Courier New" panose="02070309020205020404" pitchFamily="49" charset="0"/>
+              </a:rPr>
+            </a:br>
+            <a:r>
+              <a:rPr lang="en-GB" sz="1000" dirty="0">
+                <a:latin typeface="Courier New" panose="02070309020205020404" pitchFamily="49" charset="0"/>
+                <a:cs typeface="Courier New" panose="02070309020205020404" pitchFamily="49" charset="0"/>
+              </a:rPr>
+              <a:t/>
+            </a:r>
+            <a:br>
+              <a:rPr lang="en-GB" sz="1000" dirty="0">
+                <a:latin typeface="Courier New" panose="02070309020205020404" pitchFamily="49" charset="0"/>
+                <a:cs typeface="Courier New" panose="02070309020205020404" pitchFamily="49" charset="0"/>
+              </a:rPr>
+            </a:br>
+            <a:r>
+              <a:rPr lang="en-GB" sz="1000" b="1" dirty="0">
+                <a:latin typeface="Courier New" panose="02070309020205020404" pitchFamily="49" charset="0"/>
+                <a:cs typeface="Courier New" panose="02070309020205020404" pitchFamily="49" charset="0"/>
+              </a:rPr>
+              <a:t>Sub </a:t>
+            </a:r>
+            <a:r>
+              <a:rPr lang="en-GB" sz="1000" b="1" dirty="0" err="1">
+                <a:latin typeface="Courier New" panose="02070309020205020404" pitchFamily="49" charset="0"/>
+                <a:cs typeface="Courier New" panose="02070309020205020404" pitchFamily="49" charset="0"/>
+              </a:rPr>
+              <a:t>InterruptHandler</a:t>
+            </a:r>
+            <a:endParaRPr lang="en-GB" sz="1000" b="1" dirty="0">
+              <a:latin typeface="Courier New" panose="02070309020205020404" pitchFamily="49" charset="0"/>
+              <a:cs typeface="Courier New" panose="02070309020205020404" pitchFamily="49" charset="0"/>
+            </a:endParaRPr>
+          </a:p>
+          <a:p>
+            <a:r>
+              <a:rPr lang="en-GB" sz="1000" b="1" dirty="0">
+                <a:latin typeface="Courier New" panose="02070309020205020404" pitchFamily="49" charset="0"/>
+                <a:cs typeface="Courier New" panose="02070309020205020404" pitchFamily="49" charset="0"/>
+              </a:rPr>
+              <a:t/>
+            </a:r>
+            <a:br>
+              <a:rPr lang="en-GB" sz="1000" b="1" dirty="0">
+                <a:latin typeface="Courier New" panose="02070309020205020404" pitchFamily="49" charset="0"/>
+                <a:cs typeface="Courier New" panose="02070309020205020404" pitchFamily="49" charset="0"/>
+              </a:rPr>
+            </a:br>
+            <a:r>
+              <a:rPr lang="en-GB" sz="1000" b="1" dirty="0">
+                <a:latin typeface="Courier New" panose="02070309020205020404" pitchFamily="49" charset="0"/>
+                <a:cs typeface="Courier New" panose="02070309020205020404" pitchFamily="49" charset="0"/>
+              </a:rPr>
+              <a:t>    'Toggle the LED</a:t>
+            </a:r>
+          </a:p>
+          <a:p>
+            <a:r>
+              <a:rPr lang="en-GB" sz="1000" b="1" dirty="0">
+                <a:latin typeface="Courier New" panose="02070309020205020404" pitchFamily="49" charset="0"/>
+                <a:cs typeface="Courier New" panose="02070309020205020404" pitchFamily="49" charset="0"/>
+              </a:rPr>
+              <a:t>    LEDD2 = !LEDD2</a:t>
+            </a:r>
+          </a:p>
+          <a:p>
+            <a:r>
+              <a:rPr lang="en-GB" sz="1000" b="1" dirty="0">
+                <a:latin typeface="Courier New" panose="02070309020205020404" pitchFamily="49" charset="0"/>
+                <a:cs typeface="Courier New" panose="02070309020205020404" pitchFamily="49" charset="0"/>
+              </a:rPr>
+              <a:t>    ' Clear interrupt flag is required to clear the interrupt</a:t>
+            </a:r>
+          </a:p>
+          <a:p>
+            <a:r>
+              <a:rPr lang="en-GB" sz="1000" b="1" dirty="0">
+                <a:latin typeface="Courier New" panose="02070309020205020404" pitchFamily="49" charset="0"/>
+                <a:cs typeface="Courier New" panose="02070309020205020404" pitchFamily="49" charset="0"/>
+              </a:rPr>
+              <a:t>    IOCBF0 = 0</a:t>
+            </a:r>
+          </a:p>
+          <a:p>
+            <a:r>
+              <a:rPr lang="en-GB" sz="1000" b="1" dirty="0">
+                <a:latin typeface="Courier New" panose="02070309020205020404" pitchFamily="49" charset="0"/>
+                <a:cs typeface="Courier New" panose="02070309020205020404" pitchFamily="49" charset="0"/>
+              </a:rPr>
+              <a:t/>
+            </a:r>
+            <a:br>
+              <a:rPr lang="en-GB" sz="1000" b="1" dirty="0">
+                <a:latin typeface="Courier New" panose="02070309020205020404" pitchFamily="49" charset="0"/>
+                <a:cs typeface="Courier New" panose="02070309020205020404" pitchFamily="49" charset="0"/>
+              </a:rPr>
+            </a:br>
+            <a:r>
+              <a:rPr lang="en-GB" sz="1000" b="1" dirty="0">
+                <a:latin typeface="Courier New" panose="02070309020205020404" pitchFamily="49" charset="0"/>
+                <a:cs typeface="Courier New" panose="02070309020205020404" pitchFamily="49" charset="0"/>
+              </a:rPr>
+              <a:t>End Sub</a:t>
+            </a:r>
           </a:p>
         </p:txBody>
       </p:sp>
     </p:spTree>
     <p:extLst>
       <p:ext uri="{BB962C8B-B14F-4D97-AF65-F5344CB8AC3E}">
-        <p14:creationId xmlns:p14="http://schemas.microsoft.com/office/powerpoint/2010/main" val="21571518"/>
+        <p14:creationId xmlns:p14="http://schemas.microsoft.com/office/powerpoint/2010/main" val="3171796957"/>
       </p:ext>
     </p:extLst>
   </p:cSld>
@@ -11679,10 +12141,10 @@
   </p:clrMapOvr>
   <mc:AlternateContent xmlns:mc="http://schemas.openxmlformats.org/markup-compatibility/2006" xmlns:p14="http://schemas.microsoft.com/office/powerpoint/2010/main">
     <mc:Choice Requires="p14">
-      <p:transition spd="slow" p14:dur="2000"/>
+      <p:transition spd="slow" p14:dur="2000" advClick="0"/>
     </mc:Choice>
     <mc:Fallback xmlns="">
-      <p:transition spd="slow"/>
+      <p:transition spd="slow" advClick="0"/>
     </mc:Fallback>
   </mc:AlternateContent>
   <p:timing>
@@ -11719,380 +12181,138 @@
             <a:spLocks noGrp="1"/>
           </p:cNvSpPr>
           <p:nvPr>
-            <p:ph type="ctrTitle"/>
+            <p:ph type="title"/>
           </p:nvPr>
         </p:nvSpPr>
         <p:spPr/>
         <p:txBody>
-          <a:bodyPr/>
-          <a:lstStyle/>
-          <a:p>
-            <a:r>
-              <a:rPr lang="en-GB" dirty="0" smtClean="0"/>
-              <a:t>GCBASIC</a:t>
-            </a:r>
-            <a:endParaRPr lang="en-GB" dirty="0"/>
-          </a:p>
-        </p:txBody>
-      </p:sp>
-      <p:pic>
-        <p:nvPicPr>
-          <p:cNvPr id="1026" name="Picture 2" descr="D:\Build\AnobiumTransparent.jpg"/>
-          <p:cNvPicPr>
-            <a:picLocks noChangeAspect="1" noChangeArrowheads="1"/>
-          </p:cNvPicPr>
-          <p:nvPr/>
-        </p:nvPicPr>
-        <p:blipFill>
-          <a:blip r:embed="rId2" cstate="print"/>
-          <a:srcRect/>
-          <a:stretch>
-            <a:fillRect/>
-          </a:stretch>
-        </p:blipFill>
-        <p:spPr bwMode="auto">
-          <a:xfrm>
-            <a:off x="5292080" y="911052"/>
-            <a:ext cx="1828859" cy="771550"/>
-          </a:xfrm>
-          <a:prstGeom prst="rect">
-            <a:avLst/>
-          </a:prstGeom>
-          <a:noFill/>
-        </p:spPr>
-      </p:pic>
-      <p:sp>
-        <p:nvSpPr>
-          <p:cNvPr id="4" name="AutoShape 2" descr="ICSP connection"/>
-          <p:cNvSpPr>
-            <a:spLocks noChangeAspect="1" noChangeArrowheads="1"/>
-          </p:cNvSpPr>
-          <p:nvPr/>
-        </p:nvSpPr>
-        <p:spPr bwMode="auto">
-          <a:xfrm>
-            <a:off x="155575" y="-144462"/>
-            <a:ext cx="304800" cy="304801"/>
-          </a:xfrm>
-          <a:prstGeom prst="rect">
-            <a:avLst/>
-          </a:prstGeom>
-          <a:noFill/>
-        </p:spPr>
-        <p:txBody>
-          <a:bodyPr vert="horz" wrap="square" lIns="85064" tIns="42531" rIns="85064" bIns="42531" numCol="1" anchor="t" anchorCtr="0" compatLnSpc="1">
-            <a:prstTxWarp prst="textNoShape">
-              <a:avLst/>
-            </a:prstTxWarp>
+          <a:bodyPr vert="horz" lIns="85064" tIns="42531" rIns="85064" bIns="42531" rtlCol="0" anchor="ctr">
+            <a:normAutofit/>
           </a:bodyPr>
           <a:lstStyle/>
           <a:p>
-            <a:endParaRPr lang="en-GB" dirty="0"/>
-          </a:p>
-        </p:txBody>
-      </p:sp>
-      <p:sp>
-        <p:nvSpPr>
-          <p:cNvPr id="8" name="Text Placeholder 4"/>
-          <p:cNvSpPr txBox="1">
-            <a:spLocks/>
+            <a:pPr algn="l"/>
+            <a:r>
+              <a:rPr lang="en-GB" dirty="0" smtClean="0"/>
+              <a:t>Lab</a:t>
+            </a:r>
+          </a:p>
+        </p:txBody>
+      </p:sp>
+      <p:sp>
+        <p:nvSpPr>
+          <p:cNvPr id="3" name="Content Placeholder 2"/>
+          <p:cNvSpPr>
+            <a:spLocks noGrp="1"/>
           </p:cNvSpPr>
-          <p:nvPr/>
-        </p:nvSpPr>
-        <p:spPr>
-          <a:xfrm>
-            <a:off x="3805512" y="2931790"/>
-            <a:ext cx="3342861" cy="645300"/>
-          </a:xfrm>
-          <a:prstGeom prst="rect">
-            <a:avLst/>
-          </a:prstGeom>
-        </p:spPr>
-        <p:txBody>
-          <a:bodyPr vert="horz" lIns="68580" tIns="34290" rIns="68580" bIns="34290" rtlCol="0" anchor="t">
+          <p:nvPr>
+            <p:ph idx="1"/>
+          </p:nvPr>
+        </p:nvSpPr>
+        <p:spPr/>
+        <p:txBody>
+          <a:bodyPr>
             <a:normAutofit/>
           </a:bodyPr>
-          <a:lstStyle>
-            <a:lvl1pPr marL="0" indent="0" algn="r" defTabSz="342900" rtl="0" eaLnBrk="1" latinLnBrk="0" hangingPunct="1">
-              <a:spcBef>
-                <a:spcPts val="750"/>
-              </a:spcBef>
-              <a:spcAft>
-                <a:spcPts val="0"/>
-              </a:spcAft>
-              <a:buClr>
-                <a:schemeClr val="accent1"/>
-              </a:buClr>
-              <a:buSzPct val="80000"/>
-              <a:buFont typeface="Wingdings 3" charset="2"/>
-              <a:buNone/>
-              <a:defRPr sz="1400" kern="1200">
-                <a:solidFill>
-                  <a:schemeClr val="tx1">
-                    <a:lumMod val="50000"/>
-                    <a:lumOff val="50000"/>
-                  </a:schemeClr>
-                </a:solidFill>
-                <a:latin typeface="+mn-lt"/>
-                <a:ea typeface="+mn-ea"/>
-                <a:cs typeface="+mn-cs"/>
-              </a:defRPr>
-            </a:lvl1pPr>
-            <a:lvl2pPr marL="342900" indent="0" algn="ctr" defTabSz="342900" rtl="0" eaLnBrk="1" latinLnBrk="0" hangingPunct="1">
-              <a:spcBef>
-                <a:spcPts val="750"/>
-              </a:spcBef>
-              <a:spcAft>
-                <a:spcPts val="0"/>
-              </a:spcAft>
-              <a:buClr>
-                <a:schemeClr val="accent1"/>
-              </a:buClr>
-              <a:buSzPct val="80000"/>
-              <a:buFont typeface="Wingdings 3" charset="2"/>
-              <a:buNone/>
-              <a:defRPr sz="1200" kern="1200">
-                <a:solidFill>
-                  <a:schemeClr val="tx1">
-                    <a:tint val="75000"/>
-                  </a:schemeClr>
-                </a:solidFill>
-                <a:latin typeface="+mn-lt"/>
-                <a:ea typeface="+mn-ea"/>
-                <a:cs typeface="+mn-cs"/>
-              </a:defRPr>
-            </a:lvl2pPr>
-            <a:lvl3pPr marL="685800" indent="0" algn="ctr" defTabSz="342900" rtl="0" eaLnBrk="1" latinLnBrk="0" hangingPunct="1">
-              <a:spcBef>
-                <a:spcPts val="750"/>
-              </a:spcBef>
-              <a:spcAft>
-                <a:spcPts val="0"/>
-              </a:spcAft>
-              <a:buClr>
-                <a:schemeClr val="accent1"/>
-              </a:buClr>
-              <a:buSzPct val="80000"/>
-              <a:buFont typeface="Wingdings 3" charset="2"/>
-              <a:buNone/>
-              <a:defRPr sz="1100" kern="1200">
-                <a:solidFill>
-                  <a:schemeClr val="tx1">
-                    <a:tint val="75000"/>
-                  </a:schemeClr>
-                </a:solidFill>
-                <a:latin typeface="+mn-lt"/>
-                <a:ea typeface="+mn-ea"/>
-                <a:cs typeface="+mn-cs"/>
-              </a:defRPr>
-            </a:lvl3pPr>
-            <a:lvl4pPr marL="1028700" indent="0" algn="ctr" defTabSz="342900" rtl="0" eaLnBrk="1" latinLnBrk="0" hangingPunct="1">
-              <a:spcBef>
-                <a:spcPts val="750"/>
-              </a:spcBef>
-              <a:spcAft>
-                <a:spcPts val="0"/>
-              </a:spcAft>
-              <a:buClr>
-                <a:schemeClr val="accent1"/>
-              </a:buClr>
-              <a:buSzPct val="80000"/>
-              <a:buFont typeface="Wingdings 3" charset="2"/>
-              <a:buNone/>
-              <a:defRPr sz="900" kern="1200">
-                <a:solidFill>
-                  <a:schemeClr val="tx1">
-                    <a:tint val="75000"/>
-                  </a:schemeClr>
-                </a:solidFill>
-                <a:latin typeface="+mn-lt"/>
-                <a:ea typeface="+mn-ea"/>
-                <a:cs typeface="+mn-cs"/>
-              </a:defRPr>
-            </a:lvl4pPr>
-            <a:lvl5pPr marL="1371600" indent="0" algn="ctr" defTabSz="342900" rtl="0" eaLnBrk="1" latinLnBrk="0" hangingPunct="1">
-              <a:spcBef>
-                <a:spcPts val="750"/>
-              </a:spcBef>
-              <a:spcAft>
-                <a:spcPts val="0"/>
-              </a:spcAft>
-              <a:buClr>
-                <a:schemeClr val="accent1"/>
-              </a:buClr>
-              <a:buSzPct val="80000"/>
-              <a:buFont typeface="Wingdings 3" charset="2"/>
-              <a:buNone/>
-              <a:defRPr sz="900" kern="1200">
-                <a:solidFill>
-                  <a:schemeClr val="tx1">
-                    <a:tint val="75000"/>
-                  </a:schemeClr>
-                </a:solidFill>
-                <a:latin typeface="+mn-lt"/>
-                <a:ea typeface="+mn-ea"/>
-                <a:cs typeface="+mn-cs"/>
-              </a:defRPr>
-            </a:lvl5pPr>
-            <a:lvl6pPr marL="1714500" indent="0" algn="ctr" defTabSz="342900" rtl="0" eaLnBrk="1" latinLnBrk="0" hangingPunct="1">
-              <a:spcBef>
-                <a:spcPts val="750"/>
-              </a:spcBef>
-              <a:spcAft>
-                <a:spcPts val="0"/>
-              </a:spcAft>
-              <a:buClr>
-                <a:schemeClr val="accent1"/>
-              </a:buClr>
-              <a:buSzPct val="80000"/>
-              <a:buFont typeface="Wingdings 3" charset="2"/>
-              <a:buNone/>
-              <a:defRPr sz="900" kern="1200">
-                <a:solidFill>
-                  <a:schemeClr val="tx1">
-                    <a:tint val="75000"/>
-                  </a:schemeClr>
-                </a:solidFill>
-                <a:latin typeface="+mn-lt"/>
-                <a:ea typeface="+mn-ea"/>
-                <a:cs typeface="+mn-cs"/>
-              </a:defRPr>
-            </a:lvl6pPr>
-            <a:lvl7pPr marL="2057400" indent="0" algn="ctr" defTabSz="342900" rtl="0" eaLnBrk="1" latinLnBrk="0" hangingPunct="1">
-              <a:spcBef>
-                <a:spcPts val="750"/>
-              </a:spcBef>
-              <a:spcAft>
-                <a:spcPts val="0"/>
-              </a:spcAft>
-              <a:buClr>
-                <a:schemeClr val="accent1"/>
-              </a:buClr>
-              <a:buSzPct val="80000"/>
-              <a:buFont typeface="Wingdings 3" charset="2"/>
-              <a:buNone/>
-              <a:defRPr sz="900" kern="1200">
-                <a:solidFill>
-                  <a:schemeClr val="tx1">
-                    <a:tint val="75000"/>
-                  </a:schemeClr>
-                </a:solidFill>
-                <a:latin typeface="+mn-lt"/>
-                <a:ea typeface="+mn-ea"/>
-                <a:cs typeface="+mn-cs"/>
-              </a:defRPr>
-            </a:lvl7pPr>
-            <a:lvl8pPr marL="2400300" indent="0" algn="ctr" defTabSz="342900" rtl="0" eaLnBrk="1" latinLnBrk="0" hangingPunct="1">
-              <a:spcBef>
-                <a:spcPts val="750"/>
-              </a:spcBef>
-              <a:spcAft>
-                <a:spcPts val="0"/>
-              </a:spcAft>
-              <a:buClr>
-                <a:schemeClr val="accent1"/>
-              </a:buClr>
-              <a:buSzPct val="80000"/>
-              <a:buFont typeface="Wingdings 3" charset="2"/>
-              <a:buNone/>
-              <a:defRPr sz="900" kern="1200">
-                <a:solidFill>
-                  <a:schemeClr val="tx1">
-                    <a:tint val="75000"/>
-                  </a:schemeClr>
-                </a:solidFill>
-                <a:latin typeface="+mn-lt"/>
-                <a:ea typeface="+mn-ea"/>
-                <a:cs typeface="+mn-cs"/>
-              </a:defRPr>
-            </a:lvl8pPr>
-            <a:lvl9pPr marL="2743200" indent="0" algn="ctr" defTabSz="342900" rtl="0" eaLnBrk="1" latinLnBrk="0" hangingPunct="1">
-              <a:spcBef>
-                <a:spcPts val="750"/>
-              </a:spcBef>
-              <a:spcAft>
-                <a:spcPts val="0"/>
-              </a:spcAft>
-              <a:buClr>
-                <a:schemeClr val="accent1"/>
-              </a:buClr>
-              <a:buSzPct val="80000"/>
-              <a:buFont typeface="Wingdings 3" charset="2"/>
-              <a:buNone/>
-              <a:defRPr sz="900" kern="1200">
-                <a:solidFill>
-                  <a:schemeClr val="tx1">
-                    <a:tint val="75000"/>
-                  </a:schemeClr>
-                </a:solidFill>
-                <a:latin typeface="+mn-lt"/>
-                <a:ea typeface="+mn-ea"/>
-                <a:cs typeface="+mn-cs"/>
-              </a:defRPr>
-            </a:lvl9pPr>
-          </a:lstStyle>
-          <a:p>
-            <a:r>
-              <a:rPr lang="en-GB" dirty="0" smtClean="0"/>
-              <a:t>PIC18FxxQ24</a:t>
-            </a:r>
-          </a:p>
-          <a:p>
-            <a:r>
-              <a:rPr lang="en-GB" dirty="0" smtClean="0"/>
-              <a:t>Part 15 – External interrupt</a:t>
-            </a:r>
-            <a:endParaRPr lang="en-GB" dirty="0"/>
-          </a:p>
-        </p:txBody>
-      </p:sp>
-      <p:pic>
-        <p:nvPicPr>
-          <p:cNvPr id="10" name="Picture 2" descr="PIC18F26Q24"/>
-          <p:cNvPicPr>
-            <a:picLocks noChangeAspect="1" noChangeArrowheads="1"/>
-          </p:cNvPicPr>
-          <p:nvPr/>
-        </p:nvPicPr>
-        <p:blipFill>
-          <a:blip r:embed="rId3" cstate="print">
-            <a:extLst>
-              <a:ext uri="{28A0092B-C50C-407E-A947-70E740481C1C}">
-                <a14:useLocalDpi xmlns:a14="http://schemas.microsoft.com/office/drawing/2010/main" val="0"/>
-              </a:ext>
-            </a:extLst>
-          </a:blip>
-          <a:srcRect/>
-          <a:stretch>
-            <a:fillRect/>
-          </a:stretch>
-        </p:blipFill>
-        <p:spPr bwMode="auto">
-          <a:xfrm>
-            <a:off x="1907705" y="4116163"/>
-            <a:ext cx="1280738" cy="922132"/>
-          </a:xfrm>
-          <a:prstGeom prst="rect">
-            <a:avLst/>
-          </a:prstGeom>
-          <a:noFill/>
-          <a:extLst>
-            <a:ext uri="{909E8E84-426E-40DD-AFC4-6F175D3DCCD1}">
-              <a14:hiddenFill xmlns:a14="http://schemas.microsoft.com/office/drawing/2010/main">
-                <a:solidFill>
-                  <a:srgbClr val="FFFFFF"/>
-                </a:solidFill>
-              </a14:hiddenFill>
-            </a:ext>
-          </a:extLst>
-        </p:spPr>
-      </p:pic>
+          <a:lstStyle/>
+          <a:p>
+            <a:r>
+              <a:rPr lang="en-GB" sz="2000" dirty="0" smtClean="0"/>
+              <a:t>Walk the examples </a:t>
+            </a:r>
+          </a:p>
+          <a:p>
+            <a:r>
+              <a:rPr lang="en-GB" sz="2000" dirty="0" smtClean="0"/>
+              <a:t>View the scope</a:t>
+            </a:r>
+          </a:p>
+        </p:txBody>
+      </p:sp>
     </p:spTree>
     <p:extLst>
       <p:ext uri="{BB962C8B-B14F-4D97-AF65-F5344CB8AC3E}">
-        <p14:creationId xmlns:p14="http://schemas.microsoft.com/office/powerpoint/2010/main" val="1215653422"/>
+        <p14:creationId xmlns:p14="http://schemas.microsoft.com/office/powerpoint/2010/main" val="2319042739"/>
       </p:ext>
     </p:extLst>
+  </p:cSld>
+  <p:clrMapOvr>
+    <a:masterClrMapping/>
+  </p:clrMapOvr>
+  <mc:AlternateContent xmlns:mc="http://schemas.openxmlformats.org/markup-compatibility/2006" xmlns:p14="http://schemas.microsoft.com/office/powerpoint/2010/main">
+    <mc:Choice Requires="p14">
+      <p:transition spd="slow" p14:dur="2000" advClick="0"/>
+    </mc:Choice>
+    <mc:Fallback xmlns="">
+      <p:transition spd="slow" advClick="0"/>
+    </mc:Fallback>
+  </mc:AlternateContent>
+  <p:timing>
+    <p:tnLst>
+      <p:par>
+        <p:cTn id="1" dur="indefinite" restart="never" nodeType="tmRoot"/>
+      </p:par>
+    </p:tnLst>
+  </p:timing>
+</p:sld>
+</file>
+
+<file path=ppt/slides/slide19.xml><?xml version="1.0" encoding="utf-8"?>
+<p:sld xmlns:a="http://schemas.openxmlformats.org/drawingml/2006/main" xmlns:r="http://schemas.openxmlformats.org/officeDocument/2006/relationships" xmlns:p="http://schemas.openxmlformats.org/presentationml/2006/main">
+  <p:cSld>
+    <p:spTree>
+      <p:nvGrpSpPr>
+        <p:cNvPr id="1" name=""/>
+        <p:cNvGrpSpPr/>
+        <p:nvPr/>
+      </p:nvGrpSpPr>
+      <p:grpSpPr>
+        <a:xfrm>
+          <a:off x="0" y="0"/>
+          <a:ext cx="0" cy="0"/>
+          <a:chOff x="0" y="0"/>
+          <a:chExt cx="0" cy="0"/>
+        </a:xfrm>
+      </p:grpSpPr>
+      <p:sp>
+        <p:nvSpPr>
+          <p:cNvPr id="2" name="Title 1"/>
+          <p:cNvSpPr>
+            <a:spLocks noGrp="1"/>
+          </p:cNvSpPr>
+          <p:nvPr>
+            <p:ph type="title"/>
+          </p:nvPr>
+        </p:nvSpPr>
+        <p:spPr/>
+        <p:txBody>
+          <a:bodyPr/>
+          <a:lstStyle/>
+          <a:p>
+            <a:endParaRPr lang="en-GB" dirty="0"/>
+          </a:p>
+        </p:txBody>
+      </p:sp>
+      <p:sp>
+        <p:nvSpPr>
+          <p:cNvPr id="3" name="Content Placeholder 2"/>
+          <p:cNvSpPr>
+            <a:spLocks noGrp="1"/>
+          </p:cNvSpPr>
+          <p:nvPr>
+            <p:ph idx="1"/>
+          </p:nvPr>
+        </p:nvSpPr>
+        <p:spPr/>
+        <p:txBody>
+          <a:bodyPr/>
+          <a:lstStyle/>
+          <a:p>
+            <a:endParaRPr lang="en-GB" dirty="0"/>
+          </a:p>
+        </p:txBody>
+      </p:sp>
+    </p:spTree>
   </p:cSld>
   <p:clrMapOvr>
     <a:masterClrMapping/>
@@ -12155,6 +12375,49 @@
           </a:p>
         </p:txBody>
       </p:sp>
+      <p:sp>
+        <p:nvSpPr>
+          <p:cNvPr id="3" name="Subtitle 2"/>
+          <p:cNvSpPr>
+            <a:spLocks noGrp="1"/>
+          </p:cNvSpPr>
+          <p:nvPr>
+            <p:ph type="subTitle" idx="1"/>
+          </p:nvPr>
+        </p:nvSpPr>
+        <p:spPr>
+          <a:xfrm>
+            <a:off x="179513" y="2914650"/>
+            <a:ext cx="6840759" cy="1925352"/>
+          </a:xfrm>
+        </p:spPr>
+        <p:txBody>
+          <a:bodyPr>
+            <a:normAutofit/>
+          </a:bodyPr>
+          <a:lstStyle/>
+          <a:p>
+            <a:r>
+              <a:rPr lang="en-GB" dirty="0" smtClean="0"/>
+              <a:t>PIC16Fxxxx chip Family ( Legacy )</a:t>
+            </a:r>
+            <a:endParaRPr lang="en-GB" dirty="0"/>
+          </a:p>
+          <a:p>
+            <a:r>
+              <a:rPr lang="en-GB" dirty="0"/>
+              <a:t>Part 15 – External interrupt</a:t>
+            </a:r>
+          </a:p>
+          <a:p>
+            <a:r>
+              <a:rPr lang="en-GB" sz="1700" dirty="0" smtClean="0"/>
+              <a:t>January 2025</a:t>
+            </a:r>
+            <a:endParaRPr lang="en-GB" sz="1700" dirty="0"/>
+          </a:p>
+        </p:txBody>
+      </p:sp>
       <p:pic>
         <p:nvPicPr>
           <p:cNvPr id="1026" name="Picture 2" descr="D:\Build\AnobiumTransparent.jpg"/>
@@ -12211,307 +12474,12 @@
           </a:p>
         </p:txBody>
       </p:sp>
-      <p:sp>
-        <p:nvSpPr>
-          <p:cNvPr id="8" name="Text Placeholder 4"/>
-          <p:cNvSpPr txBox="1">
-            <a:spLocks/>
-          </p:cNvSpPr>
-          <p:nvPr/>
-        </p:nvSpPr>
-        <p:spPr>
-          <a:xfrm>
-            <a:off x="3805512" y="2931790"/>
-            <a:ext cx="3342861" cy="645300"/>
-          </a:xfrm>
-          <a:prstGeom prst="rect">
-            <a:avLst/>
-          </a:prstGeom>
-        </p:spPr>
-        <p:txBody>
-          <a:bodyPr vert="horz" lIns="68580" tIns="34290" rIns="68580" bIns="34290" rtlCol="0" anchor="t">
-            <a:normAutofit/>
-          </a:bodyPr>
-          <a:lstStyle>
-            <a:lvl1pPr marL="0" indent="0" algn="r" defTabSz="342900" rtl="0" eaLnBrk="1" latinLnBrk="0" hangingPunct="1">
-              <a:spcBef>
-                <a:spcPts val="750"/>
-              </a:spcBef>
-              <a:spcAft>
-                <a:spcPts val="0"/>
-              </a:spcAft>
-              <a:buClr>
-                <a:schemeClr val="accent1"/>
-              </a:buClr>
-              <a:buSzPct val="80000"/>
-              <a:buFont typeface="Wingdings 3" charset="2"/>
-              <a:buNone/>
-              <a:defRPr sz="1400" kern="1200">
-                <a:solidFill>
-                  <a:schemeClr val="tx1">
-                    <a:lumMod val="50000"/>
-                    <a:lumOff val="50000"/>
-                  </a:schemeClr>
-                </a:solidFill>
-                <a:latin typeface="+mn-lt"/>
-                <a:ea typeface="+mn-ea"/>
-                <a:cs typeface="+mn-cs"/>
-              </a:defRPr>
-            </a:lvl1pPr>
-            <a:lvl2pPr marL="342900" indent="0" algn="ctr" defTabSz="342900" rtl="0" eaLnBrk="1" latinLnBrk="0" hangingPunct="1">
-              <a:spcBef>
-                <a:spcPts val="750"/>
-              </a:spcBef>
-              <a:spcAft>
-                <a:spcPts val="0"/>
-              </a:spcAft>
-              <a:buClr>
-                <a:schemeClr val="accent1"/>
-              </a:buClr>
-              <a:buSzPct val="80000"/>
-              <a:buFont typeface="Wingdings 3" charset="2"/>
-              <a:buNone/>
-              <a:defRPr sz="1200" kern="1200">
-                <a:solidFill>
-                  <a:schemeClr val="tx1">
-                    <a:tint val="75000"/>
-                  </a:schemeClr>
-                </a:solidFill>
-                <a:latin typeface="+mn-lt"/>
-                <a:ea typeface="+mn-ea"/>
-                <a:cs typeface="+mn-cs"/>
-              </a:defRPr>
-            </a:lvl2pPr>
-            <a:lvl3pPr marL="685800" indent="0" algn="ctr" defTabSz="342900" rtl="0" eaLnBrk="1" latinLnBrk="0" hangingPunct="1">
-              <a:spcBef>
-                <a:spcPts val="750"/>
-              </a:spcBef>
-              <a:spcAft>
-                <a:spcPts val="0"/>
-              </a:spcAft>
-              <a:buClr>
-                <a:schemeClr val="accent1"/>
-              </a:buClr>
-              <a:buSzPct val="80000"/>
-              <a:buFont typeface="Wingdings 3" charset="2"/>
-              <a:buNone/>
-              <a:defRPr sz="1100" kern="1200">
-                <a:solidFill>
-                  <a:schemeClr val="tx1">
-                    <a:tint val="75000"/>
-                  </a:schemeClr>
-                </a:solidFill>
-                <a:latin typeface="+mn-lt"/>
-                <a:ea typeface="+mn-ea"/>
-                <a:cs typeface="+mn-cs"/>
-              </a:defRPr>
-            </a:lvl3pPr>
-            <a:lvl4pPr marL="1028700" indent="0" algn="ctr" defTabSz="342900" rtl="0" eaLnBrk="1" latinLnBrk="0" hangingPunct="1">
-              <a:spcBef>
-                <a:spcPts val="750"/>
-              </a:spcBef>
-              <a:spcAft>
-                <a:spcPts val="0"/>
-              </a:spcAft>
-              <a:buClr>
-                <a:schemeClr val="accent1"/>
-              </a:buClr>
-              <a:buSzPct val="80000"/>
-              <a:buFont typeface="Wingdings 3" charset="2"/>
-              <a:buNone/>
-              <a:defRPr sz="900" kern="1200">
-                <a:solidFill>
-                  <a:schemeClr val="tx1">
-                    <a:tint val="75000"/>
-                  </a:schemeClr>
-                </a:solidFill>
-                <a:latin typeface="+mn-lt"/>
-                <a:ea typeface="+mn-ea"/>
-                <a:cs typeface="+mn-cs"/>
-              </a:defRPr>
-            </a:lvl4pPr>
-            <a:lvl5pPr marL="1371600" indent="0" algn="ctr" defTabSz="342900" rtl="0" eaLnBrk="1" latinLnBrk="0" hangingPunct="1">
-              <a:spcBef>
-                <a:spcPts val="750"/>
-              </a:spcBef>
-              <a:spcAft>
-                <a:spcPts val="0"/>
-              </a:spcAft>
-              <a:buClr>
-                <a:schemeClr val="accent1"/>
-              </a:buClr>
-              <a:buSzPct val="80000"/>
-              <a:buFont typeface="Wingdings 3" charset="2"/>
-              <a:buNone/>
-              <a:defRPr sz="900" kern="1200">
-                <a:solidFill>
-                  <a:schemeClr val="tx1">
-                    <a:tint val="75000"/>
-                  </a:schemeClr>
-                </a:solidFill>
-                <a:latin typeface="+mn-lt"/>
-                <a:ea typeface="+mn-ea"/>
-                <a:cs typeface="+mn-cs"/>
-              </a:defRPr>
-            </a:lvl5pPr>
-            <a:lvl6pPr marL="1714500" indent="0" algn="ctr" defTabSz="342900" rtl="0" eaLnBrk="1" latinLnBrk="0" hangingPunct="1">
-              <a:spcBef>
-                <a:spcPts val="750"/>
-              </a:spcBef>
-              <a:spcAft>
-                <a:spcPts val="0"/>
-              </a:spcAft>
-              <a:buClr>
-                <a:schemeClr val="accent1"/>
-              </a:buClr>
-              <a:buSzPct val="80000"/>
-              <a:buFont typeface="Wingdings 3" charset="2"/>
-              <a:buNone/>
-              <a:defRPr sz="900" kern="1200">
-                <a:solidFill>
-                  <a:schemeClr val="tx1">
-                    <a:tint val="75000"/>
-                  </a:schemeClr>
-                </a:solidFill>
-                <a:latin typeface="+mn-lt"/>
-                <a:ea typeface="+mn-ea"/>
-                <a:cs typeface="+mn-cs"/>
-              </a:defRPr>
-            </a:lvl6pPr>
-            <a:lvl7pPr marL="2057400" indent="0" algn="ctr" defTabSz="342900" rtl="0" eaLnBrk="1" latinLnBrk="0" hangingPunct="1">
-              <a:spcBef>
-                <a:spcPts val="750"/>
-              </a:spcBef>
-              <a:spcAft>
-                <a:spcPts val="0"/>
-              </a:spcAft>
-              <a:buClr>
-                <a:schemeClr val="accent1"/>
-              </a:buClr>
-              <a:buSzPct val="80000"/>
-              <a:buFont typeface="Wingdings 3" charset="2"/>
-              <a:buNone/>
-              <a:defRPr sz="900" kern="1200">
-                <a:solidFill>
-                  <a:schemeClr val="tx1">
-                    <a:tint val="75000"/>
-                  </a:schemeClr>
-                </a:solidFill>
-                <a:latin typeface="+mn-lt"/>
-                <a:ea typeface="+mn-ea"/>
-                <a:cs typeface="+mn-cs"/>
-              </a:defRPr>
-            </a:lvl7pPr>
-            <a:lvl8pPr marL="2400300" indent="0" algn="ctr" defTabSz="342900" rtl="0" eaLnBrk="1" latinLnBrk="0" hangingPunct="1">
-              <a:spcBef>
-                <a:spcPts val="750"/>
-              </a:spcBef>
-              <a:spcAft>
-                <a:spcPts val="0"/>
-              </a:spcAft>
-              <a:buClr>
-                <a:schemeClr val="accent1"/>
-              </a:buClr>
-              <a:buSzPct val="80000"/>
-              <a:buFont typeface="Wingdings 3" charset="2"/>
-              <a:buNone/>
-              <a:defRPr sz="900" kern="1200">
-                <a:solidFill>
-                  <a:schemeClr val="tx1">
-                    <a:tint val="75000"/>
-                  </a:schemeClr>
-                </a:solidFill>
-                <a:latin typeface="+mn-lt"/>
-                <a:ea typeface="+mn-ea"/>
-                <a:cs typeface="+mn-cs"/>
-              </a:defRPr>
-            </a:lvl8pPr>
-            <a:lvl9pPr marL="2743200" indent="0" algn="ctr" defTabSz="342900" rtl="0" eaLnBrk="1" latinLnBrk="0" hangingPunct="1">
-              <a:spcBef>
-                <a:spcPts val="750"/>
-              </a:spcBef>
-              <a:spcAft>
-                <a:spcPts val="0"/>
-              </a:spcAft>
-              <a:buClr>
-                <a:schemeClr val="accent1"/>
-              </a:buClr>
-              <a:buSzPct val="80000"/>
-              <a:buFont typeface="Wingdings 3" charset="2"/>
-              <a:buNone/>
-              <a:defRPr sz="900" kern="1200">
-                <a:solidFill>
-                  <a:schemeClr val="tx1">
-                    <a:tint val="75000"/>
-                  </a:schemeClr>
-                </a:solidFill>
-                <a:latin typeface="+mn-lt"/>
-                <a:ea typeface="+mn-ea"/>
-                <a:cs typeface="+mn-cs"/>
-              </a:defRPr>
-            </a:lvl9pPr>
-          </a:lstStyle>
-          <a:p>
-            <a:r>
-              <a:rPr lang="en-GB" dirty="0" smtClean="0"/>
-              <a:t>PIC18FxxQ24</a:t>
-            </a:r>
-          </a:p>
-          <a:p>
-            <a:r>
-              <a:rPr lang="en-GB" dirty="0" smtClean="0"/>
-              <a:t>Part </a:t>
-            </a:r>
-            <a:r>
-              <a:rPr lang="en-GB" dirty="0" smtClean="0"/>
-              <a:t>15 – External interrupt</a:t>
-            </a:r>
-            <a:endParaRPr lang="en-GB" dirty="0"/>
-          </a:p>
-        </p:txBody>
-      </p:sp>
-      <p:pic>
-        <p:nvPicPr>
-          <p:cNvPr id="10" name="Picture 2" descr="PIC18F26Q24"/>
-          <p:cNvPicPr>
-            <a:picLocks noChangeAspect="1" noChangeArrowheads="1"/>
-          </p:cNvPicPr>
-          <p:nvPr/>
-        </p:nvPicPr>
-        <p:blipFill>
-          <a:blip r:embed="rId3" cstate="print">
-            <a:extLst>
-              <a:ext uri="{28A0092B-C50C-407E-A947-70E740481C1C}">
-                <a14:useLocalDpi xmlns:a14="http://schemas.microsoft.com/office/drawing/2010/main" val="0"/>
-              </a:ext>
-            </a:extLst>
-          </a:blip>
-          <a:srcRect/>
-          <a:stretch>
-            <a:fillRect/>
-          </a:stretch>
-        </p:blipFill>
-        <p:spPr bwMode="auto">
-          <a:xfrm>
-            <a:off x="1907705" y="4116163"/>
-            <a:ext cx="1280738" cy="922132"/>
-          </a:xfrm>
-          <a:prstGeom prst="rect">
-            <a:avLst/>
-          </a:prstGeom>
-          <a:noFill/>
-          <a:extLst>
-            <a:ext uri="{909E8E84-426E-40DD-AFC4-6F175D3DCCD1}">
-              <a14:hiddenFill xmlns:a14="http://schemas.microsoft.com/office/drawing/2010/main">
-                <a:solidFill>
-                  <a:srgbClr val="FFFFFF"/>
-                </a:solidFill>
-              </a14:hiddenFill>
-            </a:ext>
-          </a:extLst>
-        </p:spPr>
-      </p:pic>
     </p:spTree>
+    <p:extLst>
+      <p:ext uri="{BB962C8B-B14F-4D97-AF65-F5344CB8AC3E}">
+        <p14:creationId xmlns:p14="http://schemas.microsoft.com/office/powerpoint/2010/main" val="407623154"/>
+      </p:ext>
+    </p:extLst>
   </p:cSld>
   <p:clrMapOvr>
     <a:masterClrMapping/>
@@ -12524,6 +12492,548 @@
       <p:transition spd="slow"/>
     </mc:Fallback>
   </mc:AlternateContent>
+  <p:timing>
+    <p:tnLst>
+      <p:par>
+        <p:cTn id="1" dur="indefinite" restart="never" nodeType="tmRoot"/>
+      </p:par>
+    </p:tnLst>
+  </p:timing>
+</p:sld>
+</file>
+
+<file path=ppt/slides/slide20.xml><?xml version="1.0" encoding="utf-8"?>
+<p:sld xmlns:a="http://schemas.openxmlformats.org/drawingml/2006/main" xmlns:r="http://schemas.openxmlformats.org/officeDocument/2006/relationships" xmlns:p="http://schemas.openxmlformats.org/presentationml/2006/main">
+  <p:cSld>
+    <p:spTree>
+      <p:nvGrpSpPr>
+        <p:cNvPr id="1" name=""/>
+        <p:cNvGrpSpPr/>
+        <p:nvPr/>
+      </p:nvGrpSpPr>
+      <p:grpSpPr>
+        <a:xfrm>
+          <a:off x="0" y="0"/>
+          <a:ext cx="0" cy="0"/>
+          <a:chOff x="0" y="0"/>
+          <a:chExt cx="0" cy="0"/>
+        </a:xfrm>
+      </p:grpSpPr>
+      <p:sp>
+        <p:nvSpPr>
+          <p:cNvPr id="2" name="Title 1"/>
+          <p:cNvSpPr>
+            <a:spLocks noGrp="1"/>
+          </p:cNvSpPr>
+          <p:nvPr>
+            <p:ph type="title"/>
+          </p:nvPr>
+        </p:nvSpPr>
+        <p:spPr/>
+        <p:txBody>
+          <a:bodyPr>
+            <a:normAutofit/>
+          </a:bodyPr>
+          <a:lstStyle/>
+          <a:p>
+            <a:r>
+              <a:rPr lang="en-GB" dirty="0" smtClean="0"/>
+              <a:t>Videos...</a:t>
+            </a:r>
+            <a:endParaRPr lang="en-GB" dirty="0"/>
+          </a:p>
+        </p:txBody>
+      </p:sp>
+      <p:sp>
+        <p:nvSpPr>
+          <p:cNvPr id="3" name="Content Placeholder 2"/>
+          <p:cNvSpPr>
+            <a:spLocks noGrp="1"/>
+          </p:cNvSpPr>
+          <p:nvPr>
+            <p:ph idx="1"/>
+          </p:nvPr>
+        </p:nvSpPr>
+        <p:spPr>
+          <a:xfrm>
+            <a:off x="467544" y="987574"/>
+            <a:ext cx="6447501" cy="4111476"/>
+          </a:xfrm>
+          <a:solidFill>
+            <a:schemeClr val="bg1"/>
+          </a:solidFill>
+        </p:spPr>
+        <p:txBody>
+          <a:bodyPr>
+            <a:noAutofit/>
+          </a:bodyPr>
+          <a:lstStyle/>
+          <a:p>
+            <a:pPr marL="180000" indent="-478483">
+              <a:spcBef>
+                <a:spcPts val="300"/>
+              </a:spcBef>
+              <a:buFont typeface="+mj-lt"/>
+              <a:buAutoNum type="arabicPeriod"/>
+            </a:pPr>
+            <a:r>
+              <a:rPr lang="en-GB" sz="1100" dirty="0"/>
+              <a:t>Install the hardware and make the board work </a:t>
+            </a:r>
+            <a:r>
+              <a:rPr lang="en-GB" sz="1100" dirty="0" smtClean="0"/>
+              <a:t>– make LEDs work</a:t>
+            </a:r>
+            <a:endParaRPr lang="en-GB" sz="1100" b="1" dirty="0"/>
+          </a:p>
+          <a:p>
+            <a:pPr marL="180000" indent="-478483">
+              <a:spcBef>
+                <a:spcPts val="300"/>
+              </a:spcBef>
+              <a:buFont typeface="+mj-lt"/>
+              <a:buAutoNum type="arabicPeriod"/>
+            </a:pPr>
+            <a:r>
+              <a:rPr lang="en-GB" sz="1100" dirty="0"/>
+              <a:t>Make  four LEDs flash in a sequence</a:t>
+            </a:r>
+          </a:p>
+          <a:p>
+            <a:pPr marL="180000" indent="-478483">
+              <a:spcBef>
+                <a:spcPts val="300"/>
+              </a:spcBef>
+              <a:buFont typeface="+mj-lt"/>
+              <a:buAutoNum type="arabicPeriod"/>
+            </a:pPr>
+            <a:r>
+              <a:rPr lang="en-GB" sz="1100" dirty="0"/>
+              <a:t>Set the LEDs to represent the value of ADC</a:t>
+            </a:r>
+          </a:p>
+          <a:p>
+            <a:pPr marL="180000" indent="-478483">
+              <a:spcBef>
+                <a:spcPts val="300"/>
+              </a:spcBef>
+              <a:buFont typeface="+mj-lt"/>
+              <a:buAutoNum type="arabicPeriod"/>
+            </a:pPr>
+            <a:r>
+              <a:rPr lang="en-GB" sz="1100" dirty="0"/>
+              <a:t>Sequence the LEDs with a delay using the value of ADC</a:t>
+            </a:r>
+          </a:p>
+          <a:p>
+            <a:pPr marL="180000" indent="-478483">
+              <a:spcBef>
+                <a:spcPts val="300"/>
+              </a:spcBef>
+              <a:buFont typeface="+mj-lt"/>
+              <a:buAutoNum type="arabicPeriod"/>
+            </a:pPr>
+            <a:r>
+              <a:rPr lang="en-GB" sz="1100" dirty="0"/>
+              <a:t>Using an input to set the state of the LEDs</a:t>
+            </a:r>
+          </a:p>
+          <a:p>
+            <a:pPr marL="180000" indent="-478483">
+              <a:spcBef>
+                <a:spcPts val="300"/>
+              </a:spcBef>
+              <a:buFont typeface="+mj-lt"/>
+              <a:buAutoNum type="arabicPeriod"/>
+            </a:pPr>
+            <a:r>
+              <a:rPr lang="en-GB" sz="1100" dirty="0"/>
+              <a:t>Using the reset switch</a:t>
+            </a:r>
+          </a:p>
+          <a:p>
+            <a:pPr marL="180000" indent="-478483">
+              <a:spcBef>
+                <a:spcPts val="300"/>
+              </a:spcBef>
+              <a:buFont typeface="+mj-lt"/>
+              <a:buAutoNum type="arabicPeriod"/>
+            </a:pPr>
+            <a:r>
+              <a:rPr lang="en-GB" sz="1100" dirty="0"/>
+              <a:t>Using the switch, ADC – make the LEDs flash in a sequence with reverse</a:t>
+            </a:r>
+          </a:p>
+          <a:p>
+            <a:pPr marL="180000" indent="-478483">
+              <a:spcBef>
+                <a:spcPts val="300"/>
+              </a:spcBef>
+              <a:buFont typeface="+mj-lt"/>
+              <a:buAutoNum type="arabicPeriod"/>
+            </a:pPr>
+            <a:r>
+              <a:rPr lang="en-GB" sz="1100" dirty="0"/>
+              <a:t>Using the serial to display values</a:t>
+            </a:r>
+          </a:p>
+          <a:p>
+            <a:pPr marL="180000" indent="-478483">
+              <a:spcBef>
+                <a:spcPts val="300"/>
+              </a:spcBef>
+              <a:buFont typeface="+mj-lt"/>
+              <a:buAutoNum type="arabicPeriod"/>
+            </a:pPr>
+            <a:r>
+              <a:rPr lang="en-GB" sz="1100" dirty="0"/>
+              <a:t>Using the timer0 overflow, 8bit timer, 16bit timer to flash the LEDs</a:t>
+            </a:r>
+          </a:p>
+          <a:p>
+            <a:pPr marL="180000" indent="-478483">
+              <a:spcBef>
+                <a:spcPts val="300"/>
+              </a:spcBef>
+              <a:buFont typeface="+mj-lt"/>
+              <a:buAutoNum type="arabicPeriod"/>
+            </a:pPr>
+            <a:r>
+              <a:rPr lang="en-GB" sz="1100" dirty="0"/>
+              <a:t>Using </a:t>
+            </a:r>
+            <a:r>
+              <a:rPr lang="en-GB" sz="1100" dirty="0" err="1"/>
+              <a:t>EEProm</a:t>
+            </a:r>
+            <a:r>
+              <a:rPr lang="en-GB" sz="1100" dirty="0"/>
+              <a:t> – showing values on the serial terminal, and more constants insights</a:t>
+            </a:r>
+          </a:p>
+          <a:p>
+            <a:pPr marL="180000" indent="-478483">
+              <a:spcBef>
+                <a:spcPts val="300"/>
+              </a:spcBef>
+              <a:buFont typeface="+mj-lt"/>
+              <a:buAutoNum type="arabicPeriod"/>
+            </a:pPr>
+            <a:r>
+              <a:rPr lang="en-GB" sz="1100" dirty="0"/>
+              <a:t>Using I2C with serial to discover I2C devices</a:t>
+            </a:r>
+          </a:p>
+          <a:p>
+            <a:pPr marL="180000" indent="-478483">
+              <a:spcBef>
+                <a:spcPts val="300"/>
+              </a:spcBef>
+              <a:buFont typeface="+mj-lt"/>
+              <a:buAutoNum type="arabicPeriod"/>
+            </a:pPr>
+            <a:r>
+              <a:rPr lang="en-GB" sz="1100" dirty="0"/>
+              <a:t>Using an I2C GCLD display</a:t>
+            </a:r>
+          </a:p>
+          <a:p>
+            <a:pPr marL="180000" indent="-478483">
+              <a:spcBef>
+                <a:spcPts val="300"/>
+              </a:spcBef>
+              <a:buFont typeface="+mj-lt"/>
+              <a:buAutoNum type="arabicPeriod"/>
+            </a:pPr>
+            <a:r>
+              <a:rPr lang="en-GB" sz="1100" dirty="0"/>
+              <a:t>Using a SPI GCLD display</a:t>
+            </a:r>
+          </a:p>
+          <a:p>
+            <a:pPr marL="180000" indent="-478483">
+              <a:spcBef>
+                <a:spcPts val="300"/>
+              </a:spcBef>
+              <a:buFont typeface="+mj-lt"/>
+              <a:buAutoNum type="arabicPeriod"/>
+            </a:pPr>
+            <a:r>
+              <a:rPr lang="en-GB" sz="1100" dirty="0"/>
+              <a:t>Using PWM, </a:t>
+            </a:r>
+            <a:r>
+              <a:rPr lang="en-GB" sz="1100" dirty="0" smtClean="0"/>
+              <a:t>many ways</a:t>
+            </a:r>
+            <a:r>
+              <a:rPr lang="en-GB" sz="1100" dirty="0"/>
+              <a:t>,  to dim the LEDS</a:t>
+            </a:r>
+          </a:p>
+          <a:p>
+            <a:pPr marL="180000" indent="-478483">
+              <a:spcBef>
+                <a:spcPts val="300"/>
+              </a:spcBef>
+              <a:buFont typeface="+mj-lt"/>
+              <a:buAutoNum type="arabicPeriod"/>
+            </a:pPr>
+            <a:r>
+              <a:rPr lang="en-GB" sz="1100" dirty="0"/>
+              <a:t>Using an external interrupt to control an LED</a:t>
+            </a:r>
+          </a:p>
+          <a:p>
+            <a:pPr marL="180000" indent="-478483">
+              <a:spcBef>
+                <a:spcPts val="300"/>
+              </a:spcBef>
+              <a:buFont typeface="+mj-lt"/>
+              <a:buAutoNum type="arabicPeriod"/>
+            </a:pPr>
+            <a:r>
+              <a:rPr lang="en-GB" sz="1100" b="1" dirty="0"/>
+              <a:t>Using storage within the chip – Progmem, </a:t>
+            </a:r>
+            <a:r>
+              <a:rPr lang="en-GB" sz="1100" b="1" dirty="0" smtClean="0"/>
+              <a:t>EEPROM </a:t>
+            </a:r>
+            <a:r>
+              <a:rPr lang="en-GB" sz="1100" b="1" dirty="0"/>
+              <a:t>and DATA blocks</a:t>
+            </a:r>
+          </a:p>
+          <a:p>
+            <a:pPr marL="180000" indent="-478483">
+              <a:spcBef>
+                <a:spcPts val="300"/>
+              </a:spcBef>
+              <a:buFont typeface="+mj-lt"/>
+              <a:buAutoNum type="arabicPeriod"/>
+            </a:pPr>
+            <a:r>
+              <a:rPr lang="en-GB" sz="1100" dirty="0" smtClean="0"/>
+              <a:t>The </a:t>
+            </a:r>
+            <a:r>
+              <a:rPr lang="en-GB" sz="1100" dirty="0"/>
+              <a:t>GCBASIC tool chain</a:t>
+            </a:r>
+          </a:p>
+          <a:p>
+            <a:pPr marL="180000" indent="-478483">
+              <a:spcBef>
+                <a:spcPts val="300"/>
+              </a:spcBef>
+              <a:buFont typeface="+mj-lt"/>
+              <a:buAutoNum type="arabicPeriod"/>
+            </a:pPr>
+            <a:r>
+              <a:rPr lang="en-GB" sz="1100" dirty="0"/>
+              <a:t>Assembly , alternatives assemblers and MPLAB-X</a:t>
+            </a:r>
+          </a:p>
+          <a:p>
+            <a:pPr marL="180000" indent="-478483">
+              <a:spcBef>
+                <a:spcPts val="300"/>
+              </a:spcBef>
+              <a:buFont typeface="+mj-lt"/>
+              <a:buAutoNum type="arabicPeriod"/>
+            </a:pPr>
+            <a:r>
+              <a:rPr lang="en-GB" sz="1100" dirty="0"/>
+              <a:t>Summary</a:t>
+            </a:r>
+          </a:p>
+          <a:p>
+            <a:pPr marL="180000" indent="-478483">
+              <a:spcBef>
+                <a:spcPts val="300"/>
+              </a:spcBef>
+              <a:buFont typeface="+mj-lt"/>
+              <a:buAutoNum type="arabicPeriod"/>
+            </a:pPr>
+            <a:endParaRPr lang="en-GB" sz="400" dirty="0" smtClean="0">
+              <a:solidFill>
+                <a:schemeClr val="bg1">
+                  <a:lumMod val="75000"/>
+                </a:schemeClr>
+              </a:solidFill>
+            </a:endParaRPr>
+          </a:p>
+          <a:p>
+            <a:pPr marL="180000" indent="-478483">
+              <a:spcBef>
+                <a:spcPts val="300"/>
+              </a:spcBef>
+              <a:buNone/>
+            </a:pPr>
+            <a:endParaRPr lang="en-GB" sz="700" dirty="0" smtClean="0"/>
+          </a:p>
+          <a:p>
+            <a:pPr marL="180000" indent="-478483">
+              <a:spcBef>
+                <a:spcPts val="300"/>
+              </a:spcBef>
+              <a:buFont typeface="+mj-lt"/>
+              <a:buAutoNum type="arabicPeriod"/>
+            </a:pPr>
+            <a:endParaRPr lang="en-GB" sz="700" dirty="0" smtClean="0"/>
+          </a:p>
+          <a:p>
+            <a:pPr marL="180000" indent="-478483">
+              <a:spcBef>
+                <a:spcPts val="300"/>
+              </a:spcBef>
+              <a:buFont typeface="+mj-lt"/>
+              <a:buAutoNum type="arabicPeriod"/>
+            </a:pPr>
+            <a:endParaRPr lang="en-GB" sz="500" dirty="0" smtClean="0"/>
+          </a:p>
+          <a:p>
+            <a:pPr marL="180000" indent="-478483">
+              <a:spcBef>
+                <a:spcPts val="300"/>
+              </a:spcBef>
+              <a:buFont typeface="+mj-lt"/>
+              <a:buAutoNum type="arabicPeriod"/>
+            </a:pPr>
+            <a:endParaRPr lang="en-GB" sz="500" dirty="0" smtClean="0"/>
+          </a:p>
+          <a:p>
+            <a:pPr marL="180000" indent="-478483">
+              <a:spcBef>
+                <a:spcPts val="300"/>
+              </a:spcBef>
+              <a:buFont typeface="+mj-lt"/>
+              <a:buAutoNum type="arabicPeriod"/>
+            </a:pPr>
+            <a:endParaRPr lang="en-GB" sz="500" dirty="0" smtClean="0"/>
+          </a:p>
+          <a:p>
+            <a:pPr marL="180000" indent="-478483">
+              <a:spcBef>
+                <a:spcPts val="300"/>
+              </a:spcBef>
+              <a:buFont typeface="+mj-lt"/>
+              <a:buAutoNum type="arabicPeriod"/>
+            </a:pPr>
+            <a:endParaRPr lang="en-GB" sz="500" dirty="0"/>
+          </a:p>
+        </p:txBody>
+      </p:sp>
+    </p:spTree>
+    <p:extLst>
+      <p:ext uri="{BB962C8B-B14F-4D97-AF65-F5344CB8AC3E}">
+        <p14:creationId xmlns:p14="http://schemas.microsoft.com/office/powerpoint/2010/main" val="2446384271"/>
+      </p:ext>
+    </p:extLst>
+  </p:cSld>
+  <p:clrMapOvr>
+    <a:masterClrMapping/>
+  </p:clrMapOvr>
+  <mc:AlternateContent xmlns:mc="http://schemas.openxmlformats.org/markup-compatibility/2006" xmlns:p14="http://schemas.microsoft.com/office/powerpoint/2010/main">
+    <mc:Choice Requires="p14">
+      <p:transition spd="slow" p14:dur="2000"/>
+    </mc:Choice>
+    <mc:Fallback xmlns="">
+      <p:transition spd="slow"/>
+    </mc:Fallback>
+  </mc:AlternateContent>
+  <p:timing>
+    <p:tnLst>
+      <p:par>
+        <p:cTn id="1" dur="indefinite" restart="never" nodeType="tmRoot"/>
+      </p:par>
+    </p:tnLst>
+  </p:timing>
+</p:sld>
+</file>
+
+<file path=ppt/slides/slide21.xml><?xml version="1.0" encoding="utf-8"?>
+<p:sld xmlns:a="http://schemas.openxmlformats.org/drawingml/2006/main" xmlns:r="http://schemas.openxmlformats.org/officeDocument/2006/relationships" xmlns:p="http://schemas.openxmlformats.org/presentationml/2006/main">
+  <p:cSld>
+    <p:spTree>
+      <p:nvGrpSpPr>
+        <p:cNvPr id="1" name=""/>
+        <p:cNvGrpSpPr/>
+        <p:nvPr/>
+      </p:nvGrpSpPr>
+      <p:grpSpPr>
+        <a:xfrm>
+          <a:off x="0" y="0"/>
+          <a:ext cx="0" cy="0"/>
+          <a:chOff x="0" y="0"/>
+          <a:chExt cx="0" cy="0"/>
+        </a:xfrm>
+      </p:grpSpPr>
+      <p:sp>
+        <p:nvSpPr>
+          <p:cNvPr id="4" name="Title 3"/>
+          <p:cNvSpPr>
+            <a:spLocks noGrp="1"/>
+          </p:cNvSpPr>
+          <p:nvPr>
+            <p:ph type="title"/>
+          </p:nvPr>
+        </p:nvSpPr>
+        <p:spPr/>
+        <p:txBody>
+          <a:bodyPr/>
+          <a:lstStyle/>
+          <a:p>
+            <a:r>
+              <a:rPr lang="en-GB" dirty="0" smtClean="0"/>
+              <a:t>GCBASIC</a:t>
+            </a:r>
+            <a:endParaRPr lang="en-GB" dirty="0"/>
+          </a:p>
+        </p:txBody>
+      </p:sp>
+      <p:sp>
+        <p:nvSpPr>
+          <p:cNvPr id="5" name="Text Placeholder 4"/>
+          <p:cNvSpPr>
+            <a:spLocks noGrp="1"/>
+          </p:cNvSpPr>
+          <p:nvPr>
+            <p:ph type="body" idx="1"/>
+          </p:nvPr>
+        </p:nvSpPr>
+        <p:spPr/>
+        <p:txBody>
+          <a:bodyPr>
+            <a:normAutofit/>
+          </a:bodyPr>
+          <a:lstStyle/>
+          <a:p>
+            <a:r>
+              <a:rPr lang="en-GB" dirty="0" smtClean="0"/>
+              <a:t>PIC16Fxxxx chip Family ( Legacy )</a:t>
+            </a:r>
+          </a:p>
+          <a:p>
+            <a:r>
+              <a:rPr lang="en-GB" dirty="0"/>
+              <a:t>Part 15 – External interrupt</a:t>
+            </a:r>
+            <a:endParaRPr lang="en-GB" sz="1600" dirty="0"/>
+          </a:p>
+        </p:txBody>
+      </p:sp>
+    </p:spTree>
+    <p:extLst>
+      <p:ext uri="{BB962C8B-B14F-4D97-AF65-F5344CB8AC3E}">
+        <p14:creationId xmlns:p14="http://schemas.microsoft.com/office/powerpoint/2010/main" val="1484228085"/>
+      </p:ext>
+    </p:extLst>
+  </p:cSld>
+  <p:clrMapOvr>
+    <a:masterClrMapping/>
+  </p:clrMapOvr>
   <p:timing>
     <p:tnLst>
       <p:par>
@@ -12707,121 +13217,10 @@
           </a:p>
         </p:txBody>
       </p:sp>
-      <p:pic>
-        <p:nvPicPr>
-          <p:cNvPr id="8" name="Picture 2" descr="PIC18F26Q24"/>
-          <p:cNvPicPr>
-            <a:picLocks noChangeAspect="1" noChangeArrowheads="1"/>
-          </p:cNvPicPr>
-          <p:nvPr/>
-        </p:nvPicPr>
-        <p:blipFill>
-          <a:blip r:embed="rId3" cstate="print">
-            <a:extLst>
-              <a:ext uri="{28A0092B-C50C-407E-A947-70E740481C1C}">
-                <a14:useLocalDpi xmlns:a14="http://schemas.microsoft.com/office/drawing/2010/main" val="0"/>
-              </a:ext>
-            </a:extLst>
-          </a:blip>
-          <a:srcRect/>
-          <a:stretch>
-            <a:fillRect/>
-          </a:stretch>
-        </p:blipFill>
-        <p:spPr bwMode="auto">
-          <a:xfrm>
-            <a:off x="1907705" y="4116163"/>
-            <a:ext cx="1280738" cy="922132"/>
-          </a:xfrm>
-          <a:prstGeom prst="rect">
-            <a:avLst/>
-          </a:prstGeom>
-          <a:noFill/>
-          <a:extLst>
-            <a:ext uri="{909E8E84-426E-40DD-AFC4-6F175D3DCCD1}">
-              <a14:hiddenFill xmlns:a14="http://schemas.microsoft.com/office/drawing/2010/main">
-                <a:solidFill>
-                  <a:srgbClr val="FFFFFF"/>
-                </a:solidFill>
-              </a14:hiddenFill>
-            </a:ext>
-          </a:extLst>
-        </p:spPr>
-      </p:pic>
-      <p:pic>
-        <p:nvPicPr>
-          <p:cNvPr id="10" name="Picture 8" descr="C:\Users\admin\OneDrive\Desktop\Picture1.jpg"/>
-          <p:cNvPicPr>
-            <a:picLocks noChangeAspect="1" noChangeArrowheads="1"/>
-          </p:cNvPicPr>
-          <p:nvPr/>
-        </p:nvPicPr>
-        <p:blipFill>
-          <a:blip r:embed="rId4">
-            <a:extLst>
-              <a:ext uri="{28A0092B-C50C-407E-A947-70E740481C1C}">
-                <a14:useLocalDpi xmlns:a14="http://schemas.microsoft.com/office/drawing/2010/main" val="0"/>
-              </a:ext>
-            </a:extLst>
-          </a:blip>
-          <a:srcRect/>
-          <a:stretch>
-            <a:fillRect/>
-          </a:stretch>
-        </p:blipFill>
-        <p:spPr bwMode="auto">
-          <a:xfrm>
-            <a:off x="3995936" y="3937587"/>
-            <a:ext cx="2320300" cy="1129258"/>
-          </a:xfrm>
-          <a:prstGeom prst="rect">
-            <a:avLst/>
-          </a:prstGeom>
-          <a:noFill/>
-          <a:extLst>
-            <a:ext uri="{909E8E84-426E-40DD-AFC4-6F175D3DCCD1}">
-              <a14:hiddenFill xmlns:a14="http://schemas.microsoft.com/office/drawing/2010/main">
-                <a:solidFill>
-                  <a:srgbClr val="FFFFFF"/>
-                </a:solidFill>
-              </a14:hiddenFill>
-            </a:ext>
-          </a:extLst>
-        </p:spPr>
-      </p:pic>
-      <p:sp>
-        <p:nvSpPr>
-          <p:cNvPr id="11" name="Date Placeholder 3"/>
-          <p:cNvSpPr>
-            <a:spLocks noGrp="1"/>
-          </p:cNvSpPr>
-          <p:nvPr>
-            <p:ph type="dt" sz="half" idx="10"/>
-          </p:nvPr>
-        </p:nvSpPr>
-        <p:spPr>
-          <a:xfrm>
-            <a:off x="6113182" y="4384422"/>
-            <a:ext cx="354882" cy="305233"/>
-          </a:xfrm>
-        </p:spPr>
-        <p:txBody>
-          <a:bodyPr/>
-          <a:lstStyle/>
-          <a:p>
-            <a:fld id="{1E700B27-DE4C-4B9E-BB11-B9027034A00F}" type="datetimeFigureOut">
-              <a:rPr lang="en-US" smtClean="0"/>
-              <a:pPr/>
-              <a:t>12/12/2024</a:t>
-            </a:fld>
-            <a:endParaRPr lang="en-US" dirty="0"/>
-          </a:p>
-        </p:txBody>
-      </p:sp>
     </p:spTree>
     <p:extLst>
       <p:ext uri="{BB962C8B-B14F-4D97-AF65-F5344CB8AC3E}">
-        <p14:creationId xmlns:p14="http://schemas.microsoft.com/office/powerpoint/2010/main" val="2553573428"/>
+        <p14:creationId xmlns:p14="http://schemas.microsoft.com/office/powerpoint/2010/main" val="4225445425"/>
       </p:ext>
     </p:extLst>
   </p:cSld>
@@ -12881,7 +13280,7 @@
             <a:pPr algn="l"/>
             <a:r>
               <a:rPr lang="en-GB" dirty="0" smtClean="0"/>
-              <a:t>PIC18FxxQ24</a:t>
+              <a:t>PIC16Fxxxx</a:t>
             </a:r>
             <a:endParaRPr lang="en-GB" dirty="0"/>
           </a:p>
@@ -12900,27 +13299,39 @@
         <p:spPr/>
         <p:txBody>
           <a:bodyPr>
-            <a:normAutofit fontScale="92500" lnSpcReduction="10000"/>
+            <a:normAutofit/>
           </a:bodyPr>
           <a:lstStyle/>
           <a:p>
             <a:r>
+              <a:rPr lang="en-GB" dirty="0"/>
+              <a:t>PIC16Fxxxx </a:t>
+            </a:r>
+            <a:r>
               <a:rPr lang="en-GB" dirty="0" smtClean="0"/>
-              <a:t>PIC18-Q24 is a high performance PIC18 </a:t>
+              <a:t> is a high performance PIC16</a:t>
             </a:r>
           </a:p>
           <a:p>
             <a:pPr lvl="1"/>
             <a:r>
               <a:rPr lang="en-GB" dirty="0" smtClean="0"/>
-              <a:t>Digital and Analog peripherals </a:t>
+              <a:t>Digital and </a:t>
+            </a:r>
+            <a:r>
+              <a:rPr lang="en-GB" dirty="0" err="1" smtClean="0"/>
+              <a:t>Analog</a:t>
+            </a:r>
+            <a:r>
+              <a:rPr lang="en-GB" dirty="0" smtClean="0"/>
+              <a:t> peripherals </a:t>
             </a:r>
           </a:p>
           <a:p>
             <a:pPr lvl="1"/>
             <a:r>
               <a:rPr lang="en-GB" dirty="0" smtClean="0"/>
-              <a:t>10-bit ADC</a:t>
+              <a:t>8 –bit or 10-bit ADC</a:t>
             </a:r>
           </a:p>
           <a:p>
@@ -12945,26 +13356,12 @@
             </a:r>
           </a:p>
           <a:p>
-            <a:pPr lvl="1"/>
+            <a:endParaRPr lang="en-GB" dirty="0" smtClean="0"/>
+          </a:p>
+          <a:p>
             <a:r>
               <a:rPr lang="en-GB" dirty="0" smtClean="0"/>
-              <a:t>Configurable Logic Cells</a:t>
-            </a:r>
-          </a:p>
-          <a:p>
-            <a:pPr lvl="1"/>
-            <a:r>
-              <a:rPr lang="en-GB" dirty="0" smtClean="0"/>
-              <a:t>Multi voltage domains</a:t>
-            </a:r>
-          </a:p>
-          <a:p>
-            <a:endParaRPr lang="en-GB" dirty="0" smtClean="0"/>
-          </a:p>
-          <a:p>
-            <a:r>
-              <a:rPr lang="en-GB" dirty="0" smtClean="0"/>
-              <a:t>The PIC18xxQ24 offers 28, 40 and 48-pin products in small footprint packages to support customers in a wide variety of applications. </a:t>
+              <a:t>The PIC16 offers 8, 14,18,20, 28, 40 and 48-pin packages to support customers in a wide variety of applications. </a:t>
             </a:r>
           </a:p>
           <a:p>
@@ -12973,15 +13370,20 @@
         </p:txBody>
       </p:sp>
     </p:spTree>
+    <p:extLst>
+      <p:ext uri="{BB962C8B-B14F-4D97-AF65-F5344CB8AC3E}">
+        <p14:creationId xmlns:p14="http://schemas.microsoft.com/office/powerpoint/2010/main" val="1089503276"/>
+      </p:ext>
+    </p:extLst>
   </p:cSld>
   <p:clrMapOvr>
     <a:masterClrMapping/>
   </p:clrMapOvr>
-  <mc:AlternateContent xmlns:mc="http://schemas.openxmlformats.org/markup-compatibility/2006">
-    <mc:Choice xmlns:p14="http://schemas.microsoft.com/office/powerpoint/2010/main" Requires="p14">
+  <mc:AlternateContent xmlns:mc="http://schemas.openxmlformats.org/markup-compatibility/2006" xmlns:p14="http://schemas.microsoft.com/office/powerpoint/2010/main">
+    <mc:Choice Requires="p14">
       <p:transition spd="slow" p14:dur="2000"/>
     </mc:Choice>
-    <mc:Fallback>
+    <mc:Fallback xmlns="">
       <p:transition spd="slow"/>
     </mc:Fallback>
   </mc:AlternateContent>
@@ -13071,8 +13473,13 @@
             </a:pPr>
             <a:r>
               <a:rPr lang="en-GB" sz="1100" dirty="0"/>
-              <a:t>Install the hardware and make the board work – three LED programs</a:t>
-            </a:r>
+              <a:t>Install the hardware and make the board work </a:t>
+            </a:r>
+            <a:r>
+              <a:rPr lang="en-GB" sz="1100" dirty="0" smtClean="0"/>
+              <a:t>– make LEDs work</a:t>
+            </a:r>
+            <a:endParaRPr lang="en-GB" sz="1100" b="1" dirty="0"/>
           </a:p>
           <a:p>
             <a:pPr marL="180000" indent="-478483">
@@ -13175,15 +13582,7 @@
             </a:pPr>
             <a:r>
               <a:rPr lang="en-GB" sz="1100" dirty="0"/>
-              <a:t>Using the </a:t>
-            </a:r>
-            <a:r>
-              <a:rPr lang="en-GB" sz="1100" dirty="0" smtClean="0"/>
-              <a:t>timer0 </a:t>
-            </a:r>
-            <a:r>
-              <a:rPr lang="en-GB" sz="1100" dirty="0"/>
-              <a:t>overflow, 8bit timer, 16bit timer to flash the LEDs</a:t>
+              <a:t>Using the timer0 overflow, 8bit timer, 16bit timer to flash the LEDs</a:t>
             </a:r>
           </a:p>
           <a:p>
@@ -13196,7 +13595,15 @@
             </a:pPr>
             <a:r>
               <a:rPr lang="en-GB" sz="1100" dirty="0"/>
-              <a:t>Using EEProm – showing values on the serial terminal, and more constants insights</a:t>
+              <a:t>Using </a:t>
+            </a:r>
+            <a:r>
+              <a:rPr lang="en-GB" sz="1100" dirty="0" err="1"/>
+              <a:t>EEProm</a:t>
+            </a:r>
+            <a:r>
+              <a:rPr lang="en-GB" sz="1100" dirty="0"/>
+              <a:t> – showing values on the serial terminal, and more constants insights</a:t>
             </a:r>
           </a:p>
           <a:p>
@@ -13222,21 +13629,8 @@
             </a:pPr>
             <a:r>
               <a:rPr lang="en-GB" sz="1100" dirty="0"/>
-              <a:t>Using </a:t>
-            </a:r>
-            <a:r>
-              <a:rPr lang="en-GB" sz="1100" dirty="0" smtClean="0"/>
-              <a:t>I2C </a:t>
-            </a:r>
-            <a:r>
-              <a:rPr lang="en-GB" sz="1100" dirty="0"/>
-              <a:t>GCLD </a:t>
-            </a:r>
-            <a:r>
-              <a:rPr lang="en-GB" sz="1100" dirty="0" smtClean="0"/>
-              <a:t>display solutions</a:t>
-            </a:r>
-            <a:endParaRPr lang="en-GB" sz="1100" dirty="0"/>
+              <a:t>Using an I2C GCLD display</a:t>
+            </a:r>
           </a:p>
           <a:p>
             <a:pPr marL="180000" indent="-478483">
@@ -13248,13 +13642,8 @@
             </a:pPr>
             <a:r>
               <a:rPr lang="en-GB" sz="1100" dirty="0"/>
-              <a:t>Using a </a:t>
-            </a:r>
-            <a:r>
-              <a:rPr lang="en-GB" sz="1100" dirty="0" smtClean="0"/>
-              <a:t>SPI GLCD  display solutions</a:t>
-            </a:r>
-            <a:endParaRPr lang="en-GB" sz="1100" dirty="0"/>
+              <a:t>Using a SPI GCLD display</a:t>
+            </a:r>
           </a:p>
           <a:p>
             <a:pPr marL="180000" indent="-478483">
@@ -13270,11 +13659,11 @@
             </a:r>
             <a:r>
               <a:rPr lang="en-GB" sz="1100" dirty="0" smtClean="0"/>
-              <a:t>6  </a:t>
+              <a:t>many ways</a:t>
             </a:r>
             <a:r>
               <a:rPr lang="en-GB" sz="1100" dirty="0"/>
-              <a:t>ways,  to dim the LEDS</a:t>
+              <a:t>,  to dim the LEDS</a:t>
             </a:r>
           </a:p>
           <a:p>
@@ -13300,7 +13689,15 @@
             </a:pPr>
             <a:r>
               <a:rPr lang="en-GB" sz="1100" dirty="0"/>
-              <a:t>Using storage within the chip – Progmem, SAF memory, EEPROM and DATA blocks</a:t>
+              <a:t>Using storage within the chip – Progmem, </a:t>
+            </a:r>
+            <a:r>
+              <a:rPr lang="en-GB" sz="1100" dirty="0" smtClean="0"/>
+              <a:t>EEPROM </a:t>
+            </a:r>
+            <a:r>
+              <a:rPr lang="en-GB" sz="1100" dirty="0"/>
+              <a:t>and DATA blocks</a:t>
             </a:r>
           </a:p>
           <a:p>
@@ -13312,21 +13709,12 @@
               <a:buAutoNum type="arabicPeriod"/>
             </a:pPr>
             <a:r>
+              <a:rPr lang="en-GB" sz="1100" dirty="0" smtClean="0"/>
+              <a:t>The </a:t>
+            </a:r>
+            <a:r>
               <a:rPr lang="en-GB" sz="1100" dirty="0"/>
-              <a:t>Using CLC</a:t>
-            </a:r>
-          </a:p>
-          <a:p>
-            <a:pPr marL="180000" indent="-478483">
-              <a:spcBef>
-                <a:spcPts val="300"/>
-              </a:spcBef>
-              <a:buFont typeface="+mj-lt"/>
-              <a:buAutoNum type="arabicPeriod"/>
-            </a:pPr>
-            <a:r>
-              <a:rPr lang="en-GB" sz="1100" dirty="0"/>
-              <a:t>The GCBASIC tool chain</a:t>
+              <a:t>GCBASIC tool chain</a:t>
             </a:r>
           </a:p>
           <a:p>
@@ -13435,7 +13823,7 @@
     </p:spTree>
     <p:extLst>
       <p:ext uri="{BB962C8B-B14F-4D97-AF65-F5344CB8AC3E}">
-        <p14:creationId xmlns:p14="http://schemas.microsoft.com/office/powerpoint/2010/main" val="1947865557"/>
+        <p14:creationId xmlns:p14="http://schemas.microsoft.com/office/powerpoint/2010/main" val="3065518266"/>
       </p:ext>
     </p:extLst>
   </p:cSld>
@@ -13558,7 +13946,7 @@
         <p:spPr>
           <a:xfrm>
             <a:off x="3563888" y="2643758"/>
-            <a:ext cx="3528392" cy="1393943"/>
+            <a:ext cx="3528392" cy="1655553"/>
           </a:xfrm>
           <a:prstGeom prst="rect">
             <a:avLst/>
@@ -13573,7 +13961,7 @@
           <a:p>
             <a:r>
               <a:rPr lang="en-GB" dirty="0" smtClean="0"/>
-              <a:t>GCBASIC is an Open Source compiler for PIC and AVR microcontrollers</a:t>
+              <a:t>GCBASIC is an Open Source compiler for PIC, AVR and LGT microcontrollers</a:t>
             </a:r>
           </a:p>
           <a:p>
@@ -13582,13 +13970,18 @@
           <a:p>
             <a:r>
               <a:rPr lang="en-GB" dirty="0" smtClean="0"/>
-              <a:t>GCBASIC now supports the 18FxxQ24 chip family</a:t>
+              <a:t>GCBASIC supports the 16Fxxxx chip family</a:t>
             </a:r>
             <a:endParaRPr lang="en-GB" dirty="0"/>
           </a:p>
         </p:txBody>
       </p:sp>
     </p:spTree>
+    <p:extLst>
+      <p:ext uri="{BB962C8B-B14F-4D97-AF65-F5344CB8AC3E}">
+        <p14:creationId xmlns:p14="http://schemas.microsoft.com/office/powerpoint/2010/main" val="2347759736"/>
+      </p:ext>
+    </p:extLst>
   </p:cSld>
   <p:clrMapOvr>
     <a:masterClrMapping/>
@@ -13614,14 +14007,6 @@
 <file path=ppt/slides/slide7.xml><?xml version="1.0" encoding="utf-8"?>
 <p:sld xmlns:a="http://schemas.openxmlformats.org/drawingml/2006/main" xmlns:r="http://schemas.openxmlformats.org/officeDocument/2006/relationships" xmlns:p="http://schemas.openxmlformats.org/presentationml/2006/main">
   <p:cSld>
-    <p:bg>
-      <p:bgPr>
-        <a:solidFill>
-          <a:schemeClr val="bg1"/>
-        </a:solidFill>
-        <a:effectLst/>
-      </p:bgPr>
-    </p:bg>
     <p:spTree>
       <p:nvGrpSpPr>
         <p:cNvPr id="1" name=""/>
@@ -13670,14 +14055,11 @@
             <p:ph idx="1"/>
           </p:nvPr>
         </p:nvSpPr>
-        <p:spPr>
-          <a:xfrm>
-            <a:off x="508001" y="1707654"/>
-            <a:ext cx="6447501" cy="2744167"/>
-          </a:xfrm>
-        </p:spPr>
-        <p:txBody>
-          <a:bodyPr/>
+        <p:spPr/>
+        <p:txBody>
+          <a:bodyPr>
+            <a:normAutofit/>
+          </a:bodyPr>
           <a:lstStyle/>
           <a:p>
             <a:r>
@@ -13703,7 +14085,7 @@
             <a:pPr marL="778521" lvl="1" indent="-478483"/>
             <a:r>
               <a:rPr lang="en-GB" dirty="0" smtClean="0"/>
-              <a:t>Test that you have the 18FxxQ24 attached</a:t>
+              <a:t>Test that you have the PIC attached</a:t>
             </a:r>
           </a:p>
           <a:p>
@@ -13724,30 +14106,46 @@
             <a:pPr marL="778521" lvl="1" indent="-478483"/>
             <a:r>
               <a:rPr lang="en-GB" dirty="0" smtClean="0"/>
-              <a:t>You have </a:t>
-            </a:r>
-            <a:r>
-              <a:rPr lang="en-GB" dirty="0" err="1" smtClean="0"/>
-              <a:t>SWITCHes</a:t>
-            </a:r>
+              <a:t>You have switches connected</a:t>
+            </a:r>
+          </a:p>
+          <a:p>
+            <a:pPr marL="778521" lvl="1" indent="-478483"/>
             <a:r>
               <a:rPr lang="en-GB" dirty="0" smtClean="0"/>
-              <a:t> connected</a:t>
+              <a:t>You have USB/TTL serial converter</a:t>
             </a:r>
           </a:p>
           <a:p>
             <a:pPr marL="778521" lvl="1" indent="-478483"/>
             <a:r>
               <a:rPr lang="en-GB" dirty="0" smtClean="0"/>
-              <a:t>You have a USB/TTL converter</a:t>
-            </a:r>
+              <a:t>You have LCD</a:t>
+            </a:r>
+          </a:p>
+          <a:p>
+            <a:pPr marL="0" indent="0">
+              <a:buNone/>
+            </a:pPr>
+            <a:endParaRPr lang="en-GB" dirty="0" smtClean="0"/>
+          </a:p>
+          <a:p>
+            <a:pPr marL="0" indent="0">
+              <a:buNone/>
+            </a:pPr>
+            <a:endParaRPr lang="en-GB" dirty="0"/>
           </a:p>
         </p:txBody>
       </p:sp>
     </p:spTree>
+    <p:extLst>
+      <p:ext uri="{BB962C8B-B14F-4D97-AF65-F5344CB8AC3E}">
+        <p14:creationId xmlns:p14="http://schemas.microsoft.com/office/powerpoint/2010/main" val="2736487800"/>
+      </p:ext>
+    </p:extLst>
   </p:cSld>
   <p:clrMapOvr>
-    <a:overrideClrMapping bg1="lt1" tx1="dk1" bg2="lt2" tx2="dk2" accent1="accent1" accent2="accent2" accent3="accent3" accent4="accent4" accent5="accent5" accent6="accent6" hlink="hlink" folHlink="folHlink"/>
+    <a:masterClrMapping/>
   </p:clrMapOvr>
   <mc:AlternateContent xmlns:mc="http://schemas.openxmlformats.org/markup-compatibility/2006" xmlns:p14="http://schemas.microsoft.com/office/powerpoint/2010/main">
     <mc:Choice Requires="p14">
@@ -13784,32 +14182,9 @@
           <a:chExt cx="0" cy="0"/>
         </a:xfrm>
       </p:grpSpPr>
-      <p:sp>
-        <p:nvSpPr>
-          <p:cNvPr id="2" name="Title 1"/>
-          <p:cNvSpPr>
-            <a:spLocks noGrp="1"/>
-          </p:cNvSpPr>
-          <p:nvPr>
-            <p:ph type="title"/>
-          </p:nvPr>
-        </p:nvSpPr>
-        <p:spPr/>
-        <p:txBody>
-          <a:bodyPr/>
-          <a:lstStyle/>
-          <a:p>
-            <a:r>
-              <a:rPr lang="en-GB" dirty="0" smtClean="0"/>
-              <a:t>Power Domain – VDDIO2</a:t>
-            </a:r>
-            <a:endParaRPr lang="en-GB" dirty="0"/>
-          </a:p>
-        </p:txBody>
-      </p:sp>
       <p:pic>
         <p:nvPicPr>
-          <p:cNvPr id="4" name="Picture 2"/>
+          <p:cNvPr id="1026" name="Picture 2"/>
           <p:cNvPicPr>
             <a:picLocks noChangeAspect="1" noChangeArrowheads="1"/>
           </p:cNvPicPr>
@@ -13830,8 +14205,8 @@
         </p:blipFill>
         <p:spPr bwMode="auto">
           <a:xfrm>
-            <a:off x="1619672" y="987574"/>
-            <a:ext cx="4680520" cy="4086415"/>
+            <a:off x="107504" y="778048"/>
+            <a:ext cx="5087696" cy="4362922"/>
           </a:xfrm>
           <a:prstGeom prst="rect">
             <a:avLst/>
@@ -13871,10 +14246,560 @@
           </a:extLst>
         </p:spPr>
       </p:pic>
+      <p:sp>
+        <p:nvSpPr>
+          <p:cNvPr id="2" name="Title 1"/>
+          <p:cNvSpPr>
+            <a:spLocks noGrp="1"/>
+          </p:cNvSpPr>
+          <p:nvPr>
+            <p:ph type="title"/>
+          </p:nvPr>
+        </p:nvSpPr>
+        <p:spPr/>
+        <p:txBody>
+          <a:bodyPr/>
+          <a:lstStyle/>
+          <a:p>
+            <a:pPr algn="l"/>
+            <a:r>
+              <a:rPr lang="en-GB" dirty="0" smtClean="0"/>
+              <a:t>Hardware</a:t>
+            </a:r>
+            <a:endParaRPr lang="en-GB" dirty="0"/>
+          </a:p>
+        </p:txBody>
+      </p:sp>
+      <p:sp>
+        <p:nvSpPr>
+          <p:cNvPr id="5" name="Rectangle 4"/>
+          <p:cNvSpPr/>
+          <p:nvPr/>
+        </p:nvSpPr>
+        <p:spPr>
+          <a:xfrm>
+            <a:off x="5239650" y="1173882"/>
+            <a:ext cx="3825992" cy="3216265"/>
+          </a:xfrm>
+          <a:prstGeom prst="rect">
+            <a:avLst/>
+          </a:prstGeom>
+          <a:solidFill>
+            <a:schemeClr val="bg1"/>
+          </a:solidFill>
+        </p:spPr>
+        <p:txBody>
+          <a:bodyPr wrap="square">
+            <a:spAutoFit/>
+          </a:bodyPr>
+          <a:lstStyle/>
+          <a:p>
+            <a:r>
+              <a:rPr lang="en-GB" sz="700" b="1" dirty="0">
+                <a:latin typeface="Courier New" panose="02070309020205020404" pitchFamily="49" charset="0"/>
+                <a:cs typeface="Courier New" panose="02070309020205020404" pitchFamily="49" charset="0"/>
+              </a:rPr>
+              <a:t>The PICDEM 2 Plus Demonstration Board </a:t>
+            </a:r>
+            <a:endParaRPr lang="en-GB" sz="700" b="1" dirty="0" smtClean="0">
+              <a:latin typeface="Courier New" panose="02070309020205020404" pitchFamily="49" charset="0"/>
+              <a:cs typeface="Courier New" panose="02070309020205020404" pitchFamily="49" charset="0"/>
+            </a:endParaRPr>
+          </a:p>
+          <a:p>
+            <a:endParaRPr lang="en-GB" sz="700" b="1" dirty="0" smtClean="0">
+              <a:latin typeface="Courier New" panose="02070309020205020404" pitchFamily="49" charset="0"/>
+              <a:cs typeface="Courier New" panose="02070309020205020404" pitchFamily="49" charset="0"/>
+            </a:endParaRPr>
+          </a:p>
+          <a:p>
+            <a:pPr marL="228600" indent="-228600">
+              <a:buAutoNum type="arabicPeriod"/>
+            </a:pPr>
+            <a:r>
+              <a:rPr lang="en-GB" sz="700" dirty="0" smtClean="0">
+                <a:latin typeface="Courier New" panose="02070309020205020404" pitchFamily="49" charset="0"/>
+                <a:cs typeface="Courier New" panose="02070309020205020404" pitchFamily="49" charset="0"/>
+              </a:rPr>
+              <a:t>18-</a:t>
+            </a:r>
+            <a:r>
+              <a:rPr lang="en-GB" sz="700" dirty="0">
+                <a:latin typeface="Courier New" panose="02070309020205020404" pitchFamily="49" charset="0"/>
+                <a:cs typeface="Courier New" panose="02070309020205020404" pitchFamily="49" charset="0"/>
+              </a:rPr>
+              <a:t>, 28- and 40-pin DIP sockets (although three sockets are provided, only one device may be used at a time) </a:t>
+            </a:r>
+            <a:endParaRPr lang="en-GB" sz="700" dirty="0" smtClean="0">
+              <a:latin typeface="Courier New" panose="02070309020205020404" pitchFamily="49" charset="0"/>
+              <a:cs typeface="Courier New" panose="02070309020205020404" pitchFamily="49" charset="0"/>
+            </a:endParaRPr>
+          </a:p>
+          <a:p>
+            <a:pPr marL="228600" indent="-228600">
+              <a:buAutoNum type="arabicPeriod"/>
+            </a:pPr>
+            <a:r>
+              <a:rPr lang="en-GB" sz="700" dirty="0" smtClean="0">
+                <a:latin typeface="Courier New" panose="02070309020205020404" pitchFamily="49" charset="0"/>
+                <a:cs typeface="Courier New" panose="02070309020205020404" pitchFamily="49" charset="0"/>
+              </a:rPr>
+              <a:t>On-board</a:t>
+            </a:r>
+            <a:r>
+              <a:rPr lang="en-GB" sz="700" dirty="0">
+                <a:latin typeface="Courier New" panose="02070309020205020404" pitchFamily="49" charset="0"/>
+                <a:cs typeface="Courier New" panose="02070309020205020404" pitchFamily="49" charset="0"/>
+              </a:rPr>
+              <a:t>, +5V regulator for direct input from 9V, 100 mA AC/DC wall adapter or 9V battery, or hooks for a +5V, 100 mA regulated DC supply </a:t>
+            </a:r>
+            <a:endParaRPr lang="en-GB" sz="700" dirty="0" smtClean="0">
+              <a:latin typeface="Courier New" panose="02070309020205020404" pitchFamily="49" charset="0"/>
+              <a:cs typeface="Courier New" panose="02070309020205020404" pitchFamily="49" charset="0"/>
+            </a:endParaRPr>
+          </a:p>
+          <a:p>
+            <a:pPr marL="228600" indent="-228600">
+              <a:buAutoNum type="arabicPeriod"/>
+            </a:pPr>
+            <a:r>
+              <a:rPr lang="en-GB" sz="700" dirty="0" smtClean="0">
+                <a:latin typeface="Courier New" panose="02070309020205020404" pitchFamily="49" charset="0"/>
+                <a:cs typeface="Courier New" panose="02070309020205020404" pitchFamily="49" charset="0"/>
+              </a:rPr>
+              <a:t>RS-232 </a:t>
+            </a:r>
+            <a:r>
+              <a:rPr lang="en-GB" sz="700" dirty="0">
+                <a:latin typeface="Courier New" panose="02070309020205020404" pitchFamily="49" charset="0"/>
+                <a:cs typeface="Courier New" panose="02070309020205020404" pitchFamily="49" charset="0"/>
+              </a:rPr>
+              <a:t>socket and associated hardware for direct connection to an RS-232 </a:t>
+            </a:r>
+            <a:r>
+              <a:rPr lang="en-GB" sz="700" dirty="0" smtClean="0">
+                <a:latin typeface="Courier New" panose="02070309020205020404" pitchFamily="49" charset="0"/>
+                <a:cs typeface="Courier New" panose="02070309020205020404" pitchFamily="49" charset="0"/>
+              </a:rPr>
+              <a:t>interface</a:t>
+            </a:r>
+          </a:p>
+          <a:p>
+            <a:pPr marL="228600" indent="-228600">
+              <a:buAutoNum type="arabicPeriod"/>
+            </a:pPr>
+            <a:r>
+              <a:rPr lang="en-GB" sz="700" dirty="0" smtClean="0">
+                <a:latin typeface="Courier New" panose="02070309020205020404" pitchFamily="49" charset="0"/>
+                <a:cs typeface="Courier New" panose="02070309020205020404" pitchFamily="49" charset="0"/>
+              </a:rPr>
+              <a:t>Programmer/debugger </a:t>
+            </a:r>
+            <a:r>
+              <a:rPr lang="en-GB" sz="700" dirty="0">
+                <a:latin typeface="Courier New" panose="02070309020205020404" pitchFamily="49" charset="0"/>
+                <a:cs typeface="Courier New" panose="02070309020205020404" pitchFamily="49" charset="0"/>
+              </a:rPr>
+              <a:t>connectivity supporting MPLAB® ICD 3, MPLAB REAL ICE, </a:t>
+            </a:r>
+            <a:r>
+              <a:rPr lang="en-GB" sz="700" dirty="0" err="1">
+                <a:latin typeface="Courier New" panose="02070309020205020404" pitchFamily="49" charset="0"/>
+                <a:cs typeface="Courier New" panose="02070309020205020404" pitchFamily="49" charset="0"/>
+              </a:rPr>
+              <a:t>PICkit</a:t>
+            </a:r>
+            <a:r>
+              <a:rPr lang="en-GB" sz="700" dirty="0">
+                <a:latin typeface="Courier New" panose="02070309020205020404" pitchFamily="49" charset="0"/>
+                <a:cs typeface="Courier New" panose="02070309020205020404" pitchFamily="49" charset="0"/>
+              </a:rPr>
+              <a:t> </a:t>
+            </a:r>
+            <a:r>
+              <a:rPr lang="en-GB" sz="700" dirty="0" smtClean="0">
+                <a:latin typeface="Courier New" panose="02070309020205020404" pitchFamily="49" charset="0"/>
+                <a:cs typeface="Courier New" panose="02070309020205020404" pitchFamily="49" charset="0"/>
+              </a:rPr>
+              <a:t>2 </a:t>
+            </a:r>
+            <a:r>
+              <a:rPr lang="en-GB" sz="700" dirty="0">
+                <a:latin typeface="Courier New" panose="02070309020205020404" pitchFamily="49" charset="0"/>
+                <a:cs typeface="Courier New" panose="02070309020205020404" pitchFamily="49" charset="0"/>
+              </a:rPr>
+              <a:t>and </a:t>
+            </a:r>
+            <a:r>
+              <a:rPr lang="en-GB" sz="700" dirty="0" err="1">
+                <a:latin typeface="Courier New" panose="02070309020205020404" pitchFamily="49" charset="0"/>
+                <a:cs typeface="Courier New" panose="02070309020205020404" pitchFamily="49" charset="0"/>
+              </a:rPr>
+              <a:t>PICkit</a:t>
+            </a:r>
+            <a:r>
+              <a:rPr lang="en-GB" sz="700" dirty="0">
+                <a:latin typeface="Courier New" panose="02070309020205020404" pitchFamily="49" charset="0"/>
+                <a:cs typeface="Courier New" panose="02070309020205020404" pitchFamily="49" charset="0"/>
+              </a:rPr>
+              <a:t> 3 </a:t>
+            </a:r>
+            <a:endParaRPr lang="en-GB" sz="700" dirty="0" smtClean="0">
+              <a:latin typeface="Courier New" panose="02070309020205020404" pitchFamily="49" charset="0"/>
+              <a:cs typeface="Courier New" panose="02070309020205020404" pitchFamily="49" charset="0"/>
+            </a:endParaRPr>
+          </a:p>
+          <a:p>
+            <a:pPr marL="228600" indent="-228600">
+              <a:buAutoNum type="arabicPeriod"/>
+            </a:pPr>
+            <a:r>
+              <a:rPr lang="en-GB" sz="700" dirty="0" err="1" smtClean="0">
+                <a:latin typeface="Courier New" panose="02070309020205020404" pitchFamily="49" charset="0"/>
+                <a:cs typeface="Courier New" panose="02070309020205020404" pitchFamily="49" charset="0"/>
+              </a:rPr>
+              <a:t>PICkit</a:t>
+            </a:r>
+            <a:r>
+              <a:rPr lang="en-GB" sz="700" dirty="0" smtClean="0">
+                <a:latin typeface="Courier New" panose="02070309020205020404" pitchFamily="49" charset="0"/>
+                <a:cs typeface="Courier New" panose="02070309020205020404" pitchFamily="49" charset="0"/>
+              </a:rPr>
+              <a:t> </a:t>
+            </a:r>
+            <a:r>
+              <a:rPr lang="en-GB" sz="700" dirty="0">
+                <a:latin typeface="Courier New" panose="02070309020205020404" pitchFamily="49" charset="0"/>
+                <a:cs typeface="Courier New" panose="02070309020205020404" pitchFamily="49" charset="0"/>
+              </a:rPr>
+              <a:t>Serial Connector for analysis of serial communications peripherals such as SPI or I2C™ </a:t>
+            </a:r>
+            <a:endParaRPr lang="en-GB" sz="700" dirty="0" smtClean="0">
+              <a:latin typeface="Courier New" panose="02070309020205020404" pitchFamily="49" charset="0"/>
+              <a:cs typeface="Courier New" panose="02070309020205020404" pitchFamily="49" charset="0"/>
+            </a:endParaRPr>
+          </a:p>
+          <a:p>
+            <a:pPr marL="228600" indent="-228600">
+              <a:buAutoNum type="arabicPeriod"/>
+            </a:pPr>
+            <a:r>
+              <a:rPr lang="en-GB" sz="700" dirty="0" smtClean="0">
+                <a:latin typeface="Courier New" panose="02070309020205020404" pitchFamily="49" charset="0"/>
+                <a:cs typeface="Courier New" panose="02070309020205020404" pitchFamily="49" charset="0"/>
+              </a:rPr>
+              <a:t>5 k </a:t>
+            </a:r>
+            <a:r>
+              <a:rPr lang="en-GB" sz="700" dirty="0">
+                <a:latin typeface="Courier New" panose="02070309020205020404" pitchFamily="49" charset="0"/>
+                <a:cs typeface="Courier New" panose="02070309020205020404" pitchFamily="49" charset="0"/>
+              </a:rPr>
+              <a:t>pot for devices with </a:t>
+            </a:r>
+            <a:r>
+              <a:rPr lang="en-GB" sz="700" dirty="0" err="1">
+                <a:latin typeface="Courier New" panose="02070309020205020404" pitchFamily="49" charset="0"/>
+                <a:cs typeface="Courier New" panose="02070309020205020404" pitchFamily="49" charset="0"/>
+              </a:rPr>
+              <a:t>analog</a:t>
+            </a:r>
+            <a:r>
+              <a:rPr lang="en-GB" sz="700" dirty="0">
+                <a:latin typeface="Courier New" panose="02070309020205020404" pitchFamily="49" charset="0"/>
+                <a:cs typeface="Courier New" panose="02070309020205020404" pitchFamily="49" charset="0"/>
+              </a:rPr>
+              <a:t> inputs </a:t>
+            </a:r>
+            <a:endParaRPr lang="en-GB" sz="700" dirty="0" smtClean="0">
+              <a:latin typeface="Courier New" panose="02070309020205020404" pitchFamily="49" charset="0"/>
+              <a:cs typeface="Courier New" panose="02070309020205020404" pitchFamily="49" charset="0"/>
+            </a:endParaRPr>
+          </a:p>
+          <a:p>
+            <a:pPr marL="228600" indent="-228600">
+              <a:buAutoNum type="arabicPeriod"/>
+            </a:pPr>
+            <a:r>
+              <a:rPr lang="en-GB" sz="700" dirty="0" smtClean="0">
+                <a:latin typeface="Courier New" panose="02070309020205020404" pitchFamily="49" charset="0"/>
+                <a:cs typeface="Courier New" panose="02070309020205020404" pitchFamily="49" charset="0"/>
+              </a:rPr>
+              <a:t>Three </a:t>
+            </a:r>
+            <a:r>
+              <a:rPr lang="en-GB" sz="700" dirty="0">
+                <a:latin typeface="Courier New" panose="02070309020205020404" pitchFamily="49" charset="0"/>
+                <a:cs typeface="Courier New" panose="02070309020205020404" pitchFamily="49" charset="0"/>
+              </a:rPr>
+              <a:t>push button switches for external stimulus and Reset </a:t>
+            </a:r>
+            <a:endParaRPr lang="en-GB" sz="700" dirty="0" smtClean="0">
+              <a:latin typeface="Courier New" panose="02070309020205020404" pitchFamily="49" charset="0"/>
+              <a:cs typeface="Courier New" panose="02070309020205020404" pitchFamily="49" charset="0"/>
+            </a:endParaRPr>
+          </a:p>
+          <a:p>
+            <a:pPr marL="228600" indent="-228600">
+              <a:buAutoNum type="arabicPeriod"/>
+            </a:pPr>
+            <a:r>
+              <a:rPr lang="en-GB" sz="700" dirty="0" smtClean="0">
+                <a:latin typeface="Courier New" panose="02070309020205020404" pitchFamily="49" charset="0"/>
+                <a:cs typeface="Courier New" panose="02070309020205020404" pitchFamily="49" charset="0"/>
+              </a:rPr>
+              <a:t>Power-on </a:t>
+            </a:r>
+            <a:r>
+              <a:rPr lang="en-GB" sz="700" dirty="0">
+                <a:latin typeface="Courier New" panose="02070309020205020404" pitchFamily="49" charset="0"/>
+                <a:cs typeface="Courier New" panose="02070309020205020404" pitchFamily="49" charset="0"/>
+              </a:rPr>
+              <a:t>indicator LED </a:t>
+            </a:r>
+            <a:endParaRPr lang="en-GB" sz="700" dirty="0" smtClean="0">
+              <a:latin typeface="Courier New" panose="02070309020205020404" pitchFamily="49" charset="0"/>
+              <a:cs typeface="Courier New" panose="02070309020205020404" pitchFamily="49" charset="0"/>
+            </a:endParaRPr>
+          </a:p>
+          <a:p>
+            <a:pPr marL="228600" indent="-228600">
+              <a:buAutoNum type="arabicPeriod"/>
+            </a:pPr>
+            <a:r>
+              <a:rPr lang="en-GB" sz="700" dirty="0" smtClean="0">
+                <a:latin typeface="Courier New" panose="02070309020205020404" pitchFamily="49" charset="0"/>
+                <a:cs typeface="Courier New" panose="02070309020205020404" pitchFamily="49" charset="0"/>
+              </a:rPr>
+              <a:t>Four </a:t>
+            </a:r>
+            <a:r>
+              <a:rPr lang="en-GB" sz="700" dirty="0">
+                <a:latin typeface="Courier New" panose="02070309020205020404" pitchFamily="49" charset="0"/>
+                <a:cs typeface="Courier New" panose="02070309020205020404" pitchFamily="49" charset="0"/>
+              </a:rPr>
+              <a:t>LEDs connected to PORTB </a:t>
+            </a:r>
+            <a:endParaRPr lang="en-GB" sz="700" dirty="0" smtClean="0">
+              <a:latin typeface="Courier New" panose="02070309020205020404" pitchFamily="49" charset="0"/>
+              <a:cs typeface="Courier New" panose="02070309020205020404" pitchFamily="49" charset="0"/>
+            </a:endParaRPr>
+          </a:p>
+          <a:p>
+            <a:pPr marL="228600" indent="-228600">
+              <a:buAutoNum type="arabicPeriod"/>
+            </a:pPr>
+            <a:r>
+              <a:rPr lang="en-GB" sz="700" dirty="0" smtClean="0">
+                <a:latin typeface="Courier New" panose="02070309020205020404" pitchFamily="49" charset="0"/>
+                <a:cs typeface="Courier New" panose="02070309020205020404" pitchFamily="49" charset="0"/>
+              </a:rPr>
+              <a:t>On-board </a:t>
+            </a:r>
+            <a:r>
+              <a:rPr lang="en-GB" sz="700" dirty="0">
+                <a:latin typeface="Courier New" panose="02070309020205020404" pitchFamily="49" charset="0"/>
+                <a:cs typeface="Courier New" panose="02070309020205020404" pitchFamily="49" charset="0"/>
+              </a:rPr>
+              <a:t>external oscillators including: a) Unpopulated DIP socket for canned crystal oscillator (Y2) b) RC oscillator circuit (R4, C3) c) Unpopulated holes for crystal connection (Y1) d) 32.768 kHz crystal for Timer1 clock operation (Y3</a:t>
+            </a:r>
+            <a:r>
+              <a:rPr lang="en-GB" sz="700" dirty="0" smtClean="0">
+                <a:latin typeface="Courier New" panose="02070309020205020404" pitchFamily="49" charset="0"/>
+                <a:cs typeface="Courier New" panose="02070309020205020404" pitchFamily="49" charset="0"/>
+              </a:rPr>
+              <a:t>)</a:t>
+            </a:r>
+          </a:p>
+          <a:p>
+            <a:pPr marL="228600" indent="-228600">
+              <a:buAutoNum type="arabicPeriod"/>
+            </a:pPr>
+            <a:r>
+              <a:rPr lang="en-GB" sz="700" dirty="0">
+                <a:latin typeface="Courier New" panose="02070309020205020404" pitchFamily="49" charset="0"/>
+                <a:cs typeface="Courier New" panose="02070309020205020404" pitchFamily="49" charset="0"/>
+              </a:rPr>
+              <a:t>32K x 8 Serial EEPROM</a:t>
+            </a:r>
+          </a:p>
+          <a:p>
+            <a:pPr marL="228600" indent="-228600">
+              <a:buAutoNum type="arabicPeriod"/>
+            </a:pPr>
+            <a:r>
+              <a:rPr lang="en-GB" sz="700" dirty="0" smtClean="0">
+                <a:latin typeface="Courier New" panose="02070309020205020404" pitchFamily="49" charset="0"/>
+                <a:cs typeface="Courier New" panose="02070309020205020404" pitchFamily="49" charset="0"/>
+              </a:rPr>
+              <a:t>LCD </a:t>
+            </a:r>
+            <a:r>
+              <a:rPr lang="en-GB" sz="700" dirty="0">
+                <a:latin typeface="Courier New" panose="02070309020205020404" pitchFamily="49" charset="0"/>
+                <a:cs typeface="Courier New" panose="02070309020205020404" pitchFamily="49" charset="0"/>
+              </a:rPr>
+              <a:t>display</a:t>
+            </a:r>
+          </a:p>
+          <a:p>
+            <a:pPr marL="228600" indent="-228600">
+              <a:buAutoNum type="arabicPeriod"/>
+            </a:pPr>
+            <a:r>
+              <a:rPr lang="en-GB" sz="700" dirty="0" smtClean="0">
+                <a:latin typeface="Courier New" panose="02070309020205020404" pitchFamily="49" charset="0"/>
+                <a:cs typeface="Courier New" panose="02070309020205020404" pitchFamily="49" charset="0"/>
+              </a:rPr>
+              <a:t>Piezo </a:t>
+            </a:r>
+            <a:r>
+              <a:rPr lang="en-GB" sz="700" dirty="0">
+                <a:latin typeface="Courier New" panose="02070309020205020404" pitchFamily="49" charset="0"/>
+                <a:cs typeface="Courier New" panose="02070309020205020404" pitchFamily="49" charset="0"/>
+              </a:rPr>
+              <a:t>buzzer</a:t>
+            </a:r>
+          </a:p>
+          <a:p>
+            <a:pPr marL="228600" indent="-228600">
+              <a:buAutoNum type="arabicPeriod"/>
+            </a:pPr>
+            <a:r>
+              <a:rPr lang="en-GB" sz="700" dirty="0" smtClean="0">
+                <a:latin typeface="Courier New" panose="02070309020205020404" pitchFamily="49" charset="0"/>
+                <a:cs typeface="Courier New" panose="02070309020205020404" pitchFamily="49" charset="0"/>
+              </a:rPr>
+              <a:t>Prototype </a:t>
+            </a:r>
+            <a:r>
+              <a:rPr lang="en-GB" sz="700" dirty="0">
+                <a:latin typeface="Courier New" panose="02070309020205020404" pitchFamily="49" charset="0"/>
+                <a:cs typeface="Courier New" panose="02070309020205020404" pitchFamily="49" charset="0"/>
+              </a:rPr>
+              <a:t>area for user hardware</a:t>
+            </a:r>
+          </a:p>
+          <a:p>
+            <a:pPr marL="228600" indent="-228600">
+              <a:buAutoNum type="arabicPeriod"/>
+            </a:pPr>
+            <a:r>
+              <a:rPr lang="en-GB" sz="700" dirty="0" smtClean="0">
+                <a:latin typeface="Courier New" panose="02070309020205020404" pitchFamily="49" charset="0"/>
+                <a:cs typeface="Courier New" panose="02070309020205020404" pitchFamily="49" charset="0"/>
+              </a:rPr>
+              <a:t>Expansion </a:t>
+            </a:r>
+            <a:r>
+              <a:rPr lang="en-GB" sz="700" dirty="0">
+                <a:latin typeface="Courier New" panose="02070309020205020404" pitchFamily="49" charset="0"/>
+                <a:cs typeface="Courier New" panose="02070309020205020404" pitchFamily="49" charset="0"/>
+              </a:rPr>
+              <a:t>Header for </a:t>
+            </a:r>
+            <a:r>
+              <a:rPr lang="en-GB" sz="700" dirty="0" err="1">
+                <a:latin typeface="Courier New" panose="02070309020205020404" pitchFamily="49" charset="0"/>
+                <a:cs typeface="Courier New" panose="02070309020205020404" pitchFamily="49" charset="0"/>
+              </a:rPr>
+              <a:t>PICtail</a:t>
+            </a:r>
+            <a:r>
+              <a:rPr lang="en-GB" sz="700" dirty="0">
+                <a:latin typeface="Courier New" panose="02070309020205020404" pitchFamily="49" charset="0"/>
+                <a:cs typeface="Courier New" panose="02070309020205020404" pitchFamily="49" charset="0"/>
+              </a:rPr>
+              <a:t>™ daughter card connectivity or user access to</a:t>
+            </a:r>
+          </a:p>
+          <a:p>
+            <a:pPr marL="228600" indent="-228600">
+              <a:buAutoNum type="arabicPeriod"/>
+            </a:pPr>
+            <a:r>
+              <a:rPr lang="en-GB" sz="700" dirty="0" smtClean="0">
+                <a:latin typeface="Courier New" panose="02070309020205020404" pitchFamily="49" charset="0"/>
+                <a:cs typeface="Courier New" panose="02070309020205020404" pitchFamily="49" charset="0"/>
+              </a:rPr>
+              <a:t>MCUs</a:t>
+            </a:r>
+            <a:endParaRPr lang="en-GB" sz="700" dirty="0">
+              <a:latin typeface="Courier New" panose="02070309020205020404" pitchFamily="49" charset="0"/>
+              <a:cs typeface="Courier New" panose="02070309020205020404" pitchFamily="49" charset="0"/>
+            </a:endParaRPr>
+          </a:p>
+          <a:p>
+            <a:pPr marL="228600" indent="-228600">
+              <a:buAutoNum type="arabicPeriod"/>
+            </a:pPr>
+            <a:r>
+              <a:rPr lang="en-GB" sz="700" dirty="0" smtClean="0">
+                <a:latin typeface="Courier New" panose="02070309020205020404" pitchFamily="49" charset="0"/>
+                <a:cs typeface="Courier New" panose="02070309020205020404" pitchFamily="49" charset="0"/>
+              </a:rPr>
+              <a:t>Microchip </a:t>
+            </a:r>
+            <a:r>
+              <a:rPr lang="en-GB" sz="700" dirty="0">
+                <a:latin typeface="Courier New" panose="02070309020205020404" pitchFamily="49" charset="0"/>
+                <a:cs typeface="Courier New" panose="02070309020205020404" pitchFamily="49" charset="0"/>
+              </a:rPr>
+              <a:t>TC74 thermal sensor</a:t>
+            </a:r>
+          </a:p>
+        </p:txBody>
+      </p:sp>
+      <p:sp>
+        <p:nvSpPr>
+          <p:cNvPr id="3" name="Oval 2"/>
+          <p:cNvSpPr/>
+          <p:nvPr/>
+        </p:nvSpPr>
+        <p:spPr>
+          <a:xfrm>
+            <a:off x="1460844" y="2355725"/>
+            <a:ext cx="288032" cy="391739"/>
+          </a:xfrm>
+          <a:prstGeom prst="ellipse">
+            <a:avLst/>
+          </a:prstGeom>
+          <a:noFill/>
+          <a:ln>
+            <a:solidFill>
+              <a:srgbClr val="FF0000"/>
+            </a:solidFill>
+          </a:ln>
+        </p:spPr>
+        <p:style>
+          <a:lnRef idx="2">
+            <a:schemeClr val="accent1">
+              <a:shade val="50000"/>
+            </a:schemeClr>
+          </a:lnRef>
+          <a:fillRef idx="1">
+            <a:schemeClr val="accent1"/>
+          </a:fillRef>
+          <a:effectRef idx="0">
+            <a:schemeClr val="accent1"/>
+          </a:effectRef>
+          <a:fontRef idx="minor">
+            <a:schemeClr val="lt1"/>
+          </a:fontRef>
+        </p:style>
+        <p:txBody>
+          <a:bodyPr rtlCol="0" anchor="ctr"/>
+          <a:lstStyle/>
+          <a:p>
+            <a:pPr algn="ctr"/>
+            <a:endParaRPr lang="en-GB"/>
+          </a:p>
+        </p:txBody>
+      </p:sp>
     </p:spTree>
     <p:extLst>
       <p:ext uri="{BB962C8B-B14F-4D97-AF65-F5344CB8AC3E}">
-        <p14:creationId xmlns:p14="http://schemas.microsoft.com/office/powerpoint/2010/main" val="1666153811"/>
+        <p14:creationId xmlns:p14="http://schemas.microsoft.com/office/powerpoint/2010/main" val="198577357"/>
       </p:ext>
     </p:extLst>
   </p:cSld>
@@ -13931,12 +14856,7 @@
           <a:bodyPr/>
           <a:lstStyle/>
           <a:p>
-            <a:pPr algn="l"/>
-            <a:r>
-              <a:rPr lang="en-GB" dirty="0" smtClean="0"/>
-              <a:t>Hardware</a:t>
-            </a:r>
-            <a:endParaRPr lang="en-GB" dirty="0"/>
+            <a:endParaRPr lang="en-GB"/>
           </a:p>
         </p:txBody>
       </p:sp>
@@ -13955,355 +14875,20 @@
           <a:bodyPr/>
           <a:lstStyle/>
           <a:p>
-            <a:r>
-              <a:rPr lang="en-GB" dirty="0" smtClean="0"/>
-              <a:t>Prototype Board</a:t>
-            </a:r>
             <a:endParaRPr lang="en-GB" dirty="0"/>
-          </a:p>
-          <a:p>
-            <a:r>
-              <a:rPr lang="en-GB" dirty="0" smtClean="0"/>
-              <a:t>Power 5v0</a:t>
-            </a:r>
-          </a:p>
-          <a:p>
-            <a:r>
-              <a:rPr lang="en-GB" dirty="0" smtClean="0"/>
-              <a:t>Programmer</a:t>
-            </a:r>
-          </a:p>
-          <a:p>
-            <a:r>
-              <a:rPr lang="en-GB" dirty="0" smtClean="0"/>
-              <a:t>LEDs &amp; resistors</a:t>
-            </a:r>
-          </a:p>
-          <a:p>
-            <a:r>
-              <a:rPr lang="en-GB" dirty="0" smtClean="0"/>
-              <a:t>Switches &amp; resistors</a:t>
-            </a:r>
-          </a:p>
-          <a:p>
-            <a:r>
-              <a:rPr lang="en-GB" dirty="0" smtClean="0"/>
-              <a:t>SPI device and circuit</a:t>
-            </a:r>
-          </a:p>
-          <a:p>
-            <a:endParaRPr lang="en-GB" dirty="0"/>
-          </a:p>
-        </p:txBody>
-      </p:sp>
-      <p:sp>
-        <p:nvSpPr>
-          <p:cNvPr id="5" name="TextBox 4"/>
-          <p:cNvSpPr txBox="1"/>
-          <p:nvPr/>
-        </p:nvSpPr>
-        <p:spPr>
-          <a:xfrm>
-            <a:off x="2843808" y="1295349"/>
-            <a:ext cx="4356653" cy="3508649"/>
-          </a:xfrm>
-          <a:prstGeom prst="rect">
-            <a:avLst/>
-          </a:prstGeom>
-          <a:solidFill>
-            <a:schemeClr val="bg1"/>
-          </a:solidFill>
-        </p:spPr>
-        <p:txBody>
-          <a:bodyPr wrap="square" lIns="121917" tIns="60958" rIns="121917" bIns="60958" rtlCol="0">
-            <a:spAutoFit/>
-          </a:bodyPr>
-          <a:lstStyle/>
-          <a:p>
-            <a:r>
-              <a:rPr lang="en-GB" sz="1100" dirty="0">
-                <a:latin typeface="Courier New" panose="02070309020205020404" pitchFamily="49" charset="0"/>
-                <a:cs typeface="Courier New" panose="02070309020205020404" pitchFamily="49" charset="0"/>
-              </a:rPr>
-              <a:t>    Hardware</a:t>
-            </a:r>
-          </a:p>
-          <a:p>
-            <a:r>
-              <a:rPr lang="en-GB" sz="1100" dirty="0">
-                <a:latin typeface="Courier New" panose="02070309020205020404" pitchFamily="49" charset="0"/>
-                <a:cs typeface="Courier New" panose="02070309020205020404" pitchFamily="49" charset="0"/>
-              </a:rPr>
-              <a:t>    -------------------PORTA----------------</a:t>
-            </a:r>
-          </a:p>
-          <a:p>
-            <a:r>
-              <a:rPr lang="en-GB" sz="1100" dirty="0">
-                <a:latin typeface="Courier New" panose="02070309020205020404" pitchFamily="49" charset="0"/>
-                <a:cs typeface="Courier New" panose="02070309020205020404" pitchFamily="49" charset="0"/>
-              </a:rPr>
-              <a:t>    Bit#:  -7---6---5---4---3---2---1---0---</a:t>
-            </a:r>
-          </a:p>
-          <a:p>
-            <a:r>
-              <a:rPr lang="en-GB" sz="1100" dirty="0">
-                <a:latin typeface="Courier New" panose="02070309020205020404" pitchFamily="49" charset="0"/>
-                <a:cs typeface="Courier New" panose="02070309020205020404" pitchFamily="49" charset="0"/>
-              </a:rPr>
-              <a:t>    IO:    ----------------</a:t>
-            </a:r>
-            <a:r>
-              <a:rPr lang="en-GB" sz="1100" b="1" dirty="0">
-                <a:latin typeface="Courier New" panose="02070309020205020404" pitchFamily="49" charset="0"/>
-                <a:cs typeface="Courier New" panose="02070309020205020404" pitchFamily="49" charset="0"/>
-              </a:rPr>
-              <a:t>SW</a:t>
-            </a:r>
-            <a:r>
-              <a:rPr lang="en-GB" sz="1100" dirty="0">
-                <a:latin typeface="Courier New" panose="02070309020205020404" pitchFamily="49" charset="0"/>
-                <a:cs typeface="Courier New" panose="02070309020205020404" pitchFamily="49" charset="0"/>
-              </a:rPr>
-              <a:t>----------ADC-- </a:t>
-            </a:r>
-          </a:p>
-          <a:p>
-            <a:r>
-              <a:rPr lang="en-GB" sz="1100" dirty="0">
-                <a:latin typeface="Courier New" panose="02070309020205020404" pitchFamily="49" charset="0"/>
-                <a:cs typeface="Courier New" panose="02070309020205020404" pitchFamily="49" charset="0"/>
-              </a:rPr>
-              <a:t>    ----------------------------------------</a:t>
-            </a:r>
-          </a:p>
-          <a:p>
-            <a:r>
-              <a:rPr lang="en-GB" sz="1100" dirty="0">
-                <a:latin typeface="Courier New" panose="02070309020205020404" pitchFamily="49" charset="0"/>
-                <a:cs typeface="Courier New" panose="02070309020205020404" pitchFamily="49" charset="0"/>
-              </a:rPr>
-              <a:t/>
-            </a:r>
-            <a:br>
-              <a:rPr lang="en-GB" sz="1100" dirty="0">
-                <a:latin typeface="Courier New" panose="02070309020205020404" pitchFamily="49" charset="0"/>
-                <a:cs typeface="Courier New" panose="02070309020205020404" pitchFamily="49" charset="0"/>
-              </a:rPr>
-            </a:br>
-            <a:r>
-              <a:rPr lang="en-GB" sz="1100" dirty="0">
-                <a:latin typeface="Courier New" panose="02070309020205020404" pitchFamily="49" charset="0"/>
-                <a:cs typeface="Courier New" panose="02070309020205020404" pitchFamily="49" charset="0"/>
-              </a:rPr>
-              <a:t>    -------------------PORTB----------------</a:t>
-            </a:r>
-          </a:p>
-          <a:p>
-            <a:r>
-              <a:rPr lang="en-GB" sz="1100" dirty="0">
-                <a:latin typeface="Courier New" panose="02070309020205020404" pitchFamily="49" charset="0"/>
-                <a:cs typeface="Courier New" panose="02070309020205020404" pitchFamily="49" charset="0"/>
-              </a:rPr>
-              <a:t>    Bit#:  -7---6---5---4---3---2---1---0---</a:t>
-            </a:r>
-          </a:p>
-          <a:p>
-            <a:r>
-              <a:rPr lang="en-GB" sz="1100" dirty="0">
-                <a:latin typeface="Courier New" panose="02070309020205020404" pitchFamily="49" charset="0"/>
-                <a:cs typeface="Courier New" panose="02070309020205020404" pitchFamily="49" charset="0"/>
-              </a:rPr>
-              <a:t>    IO:    ----------------</a:t>
-            </a:r>
-            <a:r>
-              <a:rPr lang="en-GB" sz="1100" b="1" dirty="0">
-                <a:latin typeface="Courier New" panose="02070309020205020404" pitchFamily="49" charset="0"/>
-                <a:cs typeface="Courier New" panose="02070309020205020404" pitchFamily="49" charset="0"/>
-              </a:rPr>
-              <a:t>LED-LED-LED-LED</a:t>
-            </a:r>
-            <a:r>
-              <a:rPr lang="en-GB" sz="1100" dirty="0">
-                <a:latin typeface="Courier New" panose="02070309020205020404" pitchFamily="49" charset="0"/>
-                <a:cs typeface="Courier New" panose="02070309020205020404" pitchFamily="49" charset="0"/>
-              </a:rPr>
-              <a:t>--</a:t>
-            </a:r>
-          </a:p>
-          <a:p>
-            <a:r>
-              <a:rPr lang="en-GB" sz="1100" dirty="0">
-                <a:latin typeface="Courier New" panose="02070309020205020404" pitchFamily="49" charset="0"/>
-                <a:cs typeface="Courier New" panose="02070309020205020404" pitchFamily="49" charset="0"/>
-              </a:rPr>
-              <a:t>    ----------------------------------------</a:t>
-            </a:r>
-          </a:p>
-          <a:p>
-            <a:r>
-              <a:rPr lang="en-GB" sz="1100" dirty="0">
-                <a:latin typeface="Courier New" panose="02070309020205020404" pitchFamily="49" charset="0"/>
-                <a:cs typeface="Courier New" panose="02070309020205020404" pitchFamily="49" charset="0"/>
-              </a:rPr>
-              <a:t>    </a:t>
-            </a:r>
-          </a:p>
-          <a:p>
-            <a:r>
-              <a:rPr lang="en-GB" sz="1100" dirty="0">
-                <a:latin typeface="Courier New" panose="02070309020205020404" pitchFamily="49" charset="0"/>
-                <a:cs typeface="Courier New" panose="02070309020205020404" pitchFamily="49" charset="0"/>
-              </a:rPr>
-              <a:t>    ------------------PORTC-----------------</a:t>
-            </a:r>
-          </a:p>
-          <a:p>
-            <a:r>
-              <a:rPr lang="en-GB" sz="1100" dirty="0">
-                <a:latin typeface="Courier New" panose="02070309020205020404" pitchFamily="49" charset="0"/>
-                <a:cs typeface="Courier New" panose="02070309020205020404" pitchFamily="49" charset="0"/>
-              </a:rPr>
-              <a:t>    Bit#:  -X---6---5---4---3---2---1---0---</a:t>
-            </a:r>
-          </a:p>
-          <a:p>
-            <a:r>
-              <a:rPr lang="en-GB" sz="1100" dirty="0">
-                <a:latin typeface="Courier New" panose="02070309020205020404" pitchFamily="49" charset="0"/>
-                <a:cs typeface="Courier New" panose="02070309020205020404" pitchFamily="49" charset="0"/>
-              </a:rPr>
-              <a:t>    IO:    -</a:t>
-            </a:r>
-            <a:r>
-              <a:rPr lang="en-GB" sz="1100" b="1" dirty="0">
-                <a:latin typeface="Courier New" panose="02070309020205020404" pitchFamily="49" charset="0"/>
-                <a:cs typeface="Courier New" panose="02070309020205020404" pitchFamily="49" charset="0"/>
-              </a:rPr>
-              <a:t>^</a:t>
-            </a:r>
-            <a:r>
-              <a:rPr lang="en-GB" sz="1100" dirty="0">
-                <a:latin typeface="Courier New" panose="02070309020205020404" pitchFamily="49" charset="0"/>
-                <a:cs typeface="Courier New" panose="02070309020205020404" pitchFamily="49" charset="0"/>
-              </a:rPr>
-              <a:t>--</a:t>
-            </a:r>
-            <a:r>
-              <a:rPr lang="en-GB" sz="1100" b="1" dirty="0">
-                <a:latin typeface="Courier New" panose="02070309020205020404" pitchFamily="49" charset="0"/>
-                <a:cs typeface="Courier New" panose="02070309020205020404" pitchFamily="49" charset="0"/>
-              </a:rPr>
-              <a:t>TX</a:t>
-            </a:r>
-            <a:r>
-              <a:rPr lang="en-GB" sz="1100" dirty="0">
-                <a:latin typeface="Courier New" panose="02070309020205020404" pitchFamily="49" charset="0"/>
-                <a:cs typeface="Courier New" panose="02070309020205020404" pitchFamily="49" charset="0"/>
-              </a:rPr>
-              <a:t>-</a:t>
-            </a:r>
-            <a:r>
-              <a:rPr lang="en-GB" sz="1100" dirty="0" smtClean="0">
-                <a:latin typeface="Courier New" panose="02070309020205020404" pitchFamily="49" charset="0"/>
-                <a:cs typeface="Courier New" panose="02070309020205020404" pitchFamily="49" charset="0"/>
-              </a:rPr>
-              <a:t>--------------------------</a:t>
-            </a:r>
-            <a:endParaRPr lang="en-GB" sz="1100" dirty="0">
-              <a:latin typeface="Courier New" panose="02070309020205020404" pitchFamily="49" charset="0"/>
-              <a:cs typeface="Courier New" panose="02070309020205020404" pitchFamily="49" charset="0"/>
-            </a:endParaRPr>
-          </a:p>
-          <a:p>
-            <a:r>
-              <a:rPr lang="en-GB" sz="1100" dirty="0">
-                <a:latin typeface="Courier New" panose="02070309020205020404" pitchFamily="49" charset="0"/>
-                <a:cs typeface="Courier New" panose="02070309020205020404" pitchFamily="49" charset="0"/>
-              </a:rPr>
-              <a:t>    -----</a:t>
-            </a:r>
-            <a:r>
-              <a:rPr lang="en-GB" sz="1100" b="1" dirty="0">
-                <a:latin typeface="Courier New" panose="02070309020205020404" pitchFamily="49" charset="0"/>
-                <a:cs typeface="Courier New" panose="02070309020205020404" pitchFamily="49" charset="0"/>
-              </a:rPr>
-              <a:t>VDDIO2</a:t>
-            </a:r>
-            <a:r>
-              <a:rPr lang="en-GB" sz="1100" dirty="0">
-                <a:latin typeface="Courier New" panose="02070309020205020404" pitchFamily="49" charset="0"/>
-                <a:cs typeface="Courier New" panose="02070309020205020404" pitchFamily="49" charset="0"/>
-              </a:rPr>
-              <a:t>----------------------------- </a:t>
-            </a:r>
-          </a:p>
-          <a:p>
-            <a:r>
-              <a:rPr lang="en-GB" sz="1100" dirty="0">
-                <a:latin typeface="Courier New" panose="02070309020205020404" pitchFamily="49" charset="0"/>
-                <a:cs typeface="Courier New" panose="02070309020205020404" pitchFamily="49" charset="0"/>
-              </a:rPr>
-              <a:t>    You must apply correct Voltage</a:t>
-            </a:r>
-          </a:p>
-          <a:p>
-            <a:r>
-              <a:rPr lang="en-GB" sz="1100" dirty="0">
-                <a:latin typeface="Courier New" panose="02070309020205020404" pitchFamily="49" charset="0"/>
-                <a:cs typeface="Courier New" panose="02070309020205020404" pitchFamily="49" charset="0"/>
-              </a:rPr>
-              <a:t>   </a:t>
-            </a:r>
-          </a:p>
-          <a:p>
-            <a:r>
-              <a:rPr lang="en-GB" sz="1100" dirty="0">
-                <a:latin typeface="Courier New" panose="02070309020205020404" pitchFamily="49" charset="0"/>
-                <a:cs typeface="Courier New" panose="02070309020205020404" pitchFamily="49" charset="0"/>
-              </a:rPr>
-              <a:t>    ------------------PORTE-----------------</a:t>
-            </a:r>
-          </a:p>
-          <a:p>
-            <a:r>
-              <a:rPr lang="en-GB" sz="1100" dirty="0">
-                <a:latin typeface="Courier New" panose="02070309020205020404" pitchFamily="49" charset="0"/>
-                <a:cs typeface="Courier New" panose="02070309020205020404" pitchFamily="49" charset="0"/>
-              </a:rPr>
-              <a:t>    Bit#:  -----------------3---------------</a:t>
-            </a:r>
-          </a:p>
-          <a:p>
-            <a:r>
-              <a:rPr lang="en-GB" sz="1100" dirty="0">
-                <a:latin typeface="Courier New" panose="02070309020205020404" pitchFamily="49" charset="0"/>
-                <a:cs typeface="Courier New" panose="02070309020205020404" pitchFamily="49" charset="0"/>
-              </a:rPr>
-              <a:t>    IO:    ----------------SW---------------</a:t>
-            </a:r>
           </a:p>
         </p:txBody>
       </p:sp>
     </p:spTree>
     <p:extLst>
       <p:ext uri="{BB962C8B-B14F-4D97-AF65-F5344CB8AC3E}">
-        <p14:creationId xmlns:p14="http://schemas.microsoft.com/office/powerpoint/2010/main" val="3213168251"/>
+        <p14:creationId xmlns:p14="http://schemas.microsoft.com/office/powerpoint/2010/main" val="3386970738"/>
       </p:ext>
     </p:extLst>
   </p:cSld>
   <p:clrMapOvr>
     <a:masterClrMapping/>
   </p:clrMapOvr>
-  <mc:AlternateContent xmlns:mc="http://schemas.openxmlformats.org/markup-compatibility/2006" xmlns:p14="http://schemas.microsoft.com/office/powerpoint/2010/main">
-    <mc:Choice Requires="p14">
-      <p:transition spd="slow" p14:dur="2000"/>
-    </mc:Choice>
-    <mc:Fallback xmlns="">
-      <p:transition spd="slow"/>
-    </mc:Fallback>
-  </mc:AlternateContent>
   <p:timing>
     <p:tnLst>
       <p:par>
@@ -14505,7 +15090,7 @@
   <a:extraClrSchemeLst/>
   <a:extLst>
     <a:ext uri="{05A4C25C-085E-4340-85A3-A5531E510DB2}">
-      <thm15:themeFamily xmlns="" xmlns:thm15="http://schemas.microsoft.com/office/thememl/2012/main" name="GCstudioThemeLight" id="{4C740F94-33C0-4EEC-9234-F56C348A0987}" vid="{A43F8B96-90D8-489D-B80F-92F9D6F351CC}"/>
+      <thm15:themeFamily xmlns:thm15="http://schemas.microsoft.com/office/thememl/2012/main" xmlns="" name="GCstudioThemeLight" id="{4C740F94-33C0-4EEC-9234-F56C348A0987}" vid="{A43F8B96-90D8-489D-B80F-92F9D6F351CC}"/>
     </a:ext>
   </a:extLst>
 </a:theme>
@@ -15075,47 +15660,4 @@
   <a:objectDefaults/>
   <a:extraClrSchemeLst/>
 </a:theme>
-</file>
-
-<file path=ppt/theme/themeOverride1.xml><?xml version="1.0" encoding="utf-8"?>
-<a:themeOverride xmlns:a="http://schemas.openxmlformats.org/drawingml/2006/main">
-  <a:clrScheme name="Blue">
-    <a:dk1>
-      <a:sysClr val="windowText" lastClr="000000"/>
-    </a:dk1>
-    <a:lt1>
-      <a:sysClr val="window" lastClr="FFFFFF"/>
-    </a:lt1>
-    <a:dk2>
-      <a:srgbClr val="17406D"/>
-    </a:dk2>
-    <a:lt2>
-      <a:srgbClr val="DBEFF9"/>
-    </a:lt2>
-    <a:accent1>
-      <a:srgbClr val="0F6FC6"/>
-    </a:accent1>
-    <a:accent2>
-      <a:srgbClr val="009DD9"/>
-    </a:accent2>
-    <a:accent3>
-      <a:srgbClr val="0BD0D9"/>
-    </a:accent3>
-    <a:accent4>
-      <a:srgbClr val="10CF9B"/>
-    </a:accent4>
-    <a:accent5>
-      <a:srgbClr val="7CCA62"/>
-    </a:accent5>
-    <a:accent6>
-      <a:srgbClr val="A5C249"/>
-    </a:accent6>
-    <a:hlink>
-      <a:srgbClr val="F49100"/>
-    </a:hlink>
-    <a:folHlink>
-      <a:srgbClr val="85DFD0"/>
-    </a:folHlink>
-  </a:clrScheme>
-</a:themeOverride>
 </file>